--- a/short_class_lectures/Lecture_4-LTI_Systems/linear_time_invariant_systems.pptx
+++ b/short_class_lectures/Lecture_4-LTI_Systems/linear_time_invariant_systems.pptx
@@ -5,10 +5,10 @@
     <p:sldMasterId id="2147483648" r:id="rId1"/>
   </p:sldMasterIdLst>
   <p:notesMasterIdLst>
-    <p:notesMasterId r:id="rId28"/>
+    <p:notesMasterId r:id="rId23"/>
   </p:notesMasterIdLst>
   <p:handoutMasterIdLst>
-    <p:handoutMasterId r:id="rId29"/>
+    <p:handoutMasterId r:id="rId24"/>
   </p:handoutMasterIdLst>
   <p:sldIdLst>
     <p:sldId id="256" r:id="rId2"/>
@@ -20,23 +20,18 @@
     <p:sldId id="510" r:id="rId8"/>
     <p:sldId id="508" r:id="rId9"/>
     <p:sldId id="494" r:id="rId10"/>
-    <p:sldId id="529" r:id="rId11"/>
-    <p:sldId id="512" r:id="rId12"/>
-    <p:sldId id="530" r:id="rId13"/>
-    <p:sldId id="531" r:id="rId14"/>
-    <p:sldId id="559" r:id="rId15"/>
-    <p:sldId id="542" r:id="rId16"/>
-    <p:sldId id="537" r:id="rId17"/>
-    <p:sldId id="556" r:id="rId18"/>
-    <p:sldId id="515" r:id="rId19"/>
-    <p:sldId id="538" r:id="rId20"/>
-    <p:sldId id="533" r:id="rId21"/>
-    <p:sldId id="554" r:id="rId22"/>
-    <p:sldId id="539" r:id="rId23"/>
-    <p:sldId id="540" r:id="rId24"/>
-    <p:sldId id="560" r:id="rId25"/>
-    <p:sldId id="555" r:id="rId26"/>
-    <p:sldId id="558" r:id="rId27"/>
+    <p:sldId id="560" r:id="rId11"/>
+    <p:sldId id="529" r:id="rId12"/>
+    <p:sldId id="512" r:id="rId13"/>
+    <p:sldId id="530" r:id="rId14"/>
+    <p:sldId id="531" r:id="rId15"/>
+    <p:sldId id="559" r:id="rId16"/>
+    <p:sldId id="542" r:id="rId17"/>
+    <p:sldId id="537" r:id="rId18"/>
+    <p:sldId id="556" r:id="rId19"/>
+    <p:sldId id="515" r:id="rId20"/>
+    <p:sldId id="538" r:id="rId21"/>
+    <p:sldId id="533" r:id="rId22"/>
   </p:sldIdLst>
   <p:sldSz cx="9144000" cy="6858000" type="screen4x3"/>
   <p:notesSz cx="6858000" cy="9144000"/>
@@ -299,7 +294,7 @@
               <a:pPr>
                 <a:defRPr/>
               </a:pPr>
-              <a:t>1/1/26</a:t>
+              <a:t>1/9/26</a:t>
             </a:fld>
             <a:endParaRPr lang="en-US" altLang="x-none"/>
           </a:p>
@@ -508,7 +503,7 @@
               <a:pPr>
                 <a:defRPr/>
               </a:pPr>
-              <a:t>1/1/26</a:t>
+              <a:t>1/9/26</a:t>
             </a:fld>
             <a:endParaRPr lang="en-US" altLang="x-none"/>
           </a:p>
@@ -988,111 +983,6 @@
         </p:txBody>
       </p:sp>
     </p:spTree>
-  </p:cSld>
-  <p:clrMapOvr>
-    <a:masterClrMapping/>
-  </p:clrMapOvr>
-</p:notes>
-</file>
-
-<file path=ppt/notesSlides/notesSlide2.xml><?xml version="1.0" encoding="utf-8"?>
-<p:notes xmlns:a="http://schemas.openxmlformats.org/drawingml/2006/main" xmlns:r="http://schemas.openxmlformats.org/officeDocument/2006/relationships" xmlns:p="http://schemas.openxmlformats.org/presentationml/2006/main">
-  <p:cSld>
-    <p:spTree>
-      <p:nvGrpSpPr>
-        <p:cNvPr id="1" name=""/>
-        <p:cNvGrpSpPr/>
-        <p:nvPr/>
-      </p:nvGrpSpPr>
-      <p:grpSpPr>
-        <a:xfrm>
-          <a:off x="0" y="0"/>
-          <a:ext cx="0" cy="0"/>
-          <a:chOff x="0" y="0"/>
-          <a:chExt cx="0" cy="0"/>
-        </a:xfrm>
-      </p:grpSpPr>
-      <p:sp>
-        <p:nvSpPr>
-          <p:cNvPr id="2" name="Slide Image Placeholder 1"/>
-          <p:cNvSpPr>
-            <a:spLocks noGrp="1" noRot="1" noChangeAspect="1"/>
-          </p:cNvSpPr>
-          <p:nvPr>
-            <p:ph type="sldImg"/>
-          </p:nvPr>
-        </p:nvSpPr>
-        <p:spPr/>
-      </p:sp>
-      <p:sp>
-        <p:nvSpPr>
-          <p:cNvPr id="3" name="Notes Placeholder 2"/>
-          <p:cNvSpPr>
-            <a:spLocks noGrp="1"/>
-          </p:cNvSpPr>
-          <p:nvPr>
-            <p:ph type="body" idx="1"/>
-          </p:nvPr>
-        </p:nvSpPr>
-        <p:spPr/>
-        <p:txBody>
-          <a:bodyPr/>
-          <a:lstStyle/>
-          <a:p>
-            <a:r>
-              <a:rPr lang="en-US" dirty="0"/>
-              <a:t>DC gain for constant amplification: 5</a:t>
-            </a:r>
-          </a:p>
-          <a:p>
-            <a:r>
-              <a:rPr lang="en-US" dirty="0"/>
-              <a:t>DC gain for exponential: 1/a</a:t>
-            </a:r>
-          </a:p>
-          <a:p>
-            <a:r>
-              <a:rPr lang="en-US" dirty="0"/>
-              <a:t>DC gain for filter: 1</a:t>
-            </a:r>
-          </a:p>
-        </p:txBody>
-      </p:sp>
-      <p:sp>
-        <p:nvSpPr>
-          <p:cNvPr id="4" name="Slide Number Placeholder 3"/>
-          <p:cNvSpPr>
-            <a:spLocks noGrp="1"/>
-          </p:cNvSpPr>
-          <p:nvPr>
-            <p:ph type="sldNum" sz="quarter" idx="5"/>
-          </p:nvPr>
-        </p:nvSpPr>
-        <p:spPr/>
-        <p:txBody>
-          <a:bodyPr/>
-          <a:lstStyle/>
-          <a:p>
-            <a:pPr>
-              <a:defRPr/>
-            </a:pPr>
-            <a:fld id="{1E3608CA-DBCA-4E8F-8DAB-6E1AFAF19782}" type="slidenum">
-              <a:rPr lang="en-US" altLang="x-none" smtClean="0"/>
-              <a:pPr>
-                <a:defRPr/>
-              </a:pPr>
-              <a:t>23</a:t>
-            </a:fld>
-            <a:endParaRPr lang="en-US" altLang="x-none"/>
-          </a:p>
-        </p:txBody>
-      </p:sp>
-    </p:spTree>
-    <p:extLst>
-      <p:ext uri="{BB962C8B-B14F-4D97-AF65-F5344CB8AC3E}">
-        <p14:creationId xmlns:p14="http://schemas.microsoft.com/office/powerpoint/2010/main" val="970221371"/>
-      </p:ext>
-    </p:extLst>
   </p:cSld>
   <p:clrMapOvr>
     <a:masterClrMapping/>
@@ -5393,6 +5283,959 @@
   <p:cSld>
     <p:spTree>
       <p:nvGrpSpPr>
+        <p:cNvPr id="1" name="">
+          <a:extLst>
+            <a:ext uri="{FF2B5EF4-FFF2-40B4-BE49-F238E27FC236}">
+              <a16:creationId xmlns:a16="http://schemas.microsoft.com/office/drawing/2014/main" id="{492C95E2-3C45-2BEF-118A-A3963BD3DEDB}"/>
+            </a:ext>
+          </a:extLst>
+        </p:cNvPr>
+        <p:cNvGrpSpPr/>
+        <p:nvPr/>
+      </p:nvGrpSpPr>
+      <p:grpSpPr>
+        <a:xfrm>
+          <a:off x="0" y="0"/>
+          <a:ext cx="0" cy="0"/>
+          <a:chOff x="0" y="0"/>
+          <a:chExt cx="0" cy="0"/>
+        </a:xfrm>
+      </p:grpSpPr>
+      <p:sp>
+        <p:nvSpPr>
+          <p:cNvPr id="2" name="Title 1">
+            <a:extLst>
+              <a:ext uri="{FF2B5EF4-FFF2-40B4-BE49-F238E27FC236}">
+                <a16:creationId xmlns:a16="http://schemas.microsoft.com/office/drawing/2014/main" id="{07B3EAD4-70EA-9615-FBE2-A3C4CDCC1FA8}"/>
+              </a:ext>
+            </a:extLst>
+          </p:cNvPr>
+          <p:cNvSpPr>
+            <a:spLocks noGrp="1"/>
+          </p:cNvSpPr>
+          <p:nvPr>
+            <p:ph type="title"/>
+          </p:nvPr>
+        </p:nvSpPr>
+        <p:spPr>
+          <a:xfrm>
+            <a:off x="457200" y="381000"/>
+            <a:ext cx="3731342" cy="838200"/>
+          </a:xfrm>
+        </p:spPr>
+        <p:txBody>
+          <a:bodyPr/>
+          <a:lstStyle/>
+          <a:p>
+            <a:r>
+              <a:rPr lang="en-US" dirty="0"/>
+              <a:t>Summary</a:t>
+            </a:r>
+            <a:endParaRPr lang="en-US" i="1" u="sng" dirty="0"/>
+          </a:p>
+        </p:txBody>
+      </p:sp>
+      <mc:AlternateContent xmlns:mc="http://schemas.openxmlformats.org/markup-compatibility/2006" xmlns:a14="http://schemas.microsoft.com/office/drawing/2010/main">
+        <mc:Choice Requires="a14">
+          <p:sp>
+            <p:nvSpPr>
+              <p:cNvPr id="3" name="Content Placeholder 2">
+                <a:extLst>
+                  <a:ext uri="{FF2B5EF4-FFF2-40B4-BE49-F238E27FC236}">
+                    <a16:creationId xmlns:a16="http://schemas.microsoft.com/office/drawing/2014/main" id="{493798A1-8A22-5602-006B-807956883D9D}"/>
+                  </a:ext>
+                </a:extLst>
+              </p:cNvPr>
+              <p:cNvSpPr>
+                <a:spLocks noGrp="1"/>
+              </p:cNvSpPr>
+              <p:nvPr>
+                <p:ph idx="1"/>
+              </p:nvPr>
+            </p:nvSpPr>
+            <p:spPr>
+              <a:xfrm>
+                <a:off x="759415" y="1219200"/>
+                <a:ext cx="7051086" cy="661387"/>
+              </a:xfrm>
+            </p:spPr>
+            <p:txBody>
+              <a:bodyPr/>
+              <a:lstStyle/>
+              <a:p>
+                <a:pPr marL="0" indent="0">
+                  <a:buNone/>
+                </a:pPr>
+                <a:r>
+                  <a:rPr lang="en-US" dirty="0"/>
+                  <a:t>The dominant pole is </a:t>
+                </a:r>
+                <a14:m>
+                  <m:oMath xmlns:m="http://schemas.openxmlformats.org/officeDocument/2006/math">
+                    <m:sSup>
+                      <m:sSupPr>
+                        <m:ctrlPr>
+                          <a:rPr lang="en-US" i="1">
+                            <a:latin typeface="Cambria Math" panose="02040503050406030204" pitchFamily="18" charset="0"/>
+                          </a:rPr>
+                        </m:ctrlPr>
+                      </m:sSupPr>
+                      <m:e>
+                        <m:r>
+                          <a:rPr lang="en-US" i="1">
+                            <a:latin typeface="Cambria Math" panose="02040503050406030204" pitchFamily="18" charset="0"/>
+                          </a:rPr>
+                          <m:t>𝑝</m:t>
+                        </m:r>
+                      </m:e>
+                      <m:sup>
+                        <m:r>
+                          <a:rPr lang="en-US" i="1">
+                            <a:latin typeface="Cambria Math" panose="02040503050406030204" pitchFamily="18" charset="0"/>
+                          </a:rPr>
+                          <m:t>∗</m:t>
+                        </m:r>
+                      </m:sup>
+                    </m:sSup>
+                    <m:r>
+                      <a:rPr lang="en-US" b="0" i="1" smtClean="0">
+                        <a:latin typeface="Cambria Math" panose="02040503050406030204" pitchFamily="18" charset="0"/>
+                      </a:rPr>
+                      <m:t>=(</m:t>
+                    </m:r>
+                    <m:r>
+                      <a:rPr lang="en-US" b="0" i="1" smtClean="0">
+                        <a:latin typeface="Cambria Math" panose="02040503050406030204" pitchFamily="18" charset="0"/>
+                      </a:rPr>
+                      <m:t>𝑟𝑒</m:t>
+                    </m:r>
+                    <m:r>
+                      <a:rPr lang="en-US" b="0" i="1" smtClean="0">
+                        <a:latin typeface="Cambria Math" panose="02040503050406030204" pitchFamily="18" charset="0"/>
+                      </a:rPr>
+                      <m:t>(</m:t>
+                    </m:r>
+                    <m:sSup>
+                      <m:sSupPr>
+                        <m:ctrlPr>
+                          <a:rPr lang="en-US" i="1">
+                            <a:latin typeface="Cambria Math" panose="02040503050406030204" pitchFamily="18" charset="0"/>
+                          </a:rPr>
+                        </m:ctrlPr>
+                      </m:sSupPr>
+                      <m:e>
+                        <m:r>
+                          <a:rPr lang="en-US" i="1">
+                            <a:latin typeface="Cambria Math" panose="02040503050406030204" pitchFamily="18" charset="0"/>
+                          </a:rPr>
+                          <m:t>𝑝</m:t>
+                        </m:r>
+                      </m:e>
+                      <m:sup>
+                        <m:r>
+                          <a:rPr lang="en-US" i="1">
+                            <a:latin typeface="Cambria Math" panose="02040503050406030204" pitchFamily="18" charset="0"/>
+                          </a:rPr>
+                          <m:t>∗</m:t>
+                        </m:r>
+                      </m:sup>
+                    </m:sSup>
+                    <m:r>
+                      <a:rPr lang="en-US" b="0" i="1" smtClean="0">
+                        <a:latin typeface="Cambria Math" panose="02040503050406030204" pitchFamily="18" charset="0"/>
+                      </a:rPr>
+                      <m:t>), </m:t>
+                    </m:r>
+                    <m:r>
+                      <a:rPr lang="en-US" b="0" i="1" smtClean="0">
+                        <a:latin typeface="Cambria Math" panose="02040503050406030204" pitchFamily="18" charset="0"/>
+                      </a:rPr>
+                      <m:t>𝑖𝑚</m:t>
+                    </m:r>
+                    <m:r>
+                      <a:rPr lang="en-US" b="0" i="1" smtClean="0">
+                        <a:latin typeface="Cambria Math" panose="02040503050406030204" pitchFamily="18" charset="0"/>
+                      </a:rPr>
+                      <m:t>(</m:t>
+                    </m:r>
+                    <m:sSup>
+                      <m:sSupPr>
+                        <m:ctrlPr>
+                          <a:rPr lang="en-US" i="1">
+                            <a:latin typeface="Cambria Math" panose="02040503050406030204" pitchFamily="18" charset="0"/>
+                          </a:rPr>
+                        </m:ctrlPr>
+                      </m:sSupPr>
+                      <m:e>
+                        <m:r>
+                          <a:rPr lang="en-US" i="1">
+                            <a:latin typeface="Cambria Math" panose="02040503050406030204" pitchFamily="18" charset="0"/>
+                          </a:rPr>
+                          <m:t>𝑝</m:t>
+                        </m:r>
+                      </m:e>
+                      <m:sup>
+                        <m:r>
+                          <a:rPr lang="en-US" i="1">
+                            <a:latin typeface="Cambria Math" panose="02040503050406030204" pitchFamily="18" charset="0"/>
+                          </a:rPr>
+                          <m:t>∗</m:t>
+                        </m:r>
+                      </m:sup>
+                    </m:sSup>
+                    <m:r>
+                      <a:rPr lang="en-US" b="0" i="1" smtClean="0">
+                        <a:latin typeface="Cambria Math" panose="02040503050406030204" pitchFamily="18" charset="0"/>
+                      </a:rPr>
+                      <m:t>))</m:t>
+                    </m:r>
+                  </m:oMath>
+                </a14:m>
+                <a:endParaRPr lang="en-US" dirty="0"/>
+              </a:p>
+              <a:p>
+                <a:pPr marL="0" indent="0">
+                  <a:buNone/>
+                </a:pPr>
+                <a:endParaRPr lang="en-US" dirty="0"/>
+              </a:p>
+            </p:txBody>
+          </p:sp>
+        </mc:Choice>
+        <mc:Fallback xmlns="">
+          <p:sp>
+            <p:nvSpPr>
+              <p:cNvPr id="3" name="Content Placeholder 2">
+                <a:extLst>
+                  <a:ext uri="{FF2B5EF4-FFF2-40B4-BE49-F238E27FC236}">
+                    <a16:creationId xmlns:a16="http://schemas.microsoft.com/office/drawing/2014/main" id="{0697272E-D46F-6E42-BC9C-FBF77FC051E9}"/>
+                  </a:ext>
+                </a:extLst>
+              </p:cNvPr>
+              <p:cNvSpPr>
+                <a:spLocks noGrp="1" noRot="1" noChangeAspect="1" noMove="1" noResize="1" noEditPoints="1" noAdjustHandles="1" noChangeArrowheads="1" noChangeShapeType="1" noTextEdit="1"/>
+              </p:cNvSpPr>
+              <p:nvPr>
+                <p:ph idx="1"/>
+              </p:nvPr>
+            </p:nvSpPr>
+            <p:spPr>
+              <a:xfrm>
+                <a:off x="759415" y="1219200"/>
+                <a:ext cx="7051086" cy="661387"/>
+              </a:xfrm>
+              <a:blipFill>
+                <a:blip r:embed="rId2"/>
+                <a:stretch>
+                  <a:fillRect l="-1982" t="-11538" b="-3846"/>
+                </a:stretch>
+              </a:blipFill>
+            </p:spPr>
+            <p:txBody>
+              <a:bodyPr/>
+              <a:lstStyle/>
+              <a:p>
+                <a:r>
+                  <a:rPr lang="en-US">
+                    <a:noFill/>
+                  </a:rPr>
+                  <a:t> </a:t>
+                </a:r>
+              </a:p>
+            </p:txBody>
+          </p:sp>
+        </mc:Fallback>
+      </mc:AlternateContent>
+      <p:sp>
+        <p:nvSpPr>
+          <p:cNvPr id="4" name="Slide Number Placeholder 3">
+            <a:extLst>
+              <a:ext uri="{FF2B5EF4-FFF2-40B4-BE49-F238E27FC236}">
+                <a16:creationId xmlns:a16="http://schemas.microsoft.com/office/drawing/2014/main" id="{F759041B-A48D-D986-C9B8-C17BA16F0A7B}"/>
+              </a:ext>
+            </a:extLst>
+          </p:cNvPr>
+          <p:cNvSpPr>
+            <a:spLocks noGrp="1"/>
+          </p:cNvSpPr>
+          <p:nvPr>
+            <p:ph type="sldNum" sz="quarter" idx="11"/>
+          </p:nvPr>
+        </p:nvSpPr>
+        <p:spPr/>
+        <p:txBody>
+          <a:bodyPr/>
+          <a:lstStyle/>
+          <a:p>
+            <a:pPr>
+              <a:defRPr/>
+            </a:pPr>
+            <a:fld id="{3EF4E9CC-9D91-476E-91FD-5BEEC1642931}" type="slidenum">
+              <a:rPr lang="en-US" altLang="x-none" smtClean="0"/>
+              <a:pPr>
+                <a:defRPr/>
+              </a:pPr>
+              <a:t>10</a:t>
+            </a:fld>
+            <a:endParaRPr lang="en-US" altLang="x-none"/>
+          </a:p>
+        </p:txBody>
+      </p:sp>
+      <p:sp>
+        <p:nvSpPr>
+          <p:cNvPr id="6" name="TextBox 5">
+            <a:extLst>
+              <a:ext uri="{FF2B5EF4-FFF2-40B4-BE49-F238E27FC236}">
+                <a16:creationId xmlns:a16="http://schemas.microsoft.com/office/drawing/2014/main" id="{961D0EED-6B27-1AB3-CF0C-BF563EE06552}"/>
+              </a:ext>
+            </a:extLst>
+          </p:cNvPr>
+          <p:cNvSpPr txBox="1"/>
+          <p:nvPr/>
+        </p:nvSpPr>
+        <p:spPr>
+          <a:xfrm>
+            <a:off x="1248697" y="5666878"/>
+            <a:ext cx="6378669" cy="369332"/>
+          </a:xfrm>
+          <a:prstGeom prst="rect">
+            <a:avLst/>
+          </a:prstGeom>
+          <a:noFill/>
+        </p:spPr>
+        <p:txBody>
+          <a:bodyPr wrap="none" rtlCol="0">
+            <a:spAutoFit/>
+          </a:bodyPr>
+          <a:lstStyle/>
+          <a:p>
+            <a:r>
+              <a:rPr lang="en-US" dirty="0"/>
+              <a:t>Signals with more negative poles have shorter settling times.</a:t>
+            </a:r>
+          </a:p>
+        </p:txBody>
+      </p:sp>
+      <mc:AlternateContent xmlns:mc="http://schemas.openxmlformats.org/markup-compatibility/2006" xmlns:a14="http://schemas.microsoft.com/office/drawing/2010/main">
+        <mc:Choice Requires="a14">
+          <p:sp>
+            <p:nvSpPr>
+              <p:cNvPr id="10" name="TextBox 9">
+                <a:extLst>
+                  <a:ext uri="{FF2B5EF4-FFF2-40B4-BE49-F238E27FC236}">
+                    <a16:creationId xmlns:a16="http://schemas.microsoft.com/office/drawing/2014/main" id="{6B88EBF5-2D91-DF7D-DE36-F08CC330284F}"/>
+                  </a:ext>
+                </a:extLst>
+              </p:cNvPr>
+              <p:cNvSpPr txBox="1"/>
+              <p:nvPr/>
+            </p:nvSpPr>
+            <p:spPr>
+              <a:xfrm>
+                <a:off x="4714733" y="307156"/>
+                <a:ext cx="4572000" cy="461665"/>
+              </a:xfrm>
+              <a:prstGeom prst="rect">
+                <a:avLst/>
+              </a:prstGeom>
+              <a:noFill/>
+            </p:spPr>
+            <p:txBody>
+              <a:bodyPr wrap="square">
+                <a:spAutoFit/>
+              </a:bodyPr>
+              <a:lstStyle/>
+              <a:p>
+                <a:pPr/>
+                <a14:m>
+                  <m:oMathPara xmlns:m="http://schemas.openxmlformats.org/officeDocument/2006/math">
+                    <m:oMathParaPr>
+                      <m:jc m:val="centerGroup"/>
+                    </m:oMathParaPr>
+                    <m:oMath xmlns:m="http://schemas.openxmlformats.org/officeDocument/2006/math">
+                      <m:r>
+                        <m:rPr>
+                          <m:sty m:val="p"/>
+                        </m:rPr>
+                        <a:rPr lang="en-US" sz="2400" b="0" i="0" smtClean="0">
+                          <a:latin typeface="Cambria Math" panose="02040503050406030204" pitchFamily="18" charset="0"/>
+                        </a:rPr>
+                        <m:t>y</m:t>
+                      </m:r>
+                      <m:d>
+                        <m:dPr>
+                          <m:ctrlPr>
+                            <a:rPr lang="en-US" sz="2400" b="0" i="1" smtClean="0">
+                              <a:latin typeface="Cambria Math" panose="02040503050406030204" pitchFamily="18" charset="0"/>
+                            </a:rPr>
+                          </m:ctrlPr>
+                        </m:dPr>
+                        <m:e>
+                          <m:r>
+                            <a:rPr lang="en-US" sz="2400" b="0" i="1" smtClean="0">
+                              <a:latin typeface="Cambria Math" panose="02040503050406030204" pitchFamily="18" charset="0"/>
+                            </a:rPr>
+                            <m:t>𝑡</m:t>
+                          </m:r>
+                        </m:e>
+                      </m:d>
+                      <m:r>
+                        <a:rPr lang="en-US" sz="2400" b="0" i="1" smtClean="0">
+                          <a:latin typeface="Cambria Math" panose="02040503050406030204" pitchFamily="18" charset="0"/>
+                        </a:rPr>
+                        <m:t>=</m:t>
+                      </m:r>
+                      <m:sSub>
+                        <m:sSubPr>
+                          <m:ctrlPr>
+                            <a:rPr lang="en-US" sz="2400" b="0" i="1" smtClean="0">
+                              <a:latin typeface="Cambria Math" panose="02040503050406030204" pitchFamily="18" charset="0"/>
+                            </a:rPr>
+                          </m:ctrlPr>
+                        </m:sSubPr>
+                        <m:e>
+                          <m:r>
+                            <a:rPr lang="en-US" sz="2400" b="0" i="1" smtClean="0">
+                              <a:latin typeface="Cambria Math" panose="02040503050406030204" pitchFamily="18" charset="0"/>
+                            </a:rPr>
+                            <m:t>𝑐</m:t>
+                          </m:r>
+                        </m:e>
+                        <m:sub>
+                          <m:r>
+                            <a:rPr lang="en-US" sz="2400" b="0" i="1" smtClean="0">
+                              <a:latin typeface="Cambria Math" panose="02040503050406030204" pitchFamily="18" charset="0"/>
+                            </a:rPr>
+                            <m:t>1</m:t>
+                          </m:r>
+                        </m:sub>
+                      </m:sSub>
+                      <m:sSup>
+                        <m:sSupPr>
+                          <m:ctrlPr>
+                            <a:rPr lang="en-US" sz="2400" b="0" i="1" smtClean="0">
+                              <a:latin typeface="Cambria Math" panose="02040503050406030204" pitchFamily="18" charset="0"/>
+                            </a:rPr>
+                          </m:ctrlPr>
+                        </m:sSupPr>
+                        <m:e>
+                          <m:r>
+                            <a:rPr lang="en-US" sz="2400" b="0" i="1" smtClean="0">
+                              <a:latin typeface="Cambria Math" panose="02040503050406030204" pitchFamily="18" charset="0"/>
+                            </a:rPr>
+                            <m:t>𝑒</m:t>
+                          </m:r>
+                        </m:e>
+                        <m:sup>
+                          <m:sSub>
+                            <m:sSubPr>
+                              <m:ctrlPr>
+                                <a:rPr lang="en-US" sz="2400" b="0" i="1" smtClean="0">
+                                  <a:latin typeface="Cambria Math" panose="02040503050406030204" pitchFamily="18" charset="0"/>
+                                </a:rPr>
+                              </m:ctrlPr>
+                            </m:sSubPr>
+                            <m:e>
+                              <m:r>
+                                <a:rPr lang="en-US" sz="2400" b="0" i="1" smtClean="0">
+                                  <a:latin typeface="Cambria Math" panose="02040503050406030204" pitchFamily="18" charset="0"/>
+                                </a:rPr>
+                                <m:t>𝑝</m:t>
+                              </m:r>
+                            </m:e>
+                            <m:sub>
+                              <m:r>
+                                <a:rPr lang="en-US" sz="2400" b="0" i="1" smtClean="0">
+                                  <a:latin typeface="Cambria Math" panose="02040503050406030204" pitchFamily="18" charset="0"/>
+                                </a:rPr>
+                                <m:t>1</m:t>
+                              </m:r>
+                            </m:sub>
+                          </m:sSub>
+                          <m:r>
+                            <a:rPr lang="en-US" sz="2400" b="0" i="1" smtClean="0">
+                              <a:latin typeface="Cambria Math" panose="02040503050406030204" pitchFamily="18" charset="0"/>
+                            </a:rPr>
+                            <m:t>𝑡</m:t>
+                          </m:r>
+                        </m:sup>
+                      </m:sSup>
+                      <m:r>
+                        <a:rPr lang="en-US" sz="2400" b="0" i="1" smtClean="0">
+                          <a:latin typeface="Cambria Math" panose="02040503050406030204" pitchFamily="18" charset="0"/>
+                        </a:rPr>
+                        <m:t>+⋯+</m:t>
+                      </m:r>
+                      <m:sSub>
+                        <m:sSubPr>
+                          <m:ctrlPr>
+                            <a:rPr lang="en-US" sz="2400" b="0" i="1" smtClean="0">
+                              <a:latin typeface="Cambria Math" panose="02040503050406030204" pitchFamily="18" charset="0"/>
+                            </a:rPr>
+                          </m:ctrlPr>
+                        </m:sSubPr>
+                        <m:e>
+                          <m:r>
+                            <a:rPr lang="en-US" sz="2400" b="0" i="1" smtClean="0">
+                              <a:latin typeface="Cambria Math" panose="02040503050406030204" pitchFamily="18" charset="0"/>
+                            </a:rPr>
+                            <m:t>𝑐</m:t>
+                          </m:r>
+                        </m:e>
+                        <m:sub>
+                          <m:r>
+                            <m:rPr>
+                              <m:sty m:val="p"/>
+                            </m:rPr>
+                            <a:rPr lang="en-US" sz="2400" b="0" i="1" smtClean="0">
+                              <a:latin typeface="Cambria Math" panose="02040503050406030204" pitchFamily="18" charset="0"/>
+                            </a:rPr>
+                            <m:t>N</m:t>
+                          </m:r>
+                        </m:sub>
+                      </m:sSub>
+                      <m:sSup>
+                        <m:sSupPr>
+                          <m:ctrlPr>
+                            <a:rPr lang="en-US" sz="2400" b="0" i="1" smtClean="0">
+                              <a:latin typeface="Cambria Math" panose="02040503050406030204" pitchFamily="18" charset="0"/>
+                            </a:rPr>
+                          </m:ctrlPr>
+                        </m:sSupPr>
+                        <m:e>
+                          <m:r>
+                            <a:rPr lang="en-US" sz="2400" b="0" i="1" smtClean="0">
+                              <a:latin typeface="Cambria Math" panose="02040503050406030204" pitchFamily="18" charset="0"/>
+                            </a:rPr>
+                            <m:t>𝑒</m:t>
+                          </m:r>
+                        </m:e>
+                        <m:sup>
+                          <m:sSub>
+                            <m:sSubPr>
+                              <m:ctrlPr>
+                                <a:rPr lang="en-US" sz="2400" b="0" i="1" smtClean="0">
+                                  <a:latin typeface="Cambria Math" panose="02040503050406030204" pitchFamily="18" charset="0"/>
+                                </a:rPr>
+                              </m:ctrlPr>
+                            </m:sSubPr>
+                            <m:e>
+                              <m:r>
+                                <a:rPr lang="en-US" sz="2400" b="0" i="1" smtClean="0">
+                                  <a:latin typeface="Cambria Math" panose="02040503050406030204" pitchFamily="18" charset="0"/>
+                                </a:rPr>
+                                <m:t>𝑝</m:t>
+                              </m:r>
+                            </m:e>
+                            <m:sub>
+                              <m:r>
+                                <m:rPr>
+                                  <m:sty m:val="p"/>
+                                </m:rPr>
+                                <a:rPr lang="en-US" sz="2400" b="0" i="1" smtClean="0">
+                                  <a:latin typeface="Cambria Math" panose="02040503050406030204" pitchFamily="18" charset="0"/>
+                                </a:rPr>
+                                <m:t>N</m:t>
+                              </m:r>
+                            </m:sub>
+                          </m:sSub>
+                          <m:r>
+                            <a:rPr lang="en-US" sz="2400" b="0" i="1" smtClean="0">
+                              <a:latin typeface="Cambria Math" panose="02040503050406030204" pitchFamily="18" charset="0"/>
+                            </a:rPr>
+                            <m:t>𝑡</m:t>
+                          </m:r>
+                        </m:sup>
+                      </m:sSup>
+                    </m:oMath>
+                  </m:oMathPara>
+                </a14:m>
+                <a:endParaRPr lang="en-US" sz="2400" dirty="0"/>
+              </a:p>
+            </p:txBody>
+          </p:sp>
+        </mc:Choice>
+        <mc:Fallback xmlns="">
+          <p:sp>
+            <p:nvSpPr>
+              <p:cNvPr id="10" name="TextBox 9">
+                <a:extLst>
+                  <a:ext uri="{FF2B5EF4-FFF2-40B4-BE49-F238E27FC236}">
+                    <a16:creationId xmlns:a16="http://schemas.microsoft.com/office/drawing/2014/main" id="{47541AE1-166D-484F-8406-93081424A558}"/>
+                  </a:ext>
+                </a:extLst>
+              </p:cNvPr>
+              <p:cNvSpPr txBox="1">
+                <a:spLocks noRot="1" noChangeAspect="1" noMove="1" noResize="1" noEditPoints="1" noAdjustHandles="1" noChangeArrowheads="1" noChangeShapeType="1" noTextEdit="1"/>
+              </p:cNvSpPr>
+              <p:nvPr/>
+            </p:nvSpPr>
+            <p:spPr>
+              <a:xfrm>
+                <a:off x="4714733" y="307156"/>
+                <a:ext cx="4572000" cy="461665"/>
+              </a:xfrm>
+              <a:prstGeom prst="rect">
+                <a:avLst/>
+              </a:prstGeom>
+              <a:blipFill>
+                <a:blip r:embed="rId4"/>
+                <a:stretch>
+                  <a:fillRect b="-8108"/>
+                </a:stretch>
+              </a:blipFill>
+            </p:spPr>
+            <p:txBody>
+              <a:bodyPr/>
+              <a:lstStyle/>
+              <a:p>
+                <a:r>
+                  <a:rPr lang="en-US">
+                    <a:noFill/>
+                  </a:rPr>
+                  <a:t> </a:t>
+                </a:r>
+              </a:p>
+            </p:txBody>
+          </p:sp>
+        </mc:Fallback>
+      </mc:AlternateContent>
+      <mc:AlternateContent xmlns:mc="http://schemas.openxmlformats.org/markup-compatibility/2006" xmlns:a14="http://schemas.microsoft.com/office/drawing/2010/main">
+        <mc:Choice Requires="a14">
+          <p:sp>
+            <p:nvSpPr>
+              <p:cNvPr id="11" name="TextBox 10">
+                <a:extLst>
+                  <a:ext uri="{FF2B5EF4-FFF2-40B4-BE49-F238E27FC236}">
+                    <a16:creationId xmlns:a16="http://schemas.microsoft.com/office/drawing/2014/main" id="{3C9B68AC-45A8-7016-CECB-AE0097F399BD}"/>
+                  </a:ext>
+                </a:extLst>
+              </p:cNvPr>
+              <p:cNvSpPr txBox="1"/>
+              <p:nvPr/>
+            </p:nvSpPr>
+            <p:spPr>
+              <a:xfrm>
+                <a:off x="904568" y="1736925"/>
+                <a:ext cx="2390526" cy="287323"/>
+              </a:xfrm>
+              <a:prstGeom prst="rect">
+                <a:avLst/>
+              </a:prstGeom>
+              <a:noFill/>
+            </p:spPr>
+            <p:txBody>
+              <a:bodyPr wrap="none" lIns="0" tIns="0" rIns="0" bIns="0" rtlCol="0">
+                <a:spAutoFit/>
+              </a:bodyPr>
+              <a:lstStyle/>
+              <a:p>
+                <a:pPr/>
+                <a14:m>
+                  <m:oMathPara xmlns:m="http://schemas.openxmlformats.org/officeDocument/2006/math">
+                    <m:oMathParaPr>
+                      <m:jc m:val="centerGroup"/>
+                    </m:oMathParaPr>
+                    <m:oMath xmlns:m="http://schemas.openxmlformats.org/officeDocument/2006/math">
+                      <m:r>
+                        <a:rPr lang="en-US" b="0" i="1" smtClean="0">
+                          <a:latin typeface="Cambria Math" panose="02040503050406030204" pitchFamily="18" charset="0"/>
+                        </a:rPr>
+                        <m:t>𝑅𝑒</m:t>
+                      </m:r>
+                      <m:r>
+                        <a:rPr lang="en-US" b="0" i="1" smtClean="0">
+                          <a:latin typeface="Cambria Math" panose="02040503050406030204" pitchFamily="18" charset="0"/>
+                        </a:rPr>
+                        <m:t>(</m:t>
+                      </m:r>
+                      <m:sSup>
+                        <m:sSupPr>
+                          <m:ctrlPr>
+                            <a:rPr lang="en-US" b="0" i="1" smtClean="0">
+                              <a:latin typeface="Cambria Math" panose="02040503050406030204" pitchFamily="18" charset="0"/>
+                            </a:rPr>
+                          </m:ctrlPr>
+                        </m:sSupPr>
+                        <m:e>
+                          <m:r>
+                            <a:rPr lang="en-US" b="0" i="1" smtClean="0">
+                              <a:latin typeface="Cambria Math" panose="02040503050406030204" pitchFamily="18" charset="0"/>
+                            </a:rPr>
+                            <m:t>𝑝</m:t>
+                          </m:r>
+                        </m:e>
+                        <m:sup>
+                          <m:r>
+                            <a:rPr lang="en-US" b="0" i="1" smtClean="0">
+                              <a:latin typeface="Cambria Math" panose="02040503050406030204" pitchFamily="18" charset="0"/>
+                            </a:rPr>
+                            <m:t>∗</m:t>
+                          </m:r>
+                        </m:sup>
+                      </m:sSup>
+                      <m:r>
+                        <a:rPr lang="en-US" b="0" i="1" smtClean="0">
+                          <a:latin typeface="Cambria Math" panose="02040503050406030204" pitchFamily="18" charset="0"/>
+                        </a:rPr>
+                        <m:t>)=</m:t>
+                      </m:r>
+                      <m:r>
+                        <a:rPr lang="en-US" b="0" i="1" smtClean="0">
+                          <a:latin typeface="Cambria Math" panose="02040503050406030204" pitchFamily="18" charset="0"/>
+                        </a:rPr>
+                        <m:t>𝑚𝑎</m:t>
+                      </m:r>
+                      <m:sSub>
+                        <m:sSubPr>
+                          <m:ctrlPr>
+                            <a:rPr lang="en-US" b="0" i="1" smtClean="0">
+                              <a:latin typeface="Cambria Math" panose="02040503050406030204" pitchFamily="18" charset="0"/>
+                            </a:rPr>
+                          </m:ctrlPr>
+                        </m:sSubPr>
+                        <m:e>
+                          <m:r>
+                            <a:rPr lang="en-US" b="0" i="1" smtClean="0">
+                              <a:latin typeface="Cambria Math" panose="02040503050406030204" pitchFamily="18" charset="0"/>
+                            </a:rPr>
+                            <m:t>𝑥</m:t>
+                          </m:r>
+                        </m:e>
+                        <m:sub>
+                          <m:r>
+                            <a:rPr lang="en-US" b="0" i="1" smtClean="0">
+                              <a:latin typeface="Cambria Math" panose="02040503050406030204" pitchFamily="18" charset="0"/>
+                            </a:rPr>
+                            <m:t>𝑛</m:t>
+                          </m:r>
+                        </m:sub>
+                      </m:sSub>
+                      <m:sSub>
+                        <m:sSubPr>
+                          <m:ctrlPr>
+                            <a:rPr lang="en-US" b="0" i="1" smtClean="0">
+                              <a:latin typeface="Cambria Math" panose="02040503050406030204" pitchFamily="18" charset="0"/>
+                            </a:rPr>
+                          </m:ctrlPr>
+                        </m:sSubPr>
+                        <m:e>
+                          <m:r>
+                            <m:rPr>
+                              <m:sty m:val="p"/>
+                            </m:rPr>
+                            <a:rPr lang="en-US" b="0" i="1" smtClean="0">
+                              <a:latin typeface="Cambria Math" panose="02040503050406030204" pitchFamily="18" charset="0"/>
+                            </a:rPr>
+                            <m:t>Re</m:t>
+                          </m:r>
+                          <m:r>
+                            <a:rPr lang="en-US" b="0" i="1" smtClean="0">
+                              <a:latin typeface="Cambria Math" panose="02040503050406030204" pitchFamily="18" charset="0"/>
+                            </a:rPr>
+                            <m:t>∗(</m:t>
+                          </m:r>
+                          <m:r>
+                            <a:rPr lang="en-US" b="0" i="1" smtClean="0">
+                              <a:latin typeface="Cambria Math" panose="02040503050406030204" pitchFamily="18" charset="0"/>
+                            </a:rPr>
+                            <m:t>𝑝</m:t>
+                          </m:r>
+                        </m:e>
+                        <m:sub>
+                          <m:r>
+                            <a:rPr lang="en-US" b="0" i="1" smtClean="0">
+                              <a:latin typeface="Cambria Math" panose="02040503050406030204" pitchFamily="18" charset="0"/>
+                            </a:rPr>
+                            <m:t>𝑛</m:t>
+                          </m:r>
+                        </m:sub>
+                      </m:sSub>
+                      <m:r>
+                        <a:rPr lang="en-US" b="0" i="1" smtClean="0">
+                          <a:latin typeface="Cambria Math" panose="02040503050406030204" pitchFamily="18" charset="0"/>
+                        </a:rPr>
+                        <m:t>)</m:t>
+                      </m:r>
+                    </m:oMath>
+                  </m:oMathPara>
+                </a14:m>
+                <a:endParaRPr lang="en-US" dirty="0"/>
+              </a:p>
+            </p:txBody>
+          </p:sp>
+        </mc:Choice>
+        <mc:Fallback xmlns="">
+          <p:sp>
+            <p:nvSpPr>
+              <p:cNvPr id="11" name="TextBox 10">
+                <a:extLst>
+                  <a:ext uri="{FF2B5EF4-FFF2-40B4-BE49-F238E27FC236}">
+                    <a16:creationId xmlns:a16="http://schemas.microsoft.com/office/drawing/2014/main" id="{43F5DEB2-4950-F152-A943-E97C3DFD5335}"/>
+                  </a:ext>
+                </a:extLst>
+              </p:cNvPr>
+              <p:cNvSpPr txBox="1">
+                <a:spLocks noRot="1" noChangeAspect="1" noMove="1" noResize="1" noEditPoints="1" noAdjustHandles="1" noChangeArrowheads="1" noChangeShapeType="1" noTextEdit="1"/>
+              </p:cNvSpPr>
+              <p:nvPr/>
+            </p:nvSpPr>
+            <p:spPr>
+              <a:xfrm>
+                <a:off x="904568" y="1736925"/>
+                <a:ext cx="2390526" cy="287323"/>
+              </a:xfrm>
+              <a:prstGeom prst="rect">
+                <a:avLst/>
+              </a:prstGeom>
+              <a:blipFill>
+                <a:blip r:embed="rId5"/>
+                <a:stretch>
+                  <a:fillRect l="-1587" t="-4167" r="-2646" b="-33333"/>
+                </a:stretch>
+              </a:blipFill>
+            </p:spPr>
+            <p:txBody>
+              <a:bodyPr/>
+              <a:lstStyle/>
+              <a:p>
+                <a:r>
+                  <a:rPr lang="en-US">
+                    <a:noFill/>
+                  </a:rPr>
+                  <a:t> </a:t>
+                </a:r>
+              </a:p>
+            </p:txBody>
+          </p:sp>
+        </mc:Fallback>
+      </mc:AlternateContent>
+      <p:pic>
+        <p:nvPicPr>
+          <p:cNvPr id="8" name="Picture 7">
+            <a:extLst>
+              <a:ext uri="{FF2B5EF4-FFF2-40B4-BE49-F238E27FC236}">
+                <a16:creationId xmlns:a16="http://schemas.microsoft.com/office/drawing/2014/main" id="{A1BA758C-80F0-1FBF-CB99-56FF48EC8C34}"/>
+              </a:ext>
+            </a:extLst>
+          </p:cNvPr>
+          <p:cNvPicPr>
+            <a:picLocks noChangeAspect="1"/>
+          </p:cNvPicPr>
+          <p:nvPr/>
+        </p:nvPicPr>
+        <p:blipFill>
+          <a:blip r:embed="rId6"/>
+          <a:stretch>
+            <a:fillRect/>
+          </a:stretch>
+        </p:blipFill>
+        <p:spPr>
+          <a:xfrm>
+            <a:off x="612185" y="2278724"/>
+            <a:ext cx="7772400" cy="2846355"/>
+          </a:xfrm>
+          <a:prstGeom prst="rect">
+            <a:avLst/>
+          </a:prstGeom>
+        </p:spPr>
+      </p:pic>
+    </p:spTree>
+    <p:extLst>
+      <p:ext uri="{BB962C8B-B14F-4D97-AF65-F5344CB8AC3E}">
+        <p14:creationId xmlns:p14="http://schemas.microsoft.com/office/powerpoint/2010/main" val="1793410259"/>
+      </p:ext>
+    </p:extLst>
+  </p:cSld>
+  <p:clrMapOvr>
+    <a:masterClrMapping/>
+  </p:clrMapOvr>
+  <p:timing>
+    <p:tnLst>
+      <p:par>
+        <p:cTn id="1" dur="indefinite" restart="never" nodeType="tmRoot">
+          <p:childTnLst>
+            <p:seq concurrent="1" nextAc="seek">
+              <p:cTn id="2" dur="indefinite" nodeType="mainSeq">
+                <p:childTnLst>
+                  <p:par>
+                    <p:cTn id="3" fill="hold">
+                      <p:stCondLst>
+                        <p:cond delay="indefinite"/>
+                      </p:stCondLst>
+                      <p:childTnLst>
+                        <p:par>
+                          <p:cTn id="4" fill="hold">
+                            <p:stCondLst>
+                              <p:cond delay="0"/>
+                            </p:stCondLst>
+                            <p:childTnLst>
+                              <p:par>
+                                <p:cTn id="5" presetID="1" presetClass="entr" presetSubtype="0" fill="hold" grpId="0" nodeType="clickEffect">
+                                  <p:stCondLst>
+                                    <p:cond delay="0"/>
+                                  </p:stCondLst>
+                                  <p:childTnLst>
+                                    <p:set>
+                                      <p:cBhvr>
+                                        <p:cTn id="6" dur="1" fill="hold">
+                                          <p:stCondLst>
+                                            <p:cond delay="0"/>
+                                          </p:stCondLst>
+                                        </p:cTn>
+                                        <p:tgtEl>
+                                          <p:spTgt spid="6"/>
+                                        </p:tgtEl>
+                                        <p:attrNameLst>
+                                          <p:attrName>style.visibility</p:attrName>
+                                        </p:attrNameLst>
+                                      </p:cBhvr>
+                                      <p:to>
+                                        <p:strVal val="visible"/>
+                                      </p:to>
+                                    </p:set>
+                                  </p:childTnLst>
+                                </p:cTn>
+                              </p:par>
+                            </p:childTnLst>
+                          </p:cTn>
+                        </p:par>
+                      </p:childTnLst>
+                    </p:cTn>
+                  </p:par>
+                </p:childTnLst>
+              </p:cTn>
+              <p:prevCondLst>
+                <p:cond evt="onPrev" delay="0">
+                  <p:tgtEl>
+                    <p:sldTgt/>
+                  </p:tgtEl>
+                </p:cond>
+              </p:prevCondLst>
+              <p:nextCondLst>
+                <p:cond evt="onNext" delay="0">
+                  <p:tgtEl>
+                    <p:sldTgt/>
+                  </p:tgtEl>
+                </p:cond>
+              </p:nextCondLst>
+            </p:seq>
+          </p:childTnLst>
+        </p:cTn>
+      </p:par>
+    </p:tnLst>
+    <p:bldLst>
+      <p:bldP spid="6" grpId="0"/>
+    </p:bldLst>
+  </p:timing>
+</p:sld>
+</file>
+
+<file path=ppt/slides/slide11.xml><?xml version="1.0" encoding="utf-8"?>
+<p:sld xmlns:a="http://schemas.openxmlformats.org/drawingml/2006/main" xmlns:r="http://schemas.openxmlformats.org/officeDocument/2006/relationships" xmlns:p="http://schemas.openxmlformats.org/presentationml/2006/main">
+  <p:cSld>
+    <p:spTree>
+      <p:nvGrpSpPr>
         <p:cNvPr id="1" name=""/>
         <p:cNvGrpSpPr/>
         <p:nvPr/>
@@ -5433,8 +6276,8 @@
           </a:p>
         </p:txBody>
       </p:sp>
-      <mc:AlternateContent xmlns:mc="http://schemas.openxmlformats.org/markup-compatibility/2006">
-        <mc:Choice xmlns:a14="http://schemas.microsoft.com/office/drawing/2010/main" Requires="a14">
+      <mc:AlternateContent xmlns:mc="http://schemas.openxmlformats.org/markup-compatibility/2006" xmlns:a14="http://schemas.microsoft.com/office/drawing/2010/main">
+        <mc:Choice Requires="a14">
           <p:sp>
             <p:nvSpPr>
               <p:cNvPr id="3" name="Content Placeholder 2">
@@ -5521,7 +6364,7 @@
             </p:txBody>
           </p:sp>
         </mc:Choice>
-        <mc:Fallback>
+        <mc:Fallback xmlns="">
           <p:sp>
             <p:nvSpPr>
               <p:cNvPr id="3" name="Content Placeholder 2">
@@ -5832,7 +6675,15 @@
             </a:pPr>
             <a:r>
               <a:rPr lang="en-US" sz="2400" dirty="0"/>
-              <a:t>LTs are easy to calculate for a system of linear differential equations.</a:t>
+              <a:t>LTs are easy to calculate for a system of </a:t>
+            </a:r>
+            <a:r>
+              <a:rPr lang="en-US" sz="2400" u="sng" dirty="0"/>
+              <a:t>linear</a:t>
+            </a:r>
+            <a:r>
+              <a:rPr lang="en-US" sz="2400" dirty="0"/>
+              <a:t> differential equations.</a:t>
             </a:r>
           </a:p>
         </p:txBody>
@@ -5908,7 +6759,7 @@
 </p:sld>
 </file>
 
-<file path=ppt/slides/slide11.xml><?xml version="1.0" encoding="utf-8"?>
+<file path=ppt/slides/slide12.xml><?xml version="1.0" encoding="utf-8"?>
 <p:sld xmlns:a="http://schemas.openxmlformats.org/drawingml/2006/main" xmlns:r="http://schemas.openxmlformats.org/officeDocument/2006/relationships" xmlns:p="http://schemas.openxmlformats.org/presentationml/2006/main">
   <p:cSld>
     <p:spTree>
@@ -6442,7 +7293,7 @@
               <a:pPr>
                 <a:defRPr/>
               </a:pPr>
-              <a:t>11</a:t>
+              <a:t>12</a:t>
             </a:fld>
             <a:endParaRPr lang="en-US" altLang="x-none"/>
           </a:p>
@@ -7096,7 +7947,7 @@
 </p:sld>
 </file>
 
-<file path=ppt/slides/slide12.xml><?xml version="1.0" encoding="utf-8"?>
+<file path=ppt/slides/slide13.xml><?xml version="1.0" encoding="utf-8"?>
 <p:sld xmlns:a="http://schemas.openxmlformats.org/drawingml/2006/main" xmlns:r="http://schemas.openxmlformats.org/officeDocument/2006/relationships" xmlns:p="http://schemas.openxmlformats.org/presentationml/2006/main">
   <p:cSld>
     <p:spTree>
@@ -7751,7 +8602,7 @@
               <a:pPr>
                 <a:defRPr/>
               </a:pPr>
-              <a:t>12</a:t>
+              <a:t>13</a:t>
             </a:fld>
             <a:endParaRPr lang="en-US" altLang="x-none"/>
           </a:p>
@@ -8375,7 +9226,7 @@
 </p:sld>
 </file>
 
-<file path=ppt/slides/slide13.xml><?xml version="1.0" encoding="utf-8"?>
+<file path=ppt/slides/slide14.xml><?xml version="1.0" encoding="utf-8"?>
 <p:sld xmlns:a="http://schemas.openxmlformats.org/drawingml/2006/main" xmlns:r="http://schemas.openxmlformats.org/officeDocument/2006/relationships" xmlns:p="http://schemas.openxmlformats.org/presentationml/2006/main">
   <p:cSld>
     <p:spTree>
@@ -8420,8 +9271,8 @@
           </a:p>
         </p:txBody>
       </p:sp>
-      <mc:AlternateContent xmlns:mc="http://schemas.openxmlformats.org/markup-compatibility/2006">
-        <mc:Choice xmlns:a14="http://schemas.microsoft.com/office/drawing/2010/main" Requires="a14">
+      <mc:AlternateContent xmlns:mc="http://schemas.openxmlformats.org/markup-compatibility/2006" xmlns:a14="http://schemas.microsoft.com/office/drawing/2010/main">
+        <mc:Choice Requires="a14">
           <p:sp>
             <p:nvSpPr>
               <p:cNvPr id="3" name="Content Placeholder 2">
@@ -8530,7 +9381,7 @@
             </p:txBody>
           </p:sp>
         </mc:Choice>
-        <mc:Fallback>
+        <mc:Fallback xmlns="">
           <p:sp>
             <p:nvSpPr>
               <p:cNvPr id="3" name="Content Placeholder 2">
@@ -8603,14 +9454,14 @@
               <a:pPr>
                 <a:defRPr/>
               </a:pPr>
-              <a:t>13</a:t>
+              <a:t>14</a:t>
             </a:fld>
             <a:endParaRPr lang="en-US" altLang="x-none"/>
           </a:p>
         </p:txBody>
       </p:sp>
-      <mc:AlternateContent xmlns:mc="http://schemas.openxmlformats.org/markup-compatibility/2006">
-        <mc:Choice xmlns:a14="http://schemas.microsoft.com/office/drawing/2010/main" Requires="a14">
+      <mc:AlternateContent xmlns:mc="http://schemas.openxmlformats.org/markup-compatibility/2006" xmlns:a14="http://schemas.microsoft.com/office/drawing/2010/main">
+        <mc:Choice Requires="a14">
           <p:sp>
             <p:nvSpPr>
               <p:cNvPr id="7" name="TextBox 6">
@@ -8748,7 +9599,7 @@
             </p:txBody>
           </p:sp>
         </mc:Choice>
-        <mc:Fallback>
+        <mc:Fallback xmlns="">
           <p:sp>
             <p:nvSpPr>
               <p:cNvPr id="7" name="TextBox 6">
@@ -8793,8 +9644,8 @@
           </p:sp>
         </mc:Fallback>
       </mc:AlternateContent>
-      <mc:AlternateContent xmlns:mc="http://schemas.openxmlformats.org/markup-compatibility/2006">
-        <mc:Choice xmlns:a14="http://schemas.microsoft.com/office/drawing/2010/main" Requires="a14">
+      <mc:AlternateContent xmlns:mc="http://schemas.openxmlformats.org/markup-compatibility/2006" xmlns:a14="http://schemas.microsoft.com/office/drawing/2010/main">
+        <mc:Choice Requires="a14">
           <p:sp>
             <p:nvSpPr>
               <p:cNvPr id="9" name="TextBox 8">
@@ -8961,7 +9812,7 @@
             </p:txBody>
           </p:sp>
         </mc:Choice>
-        <mc:Fallback>
+        <mc:Fallback xmlns="">
           <p:sp>
             <p:nvSpPr>
               <p:cNvPr id="9" name="TextBox 8">
@@ -9006,8 +9857,8 @@
           </p:sp>
         </mc:Fallback>
       </mc:AlternateContent>
-      <mc:AlternateContent xmlns:mc="http://schemas.openxmlformats.org/markup-compatibility/2006">
-        <mc:Choice xmlns:a14="http://schemas.microsoft.com/office/drawing/2010/main" Requires="a14">
+      <mc:AlternateContent xmlns:mc="http://schemas.openxmlformats.org/markup-compatibility/2006" xmlns:a14="http://schemas.microsoft.com/office/drawing/2010/main">
+        <mc:Choice Requires="a14">
           <p:sp>
             <p:nvSpPr>
               <p:cNvPr id="13" name="TextBox 12">
@@ -9098,14 +9949,7 @@
                           <a:latin typeface="Cambria Math" panose="02040503050406030204" pitchFamily="18" charset="0"/>
                           <a:ea typeface="Cambria Math" panose="02040503050406030204" pitchFamily="18" charset="0"/>
                         </a:rPr>
-                        <m:t> =</m:t>
-                      </m:r>
-                      <m:r>
-                        <a:rPr lang="en-US" sz="1800" b="0" i="1" smtClean="0">
-                          <a:latin typeface="Cambria Math" panose="02040503050406030204" pitchFamily="18" charset="0"/>
-                          <a:ea typeface="Cambria Math" panose="02040503050406030204" pitchFamily="18" charset="0"/>
-                        </a:rPr>
-                        <m:t>3</m:t>
+                        <m:t> =3</m:t>
                       </m:r>
                       <m:r>
                         <a:rPr lang="en-US" i="1">
@@ -9216,7 +10060,7 @@
             </p:txBody>
           </p:sp>
         </mc:Choice>
-        <mc:Fallback>
+        <mc:Fallback xmlns="">
           <p:sp>
             <p:nvSpPr>
               <p:cNvPr id="13" name="TextBox 12">
@@ -9261,8 +10105,8 @@
           </p:sp>
         </mc:Fallback>
       </mc:AlternateContent>
-      <mc:AlternateContent xmlns:mc="http://schemas.openxmlformats.org/markup-compatibility/2006">
-        <mc:Choice xmlns:a14="http://schemas.microsoft.com/office/drawing/2010/main" Requires="a14">
+      <mc:AlternateContent xmlns:mc="http://schemas.openxmlformats.org/markup-compatibility/2006" xmlns:a14="http://schemas.microsoft.com/office/drawing/2010/main">
+        <mc:Choice Requires="a14">
           <p:sp>
             <p:nvSpPr>
               <p:cNvPr id="15" name="TextBox 14">
@@ -9392,7 +10236,7 @@
             </p:txBody>
           </p:sp>
         </mc:Choice>
-        <mc:Fallback>
+        <mc:Fallback xmlns="">
           <p:sp>
             <p:nvSpPr>
               <p:cNvPr id="15" name="TextBox 14">
@@ -9437,8 +10281,8 @@
           </p:sp>
         </mc:Fallback>
       </mc:AlternateContent>
-      <mc:AlternateContent xmlns:mc="http://schemas.openxmlformats.org/markup-compatibility/2006">
-        <mc:Choice xmlns:a14="http://schemas.microsoft.com/office/drawing/2010/main" Requires="a14">
+      <mc:AlternateContent xmlns:mc="http://schemas.openxmlformats.org/markup-compatibility/2006" xmlns:a14="http://schemas.microsoft.com/office/drawing/2010/main">
+        <mc:Choice Requires="a14">
           <p:sp>
             <p:nvSpPr>
               <p:cNvPr id="18" name="TextBox 17">
@@ -9515,13 +10359,7 @@
                         <a:rPr lang="en-US" b="0" i="1" smtClean="0">
                           <a:latin typeface="Cambria Math" panose="02040503050406030204" pitchFamily="18" charset="0"/>
                         </a:rPr>
-                        <m:t>)</m:t>
-                      </m:r>
-                      <m:r>
-                        <a:rPr lang="en-US" b="0" i="1" smtClean="0">
-                          <a:latin typeface="Cambria Math" panose="02040503050406030204" pitchFamily="18" charset="0"/>
-                        </a:rPr>
-                        <m:t>=</m:t>
+                        <m:t>)=</m:t>
                       </m:r>
                       <m:r>
                         <a:rPr lang="en-US" i="1">
@@ -9541,19 +10379,7 @@
                         <a:rPr lang="en-US" b="0" i="1" smtClean="0">
                           <a:latin typeface="Cambria Math" panose="02040503050406030204" pitchFamily="18" charset="0"/>
                         </a:rPr>
-                        <m:t>5</m:t>
-                      </m:r>
-                      <m:r>
-                        <a:rPr lang="en-US" b="0" i="1" smtClean="0">
-                          <a:latin typeface="Cambria Math" panose="02040503050406030204" pitchFamily="18" charset="0"/>
-                        </a:rPr>
-                        <m:t>)</m:t>
-                      </m:r>
-                      <m:r>
-                        <a:rPr lang="en-US" b="0" i="1" smtClean="0">
-                          <a:latin typeface="Cambria Math" panose="02040503050406030204" pitchFamily="18" charset="0"/>
-                        </a:rPr>
-                        <m:t>+</m:t>
+                        <m:t>5)+</m:t>
                       </m:r>
                       <m:r>
                         <a:rPr lang="en-US" i="1">
@@ -9604,13 +10430,7 @@
                         <a:rPr lang="en-US" b="0" i="1" smtClean="0">
                           <a:latin typeface="Cambria Math" panose="02040503050406030204" pitchFamily="18" charset="0"/>
                         </a:rPr>
-                        <m:t>)</m:t>
-                      </m:r>
-                      <m:r>
-                        <a:rPr lang="en-US" b="0" i="1" smtClean="0">
-                          <a:latin typeface="Cambria Math" panose="02040503050406030204" pitchFamily="18" charset="0"/>
-                        </a:rPr>
-                        <m:t>+</m:t>
+                        <m:t>)+</m:t>
                       </m:r>
                       <m:r>
                         <a:rPr lang="en-US" i="1">
@@ -9652,7 +10472,7 @@
             </p:txBody>
           </p:sp>
         </mc:Choice>
-        <mc:Fallback>
+        <mc:Fallback xmlns="">
           <p:sp>
             <p:nvSpPr>
               <p:cNvPr id="18" name="TextBox 17">
@@ -9697,8 +10517,8 @@
           </p:sp>
         </mc:Fallback>
       </mc:AlternateContent>
-      <mc:AlternateContent xmlns:mc="http://schemas.openxmlformats.org/markup-compatibility/2006">
-        <mc:Choice xmlns:a14="http://schemas.microsoft.com/office/drawing/2010/main" Requires="a14">
+      <mc:AlternateContent xmlns:mc="http://schemas.openxmlformats.org/markup-compatibility/2006" xmlns:a14="http://schemas.microsoft.com/office/drawing/2010/main">
+        <mc:Choice Requires="a14">
           <p:sp>
             <p:nvSpPr>
               <p:cNvPr id="21" name="Content Placeholder 2">
@@ -10890,7 +11710,7 @@
             </p:txBody>
           </p:sp>
         </mc:Choice>
-        <mc:Fallback>
+        <mc:Fallback xmlns="">
           <p:sp>
             <p:nvSpPr>
               <p:cNvPr id="21" name="Content Placeholder 2">
@@ -11210,7 +12030,7 @@
 </p:sld>
 </file>
 
-<file path=ppt/slides/slide14.xml><?xml version="1.0" encoding="utf-8"?>
+<file path=ppt/slides/slide15.xml><?xml version="1.0" encoding="utf-8"?>
 <p:sld xmlns:a="http://schemas.openxmlformats.org/drawingml/2006/main" xmlns:r="http://schemas.openxmlformats.org/officeDocument/2006/relationships" xmlns:p="http://schemas.openxmlformats.org/presentationml/2006/main">
   <p:cSld>
     <p:spTree>
@@ -11261,8 +12081,8 @@
           </a:p>
         </p:txBody>
       </p:sp>
-      <mc:AlternateContent xmlns:mc="http://schemas.openxmlformats.org/markup-compatibility/2006">
-        <mc:Choice xmlns:a14="http://schemas.microsoft.com/office/drawing/2010/main" Requires="a14">
+      <mc:AlternateContent xmlns:mc="http://schemas.openxmlformats.org/markup-compatibility/2006" xmlns:a14="http://schemas.microsoft.com/office/drawing/2010/main">
+        <mc:Choice Requires="a14">
           <p:sp>
             <p:nvSpPr>
               <p:cNvPr id="3" name="Content Placeholder 2">
@@ -11414,7 +12234,7 @@
             </p:txBody>
           </p:sp>
         </mc:Choice>
-        <mc:Fallback>
+        <mc:Fallback xmlns="">
           <p:sp>
             <p:nvSpPr>
               <p:cNvPr id="3" name="Content Placeholder 2">
@@ -11487,14 +12307,14 @@
               <a:pPr>
                 <a:defRPr/>
               </a:pPr>
-              <a:t>14</a:t>
+              <a:t>15</a:t>
             </a:fld>
             <a:endParaRPr lang="en-US" altLang="x-none"/>
           </a:p>
         </p:txBody>
       </p:sp>
-      <mc:AlternateContent xmlns:mc="http://schemas.openxmlformats.org/markup-compatibility/2006">
-        <mc:Choice xmlns:a14="http://schemas.microsoft.com/office/drawing/2010/main" Requires="a14">
+      <mc:AlternateContent xmlns:mc="http://schemas.openxmlformats.org/markup-compatibility/2006" xmlns:a14="http://schemas.microsoft.com/office/drawing/2010/main">
+        <mc:Choice Requires="a14">
           <p:sp>
             <p:nvSpPr>
               <p:cNvPr id="6" name="Content Placeholder 2">
@@ -12686,7 +13506,7 @@
             </p:txBody>
           </p:sp>
         </mc:Choice>
-        <mc:Fallback>
+        <mc:Fallback xmlns="">
           <p:sp>
             <p:nvSpPr>
               <p:cNvPr id="6" name="Content Placeholder 2">
@@ -12731,8 +13551,8 @@
           </p:sp>
         </mc:Fallback>
       </mc:AlternateContent>
-      <mc:AlternateContent xmlns:mc="http://schemas.openxmlformats.org/markup-compatibility/2006">
-        <mc:Choice xmlns:a14="http://schemas.microsoft.com/office/drawing/2010/main" Requires="a14">
+      <mc:AlternateContent xmlns:mc="http://schemas.openxmlformats.org/markup-compatibility/2006" xmlns:a14="http://schemas.microsoft.com/office/drawing/2010/main">
+        <mc:Choice Requires="a14">
           <p:sp>
             <p:nvSpPr>
               <p:cNvPr id="8" name="TextBox 7">
@@ -12874,7 +13694,7 @@
             </p:txBody>
           </p:sp>
         </mc:Choice>
-        <mc:Fallback>
+        <mc:Fallback xmlns="">
           <p:sp>
             <p:nvSpPr>
               <p:cNvPr id="8" name="TextBox 7">
@@ -12919,8 +13739,8 @@
           </p:sp>
         </mc:Fallback>
       </mc:AlternateContent>
-      <mc:AlternateContent xmlns:mc="http://schemas.openxmlformats.org/markup-compatibility/2006">
-        <mc:Choice xmlns:a14="http://schemas.microsoft.com/office/drawing/2010/main" Requires="a14">
+      <mc:AlternateContent xmlns:mc="http://schemas.openxmlformats.org/markup-compatibility/2006" xmlns:a14="http://schemas.microsoft.com/office/drawing/2010/main">
+        <mc:Choice Requires="a14">
           <p:sp>
             <p:nvSpPr>
               <p:cNvPr id="10" name="TextBox 9">
@@ -13174,7 +13994,7 @@
             </p:txBody>
           </p:sp>
         </mc:Choice>
-        <mc:Fallback>
+        <mc:Fallback xmlns="">
           <p:sp>
             <p:nvSpPr>
               <p:cNvPr id="10" name="TextBox 9">
@@ -13219,8 +14039,8 @@
           </p:sp>
         </mc:Fallback>
       </mc:AlternateContent>
-      <mc:AlternateContent xmlns:mc="http://schemas.openxmlformats.org/markup-compatibility/2006">
-        <mc:Choice xmlns:a14="http://schemas.microsoft.com/office/drawing/2010/main" Requires="a14">
+      <mc:AlternateContent xmlns:mc="http://schemas.openxmlformats.org/markup-compatibility/2006" xmlns:a14="http://schemas.microsoft.com/office/drawing/2010/main">
+        <mc:Choice Requires="a14">
           <p:sp>
             <p:nvSpPr>
               <p:cNvPr id="13" name="Content Placeholder 2">
@@ -13569,7 +14389,7 @@
             </p:txBody>
           </p:sp>
         </mc:Choice>
-        <mc:Fallback>
+        <mc:Fallback xmlns="">
           <p:sp>
             <p:nvSpPr>
               <p:cNvPr id="13" name="Content Placeholder 2">
@@ -13800,7 +14620,7 @@
 </p:sld>
 </file>
 
-<file path=ppt/slides/slide15.xml><?xml version="1.0" encoding="utf-8"?>
+<file path=ppt/slides/slide16.xml><?xml version="1.0" encoding="utf-8"?>
 <p:sld xmlns:a="http://schemas.openxmlformats.org/drawingml/2006/main" xmlns:r="http://schemas.openxmlformats.org/officeDocument/2006/relationships" xmlns:p="http://schemas.openxmlformats.org/presentationml/2006/main">
   <p:cSld>
     <p:spTree>
@@ -13845,8 +14665,8 @@
           </a:p>
         </p:txBody>
       </p:sp>
-      <mc:AlternateContent xmlns:mc="http://schemas.openxmlformats.org/markup-compatibility/2006">
-        <mc:Choice xmlns:a14="http://schemas.microsoft.com/office/drawing/2010/main" Requires="a14">
+      <mc:AlternateContent xmlns:mc="http://schemas.openxmlformats.org/markup-compatibility/2006" xmlns:a14="http://schemas.microsoft.com/office/drawing/2010/main">
+        <mc:Choice Requires="a14">
           <p:sp>
             <p:nvSpPr>
               <p:cNvPr id="3" name="Content Placeholder 2">
@@ -14157,7 +14977,7 @@
             </p:txBody>
           </p:sp>
         </mc:Choice>
-        <mc:Fallback>
+        <mc:Fallback xmlns="">
           <p:sp>
             <p:nvSpPr>
               <p:cNvPr id="3" name="Content Placeholder 2">
@@ -14226,7 +15046,7 @@
               <a:pPr>
                 <a:defRPr/>
               </a:pPr>
-              <a:t>15</a:t>
+              <a:t>16</a:t>
             </a:fld>
             <a:endParaRPr lang="en-US" altLang="x-none"/>
           </a:p>
@@ -14245,7 +15065,7 @@
 </p:sld>
 </file>
 
-<file path=ppt/slides/slide16.xml><?xml version="1.0" encoding="utf-8"?>
+<file path=ppt/slides/slide17.xml><?xml version="1.0" encoding="utf-8"?>
 <p:sld xmlns:a="http://schemas.openxmlformats.org/drawingml/2006/main" xmlns:r="http://schemas.openxmlformats.org/officeDocument/2006/relationships" xmlns:p="http://schemas.openxmlformats.org/presentationml/2006/main">
   <p:cSld>
     <p:spTree>
@@ -14535,14 +15355,14 @@
               <a:pPr>
                 <a:defRPr/>
               </a:pPr>
-              <a:t>16</a:t>
+              <a:t>17</a:t>
             </a:fld>
             <a:endParaRPr lang="en-US" altLang="x-none"/>
           </a:p>
         </p:txBody>
       </p:sp>
-      <mc:AlternateContent xmlns:mc="http://schemas.openxmlformats.org/markup-compatibility/2006">
-        <mc:Choice xmlns:a14="http://schemas.microsoft.com/office/drawing/2010/main" Requires="a14">
+      <mc:AlternateContent xmlns:mc="http://schemas.openxmlformats.org/markup-compatibility/2006" xmlns:a14="http://schemas.microsoft.com/office/drawing/2010/main">
+        <mc:Choice Requires="a14">
           <p:sp>
             <p:nvSpPr>
               <p:cNvPr id="6" name="Content Placeholder 2">
@@ -15734,7 +16554,7 @@
             </p:txBody>
           </p:sp>
         </mc:Choice>
-        <mc:Fallback>
+        <mc:Fallback xmlns="">
           <p:sp>
             <p:nvSpPr>
               <p:cNvPr id="6" name="Content Placeholder 2">
@@ -15969,7 +16789,7 @@
 </p:sld>
 </file>
 
-<file path=ppt/slides/slide17.xml><?xml version="1.0" encoding="utf-8"?>
+<file path=ppt/slides/slide18.xml><?xml version="1.0" encoding="utf-8"?>
 <p:sld xmlns:a="http://schemas.openxmlformats.org/drawingml/2006/main" xmlns:r="http://schemas.openxmlformats.org/officeDocument/2006/relationships" xmlns:p="http://schemas.openxmlformats.org/presentationml/2006/main">
   <p:cSld>
     <p:spTree>
@@ -16049,7 +16869,7 @@
               <a:pPr>
                 <a:defRPr/>
               </a:pPr>
-              <a:t>17</a:t>
+              <a:t>18</a:t>
             </a:fld>
             <a:endParaRPr lang="en-US" altLang="x-none"/>
           </a:p>
@@ -16104,8 +16924,8 @@
           </a:p>
         </p:txBody>
       </p:sp>
-      <mc:AlternateContent xmlns:mc="http://schemas.openxmlformats.org/markup-compatibility/2006">
-        <mc:Choice xmlns:a14="http://schemas.microsoft.com/office/drawing/2010/main" Requires="a14">
+      <mc:AlternateContent xmlns:mc="http://schemas.openxmlformats.org/markup-compatibility/2006" xmlns:a14="http://schemas.microsoft.com/office/drawing/2010/main">
+        <mc:Choice Requires="a14">
           <p:sp>
             <p:nvSpPr>
               <p:cNvPr id="32" name="Rectangle 31">
@@ -16238,7 +17058,7 @@
             </p:txBody>
           </p:sp>
         </mc:Choice>
-        <mc:Fallback>
+        <mc:Fallback xmlns="">
           <p:sp>
             <p:nvSpPr>
               <p:cNvPr id="32" name="Rectangle 31">
@@ -17032,7 +17852,7 @@
 </p:sld>
 </file>
 
-<file path=ppt/slides/slide18.xml><?xml version="1.0" encoding="utf-8"?>
+<file path=ppt/slides/slide19.xml><?xml version="1.0" encoding="utf-8"?>
 <p:sld xmlns:a="http://schemas.openxmlformats.org/drawingml/2006/main" xmlns:r="http://schemas.openxmlformats.org/officeDocument/2006/relationships" xmlns:p="http://schemas.openxmlformats.org/presentationml/2006/main">
   <p:cSld>
     <p:spTree>
@@ -17106,7 +17926,7 @@
               <a:pPr>
                 <a:defRPr/>
               </a:pPr>
-              <a:t>18</a:t>
+              <a:t>19</a:t>
             </a:fld>
             <a:endParaRPr lang="en-US" altLang="x-none"/>
           </a:p>
@@ -18676,8 +19496,8 @@
           </p:sp>
         </mc:Fallback>
       </mc:AlternateContent>
-      <mc:AlternateContent xmlns:mc="http://schemas.openxmlformats.org/markup-compatibility/2006">
-        <mc:Choice xmlns:a14="http://schemas.microsoft.com/office/drawing/2010/main" Requires="a14">
+      <mc:AlternateContent xmlns:mc="http://schemas.openxmlformats.org/markup-compatibility/2006" xmlns:a14="http://schemas.microsoft.com/office/drawing/2010/main">
+        <mc:Choice Requires="a14">
           <p:sp>
             <p:nvSpPr>
               <p:cNvPr id="37" name="Rectangle 36">
@@ -18784,7 +19604,7 @@
             </p:txBody>
           </p:sp>
         </mc:Choice>
-        <mc:Fallback>
+        <mc:Fallback xmlns="">
           <p:sp>
             <p:nvSpPr>
               <p:cNvPr id="37" name="Rectangle 36">
@@ -20085,7 +20905,146 @@
 </p:sld>
 </file>
 
-<file path=ppt/slides/slide19.xml><?xml version="1.0" encoding="utf-8"?>
+<file path=ppt/slides/slide2.xml><?xml version="1.0" encoding="utf-8"?>
+<p:sld xmlns:a="http://schemas.openxmlformats.org/drawingml/2006/main" xmlns:r="http://schemas.openxmlformats.org/officeDocument/2006/relationships" xmlns:p="http://schemas.openxmlformats.org/presentationml/2006/main">
+  <p:cSld>
+    <p:spTree>
+      <p:nvGrpSpPr>
+        <p:cNvPr id="1" name=""/>
+        <p:cNvGrpSpPr/>
+        <p:nvPr/>
+      </p:nvGrpSpPr>
+      <p:grpSpPr>
+        <a:xfrm>
+          <a:off x="0" y="0"/>
+          <a:ext cx="0" cy="0"/>
+          <a:chOff x="0" y="0"/>
+          <a:chExt cx="0" cy="0"/>
+        </a:xfrm>
+      </p:grpSpPr>
+      <p:sp>
+        <p:nvSpPr>
+          <p:cNvPr id="2" name="Title 1">
+            <a:extLst>
+              <a:ext uri="{FF2B5EF4-FFF2-40B4-BE49-F238E27FC236}">
+                <a16:creationId xmlns:a16="http://schemas.microsoft.com/office/drawing/2014/main" id="{6E005764-3DB3-EF22-C152-8DBBFD1E1FE4}"/>
+              </a:ext>
+            </a:extLst>
+          </p:cNvPr>
+          <p:cNvSpPr>
+            <a:spLocks noGrp="1"/>
+          </p:cNvSpPr>
+          <p:nvPr>
+            <p:ph type="title"/>
+          </p:nvPr>
+        </p:nvSpPr>
+        <p:spPr/>
+        <p:txBody>
+          <a:bodyPr/>
+          <a:lstStyle/>
+          <a:p>
+            <a:r>
+              <a:rPr lang="en-US" dirty="0"/>
+              <a:t>Agenda</a:t>
+            </a:r>
+          </a:p>
+        </p:txBody>
+      </p:sp>
+      <p:sp>
+        <p:nvSpPr>
+          <p:cNvPr id="3" name="Content Placeholder 2">
+            <a:extLst>
+              <a:ext uri="{FF2B5EF4-FFF2-40B4-BE49-F238E27FC236}">
+                <a16:creationId xmlns:a16="http://schemas.microsoft.com/office/drawing/2014/main" id="{F26D6AEB-805F-1325-C2A4-73A70010CF80}"/>
+              </a:ext>
+            </a:extLst>
+          </p:cNvPr>
+          <p:cNvSpPr>
+            <a:spLocks noGrp="1"/>
+          </p:cNvSpPr>
+          <p:nvPr>
+            <p:ph idx="1"/>
+          </p:nvPr>
+        </p:nvSpPr>
+        <p:spPr/>
+        <p:txBody>
+          <a:bodyPr/>
+          <a:lstStyle/>
+          <a:p>
+            <a:r>
+              <a:rPr lang="en-US" dirty="0"/>
+              <a:t>Why model?</a:t>
+            </a:r>
+          </a:p>
+          <a:p>
+            <a:r>
+              <a:rPr lang="en-US" dirty="0"/>
+              <a:t>Laplace transform, stability, oscillations</a:t>
+            </a:r>
+          </a:p>
+          <a:p>
+            <a:r>
+              <a:rPr lang="en-US" dirty="0"/>
+              <a:t>Transfer functions and DC gain</a:t>
+            </a:r>
+          </a:p>
+          <a:p>
+            <a:r>
+              <a:rPr lang="en-US" dirty="0"/>
+              <a:t>Calculating DC gain.</a:t>
+            </a:r>
+          </a:p>
+        </p:txBody>
+      </p:sp>
+      <p:sp>
+        <p:nvSpPr>
+          <p:cNvPr id="4" name="Slide Number Placeholder 3">
+            <a:extLst>
+              <a:ext uri="{FF2B5EF4-FFF2-40B4-BE49-F238E27FC236}">
+                <a16:creationId xmlns:a16="http://schemas.microsoft.com/office/drawing/2014/main" id="{CCBF9456-3122-EF64-BE82-F57BC4B2E442}"/>
+              </a:ext>
+            </a:extLst>
+          </p:cNvPr>
+          <p:cNvSpPr>
+            <a:spLocks noGrp="1"/>
+          </p:cNvSpPr>
+          <p:nvPr>
+            <p:ph type="sldNum" sz="quarter" idx="11"/>
+          </p:nvPr>
+        </p:nvSpPr>
+        <p:spPr/>
+        <p:txBody>
+          <a:bodyPr/>
+          <a:lstStyle/>
+          <a:p>
+            <a:pPr>
+              <a:defRPr/>
+            </a:pPr>
+            <a:fld id="{3EF4E9CC-9D91-476E-91FD-5BEEC1642931}" type="slidenum">
+              <a:rPr lang="en-US" altLang="x-none" smtClean="0"/>
+              <a:pPr>
+                <a:defRPr/>
+              </a:pPr>
+              <a:t>2</a:t>
+            </a:fld>
+            <a:endParaRPr lang="en-US" altLang="x-none"/>
+          </a:p>
+        </p:txBody>
+      </p:sp>
+    </p:spTree>
+    <p:extLst>
+      <p:ext uri="{BB962C8B-B14F-4D97-AF65-F5344CB8AC3E}">
+        <p14:creationId xmlns:p14="http://schemas.microsoft.com/office/powerpoint/2010/main" val="480347433"/>
+      </p:ext>
+    </p:extLst>
+  </p:cSld>
+  <p:clrMapOvr>
+    <a:masterClrMapping/>
+  </p:clrMapOvr>
+</p:sld>
+</file>
+
+<file path=ppt/slides/slide20.xml><?xml version="1.0" encoding="utf-8"?>
 <p:sld xmlns:a="http://schemas.openxmlformats.org/drawingml/2006/main" xmlns:r="http://schemas.openxmlformats.org/officeDocument/2006/relationships" xmlns:p="http://schemas.openxmlformats.org/presentationml/2006/main">
   <p:cSld>
     <p:spTree>
@@ -20164,7 +21123,7 @@
               <a:pPr>
                 <a:defRPr/>
               </a:pPr>
-              <a:t>19</a:t>
+              <a:t>20</a:t>
             </a:fld>
             <a:endParaRPr lang="en-US" altLang="x-none"/>
           </a:p>
@@ -21705,146 +22664,7 @@
 </p:sld>
 </file>
 
-<file path=ppt/slides/slide2.xml><?xml version="1.0" encoding="utf-8"?>
-<p:sld xmlns:a="http://schemas.openxmlformats.org/drawingml/2006/main" xmlns:r="http://schemas.openxmlformats.org/officeDocument/2006/relationships" xmlns:p="http://schemas.openxmlformats.org/presentationml/2006/main">
-  <p:cSld>
-    <p:spTree>
-      <p:nvGrpSpPr>
-        <p:cNvPr id="1" name=""/>
-        <p:cNvGrpSpPr/>
-        <p:nvPr/>
-      </p:nvGrpSpPr>
-      <p:grpSpPr>
-        <a:xfrm>
-          <a:off x="0" y="0"/>
-          <a:ext cx="0" cy="0"/>
-          <a:chOff x="0" y="0"/>
-          <a:chExt cx="0" cy="0"/>
-        </a:xfrm>
-      </p:grpSpPr>
-      <p:sp>
-        <p:nvSpPr>
-          <p:cNvPr id="2" name="Title 1">
-            <a:extLst>
-              <a:ext uri="{FF2B5EF4-FFF2-40B4-BE49-F238E27FC236}">
-                <a16:creationId xmlns:a16="http://schemas.microsoft.com/office/drawing/2014/main" id="{6E005764-3DB3-EF22-C152-8DBBFD1E1FE4}"/>
-              </a:ext>
-            </a:extLst>
-          </p:cNvPr>
-          <p:cNvSpPr>
-            <a:spLocks noGrp="1"/>
-          </p:cNvSpPr>
-          <p:nvPr>
-            <p:ph type="title"/>
-          </p:nvPr>
-        </p:nvSpPr>
-        <p:spPr/>
-        <p:txBody>
-          <a:bodyPr/>
-          <a:lstStyle/>
-          <a:p>
-            <a:r>
-              <a:rPr lang="en-US" dirty="0"/>
-              <a:t>Agenda</a:t>
-            </a:r>
-          </a:p>
-        </p:txBody>
-      </p:sp>
-      <p:sp>
-        <p:nvSpPr>
-          <p:cNvPr id="3" name="Content Placeholder 2">
-            <a:extLst>
-              <a:ext uri="{FF2B5EF4-FFF2-40B4-BE49-F238E27FC236}">
-                <a16:creationId xmlns:a16="http://schemas.microsoft.com/office/drawing/2014/main" id="{F26D6AEB-805F-1325-C2A4-73A70010CF80}"/>
-              </a:ext>
-            </a:extLst>
-          </p:cNvPr>
-          <p:cNvSpPr>
-            <a:spLocks noGrp="1"/>
-          </p:cNvSpPr>
-          <p:nvPr>
-            <p:ph idx="1"/>
-          </p:nvPr>
-        </p:nvSpPr>
-        <p:spPr/>
-        <p:txBody>
-          <a:bodyPr/>
-          <a:lstStyle/>
-          <a:p>
-            <a:r>
-              <a:rPr lang="en-US" dirty="0"/>
-              <a:t>Why model?</a:t>
-            </a:r>
-          </a:p>
-          <a:p>
-            <a:r>
-              <a:rPr lang="en-US" dirty="0"/>
-              <a:t>Laplace transform, stability, oscillations</a:t>
-            </a:r>
-          </a:p>
-          <a:p>
-            <a:r>
-              <a:rPr lang="en-US" dirty="0"/>
-              <a:t>Transfer functions and DC gain</a:t>
-            </a:r>
-          </a:p>
-          <a:p>
-            <a:r>
-              <a:rPr lang="en-US" dirty="0"/>
-              <a:t>Calculating DC gain.</a:t>
-            </a:r>
-          </a:p>
-        </p:txBody>
-      </p:sp>
-      <p:sp>
-        <p:nvSpPr>
-          <p:cNvPr id="4" name="Slide Number Placeholder 3">
-            <a:extLst>
-              <a:ext uri="{FF2B5EF4-FFF2-40B4-BE49-F238E27FC236}">
-                <a16:creationId xmlns:a16="http://schemas.microsoft.com/office/drawing/2014/main" id="{CCBF9456-3122-EF64-BE82-F57BC4B2E442}"/>
-              </a:ext>
-            </a:extLst>
-          </p:cNvPr>
-          <p:cNvSpPr>
-            <a:spLocks noGrp="1"/>
-          </p:cNvSpPr>
-          <p:nvPr>
-            <p:ph type="sldNum" sz="quarter" idx="11"/>
-          </p:nvPr>
-        </p:nvSpPr>
-        <p:spPr/>
-        <p:txBody>
-          <a:bodyPr/>
-          <a:lstStyle/>
-          <a:p>
-            <a:pPr>
-              <a:defRPr/>
-            </a:pPr>
-            <a:fld id="{3EF4E9CC-9D91-476E-91FD-5BEEC1642931}" type="slidenum">
-              <a:rPr lang="en-US" altLang="x-none" smtClean="0"/>
-              <a:pPr>
-                <a:defRPr/>
-              </a:pPr>
-              <a:t>2</a:t>
-            </a:fld>
-            <a:endParaRPr lang="en-US" altLang="x-none"/>
-          </a:p>
-        </p:txBody>
-      </p:sp>
-    </p:spTree>
-    <p:extLst>
-      <p:ext uri="{BB962C8B-B14F-4D97-AF65-F5344CB8AC3E}">
-        <p14:creationId xmlns:p14="http://schemas.microsoft.com/office/powerpoint/2010/main" val="480347433"/>
-      </p:ext>
-    </p:extLst>
-  </p:cSld>
-  <p:clrMapOvr>
-    <a:masterClrMapping/>
-  </p:clrMapOvr>
-</p:sld>
-</file>
-
-<file path=ppt/slides/slide20.xml><?xml version="1.0" encoding="utf-8"?>
+<file path=ppt/slides/slide21.xml><?xml version="1.0" encoding="utf-8"?>
 <p:sld xmlns:a="http://schemas.openxmlformats.org/drawingml/2006/main" xmlns:r="http://schemas.openxmlformats.org/officeDocument/2006/relationships" xmlns:p="http://schemas.openxmlformats.org/presentationml/2006/main">
   <p:cSld>
     <p:spTree>
@@ -21952,7 +22772,7 @@
               <a:pPr>
                 <a:defRPr/>
               </a:pPr>
-              <a:t>20</a:t>
+              <a:t>21</a:t>
             </a:fld>
             <a:endParaRPr lang="en-US" altLang="x-none"/>
           </a:p>
@@ -21962,6078 +22782,6 @@
     <p:extLst>
       <p:ext uri="{BB962C8B-B14F-4D97-AF65-F5344CB8AC3E}">
         <p14:creationId xmlns:p14="http://schemas.microsoft.com/office/powerpoint/2010/main" val="2216428288"/>
-      </p:ext>
-    </p:extLst>
-  </p:cSld>
-  <p:clrMapOvr>
-    <a:masterClrMapping/>
-  </p:clrMapOvr>
-</p:sld>
-</file>
-
-<file path=ppt/slides/slide21.xml><?xml version="1.0" encoding="utf-8"?>
-<p:sld xmlns:a="http://schemas.openxmlformats.org/drawingml/2006/main" xmlns:r="http://schemas.openxmlformats.org/officeDocument/2006/relationships" xmlns:p="http://schemas.openxmlformats.org/presentationml/2006/main">
-  <p:cSld>
-    <p:spTree>
-      <p:nvGrpSpPr>
-        <p:cNvPr id="1" name=""/>
-        <p:cNvGrpSpPr/>
-        <p:nvPr/>
-      </p:nvGrpSpPr>
-      <p:grpSpPr>
-        <a:xfrm>
-          <a:off x="0" y="0"/>
-          <a:ext cx="0" cy="0"/>
-          <a:chOff x="0" y="0"/>
-          <a:chExt cx="0" cy="0"/>
-        </a:xfrm>
-      </p:grpSpPr>
-      <p:sp>
-        <p:nvSpPr>
-          <p:cNvPr id="2" name="Title 1">
-            <a:extLst>
-              <a:ext uri="{FF2B5EF4-FFF2-40B4-BE49-F238E27FC236}">
-                <a16:creationId xmlns:a16="http://schemas.microsoft.com/office/drawing/2014/main" id="{36781C49-13E2-C77D-BE57-F70F821D924A}"/>
-              </a:ext>
-            </a:extLst>
-          </p:cNvPr>
-          <p:cNvSpPr>
-            <a:spLocks noGrp="1"/>
-          </p:cNvSpPr>
-          <p:nvPr>
-            <p:ph type="title"/>
-          </p:nvPr>
-        </p:nvSpPr>
-        <p:spPr/>
-        <p:txBody>
-          <a:bodyPr/>
-          <a:lstStyle/>
-          <a:p>
-            <a:r>
-              <a:rPr lang="en-US" dirty="0"/>
-              <a:t>BACKUP</a:t>
-            </a:r>
-          </a:p>
-        </p:txBody>
-      </p:sp>
-      <p:sp>
-        <p:nvSpPr>
-          <p:cNvPr id="3" name="Content Placeholder 2">
-            <a:extLst>
-              <a:ext uri="{FF2B5EF4-FFF2-40B4-BE49-F238E27FC236}">
-                <a16:creationId xmlns:a16="http://schemas.microsoft.com/office/drawing/2014/main" id="{F794A922-4F23-20B7-C087-136AAAD17014}"/>
-              </a:ext>
-            </a:extLst>
-          </p:cNvPr>
-          <p:cNvSpPr>
-            <a:spLocks noGrp="1"/>
-          </p:cNvSpPr>
-          <p:nvPr>
-            <p:ph idx="1"/>
-          </p:nvPr>
-        </p:nvSpPr>
-        <p:spPr/>
-        <p:txBody>
-          <a:bodyPr/>
-          <a:lstStyle/>
-          <a:p>
-            <a:endParaRPr lang="en-US"/>
-          </a:p>
-        </p:txBody>
-      </p:sp>
-      <p:sp>
-        <p:nvSpPr>
-          <p:cNvPr id="4" name="Slide Number Placeholder 3">
-            <a:extLst>
-              <a:ext uri="{FF2B5EF4-FFF2-40B4-BE49-F238E27FC236}">
-                <a16:creationId xmlns:a16="http://schemas.microsoft.com/office/drawing/2014/main" id="{F5364F4F-32D0-138D-F1FD-47943BCA324F}"/>
-              </a:ext>
-            </a:extLst>
-          </p:cNvPr>
-          <p:cNvSpPr>
-            <a:spLocks noGrp="1"/>
-          </p:cNvSpPr>
-          <p:nvPr>
-            <p:ph type="sldNum" sz="quarter" idx="11"/>
-          </p:nvPr>
-        </p:nvSpPr>
-        <p:spPr/>
-        <p:txBody>
-          <a:bodyPr/>
-          <a:lstStyle/>
-          <a:p>
-            <a:pPr>
-              <a:defRPr/>
-            </a:pPr>
-            <a:fld id="{3EF4E9CC-9D91-476E-91FD-5BEEC1642931}" type="slidenum">
-              <a:rPr lang="en-US" altLang="x-none" smtClean="0"/>
-              <a:pPr>
-                <a:defRPr/>
-              </a:pPr>
-              <a:t>21</a:t>
-            </a:fld>
-            <a:endParaRPr lang="en-US" altLang="x-none"/>
-          </a:p>
-        </p:txBody>
-      </p:sp>
-    </p:spTree>
-    <p:extLst>
-      <p:ext uri="{BB962C8B-B14F-4D97-AF65-F5344CB8AC3E}">
-        <p14:creationId xmlns:p14="http://schemas.microsoft.com/office/powerpoint/2010/main" val="2545876265"/>
-      </p:ext>
-    </p:extLst>
-  </p:cSld>
-  <p:clrMapOvr>
-    <a:masterClrMapping/>
-  </p:clrMapOvr>
-</p:sld>
-</file>
-
-<file path=ppt/slides/slide22.xml><?xml version="1.0" encoding="utf-8"?>
-<p:sld xmlns:a="http://schemas.openxmlformats.org/drawingml/2006/main" xmlns:r="http://schemas.openxmlformats.org/officeDocument/2006/relationships" xmlns:p="http://schemas.openxmlformats.org/presentationml/2006/main">
-  <p:cSld>
-    <p:spTree>
-      <p:nvGrpSpPr>
-        <p:cNvPr id="1" name=""/>
-        <p:cNvGrpSpPr/>
-        <p:nvPr/>
-      </p:nvGrpSpPr>
-      <p:grpSpPr>
-        <a:xfrm>
-          <a:off x="0" y="0"/>
-          <a:ext cx="0" cy="0"/>
-          <a:chOff x="0" y="0"/>
-          <a:chExt cx="0" cy="0"/>
-        </a:xfrm>
-      </p:grpSpPr>
-      <p:sp>
-        <p:nvSpPr>
-          <p:cNvPr id="2" name="Title 1">
-            <a:extLst>
-              <a:ext uri="{FF2B5EF4-FFF2-40B4-BE49-F238E27FC236}">
-                <a16:creationId xmlns:a16="http://schemas.microsoft.com/office/drawing/2014/main" id="{023929B6-FD40-D35A-ED82-6931149E8837}"/>
-              </a:ext>
-            </a:extLst>
-          </p:cNvPr>
-          <p:cNvSpPr>
-            <a:spLocks noGrp="1"/>
-          </p:cNvSpPr>
-          <p:nvPr>
-            <p:ph type="title"/>
-          </p:nvPr>
-        </p:nvSpPr>
-        <p:spPr>
-          <a:xfrm>
-            <a:off x="457200" y="381000"/>
-            <a:ext cx="5466080" cy="838200"/>
-          </a:xfrm>
-        </p:spPr>
-        <p:txBody>
-          <a:bodyPr/>
-          <a:lstStyle/>
-          <a:p>
-            <a:r>
-              <a:rPr lang="en-US" dirty="0"/>
-              <a:t>DC Gain For Transfer Functions</a:t>
-            </a:r>
-          </a:p>
-        </p:txBody>
-      </p:sp>
-      <mc:AlternateContent xmlns:mc="http://schemas.openxmlformats.org/markup-compatibility/2006">
-        <mc:Choice xmlns:a14="http://schemas.microsoft.com/office/drawing/2010/main" Requires="a14">
-          <p:sp>
-            <p:nvSpPr>
-              <p:cNvPr id="3" name="Content Placeholder 2">
-                <a:extLst>
-                  <a:ext uri="{FF2B5EF4-FFF2-40B4-BE49-F238E27FC236}">
-                    <a16:creationId xmlns:a16="http://schemas.microsoft.com/office/drawing/2014/main" id="{CF6C3BA9-3F76-185E-0058-42FEB3F6F0E7}"/>
-                  </a:ext>
-                </a:extLst>
-              </p:cNvPr>
-              <p:cNvSpPr>
-                <a:spLocks noGrp="1"/>
-              </p:cNvSpPr>
-              <p:nvPr>
-                <p:ph idx="1"/>
-              </p:nvPr>
-            </p:nvSpPr>
-            <p:spPr>
-              <a:xfrm>
-                <a:off x="468775" y="1209554"/>
-                <a:ext cx="8229600" cy="4572001"/>
-              </a:xfrm>
-            </p:spPr>
-            <p:txBody>
-              <a:bodyPr/>
-              <a:lstStyle/>
-              <a:p>
-                <a:r>
-                  <a:rPr lang="en-US" b="0" dirty="0"/>
-                  <a:t>Consider the transfer function </a:t>
-                </a:r>
-                <a14:m>
-                  <m:oMath xmlns:m="http://schemas.openxmlformats.org/officeDocument/2006/math">
-                    <m:r>
-                      <a:rPr lang="en-US" b="0" i="1" smtClean="0">
-                        <a:latin typeface="Cambria Math" panose="02040503050406030204" pitchFamily="18" charset="0"/>
-                      </a:rPr>
-                      <m:t>𝐺</m:t>
-                    </m:r>
-                    <m:d>
-                      <m:dPr>
-                        <m:ctrlPr>
-                          <a:rPr lang="en-US" b="0" i="1" smtClean="0">
-                            <a:latin typeface="Cambria Math" panose="02040503050406030204" pitchFamily="18" charset="0"/>
-                          </a:rPr>
-                        </m:ctrlPr>
-                      </m:dPr>
-                      <m:e>
-                        <m:r>
-                          <a:rPr lang="en-US" b="0" i="1" smtClean="0">
-                            <a:latin typeface="Cambria Math" panose="02040503050406030204" pitchFamily="18" charset="0"/>
-                          </a:rPr>
-                          <m:t>𝑠</m:t>
-                        </m:r>
-                      </m:e>
-                    </m:d>
-                    <m:r>
-                      <a:rPr lang="en-US" b="0" i="1" smtClean="0">
-                        <a:latin typeface="Cambria Math" panose="02040503050406030204" pitchFamily="18" charset="0"/>
-                      </a:rPr>
-                      <m:t>=</m:t>
-                    </m:r>
-                    <m:f>
-                      <m:fPr>
-                        <m:ctrlPr>
-                          <a:rPr lang="en-US" b="0" i="1" smtClean="0">
-                            <a:latin typeface="Cambria Math" panose="02040503050406030204" pitchFamily="18" charset="0"/>
-                          </a:rPr>
-                        </m:ctrlPr>
-                      </m:fPr>
-                      <m:num>
-                        <m:r>
-                          <a:rPr lang="en-US" b="0" i="1" smtClean="0">
-                            <a:latin typeface="Cambria Math" panose="02040503050406030204" pitchFamily="18" charset="0"/>
-                          </a:rPr>
-                          <m:t>𝑌</m:t>
-                        </m:r>
-                        <m:d>
-                          <m:dPr>
-                            <m:ctrlPr>
-                              <a:rPr lang="en-US" b="0" i="1" smtClean="0">
-                                <a:latin typeface="Cambria Math" panose="02040503050406030204" pitchFamily="18" charset="0"/>
-                              </a:rPr>
-                            </m:ctrlPr>
-                          </m:dPr>
-                          <m:e>
-                            <m:r>
-                              <a:rPr lang="en-US" b="0" i="1" smtClean="0">
-                                <a:latin typeface="Cambria Math" panose="02040503050406030204" pitchFamily="18" charset="0"/>
-                              </a:rPr>
-                              <m:t>𝑠</m:t>
-                            </m:r>
-                          </m:e>
-                        </m:d>
-                      </m:num>
-                      <m:den>
-                        <m:r>
-                          <a:rPr lang="en-US" b="0" i="1" smtClean="0">
-                            <a:latin typeface="Cambria Math" panose="02040503050406030204" pitchFamily="18" charset="0"/>
-                          </a:rPr>
-                          <m:t>𝑈</m:t>
-                        </m:r>
-                        <m:r>
-                          <a:rPr lang="en-US" b="0" i="1" smtClean="0">
-                            <a:latin typeface="Cambria Math" panose="02040503050406030204" pitchFamily="18" charset="0"/>
-                          </a:rPr>
-                          <m:t>(</m:t>
-                        </m:r>
-                        <m:r>
-                          <a:rPr lang="en-US" b="0" i="1" smtClean="0">
-                            <a:latin typeface="Cambria Math" panose="02040503050406030204" pitchFamily="18" charset="0"/>
-                          </a:rPr>
-                          <m:t>𝑠</m:t>
-                        </m:r>
-                        <m:r>
-                          <a:rPr lang="en-US" b="0" i="1" smtClean="0">
-                            <a:latin typeface="Cambria Math" panose="02040503050406030204" pitchFamily="18" charset="0"/>
-                          </a:rPr>
-                          <m:t>)</m:t>
-                        </m:r>
-                      </m:den>
-                    </m:f>
-                  </m:oMath>
-                </a14:m>
-                <a:r>
-                  <a:rPr lang="en-US" b="0" dirty="0"/>
-                  <a:t>.</a:t>
-                </a:r>
-              </a:p>
-              <a:p>
-                <a:r>
-                  <a:rPr lang="en-US" b="0" dirty="0"/>
-                  <a:t>DC Gain is </a:t>
-                </a:r>
-                <a14:m>
-                  <m:oMath xmlns:m="http://schemas.openxmlformats.org/officeDocument/2006/math">
-                    <m:func>
-                      <m:funcPr>
-                        <m:ctrlPr>
-                          <a:rPr lang="en-US" b="0" i="1" smtClean="0">
-                            <a:latin typeface="Cambria Math" panose="02040503050406030204" pitchFamily="18" charset="0"/>
-                          </a:rPr>
-                        </m:ctrlPr>
-                      </m:funcPr>
-                      <m:fName>
-                        <m:limLow>
-                          <m:limLowPr>
-                            <m:ctrlPr>
-                              <a:rPr lang="en-US" b="0" i="1" smtClean="0">
-                                <a:latin typeface="Cambria Math" panose="02040503050406030204" pitchFamily="18" charset="0"/>
-                              </a:rPr>
-                            </m:ctrlPr>
-                          </m:limLowPr>
-                          <m:e>
-                            <m:r>
-                              <m:rPr>
-                                <m:sty m:val="p"/>
-                              </m:rPr>
-                              <a:rPr lang="en-US" b="0" i="0" smtClean="0">
-                                <a:latin typeface="Cambria Math" panose="02040503050406030204" pitchFamily="18" charset="0"/>
-                              </a:rPr>
-                              <m:t>lim</m:t>
-                            </m:r>
-                          </m:e>
-                          <m:lim>
-                            <m:r>
-                              <a:rPr lang="en-US" b="0" i="1" smtClean="0">
-                                <a:latin typeface="Cambria Math" panose="02040503050406030204" pitchFamily="18" charset="0"/>
-                              </a:rPr>
-                              <m:t>𝑡</m:t>
-                            </m:r>
-                            <m:r>
-                              <a:rPr lang="en-US" b="0" i="1" smtClean="0">
-                                <a:latin typeface="Cambria Math" panose="02040503050406030204" pitchFamily="18" charset="0"/>
-                              </a:rPr>
-                              <m:t>→ ∞</m:t>
-                            </m:r>
-                          </m:lim>
-                        </m:limLow>
-                      </m:fName>
-                      <m:e>
-                        <m:r>
-                          <a:rPr lang="en-US" b="0" i="1" smtClean="0">
-                            <a:latin typeface="Cambria Math" panose="02040503050406030204" pitchFamily="18" charset="0"/>
-                          </a:rPr>
-                          <m:t>𝑦</m:t>
-                        </m:r>
-                        <m:r>
-                          <a:rPr lang="en-US" b="0" i="1" smtClean="0">
-                            <a:latin typeface="Cambria Math" panose="02040503050406030204" pitchFamily="18" charset="0"/>
-                          </a:rPr>
-                          <m:t>(</m:t>
-                        </m:r>
-                        <m:r>
-                          <a:rPr lang="en-US" b="0" i="1" smtClean="0">
-                            <a:latin typeface="Cambria Math" panose="02040503050406030204" pitchFamily="18" charset="0"/>
-                          </a:rPr>
-                          <m:t>𝑡</m:t>
-                        </m:r>
-                        <m:r>
-                          <a:rPr lang="en-US" b="0" i="1" smtClean="0">
-                            <a:latin typeface="Cambria Math" panose="02040503050406030204" pitchFamily="18" charset="0"/>
-                          </a:rPr>
-                          <m:t>)</m:t>
-                        </m:r>
-                      </m:e>
-                    </m:func>
-                  </m:oMath>
-                </a14:m>
-                <a:r>
-                  <a:rPr lang="en-US" sz="3200" dirty="0"/>
-                  <a:t> when </a:t>
-                </a:r>
-                <a14:m>
-                  <m:oMath xmlns:m="http://schemas.openxmlformats.org/officeDocument/2006/math">
-                    <m:r>
-                      <a:rPr lang="en-US" sz="3200" b="0" i="1" smtClean="0">
-                        <a:latin typeface="Cambria Math" panose="02040503050406030204" pitchFamily="18" charset="0"/>
-                      </a:rPr>
-                      <m:t>𝑢</m:t>
-                    </m:r>
-                    <m:d>
-                      <m:dPr>
-                        <m:ctrlPr>
-                          <a:rPr lang="en-US" sz="3200" b="0" i="1" smtClean="0">
-                            <a:latin typeface="Cambria Math" panose="02040503050406030204" pitchFamily="18" charset="0"/>
-                          </a:rPr>
-                        </m:ctrlPr>
-                      </m:dPr>
-                      <m:e>
-                        <m:r>
-                          <a:rPr lang="en-US" sz="3200" b="0" i="1" smtClean="0">
-                            <a:latin typeface="Cambria Math" panose="02040503050406030204" pitchFamily="18" charset="0"/>
-                          </a:rPr>
-                          <m:t>𝑡</m:t>
-                        </m:r>
-                      </m:e>
-                    </m:d>
-                    <m:r>
-                      <a:rPr lang="en-US" sz="3200" b="0" i="1" smtClean="0">
-                        <a:latin typeface="Cambria Math" panose="02040503050406030204" pitchFamily="18" charset="0"/>
-                      </a:rPr>
-                      <m:t>=</m:t>
-                    </m:r>
-                    <m:r>
-                      <a:rPr lang="en-US" sz="3200" b="0" i="1" smtClean="0">
-                        <a:latin typeface="Cambria Math" panose="02040503050406030204" pitchFamily="18" charset="0"/>
-                      </a:rPr>
-                      <m:t>1</m:t>
-                    </m:r>
-                  </m:oMath>
-                </a14:m>
-                <a:r>
-                  <a:rPr lang="en-US" sz="3200" dirty="0"/>
-                  <a:t>.</a:t>
-                </a:r>
-              </a:p>
-              <a:p>
-                <a:r>
-                  <a:rPr lang="en-US" sz="2800" dirty="0">
-                    <a:ea typeface="Cambria Math" panose="02040503050406030204" pitchFamily="18" charset="0"/>
-                  </a:rPr>
-                  <a:t>Derivation of DC gain</a:t>
-                </a:r>
-              </a:p>
-              <a:p>
-                <a:pPr marL="914400" lvl="1" indent="-457200">
-                  <a:buFont typeface="+mj-lt"/>
-                  <a:buAutoNum type="arabicPeriod"/>
-                </a:pPr>
-                <a:r>
-                  <a:rPr lang="en-US" dirty="0">
-                    <a:ea typeface="Cambria Math" panose="02040503050406030204" pitchFamily="18" charset="0"/>
-                  </a:rPr>
-                  <a:t>Recall: </a:t>
-                </a:r>
-                <a14:m>
-                  <m:oMath xmlns:m="http://schemas.openxmlformats.org/officeDocument/2006/math">
-                    <m:r>
-                      <a:rPr lang="en-US" i="1" smtClean="0">
-                        <a:latin typeface="Cambria Math" panose="02040503050406030204" pitchFamily="18" charset="0"/>
-                        <a:ea typeface="Cambria Math" panose="02040503050406030204" pitchFamily="18" charset="0"/>
-                      </a:rPr>
-                      <m:t>ℒ</m:t>
-                    </m:r>
-                    <m:d>
-                      <m:dPr>
-                        <m:ctrlPr>
-                          <a:rPr lang="en-US" b="0" i="1" smtClean="0">
-                            <a:latin typeface="Cambria Math" panose="02040503050406030204" pitchFamily="18" charset="0"/>
-                            <a:ea typeface="Cambria Math" panose="02040503050406030204" pitchFamily="18" charset="0"/>
-                          </a:rPr>
-                        </m:ctrlPr>
-                      </m:dPr>
-                      <m:e>
-                        <m:sSub>
-                          <m:sSubPr>
-                            <m:ctrlPr>
-                              <a:rPr lang="en-US" b="0" i="1" smtClean="0">
-                                <a:latin typeface="Cambria Math" panose="02040503050406030204" pitchFamily="18" charset="0"/>
-                                <a:ea typeface="Cambria Math" panose="02040503050406030204" pitchFamily="18" charset="0"/>
-                              </a:rPr>
-                            </m:ctrlPr>
-                          </m:sSubPr>
-                          <m:e>
-                            <m:r>
-                              <a:rPr lang="en-US" b="0" i="1" smtClean="0">
-                                <a:latin typeface="Cambria Math" panose="02040503050406030204" pitchFamily="18" charset="0"/>
-                                <a:ea typeface="Cambria Math" panose="02040503050406030204" pitchFamily="18" charset="0"/>
-                              </a:rPr>
-                              <m:t>1</m:t>
-                            </m:r>
-                          </m:e>
-                          <m:sub>
-                            <m:r>
-                              <a:rPr lang="en-US" b="0" i="1" smtClean="0">
-                                <a:latin typeface="Cambria Math" panose="02040503050406030204" pitchFamily="18" charset="0"/>
-                                <a:ea typeface="Cambria Math" panose="02040503050406030204" pitchFamily="18" charset="0"/>
-                              </a:rPr>
-                              <m:t>0</m:t>
-                            </m:r>
-                          </m:sub>
-                        </m:sSub>
-                      </m:e>
-                    </m:d>
-                    <m:r>
-                      <a:rPr lang="en-US" b="0" i="1" smtClean="0">
-                        <a:latin typeface="Cambria Math" panose="02040503050406030204" pitchFamily="18" charset="0"/>
-                        <a:ea typeface="Cambria Math" panose="02040503050406030204" pitchFamily="18" charset="0"/>
-                      </a:rPr>
-                      <m:t>=</m:t>
-                    </m:r>
-                    <m:f>
-                      <m:fPr>
-                        <m:ctrlPr>
-                          <a:rPr lang="en-US" b="0" i="1" smtClean="0">
-                            <a:latin typeface="Cambria Math" panose="02040503050406030204" pitchFamily="18" charset="0"/>
-                            <a:ea typeface="Cambria Math" panose="02040503050406030204" pitchFamily="18" charset="0"/>
-                          </a:rPr>
-                        </m:ctrlPr>
-                      </m:fPr>
-                      <m:num>
-                        <m:r>
-                          <a:rPr lang="en-US" b="0" i="1" smtClean="0">
-                            <a:latin typeface="Cambria Math" panose="02040503050406030204" pitchFamily="18" charset="0"/>
-                            <a:ea typeface="Cambria Math" panose="02040503050406030204" pitchFamily="18" charset="0"/>
-                          </a:rPr>
-                          <m:t>1</m:t>
-                        </m:r>
-                      </m:num>
-                      <m:den>
-                        <m:r>
-                          <a:rPr lang="en-US" b="0" i="1" smtClean="0">
-                            <a:latin typeface="Cambria Math" panose="02040503050406030204" pitchFamily="18" charset="0"/>
-                            <a:ea typeface="Cambria Math" panose="02040503050406030204" pitchFamily="18" charset="0"/>
-                          </a:rPr>
-                          <m:t>𝑠</m:t>
-                        </m:r>
-                      </m:den>
-                    </m:f>
-                  </m:oMath>
-                </a14:m>
-                <a:r>
-                  <a:rPr lang="en-US" dirty="0"/>
-                  <a:t> , </a:t>
-                </a:r>
-                <a14:m>
-                  <m:oMath xmlns:m="http://schemas.openxmlformats.org/officeDocument/2006/math">
-                    <m:r>
-                      <a:rPr lang="en-US" b="0" i="1" smtClean="0">
-                        <a:latin typeface="Cambria Math" panose="02040503050406030204" pitchFamily="18" charset="0"/>
-                      </a:rPr>
-                      <m:t>𝑌</m:t>
-                    </m:r>
-                    <m:d>
-                      <m:dPr>
-                        <m:ctrlPr>
-                          <a:rPr lang="en-US" b="0" i="1" smtClean="0">
-                            <a:latin typeface="Cambria Math" panose="02040503050406030204" pitchFamily="18" charset="0"/>
-                          </a:rPr>
-                        </m:ctrlPr>
-                      </m:dPr>
-                      <m:e>
-                        <m:r>
-                          <a:rPr lang="en-US" b="0" i="1" smtClean="0">
-                            <a:latin typeface="Cambria Math" panose="02040503050406030204" pitchFamily="18" charset="0"/>
-                          </a:rPr>
-                          <m:t>𝑠</m:t>
-                        </m:r>
-                      </m:e>
-                    </m:d>
-                    <m:r>
-                      <a:rPr lang="en-US" b="0" i="1" smtClean="0">
-                        <a:latin typeface="Cambria Math" panose="02040503050406030204" pitchFamily="18" charset="0"/>
-                      </a:rPr>
-                      <m:t>=</m:t>
-                    </m:r>
-                    <m:r>
-                      <a:rPr lang="en-US" b="0" i="1" smtClean="0">
-                        <a:latin typeface="Cambria Math" panose="02040503050406030204" pitchFamily="18" charset="0"/>
-                      </a:rPr>
-                      <m:t>𝑈</m:t>
-                    </m:r>
-                    <m:d>
-                      <m:dPr>
-                        <m:ctrlPr>
-                          <a:rPr lang="en-US" b="0" i="1" smtClean="0">
-                            <a:latin typeface="Cambria Math" panose="02040503050406030204" pitchFamily="18" charset="0"/>
-                          </a:rPr>
-                        </m:ctrlPr>
-                      </m:dPr>
-                      <m:e>
-                        <m:r>
-                          <a:rPr lang="en-US" b="0" i="1" smtClean="0">
-                            <a:latin typeface="Cambria Math" panose="02040503050406030204" pitchFamily="18" charset="0"/>
-                          </a:rPr>
-                          <m:t>𝑠</m:t>
-                        </m:r>
-                      </m:e>
-                    </m:d>
-                    <m:r>
-                      <a:rPr lang="en-US" b="0" i="1" smtClean="0">
-                        <a:latin typeface="Cambria Math" panose="02040503050406030204" pitchFamily="18" charset="0"/>
-                      </a:rPr>
-                      <m:t>𝐺</m:t>
-                    </m:r>
-                    <m:r>
-                      <a:rPr lang="en-US" b="0" i="1" smtClean="0">
-                        <a:latin typeface="Cambria Math" panose="02040503050406030204" pitchFamily="18" charset="0"/>
-                      </a:rPr>
-                      <m:t>(</m:t>
-                    </m:r>
-                    <m:r>
-                      <a:rPr lang="en-US" b="0" i="1" smtClean="0">
-                        <a:latin typeface="Cambria Math" panose="02040503050406030204" pitchFamily="18" charset="0"/>
-                      </a:rPr>
-                      <m:t>𝑠</m:t>
-                    </m:r>
-                    <m:r>
-                      <a:rPr lang="en-US" b="0" i="1" smtClean="0">
-                        <a:latin typeface="Cambria Math" panose="02040503050406030204" pitchFamily="18" charset="0"/>
-                      </a:rPr>
-                      <m:t>)</m:t>
-                    </m:r>
-                  </m:oMath>
-                </a14:m>
-                <a:endParaRPr lang="en-US" dirty="0"/>
-              </a:p>
-              <a:p>
-                <a:pPr marL="914400" lvl="1" indent="-457200">
-                  <a:buFont typeface="+mj-lt"/>
-                  <a:buAutoNum type="arabicPeriod"/>
-                </a:pPr>
-                <a:r>
-                  <a:rPr lang="en-US" dirty="0"/>
-                  <a:t>Given this, the output signal for a step is </a:t>
-                </a:r>
-                <a14:m>
-                  <m:oMath xmlns:m="http://schemas.openxmlformats.org/officeDocument/2006/math">
-                    <m:r>
-                      <a:rPr lang="en-US" b="0" i="1" smtClean="0">
-                        <a:latin typeface="Cambria Math" panose="02040503050406030204" pitchFamily="18" charset="0"/>
-                      </a:rPr>
-                      <m:t>𝑌</m:t>
-                    </m:r>
-                    <m:d>
-                      <m:dPr>
-                        <m:ctrlPr>
-                          <a:rPr lang="en-US" b="0" i="1" smtClean="0">
-                            <a:latin typeface="Cambria Math" panose="02040503050406030204" pitchFamily="18" charset="0"/>
-                          </a:rPr>
-                        </m:ctrlPr>
-                      </m:dPr>
-                      <m:e>
-                        <m:r>
-                          <a:rPr lang="en-US" b="0" i="1" smtClean="0">
-                            <a:latin typeface="Cambria Math" panose="02040503050406030204" pitchFamily="18" charset="0"/>
-                          </a:rPr>
-                          <m:t>𝑠</m:t>
-                        </m:r>
-                      </m:e>
-                    </m:d>
-                    <m:r>
-                      <a:rPr lang="en-US" b="0" i="1" smtClean="0">
-                        <a:latin typeface="Cambria Math" panose="02040503050406030204" pitchFamily="18" charset="0"/>
-                      </a:rPr>
-                      <m:t>=</m:t>
-                    </m:r>
-                    <m:f>
-                      <m:fPr>
-                        <m:ctrlPr>
-                          <a:rPr lang="en-US" b="0" i="1" smtClean="0">
-                            <a:latin typeface="Cambria Math" panose="02040503050406030204" pitchFamily="18" charset="0"/>
-                          </a:rPr>
-                        </m:ctrlPr>
-                      </m:fPr>
-                      <m:num>
-                        <m:r>
-                          <a:rPr lang="en-US" b="0" i="1" smtClean="0">
-                            <a:latin typeface="Cambria Math" panose="02040503050406030204" pitchFamily="18" charset="0"/>
-                          </a:rPr>
-                          <m:t>1</m:t>
-                        </m:r>
-                      </m:num>
-                      <m:den>
-                        <m:r>
-                          <a:rPr lang="en-US" b="0" i="1" smtClean="0">
-                            <a:latin typeface="Cambria Math" panose="02040503050406030204" pitchFamily="18" charset="0"/>
-                          </a:rPr>
-                          <m:t>𝑠</m:t>
-                        </m:r>
-                      </m:den>
-                    </m:f>
-                    <m:r>
-                      <a:rPr lang="en-US" b="0" i="1" smtClean="0">
-                        <a:latin typeface="Cambria Math" panose="02040503050406030204" pitchFamily="18" charset="0"/>
-                      </a:rPr>
-                      <m:t>𝐺</m:t>
-                    </m:r>
-                    <m:d>
-                      <m:dPr>
-                        <m:ctrlPr>
-                          <a:rPr lang="en-US" b="0" i="1" smtClean="0">
-                            <a:latin typeface="Cambria Math" panose="02040503050406030204" pitchFamily="18" charset="0"/>
-                          </a:rPr>
-                        </m:ctrlPr>
-                      </m:dPr>
-                      <m:e>
-                        <m:r>
-                          <a:rPr lang="en-US" b="0" i="1" smtClean="0">
-                            <a:latin typeface="Cambria Math" panose="02040503050406030204" pitchFamily="18" charset="0"/>
-                          </a:rPr>
-                          <m:t>𝑠</m:t>
-                        </m:r>
-                      </m:e>
-                    </m:d>
-                  </m:oMath>
-                </a14:m>
-                <a:r>
-                  <a:rPr lang="en-US" dirty="0"/>
-                  <a:t>.</a:t>
-                </a:r>
-              </a:p>
-              <a:p>
-                <a:pPr marL="914400" lvl="1" indent="-457200">
-                  <a:buFont typeface="+mj-lt"/>
-                  <a:buAutoNum type="arabicPeriod"/>
-                </a:pPr>
-                <a:r>
-                  <a:rPr lang="en-US" dirty="0"/>
-                  <a:t>From the final value theorem,</a:t>
-                </a:r>
-              </a:p>
-              <a:p>
-                <a:pPr marL="457200" lvl="1" indent="0">
-                  <a:buNone/>
-                </a:pPr>
-                <a14:m>
-                  <m:oMath xmlns:m="http://schemas.openxmlformats.org/officeDocument/2006/math">
-                    <m:func>
-                      <m:funcPr>
-                        <m:ctrlPr>
-                          <a:rPr lang="en-US" i="1">
-                            <a:latin typeface="Cambria Math" panose="02040503050406030204" pitchFamily="18" charset="0"/>
-                          </a:rPr>
-                        </m:ctrlPr>
-                      </m:funcPr>
-                      <m:fName>
-                        <m:limLow>
-                          <m:limLowPr>
-                            <m:ctrlPr>
-                              <a:rPr lang="en-US" i="1">
-                                <a:latin typeface="Cambria Math" panose="02040503050406030204" pitchFamily="18" charset="0"/>
-                              </a:rPr>
-                            </m:ctrlPr>
-                          </m:limLowPr>
-                          <m:e>
-                            <m:r>
-                              <m:rPr>
-                                <m:sty m:val="p"/>
-                              </m:rPr>
-                              <a:rPr lang="en-US">
-                                <a:latin typeface="Cambria Math" panose="02040503050406030204" pitchFamily="18" charset="0"/>
-                              </a:rPr>
-                              <m:t>lim</m:t>
-                            </m:r>
-                          </m:e>
-                          <m:lim>
-                            <m:r>
-                              <a:rPr lang="en-US" i="1">
-                                <a:latin typeface="Cambria Math" panose="02040503050406030204" pitchFamily="18" charset="0"/>
-                              </a:rPr>
-                              <m:t>𝑡</m:t>
-                            </m:r>
-                            <m:r>
-                              <a:rPr lang="en-US" i="1">
-                                <a:latin typeface="Cambria Math" panose="02040503050406030204" pitchFamily="18" charset="0"/>
-                              </a:rPr>
-                              <m:t>→ ∞</m:t>
-                            </m:r>
-                          </m:lim>
-                        </m:limLow>
-                      </m:fName>
-                      <m:e>
-                        <m:r>
-                          <a:rPr lang="en-US" i="1">
-                            <a:latin typeface="Cambria Math" panose="02040503050406030204" pitchFamily="18" charset="0"/>
-                          </a:rPr>
-                          <m:t>𝑦</m:t>
-                        </m:r>
-                        <m:r>
-                          <a:rPr lang="en-US" i="1">
-                            <a:latin typeface="Cambria Math" panose="02040503050406030204" pitchFamily="18" charset="0"/>
-                          </a:rPr>
-                          <m:t>(</m:t>
-                        </m:r>
-                        <m:r>
-                          <a:rPr lang="en-US" i="1">
-                            <a:latin typeface="Cambria Math" panose="02040503050406030204" pitchFamily="18" charset="0"/>
-                          </a:rPr>
-                          <m:t>𝑡</m:t>
-                        </m:r>
-                        <m:r>
-                          <a:rPr lang="en-US" i="1">
-                            <a:latin typeface="Cambria Math" panose="02040503050406030204" pitchFamily="18" charset="0"/>
-                          </a:rPr>
-                          <m:t>)</m:t>
-                        </m:r>
-                      </m:e>
-                    </m:func>
-                    <m:r>
-                      <a:rPr lang="en-US" b="0" i="1" smtClean="0">
-                        <a:latin typeface="Cambria Math" panose="02040503050406030204" pitchFamily="18" charset="0"/>
-                      </a:rPr>
-                      <m:t>=</m:t>
-                    </m:r>
-                    <m:r>
-                      <m:rPr>
-                        <m:sty m:val="p"/>
-                      </m:rPr>
-                      <a:rPr lang="en-US">
-                        <a:latin typeface="Cambria Math" panose="02040503050406030204" pitchFamily="18" charset="0"/>
-                      </a:rPr>
-                      <m:t>s</m:t>
-                    </m:r>
-                    <m:func>
-                      <m:funcPr>
-                        <m:ctrlPr>
-                          <a:rPr lang="en-US" i="1">
-                            <a:latin typeface="Cambria Math" panose="02040503050406030204" pitchFamily="18" charset="0"/>
-                          </a:rPr>
-                        </m:ctrlPr>
-                      </m:funcPr>
-                      <m:fName>
-                        <m:limLow>
-                          <m:limLowPr>
-                            <m:ctrlPr>
-                              <a:rPr lang="en-US" i="1">
-                                <a:latin typeface="Cambria Math" panose="02040503050406030204" pitchFamily="18" charset="0"/>
-                              </a:rPr>
-                            </m:ctrlPr>
-                          </m:limLowPr>
-                          <m:e>
-                            <m:r>
-                              <m:rPr>
-                                <m:sty m:val="p"/>
-                              </m:rPr>
-                              <a:rPr lang="en-US">
-                                <a:latin typeface="Cambria Math" panose="02040503050406030204" pitchFamily="18" charset="0"/>
-                              </a:rPr>
-                              <m:t>lim</m:t>
-                            </m:r>
-                          </m:e>
-                          <m:lim>
-                            <m:r>
-                              <a:rPr lang="en-US" i="1">
-                                <a:latin typeface="Cambria Math" panose="02040503050406030204" pitchFamily="18" charset="0"/>
-                              </a:rPr>
-                              <m:t>𝑠</m:t>
-                            </m:r>
-                            <m:r>
-                              <a:rPr lang="en-US" i="1">
-                                <a:latin typeface="Cambria Math" panose="02040503050406030204" pitchFamily="18" charset="0"/>
-                              </a:rPr>
-                              <m:t>→0</m:t>
-                            </m:r>
-                          </m:lim>
-                        </m:limLow>
-                      </m:fName>
-                      <m:e>
-                        <m:f>
-                          <m:fPr>
-                            <m:ctrlPr>
-                              <a:rPr lang="en-US" i="1">
-                                <a:latin typeface="Cambria Math" panose="02040503050406030204" pitchFamily="18" charset="0"/>
-                              </a:rPr>
-                            </m:ctrlPr>
-                          </m:fPr>
-                          <m:num>
-                            <m:r>
-                              <a:rPr lang="en-US" i="1">
-                                <a:latin typeface="Cambria Math" panose="02040503050406030204" pitchFamily="18" charset="0"/>
-                              </a:rPr>
-                              <m:t>1</m:t>
-                            </m:r>
-                          </m:num>
-                          <m:den>
-                            <m:r>
-                              <a:rPr lang="en-US" i="1">
-                                <a:latin typeface="Cambria Math" panose="02040503050406030204" pitchFamily="18" charset="0"/>
-                              </a:rPr>
-                              <m:t>𝑠</m:t>
-                            </m:r>
-                          </m:den>
-                        </m:f>
-                        <m:r>
-                          <a:rPr lang="en-US" i="1">
-                            <a:latin typeface="Cambria Math" panose="02040503050406030204" pitchFamily="18" charset="0"/>
-                          </a:rPr>
-                          <m:t>𝐺</m:t>
-                        </m:r>
-                        <m:d>
-                          <m:dPr>
-                            <m:ctrlPr>
-                              <a:rPr lang="en-US" i="1">
-                                <a:latin typeface="Cambria Math" panose="02040503050406030204" pitchFamily="18" charset="0"/>
-                              </a:rPr>
-                            </m:ctrlPr>
-                          </m:dPr>
-                          <m:e>
-                            <m:r>
-                              <a:rPr lang="en-US" i="1">
-                                <a:latin typeface="Cambria Math" panose="02040503050406030204" pitchFamily="18" charset="0"/>
-                              </a:rPr>
-                              <m:t>𝑠</m:t>
-                            </m:r>
-                          </m:e>
-                        </m:d>
-                        <m:r>
-                          <a:rPr lang="en-US" i="1">
-                            <a:latin typeface="Cambria Math" panose="02040503050406030204" pitchFamily="18" charset="0"/>
-                          </a:rPr>
-                          <m:t>=</m:t>
-                        </m:r>
-                        <m:func>
-                          <m:funcPr>
-                            <m:ctrlPr>
-                              <a:rPr lang="en-US" i="1">
-                                <a:latin typeface="Cambria Math" panose="02040503050406030204" pitchFamily="18" charset="0"/>
-                              </a:rPr>
-                            </m:ctrlPr>
-                          </m:funcPr>
-                          <m:fName>
-                            <m:limLow>
-                              <m:limLowPr>
-                                <m:ctrlPr>
-                                  <a:rPr lang="en-US" i="1">
-                                    <a:latin typeface="Cambria Math" panose="02040503050406030204" pitchFamily="18" charset="0"/>
-                                  </a:rPr>
-                                </m:ctrlPr>
-                              </m:limLowPr>
-                              <m:e>
-                                <m:r>
-                                  <m:rPr>
-                                    <m:sty m:val="p"/>
-                                  </m:rPr>
-                                  <a:rPr lang="en-US">
-                                    <a:latin typeface="Cambria Math" panose="02040503050406030204" pitchFamily="18" charset="0"/>
-                                  </a:rPr>
-                                  <m:t>lim</m:t>
-                                </m:r>
-                              </m:e>
-                              <m:lim>
-                                <m:r>
-                                  <a:rPr lang="en-US" i="1">
-                                    <a:latin typeface="Cambria Math" panose="02040503050406030204" pitchFamily="18" charset="0"/>
-                                  </a:rPr>
-                                  <m:t>𝑠</m:t>
-                                </m:r>
-                                <m:r>
-                                  <a:rPr lang="en-US" i="1">
-                                    <a:latin typeface="Cambria Math" panose="02040503050406030204" pitchFamily="18" charset="0"/>
-                                  </a:rPr>
-                                  <m:t>→0</m:t>
-                                </m:r>
-                              </m:lim>
-                            </m:limLow>
-                          </m:fName>
-                          <m:e>
-                            <m:r>
-                              <a:rPr lang="en-US" i="1">
-                                <a:latin typeface="Cambria Math" panose="02040503050406030204" pitchFamily="18" charset="0"/>
-                              </a:rPr>
-                              <m:t>𝐺</m:t>
-                            </m:r>
-                            <m:r>
-                              <a:rPr lang="en-US" i="1">
-                                <a:latin typeface="Cambria Math" panose="02040503050406030204" pitchFamily="18" charset="0"/>
-                              </a:rPr>
-                              <m:t>(</m:t>
-                            </m:r>
-                            <m:r>
-                              <a:rPr lang="en-US" i="1">
-                                <a:latin typeface="Cambria Math" panose="02040503050406030204" pitchFamily="18" charset="0"/>
-                              </a:rPr>
-                              <m:t>𝑠</m:t>
-                            </m:r>
-                            <m:r>
-                              <a:rPr lang="en-US" i="1">
-                                <a:latin typeface="Cambria Math" panose="02040503050406030204" pitchFamily="18" charset="0"/>
-                              </a:rPr>
-                              <m:t>)</m:t>
-                            </m:r>
-                          </m:e>
-                        </m:func>
-                      </m:e>
-                    </m:func>
-                  </m:oMath>
-                </a14:m>
-                <a:r>
-                  <a:rPr lang="en-US" dirty="0"/>
-                  <a:t> if </a:t>
-                </a:r>
-                <a14:m>
-                  <m:oMath xmlns:m="http://schemas.openxmlformats.org/officeDocument/2006/math">
-                    <m:r>
-                      <a:rPr lang="en-US" b="0" i="1" smtClean="0">
-                        <a:latin typeface="Cambria Math" panose="02040503050406030204" pitchFamily="18" charset="0"/>
-                      </a:rPr>
-                      <m:t>𝑦</m:t>
-                    </m:r>
-                    <m:r>
-                      <a:rPr lang="en-US" b="0" i="1" smtClean="0">
-                        <a:latin typeface="Cambria Math" panose="02040503050406030204" pitchFamily="18" charset="0"/>
-                      </a:rPr>
-                      <m:t>(</m:t>
-                    </m:r>
-                    <m:r>
-                      <a:rPr lang="en-US" b="0" i="1" smtClean="0">
-                        <a:latin typeface="Cambria Math" panose="02040503050406030204" pitchFamily="18" charset="0"/>
-                      </a:rPr>
-                      <m:t>𝑡</m:t>
-                    </m:r>
-                    <m:r>
-                      <a:rPr lang="en-US" b="0" i="1" smtClean="0">
-                        <a:latin typeface="Cambria Math" panose="02040503050406030204" pitchFamily="18" charset="0"/>
-                      </a:rPr>
-                      <m:t>)</m:t>
-                    </m:r>
-                  </m:oMath>
-                </a14:m>
-                <a:r>
-                  <a:rPr lang="en-US" dirty="0"/>
-                  <a:t> converges.</a:t>
-                </a:r>
-              </a:p>
-            </p:txBody>
-          </p:sp>
-        </mc:Choice>
-        <mc:Fallback>
-          <p:sp>
-            <p:nvSpPr>
-              <p:cNvPr id="3" name="Content Placeholder 2">
-                <a:extLst>
-                  <a:ext uri="{FF2B5EF4-FFF2-40B4-BE49-F238E27FC236}">
-                    <a16:creationId xmlns:a16="http://schemas.microsoft.com/office/drawing/2014/main" id="{CF6C3BA9-3F76-185E-0058-42FEB3F6F0E7}"/>
-                  </a:ext>
-                </a:extLst>
-              </p:cNvPr>
-              <p:cNvSpPr>
-                <a:spLocks noGrp="1" noRot="1" noChangeAspect="1" noMove="1" noResize="1" noEditPoints="1" noAdjustHandles="1" noChangeArrowheads="1" noChangeShapeType="1" noTextEdit="1"/>
-              </p:cNvSpPr>
-              <p:nvPr>
-                <p:ph idx="1"/>
-              </p:nvPr>
-            </p:nvSpPr>
-            <p:spPr>
-              <a:xfrm>
-                <a:off x="468775" y="1209554"/>
-                <a:ext cx="8229600" cy="4572001"/>
-              </a:xfrm>
-              <a:blipFill>
-                <a:blip r:embed="rId2"/>
-                <a:stretch>
-                  <a:fillRect l="-1233"/>
-                </a:stretch>
-              </a:blipFill>
-            </p:spPr>
-            <p:txBody>
-              <a:bodyPr/>
-              <a:lstStyle/>
-              <a:p>
-                <a:r>
-                  <a:rPr lang="en-US">
-                    <a:noFill/>
-                  </a:rPr>
-                  <a:t> </a:t>
-                </a:r>
-              </a:p>
-            </p:txBody>
-          </p:sp>
-        </mc:Fallback>
-      </mc:AlternateContent>
-      <p:sp>
-        <p:nvSpPr>
-          <p:cNvPr id="4" name="Slide Number Placeholder 3">
-            <a:extLst>
-              <a:ext uri="{FF2B5EF4-FFF2-40B4-BE49-F238E27FC236}">
-                <a16:creationId xmlns:a16="http://schemas.microsoft.com/office/drawing/2014/main" id="{4DB34136-D5B2-57EE-BCA5-C413172541AD}"/>
-              </a:ext>
-            </a:extLst>
-          </p:cNvPr>
-          <p:cNvSpPr>
-            <a:spLocks noGrp="1"/>
-          </p:cNvSpPr>
-          <p:nvPr>
-            <p:ph type="sldNum" sz="quarter" idx="11"/>
-          </p:nvPr>
-        </p:nvSpPr>
-        <p:spPr/>
-        <p:txBody>
-          <a:bodyPr/>
-          <a:lstStyle/>
-          <a:p>
-            <a:pPr>
-              <a:defRPr/>
-            </a:pPr>
-            <a:fld id="{3EF4E9CC-9D91-476E-91FD-5BEEC1642931}" type="slidenum">
-              <a:rPr lang="en-US" altLang="x-none" smtClean="0"/>
-              <a:pPr>
-                <a:defRPr/>
-              </a:pPr>
-              <a:t>22</a:t>
-            </a:fld>
-            <a:endParaRPr lang="en-US" altLang="x-none"/>
-          </a:p>
-        </p:txBody>
-      </p:sp>
-      <p:pic>
-        <p:nvPicPr>
-          <p:cNvPr id="5" name="Picture 4">
-            <a:extLst>
-              <a:ext uri="{FF2B5EF4-FFF2-40B4-BE49-F238E27FC236}">
-                <a16:creationId xmlns:a16="http://schemas.microsoft.com/office/drawing/2014/main" id="{8BF5577B-6F52-AD91-00DD-59A3DA2EF0F9}"/>
-              </a:ext>
-            </a:extLst>
-          </p:cNvPr>
-          <p:cNvPicPr>
-            <a:picLocks noChangeAspect="1"/>
-          </p:cNvPicPr>
-          <p:nvPr/>
-        </p:nvPicPr>
-        <p:blipFill>
-          <a:blip r:embed="rId3"/>
-          <a:stretch>
-            <a:fillRect/>
-          </a:stretch>
-        </p:blipFill>
-        <p:spPr>
-          <a:xfrm>
-            <a:off x="6999443" y="387416"/>
-            <a:ext cx="1622115" cy="612480"/>
-          </a:xfrm>
-          <a:prstGeom prst="rect">
-            <a:avLst/>
-          </a:prstGeom>
-        </p:spPr>
-      </p:pic>
-    </p:spTree>
-    <p:extLst>
-      <p:ext uri="{BB962C8B-B14F-4D97-AF65-F5344CB8AC3E}">
-        <p14:creationId xmlns:p14="http://schemas.microsoft.com/office/powerpoint/2010/main" val="1575483817"/>
-      </p:ext>
-    </p:extLst>
-  </p:cSld>
-  <p:clrMapOvr>
-    <a:masterClrMapping/>
-  </p:clrMapOvr>
-  <p:timing>
-    <p:tnLst>
-      <p:par>
-        <p:cTn id="1" dur="indefinite" restart="never" nodeType="tmRoot">
-          <p:childTnLst>
-            <p:seq concurrent="1" nextAc="seek">
-              <p:cTn id="2" dur="indefinite" nodeType="mainSeq">
-                <p:childTnLst>
-                  <p:par>
-                    <p:cTn id="3" fill="hold">
-                      <p:stCondLst>
-                        <p:cond delay="indefinite"/>
-                      </p:stCondLst>
-                      <p:childTnLst>
-                        <p:par>
-                          <p:cTn id="4" fill="hold">
-                            <p:stCondLst>
-                              <p:cond delay="0"/>
-                            </p:stCondLst>
-                            <p:childTnLst>
-                              <p:par>
-                                <p:cTn id="5" presetID="1" presetClass="entr" presetSubtype="0" fill="hold" nodeType="clickEffect">
-                                  <p:stCondLst>
-                                    <p:cond delay="0"/>
-                                  </p:stCondLst>
-                                  <p:childTnLst>
-                                    <p:set>
-                                      <p:cBhvr>
-                                        <p:cTn id="6" dur="1" fill="hold">
-                                          <p:stCondLst>
-                                            <p:cond delay="0"/>
-                                          </p:stCondLst>
-                                        </p:cTn>
-                                        <p:tgtEl>
-                                          <p:spTgt spid="3">
-                                            <p:txEl>
-                                              <p:pRg st="0" end="0"/>
-                                            </p:txEl>
-                                          </p:spTgt>
-                                        </p:tgtEl>
-                                        <p:attrNameLst>
-                                          <p:attrName>style.visibility</p:attrName>
-                                        </p:attrNameLst>
-                                      </p:cBhvr>
-                                      <p:to>
-                                        <p:strVal val="visible"/>
-                                      </p:to>
-                                    </p:set>
-                                  </p:childTnLst>
-                                </p:cTn>
-                              </p:par>
-                            </p:childTnLst>
-                          </p:cTn>
-                        </p:par>
-                      </p:childTnLst>
-                    </p:cTn>
-                  </p:par>
-                  <p:par>
-                    <p:cTn id="7" fill="hold">
-                      <p:stCondLst>
-                        <p:cond delay="indefinite"/>
-                      </p:stCondLst>
-                      <p:childTnLst>
-                        <p:par>
-                          <p:cTn id="8" fill="hold">
-                            <p:stCondLst>
-                              <p:cond delay="0"/>
-                            </p:stCondLst>
-                            <p:childTnLst>
-                              <p:par>
-                                <p:cTn id="9" presetID="1" presetClass="entr" presetSubtype="0" fill="hold" nodeType="clickEffect">
-                                  <p:stCondLst>
-                                    <p:cond delay="0"/>
-                                  </p:stCondLst>
-                                  <p:childTnLst>
-                                    <p:set>
-                                      <p:cBhvr>
-                                        <p:cTn id="10" dur="1" fill="hold">
-                                          <p:stCondLst>
-                                            <p:cond delay="0"/>
-                                          </p:stCondLst>
-                                        </p:cTn>
-                                        <p:tgtEl>
-                                          <p:spTgt spid="3">
-                                            <p:txEl>
-                                              <p:pRg st="1" end="1"/>
-                                            </p:txEl>
-                                          </p:spTgt>
-                                        </p:tgtEl>
-                                        <p:attrNameLst>
-                                          <p:attrName>style.visibility</p:attrName>
-                                        </p:attrNameLst>
-                                      </p:cBhvr>
-                                      <p:to>
-                                        <p:strVal val="visible"/>
-                                      </p:to>
-                                    </p:set>
-                                  </p:childTnLst>
-                                </p:cTn>
-                              </p:par>
-                            </p:childTnLst>
-                          </p:cTn>
-                        </p:par>
-                      </p:childTnLst>
-                    </p:cTn>
-                  </p:par>
-                  <p:par>
-                    <p:cTn id="11" fill="hold">
-                      <p:stCondLst>
-                        <p:cond delay="indefinite"/>
-                      </p:stCondLst>
-                      <p:childTnLst>
-                        <p:par>
-                          <p:cTn id="12" fill="hold">
-                            <p:stCondLst>
-                              <p:cond delay="0"/>
-                            </p:stCondLst>
-                            <p:childTnLst>
-                              <p:par>
-                                <p:cTn id="13" presetID="1" presetClass="entr" presetSubtype="0" fill="hold" nodeType="clickEffect">
-                                  <p:stCondLst>
-                                    <p:cond delay="0"/>
-                                  </p:stCondLst>
-                                  <p:childTnLst>
-                                    <p:set>
-                                      <p:cBhvr>
-                                        <p:cTn id="14" dur="1" fill="hold">
-                                          <p:stCondLst>
-                                            <p:cond delay="0"/>
-                                          </p:stCondLst>
-                                        </p:cTn>
-                                        <p:tgtEl>
-                                          <p:spTgt spid="3">
-                                            <p:txEl>
-                                              <p:pRg st="2" end="2"/>
-                                            </p:txEl>
-                                          </p:spTgt>
-                                        </p:tgtEl>
-                                        <p:attrNameLst>
-                                          <p:attrName>style.visibility</p:attrName>
-                                        </p:attrNameLst>
-                                      </p:cBhvr>
-                                      <p:to>
-                                        <p:strVal val="visible"/>
-                                      </p:to>
-                                    </p:set>
-                                  </p:childTnLst>
-                                </p:cTn>
-                              </p:par>
-                            </p:childTnLst>
-                          </p:cTn>
-                        </p:par>
-                      </p:childTnLst>
-                    </p:cTn>
-                  </p:par>
-                  <p:par>
-                    <p:cTn id="15" fill="hold">
-                      <p:stCondLst>
-                        <p:cond delay="indefinite"/>
-                      </p:stCondLst>
-                      <p:childTnLst>
-                        <p:par>
-                          <p:cTn id="16" fill="hold">
-                            <p:stCondLst>
-                              <p:cond delay="0"/>
-                            </p:stCondLst>
-                            <p:childTnLst>
-                              <p:par>
-                                <p:cTn id="17" presetID="1" presetClass="entr" presetSubtype="0" fill="hold" nodeType="clickEffect">
-                                  <p:stCondLst>
-                                    <p:cond delay="0"/>
-                                  </p:stCondLst>
-                                  <p:childTnLst>
-                                    <p:set>
-                                      <p:cBhvr>
-                                        <p:cTn id="18" dur="1" fill="hold">
-                                          <p:stCondLst>
-                                            <p:cond delay="0"/>
-                                          </p:stCondLst>
-                                        </p:cTn>
-                                        <p:tgtEl>
-                                          <p:spTgt spid="3">
-                                            <p:txEl>
-                                              <p:pRg st="3" end="3"/>
-                                            </p:txEl>
-                                          </p:spTgt>
-                                        </p:tgtEl>
-                                        <p:attrNameLst>
-                                          <p:attrName>style.visibility</p:attrName>
-                                        </p:attrNameLst>
-                                      </p:cBhvr>
-                                      <p:to>
-                                        <p:strVal val="visible"/>
-                                      </p:to>
-                                    </p:set>
-                                  </p:childTnLst>
-                                </p:cTn>
-                              </p:par>
-                            </p:childTnLst>
-                          </p:cTn>
-                        </p:par>
-                      </p:childTnLst>
-                    </p:cTn>
-                  </p:par>
-                  <p:par>
-                    <p:cTn id="19" fill="hold">
-                      <p:stCondLst>
-                        <p:cond delay="indefinite"/>
-                      </p:stCondLst>
-                      <p:childTnLst>
-                        <p:par>
-                          <p:cTn id="20" fill="hold">
-                            <p:stCondLst>
-                              <p:cond delay="0"/>
-                            </p:stCondLst>
-                            <p:childTnLst>
-                              <p:par>
-                                <p:cTn id="21" presetID="1" presetClass="entr" presetSubtype="0" fill="hold" nodeType="clickEffect">
-                                  <p:stCondLst>
-                                    <p:cond delay="0"/>
-                                  </p:stCondLst>
-                                  <p:childTnLst>
-                                    <p:set>
-                                      <p:cBhvr>
-                                        <p:cTn id="22" dur="1" fill="hold">
-                                          <p:stCondLst>
-                                            <p:cond delay="0"/>
-                                          </p:stCondLst>
-                                        </p:cTn>
-                                        <p:tgtEl>
-                                          <p:spTgt spid="3">
-                                            <p:txEl>
-                                              <p:pRg st="4" end="4"/>
-                                            </p:txEl>
-                                          </p:spTgt>
-                                        </p:tgtEl>
-                                        <p:attrNameLst>
-                                          <p:attrName>style.visibility</p:attrName>
-                                        </p:attrNameLst>
-                                      </p:cBhvr>
-                                      <p:to>
-                                        <p:strVal val="visible"/>
-                                      </p:to>
-                                    </p:set>
-                                  </p:childTnLst>
-                                </p:cTn>
-                              </p:par>
-                            </p:childTnLst>
-                          </p:cTn>
-                        </p:par>
-                      </p:childTnLst>
-                    </p:cTn>
-                  </p:par>
-                  <p:par>
-                    <p:cTn id="23" fill="hold">
-                      <p:stCondLst>
-                        <p:cond delay="indefinite"/>
-                      </p:stCondLst>
-                      <p:childTnLst>
-                        <p:par>
-                          <p:cTn id="24" fill="hold">
-                            <p:stCondLst>
-                              <p:cond delay="0"/>
-                            </p:stCondLst>
-                            <p:childTnLst>
-                              <p:par>
-                                <p:cTn id="25" presetID="1" presetClass="entr" presetSubtype="0" fill="hold" nodeType="clickEffect">
-                                  <p:stCondLst>
-                                    <p:cond delay="0"/>
-                                  </p:stCondLst>
-                                  <p:childTnLst>
-                                    <p:set>
-                                      <p:cBhvr>
-                                        <p:cTn id="26" dur="1" fill="hold">
-                                          <p:stCondLst>
-                                            <p:cond delay="0"/>
-                                          </p:stCondLst>
-                                        </p:cTn>
-                                        <p:tgtEl>
-                                          <p:spTgt spid="3">
-                                            <p:txEl>
-                                              <p:pRg st="5" end="5"/>
-                                            </p:txEl>
-                                          </p:spTgt>
-                                        </p:tgtEl>
-                                        <p:attrNameLst>
-                                          <p:attrName>style.visibility</p:attrName>
-                                        </p:attrNameLst>
-                                      </p:cBhvr>
-                                      <p:to>
-                                        <p:strVal val="visible"/>
-                                      </p:to>
-                                    </p:set>
-                                  </p:childTnLst>
-                                </p:cTn>
-                              </p:par>
-                            </p:childTnLst>
-                          </p:cTn>
-                        </p:par>
-                      </p:childTnLst>
-                    </p:cTn>
-                  </p:par>
-                  <p:par>
-                    <p:cTn id="27" fill="hold">
-                      <p:stCondLst>
-                        <p:cond delay="indefinite"/>
-                      </p:stCondLst>
-                      <p:childTnLst>
-                        <p:par>
-                          <p:cTn id="28" fill="hold">
-                            <p:stCondLst>
-                              <p:cond delay="0"/>
-                            </p:stCondLst>
-                            <p:childTnLst>
-                              <p:par>
-                                <p:cTn id="29" presetID="1" presetClass="entr" presetSubtype="0" fill="hold" nodeType="clickEffect">
-                                  <p:stCondLst>
-                                    <p:cond delay="0"/>
-                                  </p:stCondLst>
-                                  <p:childTnLst>
-                                    <p:set>
-                                      <p:cBhvr>
-                                        <p:cTn id="30" dur="1" fill="hold">
-                                          <p:stCondLst>
-                                            <p:cond delay="0"/>
-                                          </p:stCondLst>
-                                        </p:cTn>
-                                        <p:tgtEl>
-                                          <p:spTgt spid="3">
-                                            <p:txEl>
-                                              <p:pRg st="6" end="6"/>
-                                            </p:txEl>
-                                          </p:spTgt>
-                                        </p:tgtEl>
-                                        <p:attrNameLst>
-                                          <p:attrName>style.visibility</p:attrName>
-                                        </p:attrNameLst>
-                                      </p:cBhvr>
-                                      <p:to>
-                                        <p:strVal val="visible"/>
-                                      </p:to>
-                                    </p:set>
-                                  </p:childTnLst>
-                                </p:cTn>
-                              </p:par>
-                            </p:childTnLst>
-                          </p:cTn>
-                        </p:par>
-                      </p:childTnLst>
-                    </p:cTn>
-                  </p:par>
-                </p:childTnLst>
-              </p:cTn>
-              <p:prevCondLst>
-                <p:cond evt="onPrev" delay="0">
-                  <p:tgtEl>
-                    <p:sldTgt/>
-                  </p:tgtEl>
-                </p:cond>
-              </p:prevCondLst>
-              <p:nextCondLst>
-                <p:cond evt="onNext" delay="0">
-                  <p:tgtEl>
-                    <p:sldTgt/>
-                  </p:tgtEl>
-                </p:cond>
-              </p:nextCondLst>
-            </p:seq>
-          </p:childTnLst>
-        </p:cTn>
-      </p:par>
-    </p:tnLst>
-  </p:timing>
-</p:sld>
-</file>
-
-<file path=ppt/slides/slide23.xml><?xml version="1.0" encoding="utf-8"?>
-<p:sld xmlns:a="http://schemas.openxmlformats.org/drawingml/2006/main" xmlns:r="http://schemas.openxmlformats.org/officeDocument/2006/relationships" xmlns:p="http://schemas.openxmlformats.org/presentationml/2006/main">
-  <p:cSld>
-    <p:spTree>
-      <p:nvGrpSpPr>
-        <p:cNvPr id="1" name=""/>
-        <p:cNvGrpSpPr/>
-        <p:nvPr/>
-      </p:nvGrpSpPr>
-      <p:grpSpPr>
-        <a:xfrm>
-          <a:off x="0" y="0"/>
-          <a:ext cx="0" cy="0"/>
-          <a:chOff x="0" y="0"/>
-          <a:chExt cx="0" cy="0"/>
-        </a:xfrm>
-      </p:grpSpPr>
-      <p:sp>
-        <p:nvSpPr>
-          <p:cNvPr id="2" name="Title 1">
-            <a:extLst>
-              <a:ext uri="{FF2B5EF4-FFF2-40B4-BE49-F238E27FC236}">
-                <a16:creationId xmlns:a16="http://schemas.microsoft.com/office/drawing/2014/main" id="{B2C920E3-7BCA-0F65-B107-D3E10D63032F}"/>
-              </a:ext>
-            </a:extLst>
-          </p:cNvPr>
-          <p:cNvSpPr>
-            <a:spLocks noGrp="1"/>
-          </p:cNvSpPr>
-          <p:nvPr>
-            <p:ph type="title"/>
-          </p:nvPr>
-        </p:nvSpPr>
-        <p:spPr>
-          <a:xfrm>
-            <a:off x="190982" y="381000"/>
-            <a:ext cx="5677382" cy="838200"/>
-          </a:xfrm>
-        </p:spPr>
-        <p:txBody>
-          <a:bodyPr/>
-          <a:lstStyle/>
-          <a:p>
-            <a:r>
-              <a:rPr lang="en-US" dirty="0"/>
-              <a:t>Examples of Calculating DC Gain</a:t>
-            </a:r>
-          </a:p>
-        </p:txBody>
-      </p:sp>
-      <mc:AlternateContent xmlns:mc="http://schemas.openxmlformats.org/markup-compatibility/2006" xmlns:a14="http://schemas.microsoft.com/office/drawing/2010/main">
-        <mc:Choice Requires="a14">
-          <p:sp>
-            <p:nvSpPr>
-              <p:cNvPr id="3" name="Content Placeholder 2">
-                <a:extLst>
-                  <a:ext uri="{FF2B5EF4-FFF2-40B4-BE49-F238E27FC236}">
-                    <a16:creationId xmlns:a16="http://schemas.microsoft.com/office/drawing/2014/main" id="{73479825-7954-1ECC-8E11-73D2E55C5BE3}"/>
-                  </a:ext>
-                </a:extLst>
-              </p:cNvPr>
-              <p:cNvSpPr>
-                <a:spLocks noGrp="1"/>
-              </p:cNvSpPr>
-              <p:nvPr>
-                <p:ph idx="1"/>
-              </p:nvPr>
-            </p:nvSpPr>
-            <p:spPr/>
-            <p:txBody>
-              <a:bodyPr/>
-              <a:lstStyle/>
-              <a:p>
-                <a:r>
-                  <a:rPr lang="en-US" dirty="0"/>
-                  <a:t>Constant amplification.</a:t>
-                </a:r>
-              </a:p>
-              <a:p>
-                <a:pPr marL="457200" lvl="1" indent="0">
-                  <a:buNone/>
-                </a:pPr>
-                <a14:m>
-                  <m:oMathPara xmlns:m="http://schemas.openxmlformats.org/officeDocument/2006/math">
-                    <m:oMathParaPr>
-                      <m:jc m:val="centerGroup"/>
-                    </m:oMathParaPr>
-                    <m:oMath xmlns:m="http://schemas.openxmlformats.org/officeDocument/2006/math">
-                      <m:r>
-                        <a:rPr lang="en-US" b="0" i="1" smtClean="0">
-                          <a:latin typeface="Cambria Math" panose="02040503050406030204" pitchFamily="18" charset="0"/>
-                        </a:rPr>
-                        <m:t>𝐺</m:t>
-                      </m:r>
-                      <m:d>
-                        <m:dPr>
-                          <m:ctrlPr>
-                            <a:rPr lang="en-US" b="0" i="1" smtClean="0">
-                              <a:latin typeface="Cambria Math" panose="02040503050406030204" pitchFamily="18" charset="0"/>
-                            </a:rPr>
-                          </m:ctrlPr>
-                        </m:dPr>
-                        <m:e>
-                          <m:r>
-                            <a:rPr lang="en-US" b="0" i="1" smtClean="0">
-                              <a:latin typeface="Cambria Math" panose="02040503050406030204" pitchFamily="18" charset="0"/>
-                            </a:rPr>
-                            <m:t>𝑠</m:t>
-                          </m:r>
-                        </m:e>
-                      </m:d>
-                      <m:r>
-                        <a:rPr lang="en-US" b="0" i="1" smtClean="0">
-                          <a:latin typeface="Cambria Math" panose="02040503050406030204" pitchFamily="18" charset="0"/>
-                        </a:rPr>
-                        <m:t>=5</m:t>
-                      </m:r>
-                    </m:oMath>
-                  </m:oMathPara>
-                </a14:m>
-                <a:endParaRPr lang="en-US" dirty="0"/>
-              </a:p>
-              <a:p>
-                <a:r>
-                  <a:rPr lang="en-US" dirty="0"/>
-                  <a:t>Unadjusted exponential filter.</a:t>
-                </a:r>
-              </a:p>
-              <a:p>
-                <a:pPr marL="457200" lvl="1" indent="0">
-                  <a:buNone/>
-                </a:pPr>
-                <a14:m>
-                  <m:oMathPara xmlns:m="http://schemas.openxmlformats.org/officeDocument/2006/math">
-                    <m:oMathParaPr>
-                      <m:jc m:val="centerGroup"/>
-                    </m:oMathParaPr>
-                    <m:oMath xmlns:m="http://schemas.openxmlformats.org/officeDocument/2006/math">
-                      <m:r>
-                        <a:rPr lang="en-US" b="0" i="1" smtClean="0">
-                          <a:latin typeface="Cambria Math" panose="02040503050406030204" pitchFamily="18" charset="0"/>
-                        </a:rPr>
-                        <m:t>𝐺</m:t>
-                      </m:r>
-                      <m:d>
-                        <m:dPr>
-                          <m:ctrlPr>
-                            <a:rPr lang="en-US" b="0" i="1" smtClean="0">
-                              <a:latin typeface="Cambria Math" panose="02040503050406030204" pitchFamily="18" charset="0"/>
-                            </a:rPr>
-                          </m:ctrlPr>
-                        </m:dPr>
-                        <m:e>
-                          <m:r>
-                            <a:rPr lang="en-US" b="0" i="1" smtClean="0">
-                              <a:latin typeface="Cambria Math" panose="02040503050406030204" pitchFamily="18" charset="0"/>
-                            </a:rPr>
-                            <m:t>𝑠</m:t>
-                          </m:r>
-                        </m:e>
-                      </m:d>
-                      <m:r>
-                        <a:rPr lang="en-US" b="0" i="1" smtClean="0">
-                          <a:latin typeface="Cambria Math" panose="02040503050406030204" pitchFamily="18" charset="0"/>
-                        </a:rPr>
-                        <m:t>=</m:t>
-                      </m:r>
-                      <m:f>
-                        <m:fPr>
-                          <m:ctrlPr>
-                            <a:rPr lang="en-US" b="0" i="1" smtClean="0">
-                              <a:latin typeface="Cambria Math" panose="02040503050406030204" pitchFamily="18" charset="0"/>
-                            </a:rPr>
-                          </m:ctrlPr>
-                        </m:fPr>
-                        <m:num>
-                          <m:r>
-                            <a:rPr lang="en-US" b="0" i="1" smtClean="0">
-                              <a:latin typeface="Cambria Math" panose="02040503050406030204" pitchFamily="18" charset="0"/>
-                            </a:rPr>
-                            <m:t>1</m:t>
-                          </m:r>
-                        </m:num>
-                        <m:den>
-                          <m:r>
-                            <a:rPr lang="en-US" b="0" i="1" smtClean="0">
-                              <a:latin typeface="Cambria Math" panose="02040503050406030204" pitchFamily="18" charset="0"/>
-                            </a:rPr>
-                            <m:t>𝑠</m:t>
-                          </m:r>
-                          <m:r>
-                            <a:rPr lang="en-US" b="0" i="1" smtClean="0">
-                              <a:latin typeface="Cambria Math" panose="02040503050406030204" pitchFamily="18" charset="0"/>
-                            </a:rPr>
-                            <m:t>+</m:t>
-                          </m:r>
-                          <m:r>
-                            <a:rPr lang="en-US" b="0" i="1" smtClean="0">
-                              <a:latin typeface="Cambria Math" panose="02040503050406030204" pitchFamily="18" charset="0"/>
-                            </a:rPr>
-                            <m:t>𝑎</m:t>
-                          </m:r>
-                        </m:den>
-                      </m:f>
-                    </m:oMath>
-                  </m:oMathPara>
-                </a14:m>
-                <a:endParaRPr lang="en-US" dirty="0"/>
-              </a:p>
-              <a:p>
-                <a:r>
-                  <a:rPr lang="en-US" b="0" dirty="0"/>
-                  <a:t>Adjusted filter: </a:t>
-                </a:r>
-                <a14:m>
-                  <m:oMath xmlns:m="http://schemas.openxmlformats.org/officeDocument/2006/math">
-                    <m:f>
-                      <m:fPr>
-                        <m:ctrlPr>
-                          <a:rPr lang="en-US" b="0" i="1" smtClean="0">
-                            <a:latin typeface="Cambria Math" panose="02040503050406030204" pitchFamily="18" charset="0"/>
-                          </a:rPr>
-                        </m:ctrlPr>
-                      </m:fPr>
-                      <m:num>
-                        <m:r>
-                          <m:rPr>
-                            <m:sty m:val="p"/>
-                          </m:rPr>
-                          <a:rPr lang="en-US" b="0" i="0" smtClean="0">
-                            <a:latin typeface="Cambria Math" panose="02040503050406030204" pitchFamily="18" charset="0"/>
-                          </a:rPr>
-                          <m:t>d</m:t>
-                        </m:r>
-                        <m:r>
-                          <a:rPr lang="en-US" b="0" i="1" smtClean="0">
-                            <a:latin typeface="Cambria Math" panose="02040503050406030204" pitchFamily="18" charset="0"/>
-                          </a:rPr>
-                          <m:t>𝑦</m:t>
-                        </m:r>
-                        <m:d>
-                          <m:dPr>
-                            <m:ctrlPr>
-                              <a:rPr lang="en-US" b="0" i="1" smtClean="0">
-                                <a:latin typeface="Cambria Math" panose="02040503050406030204" pitchFamily="18" charset="0"/>
-                              </a:rPr>
-                            </m:ctrlPr>
-                          </m:dPr>
-                          <m:e>
-                            <m:r>
-                              <a:rPr lang="en-US" b="0" i="1" smtClean="0">
-                                <a:latin typeface="Cambria Math" panose="02040503050406030204" pitchFamily="18" charset="0"/>
-                              </a:rPr>
-                              <m:t>𝑡</m:t>
-                            </m:r>
-                          </m:e>
-                        </m:d>
-                      </m:num>
-                      <m:den>
-                        <m:r>
-                          <a:rPr lang="en-US" b="0" i="1" smtClean="0">
-                            <a:latin typeface="Cambria Math" panose="02040503050406030204" pitchFamily="18" charset="0"/>
-                          </a:rPr>
-                          <m:t>𝑑𝑡</m:t>
-                        </m:r>
-                      </m:den>
-                    </m:f>
-                    <m:r>
-                      <a:rPr lang="en-US" b="0" i="1" smtClean="0">
-                        <a:latin typeface="Cambria Math" panose="02040503050406030204" pitchFamily="18" charset="0"/>
-                      </a:rPr>
-                      <m:t>=</m:t>
-                    </m:r>
-                    <m:sSub>
-                      <m:sSubPr>
-                        <m:ctrlPr>
-                          <a:rPr lang="en-US" b="0" i="1" smtClean="0">
-                            <a:latin typeface="Cambria Math" panose="02040503050406030204" pitchFamily="18" charset="0"/>
-                          </a:rPr>
-                        </m:ctrlPr>
-                      </m:sSubPr>
-                      <m:e>
-                        <m:r>
-                          <a:rPr lang="en-US" b="0" i="1" smtClean="0">
-                            <a:latin typeface="Cambria Math" panose="02040503050406030204" pitchFamily="18" charset="0"/>
-                          </a:rPr>
-                          <m:t>𝑘</m:t>
-                        </m:r>
-                      </m:e>
-                      <m:sub>
-                        <m:r>
-                          <a:rPr lang="en-US" b="0" i="1" smtClean="0">
-                            <a:latin typeface="Cambria Math" panose="02040503050406030204" pitchFamily="18" charset="0"/>
-                          </a:rPr>
-                          <m:t>𝐹</m:t>
-                        </m:r>
-                      </m:sub>
-                    </m:sSub>
-                    <m:r>
-                      <a:rPr lang="en-US" b="0" i="1" smtClean="0">
-                        <a:latin typeface="Cambria Math" panose="02040503050406030204" pitchFamily="18" charset="0"/>
-                      </a:rPr>
-                      <m:t>𝑢</m:t>
-                    </m:r>
-                    <m:d>
-                      <m:dPr>
-                        <m:ctrlPr>
-                          <a:rPr lang="en-US" b="0" i="1" smtClean="0">
-                            <a:latin typeface="Cambria Math" panose="02040503050406030204" pitchFamily="18" charset="0"/>
-                          </a:rPr>
-                        </m:ctrlPr>
-                      </m:dPr>
-                      <m:e>
-                        <m:r>
-                          <a:rPr lang="en-US" b="0" i="1" smtClean="0">
-                            <a:latin typeface="Cambria Math" panose="02040503050406030204" pitchFamily="18" charset="0"/>
-                          </a:rPr>
-                          <m:t>𝑡</m:t>
-                        </m:r>
-                      </m:e>
-                    </m:d>
-                    <m:r>
-                      <a:rPr lang="en-US" b="0" i="1" smtClean="0">
-                        <a:latin typeface="Cambria Math" panose="02040503050406030204" pitchFamily="18" charset="0"/>
-                      </a:rPr>
-                      <m:t>−</m:t>
-                    </m:r>
-                    <m:sSub>
-                      <m:sSubPr>
-                        <m:ctrlPr>
-                          <a:rPr lang="en-US" b="0" i="1" smtClean="0">
-                            <a:latin typeface="Cambria Math" panose="02040503050406030204" pitchFamily="18" charset="0"/>
-                          </a:rPr>
-                        </m:ctrlPr>
-                      </m:sSubPr>
-                      <m:e>
-                        <m:r>
-                          <a:rPr lang="en-US" b="0" i="1" smtClean="0">
-                            <a:latin typeface="Cambria Math" panose="02040503050406030204" pitchFamily="18" charset="0"/>
-                          </a:rPr>
-                          <m:t>𝑘</m:t>
-                        </m:r>
-                      </m:e>
-                      <m:sub>
-                        <m:r>
-                          <a:rPr lang="en-US" b="0" i="1" smtClean="0">
-                            <a:latin typeface="Cambria Math" panose="02040503050406030204" pitchFamily="18" charset="0"/>
-                          </a:rPr>
-                          <m:t>𝐹</m:t>
-                        </m:r>
-                      </m:sub>
-                    </m:sSub>
-                    <m:r>
-                      <a:rPr lang="en-US" b="0" i="1" smtClean="0">
-                        <a:latin typeface="Cambria Math" panose="02040503050406030204" pitchFamily="18" charset="0"/>
-                      </a:rPr>
-                      <m:t>𝑦</m:t>
-                    </m:r>
-                    <m:r>
-                      <a:rPr lang="en-US" b="0" i="1" smtClean="0">
-                        <a:latin typeface="Cambria Math" panose="02040503050406030204" pitchFamily="18" charset="0"/>
-                      </a:rPr>
-                      <m:t>(</m:t>
-                    </m:r>
-                    <m:r>
-                      <a:rPr lang="en-US" b="0" i="1" smtClean="0">
-                        <a:latin typeface="Cambria Math" panose="02040503050406030204" pitchFamily="18" charset="0"/>
-                      </a:rPr>
-                      <m:t>𝑡</m:t>
-                    </m:r>
-                    <m:r>
-                      <a:rPr lang="en-US" b="0" i="1" smtClean="0">
-                        <a:latin typeface="Cambria Math" panose="02040503050406030204" pitchFamily="18" charset="0"/>
-                      </a:rPr>
-                      <m:t>)</m:t>
-                    </m:r>
-                  </m:oMath>
-                </a14:m>
-                <a:endParaRPr lang="en-US" b="0" dirty="0"/>
-              </a:p>
-              <a:p>
-                <a:pPr marL="457200" lvl="1" indent="0">
-                  <a:buNone/>
-                </a:pPr>
-                <a14:m>
-                  <m:oMathPara xmlns:m="http://schemas.openxmlformats.org/officeDocument/2006/math">
-                    <m:oMathParaPr>
-                      <m:jc m:val="centerGroup"/>
-                    </m:oMathParaPr>
-                    <m:oMath xmlns:m="http://schemas.openxmlformats.org/officeDocument/2006/math">
-                      <m:r>
-                        <a:rPr lang="en-US" b="0" i="1" smtClean="0">
-                          <a:latin typeface="Cambria Math" panose="02040503050406030204" pitchFamily="18" charset="0"/>
-                        </a:rPr>
-                        <m:t>𝑠𝑌</m:t>
-                      </m:r>
-                      <m:d>
-                        <m:dPr>
-                          <m:ctrlPr>
-                            <a:rPr lang="en-US" b="0" i="1" smtClean="0">
-                              <a:latin typeface="Cambria Math" panose="02040503050406030204" pitchFamily="18" charset="0"/>
-                            </a:rPr>
-                          </m:ctrlPr>
-                        </m:dPr>
-                        <m:e>
-                          <m:r>
-                            <a:rPr lang="en-US" b="0" i="1" smtClean="0">
-                              <a:latin typeface="Cambria Math" panose="02040503050406030204" pitchFamily="18" charset="0"/>
-                            </a:rPr>
-                            <m:t>𝑠</m:t>
-                          </m:r>
-                        </m:e>
-                      </m:d>
-                      <m:r>
-                        <a:rPr lang="en-US" b="0" i="1" smtClean="0">
-                          <a:latin typeface="Cambria Math" panose="02040503050406030204" pitchFamily="18" charset="0"/>
-                        </a:rPr>
-                        <m:t>=</m:t>
-                      </m:r>
-                      <m:sSub>
-                        <m:sSubPr>
-                          <m:ctrlPr>
-                            <a:rPr lang="en-US" b="0" i="1" smtClean="0">
-                              <a:latin typeface="Cambria Math" panose="02040503050406030204" pitchFamily="18" charset="0"/>
-                            </a:rPr>
-                          </m:ctrlPr>
-                        </m:sSubPr>
-                        <m:e>
-                          <m:r>
-                            <a:rPr lang="en-US" b="0" i="1" smtClean="0">
-                              <a:latin typeface="Cambria Math" panose="02040503050406030204" pitchFamily="18" charset="0"/>
-                            </a:rPr>
-                            <m:t>𝑘</m:t>
-                          </m:r>
-                        </m:e>
-                        <m:sub>
-                          <m:r>
-                            <a:rPr lang="en-US" b="0" i="1" smtClean="0">
-                              <a:latin typeface="Cambria Math" panose="02040503050406030204" pitchFamily="18" charset="0"/>
-                            </a:rPr>
-                            <m:t>𝐹</m:t>
-                          </m:r>
-                        </m:sub>
-                      </m:sSub>
-                      <m:r>
-                        <a:rPr lang="en-US" b="0" i="1" smtClean="0">
-                          <a:latin typeface="Cambria Math" panose="02040503050406030204" pitchFamily="18" charset="0"/>
-                        </a:rPr>
-                        <m:t>𝑈</m:t>
-                      </m:r>
-                      <m:d>
-                        <m:dPr>
-                          <m:ctrlPr>
-                            <a:rPr lang="en-US" b="0" i="1" smtClean="0">
-                              <a:latin typeface="Cambria Math" panose="02040503050406030204" pitchFamily="18" charset="0"/>
-                            </a:rPr>
-                          </m:ctrlPr>
-                        </m:dPr>
-                        <m:e>
-                          <m:r>
-                            <a:rPr lang="en-US" b="0" i="1" smtClean="0">
-                              <a:latin typeface="Cambria Math" panose="02040503050406030204" pitchFamily="18" charset="0"/>
-                            </a:rPr>
-                            <m:t>𝑠</m:t>
-                          </m:r>
-                        </m:e>
-                      </m:d>
-                      <m:r>
-                        <a:rPr lang="en-US" b="0" i="1" smtClean="0">
-                          <a:latin typeface="Cambria Math" panose="02040503050406030204" pitchFamily="18" charset="0"/>
-                        </a:rPr>
-                        <m:t>−</m:t>
-                      </m:r>
-                      <m:sSub>
-                        <m:sSubPr>
-                          <m:ctrlPr>
-                            <a:rPr lang="en-US" b="0" i="1" smtClean="0">
-                              <a:latin typeface="Cambria Math" panose="02040503050406030204" pitchFamily="18" charset="0"/>
-                            </a:rPr>
-                          </m:ctrlPr>
-                        </m:sSubPr>
-                        <m:e>
-                          <m:r>
-                            <a:rPr lang="en-US" b="0" i="1" smtClean="0">
-                              <a:latin typeface="Cambria Math" panose="02040503050406030204" pitchFamily="18" charset="0"/>
-                            </a:rPr>
-                            <m:t>𝑘</m:t>
-                          </m:r>
-                        </m:e>
-                        <m:sub>
-                          <m:r>
-                            <a:rPr lang="en-US" b="0" i="1" smtClean="0">
-                              <a:latin typeface="Cambria Math" panose="02040503050406030204" pitchFamily="18" charset="0"/>
-                            </a:rPr>
-                            <m:t>𝐹</m:t>
-                          </m:r>
-                        </m:sub>
-                      </m:sSub>
-                      <m:r>
-                        <a:rPr lang="en-US" b="0" i="1" smtClean="0">
-                          <a:latin typeface="Cambria Math" panose="02040503050406030204" pitchFamily="18" charset="0"/>
-                        </a:rPr>
-                        <m:t>𝑌</m:t>
-                      </m:r>
-                      <m:d>
-                        <m:dPr>
-                          <m:ctrlPr>
-                            <a:rPr lang="en-US" b="0" i="1" smtClean="0">
-                              <a:latin typeface="Cambria Math" panose="02040503050406030204" pitchFamily="18" charset="0"/>
-                            </a:rPr>
-                          </m:ctrlPr>
-                        </m:dPr>
-                        <m:e>
-                          <m:r>
-                            <a:rPr lang="en-US" b="0" i="1" smtClean="0">
-                              <a:latin typeface="Cambria Math" panose="02040503050406030204" pitchFamily="18" charset="0"/>
-                            </a:rPr>
-                            <m:t>𝑠</m:t>
-                          </m:r>
-                        </m:e>
-                      </m:d>
-                      <m:r>
-                        <a:rPr lang="en-US" b="0" i="1" smtClean="0">
-                          <a:latin typeface="Cambria Math" panose="02040503050406030204" pitchFamily="18" charset="0"/>
-                        </a:rPr>
-                        <m:t>≡</m:t>
-                      </m:r>
-                      <m:r>
-                        <a:rPr lang="en-US" b="0" i="1" smtClean="0">
-                          <a:latin typeface="Cambria Math" panose="02040503050406030204" pitchFamily="18" charset="0"/>
-                        </a:rPr>
-                        <m:t>𝑌</m:t>
-                      </m:r>
-                      <m:d>
-                        <m:dPr>
-                          <m:ctrlPr>
-                            <a:rPr lang="en-US" b="0" i="1" smtClean="0">
-                              <a:latin typeface="Cambria Math" panose="02040503050406030204" pitchFamily="18" charset="0"/>
-                            </a:rPr>
-                          </m:ctrlPr>
-                        </m:dPr>
-                        <m:e>
-                          <m:r>
-                            <a:rPr lang="en-US" b="0" i="1" smtClean="0">
-                              <a:latin typeface="Cambria Math" panose="02040503050406030204" pitchFamily="18" charset="0"/>
-                            </a:rPr>
-                            <m:t>𝑠</m:t>
-                          </m:r>
-                        </m:e>
-                      </m:d>
-                      <m:r>
-                        <a:rPr lang="en-US" b="0" i="1" smtClean="0">
-                          <a:latin typeface="Cambria Math" panose="02040503050406030204" pitchFamily="18" charset="0"/>
-                        </a:rPr>
-                        <m:t>=</m:t>
-                      </m:r>
-                      <m:f>
-                        <m:fPr>
-                          <m:ctrlPr>
-                            <a:rPr lang="en-US" b="0" i="1" smtClean="0">
-                              <a:latin typeface="Cambria Math" panose="02040503050406030204" pitchFamily="18" charset="0"/>
-                            </a:rPr>
-                          </m:ctrlPr>
-                        </m:fPr>
-                        <m:num>
-                          <m:sSub>
-                            <m:sSubPr>
-                              <m:ctrlPr>
-                                <a:rPr lang="en-US" b="0" i="1" smtClean="0">
-                                  <a:latin typeface="Cambria Math" panose="02040503050406030204" pitchFamily="18" charset="0"/>
-                                </a:rPr>
-                              </m:ctrlPr>
-                            </m:sSubPr>
-                            <m:e>
-                              <m:r>
-                                <a:rPr lang="en-US" b="0" i="1" smtClean="0">
-                                  <a:latin typeface="Cambria Math" panose="02040503050406030204" pitchFamily="18" charset="0"/>
-                                </a:rPr>
-                                <m:t>𝑘</m:t>
-                              </m:r>
-                            </m:e>
-                            <m:sub>
-                              <m:r>
-                                <a:rPr lang="en-US" b="0" i="1" smtClean="0">
-                                  <a:latin typeface="Cambria Math" panose="02040503050406030204" pitchFamily="18" charset="0"/>
-                                </a:rPr>
-                                <m:t>𝐹</m:t>
-                              </m:r>
-                            </m:sub>
-                          </m:sSub>
-                          <m:r>
-                            <a:rPr lang="en-US" b="0" i="1" smtClean="0">
-                              <a:latin typeface="Cambria Math" panose="02040503050406030204" pitchFamily="18" charset="0"/>
-                            </a:rPr>
-                            <m:t>𝑈</m:t>
-                          </m:r>
-                          <m:r>
-                            <a:rPr lang="en-US" b="0" i="1" smtClean="0">
-                              <a:latin typeface="Cambria Math" panose="02040503050406030204" pitchFamily="18" charset="0"/>
-                            </a:rPr>
-                            <m:t>(</m:t>
-                          </m:r>
-                          <m:r>
-                            <a:rPr lang="en-US" b="0" i="1" smtClean="0">
-                              <a:latin typeface="Cambria Math" panose="02040503050406030204" pitchFamily="18" charset="0"/>
-                            </a:rPr>
-                            <m:t>𝑠</m:t>
-                          </m:r>
-                          <m:r>
-                            <a:rPr lang="en-US" b="0" i="1" smtClean="0">
-                              <a:latin typeface="Cambria Math" panose="02040503050406030204" pitchFamily="18" charset="0"/>
-                            </a:rPr>
-                            <m:t>)</m:t>
-                          </m:r>
-                        </m:num>
-                        <m:den>
-                          <m:r>
-                            <a:rPr lang="en-US" b="0" i="1" smtClean="0">
-                              <a:latin typeface="Cambria Math" panose="02040503050406030204" pitchFamily="18" charset="0"/>
-                            </a:rPr>
-                            <m:t>𝑠</m:t>
-                          </m:r>
-                          <m:r>
-                            <a:rPr lang="en-US" b="0" i="1" smtClean="0">
-                              <a:latin typeface="Cambria Math" panose="02040503050406030204" pitchFamily="18" charset="0"/>
-                            </a:rPr>
-                            <m:t>+</m:t>
-                          </m:r>
-                          <m:sSub>
-                            <m:sSubPr>
-                              <m:ctrlPr>
-                                <a:rPr lang="en-US" b="0" i="1" smtClean="0">
-                                  <a:latin typeface="Cambria Math" panose="02040503050406030204" pitchFamily="18" charset="0"/>
-                                </a:rPr>
-                              </m:ctrlPr>
-                            </m:sSubPr>
-                            <m:e>
-                              <m:r>
-                                <a:rPr lang="en-US" b="0" i="1" smtClean="0">
-                                  <a:latin typeface="Cambria Math" panose="02040503050406030204" pitchFamily="18" charset="0"/>
-                                </a:rPr>
-                                <m:t>𝑘</m:t>
-                              </m:r>
-                            </m:e>
-                            <m:sub>
-                              <m:r>
-                                <a:rPr lang="en-US" b="0" i="1" smtClean="0">
-                                  <a:latin typeface="Cambria Math" panose="02040503050406030204" pitchFamily="18" charset="0"/>
-                                </a:rPr>
-                                <m:t>𝐹</m:t>
-                              </m:r>
-                            </m:sub>
-                          </m:sSub>
-                        </m:den>
-                      </m:f>
-                    </m:oMath>
-                  </m:oMathPara>
-                </a14:m>
-                <a:endParaRPr lang="en-US" b="0" dirty="0"/>
-              </a:p>
-              <a:p>
-                <a:pPr marL="457200" lvl="1" indent="0">
-                  <a:buNone/>
-                </a:pPr>
-                <a14:m>
-                  <m:oMathPara xmlns:m="http://schemas.openxmlformats.org/officeDocument/2006/math">
-                    <m:oMathParaPr>
-                      <m:jc m:val="centerGroup"/>
-                    </m:oMathParaPr>
-                    <m:oMath xmlns:m="http://schemas.openxmlformats.org/officeDocument/2006/math">
-                      <m:r>
-                        <a:rPr lang="en-US" b="0" i="1" smtClean="0">
-                          <a:latin typeface="Cambria Math" panose="02040503050406030204" pitchFamily="18" charset="0"/>
-                        </a:rPr>
-                        <m:t>𝐺</m:t>
-                      </m:r>
-                      <m:d>
-                        <m:dPr>
-                          <m:ctrlPr>
-                            <a:rPr lang="en-US" b="0" i="1" smtClean="0">
-                              <a:latin typeface="Cambria Math" panose="02040503050406030204" pitchFamily="18" charset="0"/>
-                            </a:rPr>
-                          </m:ctrlPr>
-                        </m:dPr>
-                        <m:e>
-                          <m:r>
-                            <a:rPr lang="en-US" b="0" i="1" smtClean="0">
-                              <a:latin typeface="Cambria Math" panose="02040503050406030204" pitchFamily="18" charset="0"/>
-                            </a:rPr>
-                            <m:t>𝑠</m:t>
-                          </m:r>
-                        </m:e>
-                      </m:d>
-                      <m:r>
-                        <a:rPr lang="en-US" b="0" i="1" smtClean="0">
-                          <a:latin typeface="Cambria Math" panose="02040503050406030204" pitchFamily="18" charset="0"/>
-                        </a:rPr>
-                        <m:t>=</m:t>
-                      </m:r>
-                      <m:f>
-                        <m:fPr>
-                          <m:ctrlPr>
-                            <a:rPr lang="en-US" b="0" i="1" smtClean="0">
-                              <a:latin typeface="Cambria Math" panose="02040503050406030204" pitchFamily="18" charset="0"/>
-                            </a:rPr>
-                          </m:ctrlPr>
-                        </m:fPr>
-                        <m:num>
-                          <m:r>
-                            <a:rPr lang="en-US" b="0" i="1" smtClean="0">
-                              <a:latin typeface="Cambria Math" panose="02040503050406030204" pitchFamily="18" charset="0"/>
-                            </a:rPr>
-                            <m:t>𝑌</m:t>
-                          </m:r>
-                          <m:d>
-                            <m:dPr>
-                              <m:ctrlPr>
-                                <a:rPr lang="en-US" b="0" i="1" smtClean="0">
-                                  <a:latin typeface="Cambria Math" panose="02040503050406030204" pitchFamily="18" charset="0"/>
-                                </a:rPr>
-                              </m:ctrlPr>
-                            </m:dPr>
-                            <m:e>
-                              <m:r>
-                                <a:rPr lang="en-US" b="0" i="1" smtClean="0">
-                                  <a:latin typeface="Cambria Math" panose="02040503050406030204" pitchFamily="18" charset="0"/>
-                                </a:rPr>
-                                <m:t>𝑠</m:t>
-                              </m:r>
-                            </m:e>
-                          </m:d>
-                        </m:num>
-                        <m:den>
-                          <m:r>
-                            <a:rPr lang="en-US" b="0" i="1" smtClean="0">
-                              <a:latin typeface="Cambria Math" panose="02040503050406030204" pitchFamily="18" charset="0"/>
-                            </a:rPr>
-                            <m:t>𝑈</m:t>
-                          </m:r>
-                          <m:r>
-                            <a:rPr lang="en-US" b="0" i="1" smtClean="0">
-                              <a:latin typeface="Cambria Math" panose="02040503050406030204" pitchFamily="18" charset="0"/>
-                            </a:rPr>
-                            <m:t>(</m:t>
-                          </m:r>
-                          <m:r>
-                            <a:rPr lang="en-US" b="0" i="1" smtClean="0">
-                              <a:latin typeface="Cambria Math" panose="02040503050406030204" pitchFamily="18" charset="0"/>
-                            </a:rPr>
-                            <m:t>𝑠</m:t>
-                          </m:r>
-                          <m:r>
-                            <a:rPr lang="en-US" b="0" i="1" smtClean="0">
-                              <a:latin typeface="Cambria Math" panose="02040503050406030204" pitchFamily="18" charset="0"/>
-                            </a:rPr>
-                            <m:t>)</m:t>
-                          </m:r>
-                        </m:den>
-                      </m:f>
-                      <m:r>
-                        <a:rPr lang="en-US" b="0" i="0" smtClean="0">
-                          <a:latin typeface="Cambria Math" panose="02040503050406030204" pitchFamily="18" charset="0"/>
-                        </a:rPr>
-                        <m:t>=</m:t>
-                      </m:r>
-                      <m:f>
-                        <m:fPr>
-                          <m:ctrlPr>
-                            <a:rPr lang="en-US" b="0" i="1" smtClean="0">
-                              <a:latin typeface="Cambria Math" panose="02040503050406030204" pitchFamily="18" charset="0"/>
-                            </a:rPr>
-                          </m:ctrlPr>
-                        </m:fPr>
-                        <m:num>
-                          <m:sSub>
-                            <m:sSubPr>
-                              <m:ctrlPr>
-                                <a:rPr lang="en-US" b="0" i="1" smtClean="0">
-                                  <a:latin typeface="Cambria Math" panose="02040503050406030204" pitchFamily="18" charset="0"/>
-                                </a:rPr>
-                              </m:ctrlPr>
-                            </m:sSubPr>
-                            <m:e>
-                              <m:r>
-                                <m:rPr>
-                                  <m:sty m:val="p"/>
-                                </m:rPr>
-                                <a:rPr lang="en-US" b="0" i="0" smtClean="0">
-                                  <a:latin typeface="Cambria Math" panose="02040503050406030204" pitchFamily="18" charset="0"/>
-                                </a:rPr>
-                                <m:t>k</m:t>
-                              </m:r>
-                            </m:e>
-                            <m:sub>
-                              <m:r>
-                                <m:rPr>
-                                  <m:sty m:val="p"/>
-                                </m:rPr>
-                                <a:rPr lang="en-US" b="0" i="0" smtClean="0">
-                                  <a:latin typeface="Cambria Math" panose="02040503050406030204" pitchFamily="18" charset="0"/>
-                                </a:rPr>
-                                <m:t>F</m:t>
-                              </m:r>
-                            </m:sub>
-                          </m:sSub>
-                        </m:num>
-                        <m:den>
-                          <m:r>
-                            <a:rPr lang="en-US" b="0" i="1" smtClean="0">
-                              <a:latin typeface="Cambria Math" panose="02040503050406030204" pitchFamily="18" charset="0"/>
-                            </a:rPr>
-                            <m:t>𝑠</m:t>
-                          </m:r>
-                          <m:r>
-                            <a:rPr lang="en-US" b="0" i="1" smtClean="0">
-                              <a:latin typeface="Cambria Math" panose="02040503050406030204" pitchFamily="18" charset="0"/>
-                            </a:rPr>
-                            <m:t>+</m:t>
-                          </m:r>
-                          <m:sSub>
-                            <m:sSubPr>
-                              <m:ctrlPr>
-                                <a:rPr lang="en-US" b="0" i="1" smtClean="0">
-                                  <a:latin typeface="Cambria Math" panose="02040503050406030204" pitchFamily="18" charset="0"/>
-                                </a:rPr>
-                              </m:ctrlPr>
-                            </m:sSubPr>
-                            <m:e>
-                              <m:r>
-                                <a:rPr lang="en-US" b="0" i="1" smtClean="0">
-                                  <a:latin typeface="Cambria Math" panose="02040503050406030204" pitchFamily="18" charset="0"/>
-                                </a:rPr>
-                                <m:t>𝑘</m:t>
-                              </m:r>
-                            </m:e>
-                            <m:sub>
-                              <m:r>
-                                <a:rPr lang="en-US" b="0" i="1" smtClean="0">
-                                  <a:latin typeface="Cambria Math" panose="02040503050406030204" pitchFamily="18" charset="0"/>
-                                </a:rPr>
-                                <m:t>𝐹</m:t>
-                              </m:r>
-                            </m:sub>
-                          </m:sSub>
-                        </m:den>
-                      </m:f>
-                    </m:oMath>
-                  </m:oMathPara>
-                </a14:m>
-                <a:endParaRPr lang="en-US" b="0" dirty="0"/>
-              </a:p>
-              <a:p>
-                <a:pPr marL="457200" lvl="1" indent="0">
-                  <a:buNone/>
-                </a:pPr>
-                <a:endParaRPr lang="en-US" dirty="0"/>
-              </a:p>
-            </p:txBody>
-          </p:sp>
-        </mc:Choice>
-        <mc:Fallback xmlns="">
-          <p:sp>
-            <p:nvSpPr>
-              <p:cNvPr id="3" name="Content Placeholder 2">
-                <a:extLst>
-                  <a:ext uri="{FF2B5EF4-FFF2-40B4-BE49-F238E27FC236}">
-                    <a16:creationId xmlns:a16="http://schemas.microsoft.com/office/drawing/2014/main" id="{73479825-7954-1ECC-8E11-73D2E55C5BE3}"/>
-                  </a:ext>
-                </a:extLst>
-              </p:cNvPr>
-              <p:cNvSpPr>
-                <a:spLocks noGrp="1" noRot="1" noChangeAspect="1" noMove="1" noResize="1" noEditPoints="1" noAdjustHandles="1" noChangeArrowheads="1" noChangeShapeType="1" noTextEdit="1"/>
-              </p:cNvSpPr>
-              <p:nvPr>
-                <p:ph idx="1"/>
-              </p:nvPr>
-            </p:nvSpPr>
-            <p:spPr>
-              <a:blipFill>
-                <a:blip r:embed="rId3"/>
-                <a:stretch>
-                  <a:fillRect l="-1389" t="-1662"/>
-                </a:stretch>
-              </a:blipFill>
-            </p:spPr>
-            <p:txBody>
-              <a:bodyPr/>
-              <a:lstStyle/>
-              <a:p>
-                <a:r>
-                  <a:rPr lang="en-US">
-                    <a:noFill/>
-                  </a:rPr>
-                  <a:t> </a:t>
-                </a:r>
-              </a:p>
-            </p:txBody>
-          </p:sp>
-        </mc:Fallback>
-      </mc:AlternateContent>
-      <p:sp>
-        <p:nvSpPr>
-          <p:cNvPr id="4" name="Slide Number Placeholder 3">
-            <a:extLst>
-              <a:ext uri="{FF2B5EF4-FFF2-40B4-BE49-F238E27FC236}">
-                <a16:creationId xmlns:a16="http://schemas.microsoft.com/office/drawing/2014/main" id="{BC98271B-B4F9-9F43-E25A-1E8732FF8426}"/>
-              </a:ext>
-            </a:extLst>
-          </p:cNvPr>
-          <p:cNvSpPr>
-            <a:spLocks noGrp="1"/>
-          </p:cNvSpPr>
-          <p:nvPr>
-            <p:ph type="sldNum" sz="quarter" idx="11"/>
-          </p:nvPr>
-        </p:nvSpPr>
-        <p:spPr/>
-        <p:txBody>
-          <a:bodyPr/>
-          <a:lstStyle/>
-          <a:p>
-            <a:pPr>
-              <a:defRPr/>
-            </a:pPr>
-            <a:fld id="{3EF4E9CC-9D91-476E-91FD-5BEEC1642931}" type="slidenum">
-              <a:rPr lang="en-US" altLang="x-none" smtClean="0"/>
-              <a:pPr>
-                <a:defRPr/>
-              </a:pPr>
-              <a:t>23</a:t>
-            </a:fld>
-            <a:endParaRPr lang="en-US" altLang="x-none"/>
-          </a:p>
-        </p:txBody>
-      </p:sp>
-      <mc:AlternateContent xmlns:mc="http://schemas.openxmlformats.org/markup-compatibility/2006" xmlns:a14="http://schemas.microsoft.com/office/drawing/2010/main">
-        <mc:Choice Requires="a14">
-          <p:sp>
-            <p:nvSpPr>
-              <p:cNvPr id="6" name="TextBox 5">
-                <a:extLst>
-                  <a:ext uri="{FF2B5EF4-FFF2-40B4-BE49-F238E27FC236}">
-                    <a16:creationId xmlns:a16="http://schemas.microsoft.com/office/drawing/2014/main" id="{849460DB-BB3E-8798-7D1F-990108CBA84C}"/>
-                  </a:ext>
-                </a:extLst>
-              </p:cNvPr>
-              <p:cNvSpPr txBox="1"/>
-              <p:nvPr/>
-            </p:nvSpPr>
-            <p:spPr>
-              <a:xfrm>
-                <a:off x="6418162" y="381000"/>
-                <a:ext cx="2468303" cy="453201"/>
-              </a:xfrm>
-              <a:prstGeom prst="rect">
-                <a:avLst/>
-              </a:prstGeom>
-              <a:noFill/>
-            </p:spPr>
-            <p:txBody>
-              <a:bodyPr wrap="square">
-                <a:spAutoFit/>
-              </a:bodyPr>
-              <a:lstStyle/>
-              <a:p>
-                <a:r>
-                  <a:rPr lang="en-US" dirty="0"/>
-                  <a:t>DC Gain: </a:t>
-                </a:r>
-                <a14:m>
-                  <m:oMath xmlns:m="http://schemas.openxmlformats.org/officeDocument/2006/math">
-                    <m:func>
-                      <m:funcPr>
-                        <m:ctrlPr>
-                          <a:rPr lang="en-US" i="1" smtClean="0">
-                            <a:latin typeface="Cambria Math" panose="02040503050406030204" pitchFamily="18" charset="0"/>
-                          </a:rPr>
-                        </m:ctrlPr>
-                      </m:funcPr>
-                      <m:fName/>
-                      <m:e>
-                        <m:func>
-                          <m:funcPr>
-                            <m:ctrlPr>
-                              <a:rPr lang="en-US" i="1">
-                                <a:latin typeface="Cambria Math" panose="02040503050406030204" pitchFamily="18" charset="0"/>
-                              </a:rPr>
-                            </m:ctrlPr>
-                          </m:funcPr>
-                          <m:fName>
-                            <m:limLow>
-                              <m:limLowPr>
-                                <m:ctrlPr>
-                                  <a:rPr lang="en-US" i="1">
-                                    <a:latin typeface="Cambria Math" panose="02040503050406030204" pitchFamily="18" charset="0"/>
-                                  </a:rPr>
-                                </m:ctrlPr>
-                              </m:limLowPr>
-                              <m:e>
-                                <m:r>
-                                  <m:rPr>
-                                    <m:sty m:val="p"/>
-                                  </m:rPr>
-                                  <a:rPr lang="en-US">
-                                    <a:latin typeface="Cambria Math" panose="02040503050406030204" pitchFamily="18" charset="0"/>
-                                  </a:rPr>
-                                  <m:t>lim</m:t>
-                                </m:r>
-                              </m:e>
-                              <m:lim>
-                                <m:r>
-                                  <a:rPr lang="en-US" i="1">
-                                    <a:latin typeface="Cambria Math" panose="02040503050406030204" pitchFamily="18" charset="0"/>
-                                  </a:rPr>
-                                  <m:t>𝑠</m:t>
-                                </m:r>
-                                <m:r>
-                                  <a:rPr lang="en-US" i="1">
-                                    <a:latin typeface="Cambria Math" panose="02040503050406030204" pitchFamily="18" charset="0"/>
-                                  </a:rPr>
-                                  <m:t>→0</m:t>
-                                </m:r>
-                              </m:lim>
-                            </m:limLow>
-                          </m:fName>
-                          <m:e>
-                            <m:r>
-                              <a:rPr lang="en-US" i="1">
-                                <a:latin typeface="Cambria Math" panose="02040503050406030204" pitchFamily="18" charset="0"/>
-                              </a:rPr>
-                              <m:t>𝐺</m:t>
-                            </m:r>
-                            <m:r>
-                              <a:rPr lang="en-US" i="1">
-                                <a:latin typeface="Cambria Math" panose="02040503050406030204" pitchFamily="18" charset="0"/>
-                              </a:rPr>
-                              <m:t>(</m:t>
-                            </m:r>
-                            <m:r>
-                              <a:rPr lang="en-US" i="1">
-                                <a:latin typeface="Cambria Math" panose="02040503050406030204" pitchFamily="18" charset="0"/>
-                              </a:rPr>
-                              <m:t>𝑠</m:t>
-                            </m:r>
-                            <m:r>
-                              <a:rPr lang="en-US" i="1">
-                                <a:latin typeface="Cambria Math" panose="02040503050406030204" pitchFamily="18" charset="0"/>
-                              </a:rPr>
-                              <m:t>)</m:t>
-                            </m:r>
-                          </m:e>
-                        </m:func>
-                      </m:e>
-                    </m:func>
-                  </m:oMath>
-                </a14:m>
-                <a:endParaRPr lang="en-US" dirty="0"/>
-              </a:p>
-            </p:txBody>
-          </p:sp>
-        </mc:Choice>
-        <mc:Fallback xmlns="">
-          <p:sp>
-            <p:nvSpPr>
-              <p:cNvPr id="6" name="TextBox 5">
-                <a:extLst>
-                  <a:ext uri="{FF2B5EF4-FFF2-40B4-BE49-F238E27FC236}">
-                    <a16:creationId xmlns:a16="http://schemas.microsoft.com/office/drawing/2014/main" id="{849460DB-BB3E-8798-7D1F-990108CBA84C}"/>
-                  </a:ext>
-                </a:extLst>
-              </p:cNvPr>
-              <p:cNvSpPr txBox="1">
-                <a:spLocks noRot="1" noChangeAspect="1" noMove="1" noResize="1" noEditPoints="1" noAdjustHandles="1" noChangeArrowheads="1" noChangeShapeType="1" noTextEdit="1"/>
-              </p:cNvSpPr>
-              <p:nvPr/>
-            </p:nvSpPr>
-            <p:spPr>
-              <a:xfrm>
-                <a:off x="6418162" y="381000"/>
-                <a:ext cx="2468303" cy="453201"/>
-              </a:xfrm>
-              <a:prstGeom prst="rect">
-                <a:avLst/>
-              </a:prstGeom>
-              <a:blipFill>
-                <a:blip r:embed="rId4"/>
-                <a:stretch>
-                  <a:fillRect l="-2051" t="-11111"/>
-                </a:stretch>
-              </a:blipFill>
-            </p:spPr>
-            <p:txBody>
-              <a:bodyPr/>
-              <a:lstStyle/>
-              <a:p>
-                <a:r>
-                  <a:rPr lang="en-US">
-                    <a:noFill/>
-                  </a:rPr>
-                  <a:t> </a:t>
-                </a:r>
-              </a:p>
-            </p:txBody>
-          </p:sp>
-        </mc:Fallback>
-      </mc:AlternateContent>
-    </p:spTree>
-    <p:extLst>
-      <p:ext uri="{BB962C8B-B14F-4D97-AF65-F5344CB8AC3E}">
-        <p14:creationId xmlns:p14="http://schemas.microsoft.com/office/powerpoint/2010/main" val="1150342626"/>
-      </p:ext>
-    </p:extLst>
-  </p:cSld>
-  <p:clrMapOvr>
-    <a:masterClrMapping/>
-  </p:clrMapOvr>
-  <p:timing>
-    <p:tnLst>
-      <p:par>
-        <p:cTn id="1" dur="indefinite" restart="never" nodeType="tmRoot">
-          <p:childTnLst>
-            <p:seq concurrent="1" nextAc="seek">
-              <p:cTn id="2" dur="indefinite" nodeType="mainSeq">
-                <p:childTnLst>
-                  <p:par>
-                    <p:cTn id="3" fill="hold">
-                      <p:stCondLst>
-                        <p:cond delay="indefinite"/>
-                      </p:stCondLst>
-                      <p:childTnLst>
-                        <p:par>
-                          <p:cTn id="4" fill="hold">
-                            <p:stCondLst>
-                              <p:cond delay="0"/>
-                            </p:stCondLst>
-                            <p:childTnLst>
-                              <p:par>
-                                <p:cTn id="5" presetID="1" presetClass="entr" presetSubtype="0" fill="hold" nodeType="clickEffect">
-                                  <p:stCondLst>
-                                    <p:cond delay="0"/>
-                                  </p:stCondLst>
-                                  <p:childTnLst>
-                                    <p:set>
-                                      <p:cBhvr>
-                                        <p:cTn id="6" dur="1" fill="hold">
-                                          <p:stCondLst>
-                                            <p:cond delay="0"/>
-                                          </p:stCondLst>
-                                        </p:cTn>
-                                        <p:tgtEl>
-                                          <p:spTgt spid="3">
-                                            <p:txEl>
-                                              <p:pRg st="2" end="2"/>
-                                            </p:txEl>
-                                          </p:spTgt>
-                                        </p:tgtEl>
-                                        <p:attrNameLst>
-                                          <p:attrName>style.visibility</p:attrName>
-                                        </p:attrNameLst>
-                                      </p:cBhvr>
-                                      <p:to>
-                                        <p:strVal val="visible"/>
-                                      </p:to>
-                                    </p:set>
-                                  </p:childTnLst>
-                                </p:cTn>
-                              </p:par>
-                              <p:par>
-                                <p:cTn id="7" presetID="1" presetClass="entr" presetSubtype="0" fill="hold" nodeType="withEffect">
-                                  <p:stCondLst>
-                                    <p:cond delay="0"/>
-                                  </p:stCondLst>
-                                  <p:childTnLst>
-                                    <p:set>
-                                      <p:cBhvr>
-                                        <p:cTn id="8" dur="1" fill="hold">
-                                          <p:stCondLst>
-                                            <p:cond delay="0"/>
-                                          </p:stCondLst>
-                                        </p:cTn>
-                                        <p:tgtEl>
-                                          <p:spTgt spid="3">
-                                            <p:txEl>
-                                              <p:pRg st="3" end="3"/>
-                                            </p:txEl>
-                                          </p:spTgt>
-                                        </p:tgtEl>
-                                        <p:attrNameLst>
-                                          <p:attrName>style.visibility</p:attrName>
-                                        </p:attrNameLst>
-                                      </p:cBhvr>
-                                      <p:to>
-                                        <p:strVal val="visible"/>
-                                      </p:to>
-                                    </p:set>
-                                  </p:childTnLst>
-                                </p:cTn>
-                              </p:par>
-                            </p:childTnLst>
-                          </p:cTn>
-                        </p:par>
-                      </p:childTnLst>
-                    </p:cTn>
-                  </p:par>
-                  <p:par>
-                    <p:cTn id="9" fill="hold">
-                      <p:stCondLst>
-                        <p:cond delay="indefinite"/>
-                      </p:stCondLst>
-                      <p:childTnLst>
-                        <p:par>
-                          <p:cTn id="10" fill="hold">
-                            <p:stCondLst>
-                              <p:cond delay="0"/>
-                            </p:stCondLst>
-                            <p:childTnLst>
-                              <p:par>
-                                <p:cTn id="11" presetID="1" presetClass="entr" presetSubtype="0" fill="hold" nodeType="clickEffect">
-                                  <p:stCondLst>
-                                    <p:cond delay="0"/>
-                                  </p:stCondLst>
-                                  <p:childTnLst>
-                                    <p:set>
-                                      <p:cBhvr>
-                                        <p:cTn id="12" dur="1" fill="hold">
-                                          <p:stCondLst>
-                                            <p:cond delay="0"/>
-                                          </p:stCondLst>
-                                        </p:cTn>
-                                        <p:tgtEl>
-                                          <p:spTgt spid="3">
-                                            <p:txEl>
-                                              <p:pRg st="4" end="4"/>
-                                            </p:txEl>
-                                          </p:spTgt>
-                                        </p:tgtEl>
-                                        <p:attrNameLst>
-                                          <p:attrName>style.visibility</p:attrName>
-                                        </p:attrNameLst>
-                                      </p:cBhvr>
-                                      <p:to>
-                                        <p:strVal val="visible"/>
-                                      </p:to>
-                                    </p:set>
-                                  </p:childTnLst>
-                                </p:cTn>
-                              </p:par>
-                              <p:par>
-                                <p:cTn id="13" presetID="1" presetClass="entr" presetSubtype="0" fill="hold" nodeType="withEffect">
-                                  <p:stCondLst>
-                                    <p:cond delay="0"/>
-                                  </p:stCondLst>
-                                  <p:childTnLst>
-                                    <p:set>
-                                      <p:cBhvr>
-                                        <p:cTn id="14" dur="1" fill="hold">
-                                          <p:stCondLst>
-                                            <p:cond delay="0"/>
-                                          </p:stCondLst>
-                                        </p:cTn>
-                                        <p:tgtEl>
-                                          <p:spTgt spid="3">
-                                            <p:txEl>
-                                              <p:pRg st="5" end="5"/>
-                                            </p:txEl>
-                                          </p:spTgt>
-                                        </p:tgtEl>
-                                        <p:attrNameLst>
-                                          <p:attrName>style.visibility</p:attrName>
-                                        </p:attrNameLst>
-                                      </p:cBhvr>
-                                      <p:to>
-                                        <p:strVal val="visible"/>
-                                      </p:to>
-                                    </p:set>
-                                  </p:childTnLst>
-                                </p:cTn>
-                              </p:par>
-                              <p:par>
-                                <p:cTn id="15" presetID="1" presetClass="entr" presetSubtype="0" fill="hold" nodeType="withEffect">
-                                  <p:stCondLst>
-                                    <p:cond delay="0"/>
-                                  </p:stCondLst>
-                                  <p:childTnLst>
-                                    <p:set>
-                                      <p:cBhvr>
-                                        <p:cTn id="16" dur="1" fill="hold">
-                                          <p:stCondLst>
-                                            <p:cond delay="0"/>
-                                          </p:stCondLst>
-                                        </p:cTn>
-                                        <p:tgtEl>
-                                          <p:spTgt spid="3">
-                                            <p:txEl>
-                                              <p:pRg st="6" end="6"/>
-                                            </p:txEl>
-                                          </p:spTgt>
-                                        </p:tgtEl>
-                                        <p:attrNameLst>
-                                          <p:attrName>style.visibility</p:attrName>
-                                        </p:attrNameLst>
-                                      </p:cBhvr>
-                                      <p:to>
-                                        <p:strVal val="visible"/>
-                                      </p:to>
-                                    </p:set>
-                                  </p:childTnLst>
-                                </p:cTn>
-                              </p:par>
-                            </p:childTnLst>
-                          </p:cTn>
-                        </p:par>
-                      </p:childTnLst>
-                    </p:cTn>
-                  </p:par>
-                </p:childTnLst>
-              </p:cTn>
-              <p:prevCondLst>
-                <p:cond evt="onPrev" delay="0">
-                  <p:tgtEl>
-                    <p:sldTgt/>
-                  </p:tgtEl>
-                </p:cond>
-              </p:prevCondLst>
-              <p:nextCondLst>
-                <p:cond evt="onNext" delay="0">
-                  <p:tgtEl>
-                    <p:sldTgt/>
-                  </p:tgtEl>
-                </p:cond>
-              </p:nextCondLst>
-            </p:seq>
-          </p:childTnLst>
-        </p:cTn>
-      </p:par>
-    </p:tnLst>
-  </p:timing>
-</p:sld>
-</file>
-
-<file path=ppt/slides/slide24.xml><?xml version="1.0" encoding="utf-8"?>
-<p:sld xmlns:a="http://schemas.openxmlformats.org/drawingml/2006/main" xmlns:r="http://schemas.openxmlformats.org/officeDocument/2006/relationships" xmlns:p="http://schemas.openxmlformats.org/presentationml/2006/main">
-  <p:cSld>
-    <p:spTree>
-      <p:nvGrpSpPr>
-        <p:cNvPr id="1" name=""/>
-        <p:cNvGrpSpPr/>
-        <p:nvPr/>
-      </p:nvGrpSpPr>
-      <p:grpSpPr>
-        <a:xfrm>
-          <a:off x="0" y="0"/>
-          <a:ext cx="0" cy="0"/>
-          <a:chOff x="0" y="0"/>
-          <a:chExt cx="0" cy="0"/>
-        </a:xfrm>
-      </p:grpSpPr>
-      <p:sp>
-        <p:nvSpPr>
-          <p:cNvPr id="2" name="Title 1">
-            <a:extLst>
-              <a:ext uri="{FF2B5EF4-FFF2-40B4-BE49-F238E27FC236}">
-                <a16:creationId xmlns:a16="http://schemas.microsoft.com/office/drawing/2014/main" id="{B73B4B58-52AD-5EC7-7569-A957004B9416}"/>
-              </a:ext>
-            </a:extLst>
-          </p:cNvPr>
-          <p:cNvSpPr>
-            <a:spLocks noGrp="1"/>
-          </p:cNvSpPr>
-          <p:nvPr>
-            <p:ph type="title"/>
-          </p:nvPr>
-        </p:nvSpPr>
-        <p:spPr/>
-        <p:txBody>
-          <a:bodyPr/>
-          <a:lstStyle/>
-          <a:p>
-            <a:r>
-              <a:rPr lang="en-US" dirty="0"/>
-              <a:t>BACKUP</a:t>
-            </a:r>
-          </a:p>
-        </p:txBody>
-      </p:sp>
-      <p:sp>
-        <p:nvSpPr>
-          <p:cNvPr id="3" name="Content Placeholder 2">
-            <a:extLst>
-              <a:ext uri="{FF2B5EF4-FFF2-40B4-BE49-F238E27FC236}">
-                <a16:creationId xmlns:a16="http://schemas.microsoft.com/office/drawing/2014/main" id="{1B726C4C-4923-8A49-C88B-1DBC848E0E15}"/>
-              </a:ext>
-            </a:extLst>
-          </p:cNvPr>
-          <p:cNvSpPr>
-            <a:spLocks noGrp="1"/>
-          </p:cNvSpPr>
-          <p:nvPr>
-            <p:ph idx="1"/>
-          </p:nvPr>
-        </p:nvSpPr>
-        <p:spPr/>
-        <p:txBody>
-          <a:bodyPr/>
-          <a:lstStyle/>
-          <a:p>
-            <a:endParaRPr lang="en-US"/>
-          </a:p>
-        </p:txBody>
-      </p:sp>
-      <p:sp>
-        <p:nvSpPr>
-          <p:cNvPr id="4" name="Slide Number Placeholder 3">
-            <a:extLst>
-              <a:ext uri="{FF2B5EF4-FFF2-40B4-BE49-F238E27FC236}">
-                <a16:creationId xmlns:a16="http://schemas.microsoft.com/office/drawing/2014/main" id="{D7B991CC-9A9D-E375-86DF-D404C4409032}"/>
-              </a:ext>
-            </a:extLst>
-          </p:cNvPr>
-          <p:cNvSpPr>
-            <a:spLocks noGrp="1"/>
-          </p:cNvSpPr>
-          <p:nvPr>
-            <p:ph type="sldNum" sz="quarter" idx="11"/>
-          </p:nvPr>
-        </p:nvSpPr>
-        <p:spPr/>
-        <p:txBody>
-          <a:bodyPr/>
-          <a:lstStyle/>
-          <a:p>
-            <a:pPr>
-              <a:defRPr/>
-            </a:pPr>
-            <a:fld id="{3EF4E9CC-9D91-476E-91FD-5BEEC1642931}" type="slidenum">
-              <a:rPr lang="en-US" altLang="x-none" smtClean="0"/>
-              <a:pPr>
-                <a:defRPr/>
-              </a:pPr>
-              <a:t>24</a:t>
-            </a:fld>
-            <a:endParaRPr lang="en-US" altLang="x-none"/>
-          </a:p>
-        </p:txBody>
-      </p:sp>
-    </p:spTree>
-    <p:extLst>
-      <p:ext uri="{BB962C8B-B14F-4D97-AF65-F5344CB8AC3E}">
-        <p14:creationId xmlns:p14="http://schemas.microsoft.com/office/powerpoint/2010/main" val="1477105493"/>
-      </p:ext>
-    </p:extLst>
-  </p:cSld>
-  <p:clrMapOvr>
-    <a:masterClrMapping/>
-  </p:clrMapOvr>
-</p:sld>
-</file>
-
-<file path=ppt/slides/slide25.xml><?xml version="1.0" encoding="utf-8"?>
-<p:sld xmlns:a="http://schemas.openxmlformats.org/drawingml/2006/main" xmlns:r="http://schemas.openxmlformats.org/officeDocument/2006/relationships" xmlns:p="http://schemas.openxmlformats.org/presentationml/2006/main">
-  <p:cSld>
-    <p:spTree>
-      <p:nvGrpSpPr>
-        <p:cNvPr id="1" name=""/>
-        <p:cNvGrpSpPr/>
-        <p:nvPr/>
-      </p:nvGrpSpPr>
-      <p:grpSpPr>
-        <a:xfrm>
-          <a:off x="0" y="0"/>
-          <a:ext cx="0" cy="0"/>
-          <a:chOff x="0" y="0"/>
-          <a:chExt cx="0" cy="0"/>
-        </a:xfrm>
-      </p:grpSpPr>
-      <p:sp>
-        <p:nvSpPr>
-          <p:cNvPr id="4" name="Slide Number Placeholder 3">
-            <a:extLst>
-              <a:ext uri="{FF2B5EF4-FFF2-40B4-BE49-F238E27FC236}">
-                <a16:creationId xmlns:a16="http://schemas.microsoft.com/office/drawing/2014/main" id="{2A9C95BD-4E2C-8D21-699F-D79825505307}"/>
-              </a:ext>
-            </a:extLst>
-          </p:cNvPr>
-          <p:cNvSpPr>
-            <a:spLocks noGrp="1"/>
-          </p:cNvSpPr>
-          <p:nvPr>
-            <p:ph type="sldNum" sz="quarter" idx="11"/>
-          </p:nvPr>
-        </p:nvSpPr>
-        <p:spPr>
-          <a:xfrm>
-            <a:off x="7612827" y="6305939"/>
-            <a:ext cx="484251" cy="365125"/>
-          </a:xfrm>
-        </p:spPr>
-        <p:txBody>
-          <a:bodyPr/>
-          <a:lstStyle/>
-          <a:p>
-            <a:pPr>
-              <a:defRPr/>
-            </a:pPr>
-            <a:fld id="{3EF4E9CC-9D91-476E-91FD-5BEEC1642931}" type="slidenum">
-              <a:rPr lang="en-US" altLang="x-none" smtClean="0"/>
-              <a:pPr>
-                <a:defRPr/>
-              </a:pPr>
-              <a:t>25</a:t>
-            </a:fld>
-            <a:endParaRPr lang="en-US" altLang="x-none" dirty="0"/>
-          </a:p>
-        </p:txBody>
-      </p:sp>
-      <p:cxnSp>
-        <p:nvCxnSpPr>
-          <p:cNvPr id="6" name="Straight Connector 5">
-            <a:extLst>
-              <a:ext uri="{FF2B5EF4-FFF2-40B4-BE49-F238E27FC236}">
-                <a16:creationId xmlns:a16="http://schemas.microsoft.com/office/drawing/2014/main" id="{06A23CE4-2434-EBE0-3115-AA359F331CC9}"/>
-              </a:ext>
-            </a:extLst>
-          </p:cNvPr>
-          <p:cNvCxnSpPr>
-            <a:cxnSpLocks/>
-          </p:cNvCxnSpPr>
-          <p:nvPr/>
-        </p:nvCxnSpPr>
-        <p:spPr>
-          <a:xfrm flipH="1">
-            <a:off x="5021423" y="1119680"/>
-            <a:ext cx="17110" cy="5480795"/>
-          </a:xfrm>
-          <a:prstGeom prst="line">
-            <a:avLst/>
-          </a:prstGeom>
-          <a:ln w="28575">
-            <a:solidFill>
-              <a:schemeClr val="tx1"/>
-            </a:solidFill>
-          </a:ln>
-          <a:effectLst>
-            <a:outerShdw dist="20000" sx="1000" sy="1000" rotWithShape="0">
-              <a:srgbClr val="000000"/>
-            </a:outerShdw>
-          </a:effectLst>
-        </p:spPr>
-        <p:style>
-          <a:lnRef idx="2">
-            <a:schemeClr val="accent1"/>
-          </a:lnRef>
-          <a:fillRef idx="0">
-            <a:schemeClr val="accent1"/>
-          </a:fillRef>
-          <a:effectRef idx="1">
-            <a:schemeClr val="accent1"/>
-          </a:effectRef>
-          <a:fontRef idx="minor">
-            <a:schemeClr val="tx1"/>
-          </a:fontRef>
-        </p:style>
-      </p:cxnSp>
-      <p:cxnSp>
-        <p:nvCxnSpPr>
-          <p:cNvPr id="7" name="Straight Connector 6">
-            <a:extLst>
-              <a:ext uri="{FF2B5EF4-FFF2-40B4-BE49-F238E27FC236}">
-                <a16:creationId xmlns:a16="http://schemas.microsoft.com/office/drawing/2014/main" id="{C4C0DFE5-5720-A745-100B-F37F225F77D5}"/>
-              </a:ext>
-            </a:extLst>
-          </p:cNvPr>
-          <p:cNvCxnSpPr>
-            <a:cxnSpLocks/>
-          </p:cNvCxnSpPr>
-          <p:nvPr/>
-        </p:nvCxnSpPr>
-        <p:spPr>
-          <a:xfrm flipH="1">
-            <a:off x="2034073" y="3823959"/>
-            <a:ext cx="6063005" cy="0"/>
-          </a:xfrm>
-          <a:prstGeom prst="line">
-            <a:avLst/>
-          </a:prstGeom>
-          <a:ln w="28575">
-            <a:solidFill>
-              <a:schemeClr val="tx1"/>
-            </a:solidFill>
-          </a:ln>
-          <a:effectLst>
-            <a:outerShdw dist="20000" sx="1000" sy="1000" rotWithShape="0">
-              <a:srgbClr val="000000"/>
-            </a:outerShdw>
-          </a:effectLst>
-        </p:spPr>
-        <p:style>
-          <a:lnRef idx="2">
-            <a:schemeClr val="accent1"/>
-          </a:lnRef>
-          <a:fillRef idx="0">
-            <a:schemeClr val="accent1"/>
-          </a:fillRef>
-          <a:effectRef idx="1">
-            <a:schemeClr val="accent1"/>
-          </a:effectRef>
-          <a:fontRef idx="minor">
-            <a:schemeClr val="tx1"/>
-          </a:fontRef>
-        </p:style>
-      </p:cxnSp>
-      <mc:AlternateContent xmlns:mc="http://schemas.openxmlformats.org/markup-compatibility/2006" xmlns:a14="http://schemas.microsoft.com/office/drawing/2010/main">
-        <mc:Choice Requires="a14">
-          <p:sp>
-            <p:nvSpPr>
-              <p:cNvPr id="10" name="TextBox 9">
-                <a:extLst>
-                  <a:ext uri="{FF2B5EF4-FFF2-40B4-BE49-F238E27FC236}">
-                    <a16:creationId xmlns:a16="http://schemas.microsoft.com/office/drawing/2014/main" id="{77281E50-E594-AE0A-3156-003FD7C0077F}"/>
-                  </a:ext>
-                </a:extLst>
-              </p:cNvPr>
-              <p:cNvSpPr txBox="1"/>
-              <p:nvPr/>
-            </p:nvSpPr>
-            <p:spPr>
-              <a:xfrm>
-                <a:off x="8251429" y="3541132"/>
-                <a:ext cx="470257" cy="369332"/>
-              </a:xfrm>
-              <a:prstGeom prst="rect">
-                <a:avLst/>
-              </a:prstGeom>
-              <a:noFill/>
-            </p:spPr>
-            <p:txBody>
-              <a:bodyPr wrap="none" rtlCol="0">
-                <a:spAutoFit/>
-              </a:bodyPr>
-              <a:lstStyle/>
-              <a:p>
-                <a:r>
-                  <a:rPr lang="en-US" b="0" i="1" dirty="0"/>
-                  <a:t>R</a:t>
-                </a:r>
-                <a14:m>
-                  <m:oMath xmlns:m="http://schemas.openxmlformats.org/officeDocument/2006/math">
-                    <m:r>
-                      <a:rPr lang="en-US" b="0" i="1" smtClean="0">
-                        <a:latin typeface="Cambria Math" panose="02040503050406030204" pitchFamily="18" charset="0"/>
-                      </a:rPr>
-                      <m:t>𝑒</m:t>
-                    </m:r>
-                  </m:oMath>
-                </a14:m>
-                <a:endParaRPr lang="en-US" i="1" dirty="0"/>
-              </a:p>
-            </p:txBody>
-          </p:sp>
-        </mc:Choice>
-        <mc:Fallback xmlns="">
-          <p:sp>
-            <p:nvSpPr>
-              <p:cNvPr id="10" name="TextBox 9">
-                <a:extLst>
-                  <a:ext uri="{FF2B5EF4-FFF2-40B4-BE49-F238E27FC236}">
-                    <a16:creationId xmlns:a16="http://schemas.microsoft.com/office/drawing/2014/main" id="{77281E50-E594-AE0A-3156-003FD7C0077F}"/>
-                  </a:ext>
-                </a:extLst>
-              </p:cNvPr>
-              <p:cNvSpPr txBox="1">
-                <a:spLocks noRot="1" noChangeAspect="1" noMove="1" noResize="1" noEditPoints="1" noAdjustHandles="1" noChangeArrowheads="1" noChangeShapeType="1" noTextEdit="1"/>
-              </p:cNvSpPr>
-              <p:nvPr/>
-            </p:nvSpPr>
-            <p:spPr>
-              <a:xfrm>
-                <a:off x="8251429" y="3541132"/>
-                <a:ext cx="470257" cy="369332"/>
-              </a:xfrm>
-              <a:prstGeom prst="rect">
-                <a:avLst/>
-              </a:prstGeom>
-              <a:blipFill>
-                <a:blip r:embed="rId2"/>
-                <a:stretch>
-                  <a:fillRect l="-10526" t="-6667" b="-26667"/>
-                </a:stretch>
-              </a:blipFill>
-            </p:spPr>
-            <p:txBody>
-              <a:bodyPr/>
-              <a:lstStyle/>
-              <a:p>
-                <a:r>
-                  <a:rPr lang="en-US">
-                    <a:noFill/>
-                  </a:rPr>
-                  <a:t> </a:t>
-                </a:r>
-              </a:p>
-            </p:txBody>
-          </p:sp>
-        </mc:Fallback>
-      </mc:AlternateContent>
-      <mc:AlternateContent xmlns:mc="http://schemas.openxmlformats.org/markup-compatibility/2006" xmlns:a14="http://schemas.microsoft.com/office/drawing/2010/main">
-        <mc:Choice Requires="a14">
-          <p:sp>
-            <p:nvSpPr>
-              <p:cNvPr id="11" name="TextBox 10">
-                <a:extLst>
-                  <a:ext uri="{FF2B5EF4-FFF2-40B4-BE49-F238E27FC236}">
-                    <a16:creationId xmlns:a16="http://schemas.microsoft.com/office/drawing/2014/main" id="{64F58DC2-8392-6E7E-BC49-772F89B911F6}"/>
-                  </a:ext>
-                </a:extLst>
-              </p:cNvPr>
-              <p:cNvSpPr txBox="1"/>
-              <p:nvPr/>
-            </p:nvSpPr>
-            <p:spPr>
-              <a:xfrm>
-                <a:off x="4961709" y="6276863"/>
-                <a:ext cx="446725" cy="369332"/>
-              </a:xfrm>
-              <a:prstGeom prst="rect">
-                <a:avLst/>
-              </a:prstGeom>
-              <a:noFill/>
-            </p:spPr>
-            <p:txBody>
-              <a:bodyPr wrap="none" rtlCol="0">
-                <a:spAutoFit/>
-              </a:bodyPr>
-              <a:lstStyle/>
-              <a:p>
-                <a:r>
-                  <a:rPr lang="en-US" b="0" i="1" dirty="0"/>
-                  <a:t>I</a:t>
-                </a:r>
-                <a14:m>
-                  <m:oMath xmlns:m="http://schemas.openxmlformats.org/officeDocument/2006/math">
-                    <m:r>
-                      <a:rPr lang="en-US" b="0" i="1" smtClean="0">
-                        <a:latin typeface="Cambria Math" panose="02040503050406030204" pitchFamily="18" charset="0"/>
-                      </a:rPr>
-                      <m:t>𝑚</m:t>
-                    </m:r>
-                  </m:oMath>
-                </a14:m>
-                <a:endParaRPr lang="en-US" i="1" dirty="0"/>
-              </a:p>
-            </p:txBody>
-          </p:sp>
-        </mc:Choice>
-        <mc:Fallback xmlns="">
-          <p:sp>
-            <p:nvSpPr>
-              <p:cNvPr id="11" name="TextBox 10">
-                <a:extLst>
-                  <a:ext uri="{FF2B5EF4-FFF2-40B4-BE49-F238E27FC236}">
-                    <a16:creationId xmlns:a16="http://schemas.microsoft.com/office/drawing/2014/main" id="{64F58DC2-8392-6E7E-BC49-772F89B911F6}"/>
-                  </a:ext>
-                </a:extLst>
-              </p:cNvPr>
-              <p:cNvSpPr txBox="1">
-                <a:spLocks noRot="1" noChangeAspect="1" noMove="1" noResize="1" noEditPoints="1" noAdjustHandles="1" noChangeArrowheads="1" noChangeShapeType="1" noTextEdit="1"/>
-              </p:cNvSpPr>
-              <p:nvPr/>
-            </p:nvSpPr>
-            <p:spPr>
-              <a:xfrm>
-                <a:off x="4961709" y="6276863"/>
-                <a:ext cx="446725" cy="369332"/>
-              </a:xfrm>
-              <a:prstGeom prst="rect">
-                <a:avLst/>
-              </a:prstGeom>
-              <a:blipFill>
-                <a:blip r:embed="rId3"/>
-                <a:stretch>
-                  <a:fillRect l="-11111" t="-6667" b="-23333"/>
-                </a:stretch>
-              </a:blipFill>
-            </p:spPr>
-            <p:txBody>
-              <a:bodyPr/>
-              <a:lstStyle/>
-              <a:p>
-                <a:r>
-                  <a:rPr lang="en-US">
-                    <a:noFill/>
-                  </a:rPr>
-                  <a:t> </a:t>
-                </a:r>
-              </a:p>
-            </p:txBody>
-          </p:sp>
-        </mc:Fallback>
-      </mc:AlternateContent>
-      <mc:AlternateContent xmlns:mc="http://schemas.openxmlformats.org/markup-compatibility/2006" xmlns:a14="http://schemas.microsoft.com/office/drawing/2010/main">
-        <mc:Choice Requires="a14">
-          <p:sp>
-            <p:nvSpPr>
-              <p:cNvPr id="15" name="TextBox 14">
-                <a:extLst>
-                  <a:ext uri="{FF2B5EF4-FFF2-40B4-BE49-F238E27FC236}">
-                    <a16:creationId xmlns:a16="http://schemas.microsoft.com/office/drawing/2014/main" id="{A2E7CF75-3FB9-2EEE-DF6F-9DCDF55E5631}"/>
-                  </a:ext>
-                </a:extLst>
-              </p:cNvPr>
-              <p:cNvSpPr txBox="1"/>
-              <p:nvPr/>
-            </p:nvSpPr>
-            <p:spPr>
-              <a:xfrm>
-                <a:off x="341771" y="364013"/>
-                <a:ext cx="8911431" cy="844462"/>
-              </a:xfrm>
-              <a:prstGeom prst="rect">
-                <a:avLst/>
-              </a:prstGeom>
-              <a:noFill/>
-            </p:spPr>
-            <p:txBody>
-              <a:bodyPr wrap="square" rtlCol="0">
-                <a:spAutoFit/>
-              </a:bodyPr>
-              <a:lstStyle/>
-              <a:p>
-                <a14:m>
-                  <m:oMath xmlns:m="http://schemas.openxmlformats.org/officeDocument/2006/math">
-                    <m:r>
-                      <a:rPr lang="en-US" sz="3200" b="0" i="1" smtClean="0">
-                        <a:latin typeface="Cambria Math" panose="02040503050406030204" pitchFamily="18" charset="0"/>
-                        <a:ea typeface="Cambria Math" panose="02040503050406030204" pitchFamily="18" charset="0"/>
-                      </a:rPr>
-                      <m:t>𝐺</m:t>
-                    </m:r>
-                    <m:d>
-                      <m:dPr>
-                        <m:ctrlPr>
-                          <a:rPr lang="en-US" sz="3200" b="0" i="1" smtClean="0">
-                            <a:latin typeface="Cambria Math" panose="02040503050406030204" pitchFamily="18" charset="0"/>
-                            <a:ea typeface="Cambria Math" panose="02040503050406030204" pitchFamily="18" charset="0"/>
-                          </a:rPr>
-                        </m:ctrlPr>
-                      </m:dPr>
-                      <m:e>
-                        <m:r>
-                          <a:rPr lang="en-US" sz="3200" b="0" i="1" smtClean="0">
-                            <a:latin typeface="Cambria Math" panose="02040503050406030204" pitchFamily="18" charset="0"/>
-                            <a:ea typeface="Cambria Math" panose="02040503050406030204" pitchFamily="18" charset="0"/>
-                          </a:rPr>
-                          <m:t>𝑠</m:t>
-                        </m:r>
-                      </m:e>
-                    </m:d>
-                    <m:r>
-                      <a:rPr lang="en-US" sz="3200" b="0" i="1" smtClean="0">
-                        <a:latin typeface="Cambria Math" panose="02040503050406030204" pitchFamily="18" charset="0"/>
-                        <a:ea typeface="Cambria Math" panose="02040503050406030204" pitchFamily="18" charset="0"/>
-                      </a:rPr>
-                      <m:t>=</m:t>
-                    </m:r>
-                    <m:f>
-                      <m:fPr>
-                        <m:ctrlPr>
-                          <a:rPr lang="en-US" sz="3200" i="1">
-                            <a:latin typeface="Cambria Math" panose="02040503050406030204" pitchFamily="18" charset="0"/>
-                            <a:ea typeface="Cambria Math" panose="02040503050406030204" pitchFamily="18" charset="0"/>
-                          </a:rPr>
-                        </m:ctrlPr>
-                      </m:fPr>
-                      <m:num>
-                        <m:r>
-                          <a:rPr lang="en-US" sz="3200">
-                            <a:latin typeface="Cambria Math" panose="02040503050406030204" pitchFamily="18" charset="0"/>
-                            <a:ea typeface="Cambria Math" panose="02040503050406030204" pitchFamily="18" charset="0"/>
-                          </a:rPr>
-                          <m:t>1</m:t>
-                        </m:r>
-                      </m:num>
-                      <m:den>
-                        <m:r>
-                          <a:rPr lang="en-US" sz="3200" i="1">
-                            <a:latin typeface="Cambria Math" panose="02040503050406030204" pitchFamily="18" charset="0"/>
-                            <a:ea typeface="Cambria Math" panose="02040503050406030204" pitchFamily="18" charset="0"/>
-                          </a:rPr>
-                          <m:t>𝑠</m:t>
-                        </m:r>
-                        <m:r>
-                          <a:rPr lang="en-US" sz="3200" i="1">
-                            <a:latin typeface="Cambria Math" panose="02040503050406030204" pitchFamily="18" charset="0"/>
-                            <a:ea typeface="Cambria Math" panose="02040503050406030204" pitchFamily="18" charset="0"/>
-                          </a:rPr>
-                          <m:t>−</m:t>
-                        </m:r>
-                        <m:r>
-                          <a:rPr lang="en-US" sz="3200" i="1">
-                            <a:latin typeface="Cambria Math" panose="02040503050406030204" pitchFamily="18" charset="0"/>
-                            <a:ea typeface="Cambria Math" panose="02040503050406030204" pitchFamily="18" charset="0"/>
-                          </a:rPr>
-                          <m:t>𝑝</m:t>
-                        </m:r>
-                      </m:den>
-                    </m:f>
-                    <m:r>
-                      <a:rPr lang="en-US" sz="3200" i="1">
-                        <a:latin typeface="Cambria Math" panose="02040503050406030204" pitchFamily="18" charset="0"/>
-                        <a:ea typeface="Cambria Math" panose="02040503050406030204" pitchFamily="18" charset="0"/>
-                      </a:rPr>
-                      <m:t> </m:t>
-                    </m:r>
-                  </m:oMath>
-                </a14:m>
-                <a:r>
-                  <a:rPr lang="en-US" sz="3200" dirty="0"/>
-                  <a:t>unit step response</a:t>
-                </a:r>
-              </a:p>
-            </p:txBody>
-          </p:sp>
-        </mc:Choice>
-        <mc:Fallback xmlns="">
-          <p:sp>
-            <p:nvSpPr>
-              <p:cNvPr id="15" name="TextBox 14">
-                <a:extLst>
-                  <a:ext uri="{FF2B5EF4-FFF2-40B4-BE49-F238E27FC236}">
-                    <a16:creationId xmlns:a16="http://schemas.microsoft.com/office/drawing/2014/main" id="{A2E7CF75-3FB9-2EEE-DF6F-9DCDF55E5631}"/>
-                  </a:ext>
-                </a:extLst>
-              </p:cNvPr>
-              <p:cNvSpPr txBox="1">
-                <a:spLocks noRot="1" noChangeAspect="1" noMove="1" noResize="1" noEditPoints="1" noAdjustHandles="1" noChangeArrowheads="1" noChangeShapeType="1" noTextEdit="1"/>
-              </p:cNvSpPr>
-              <p:nvPr/>
-            </p:nvSpPr>
-            <p:spPr>
-              <a:xfrm>
-                <a:off x="341771" y="364013"/>
-                <a:ext cx="8911431" cy="844462"/>
-              </a:xfrm>
-              <a:prstGeom prst="rect">
-                <a:avLst/>
-              </a:prstGeom>
-              <a:blipFill>
-                <a:blip r:embed="rId4"/>
-                <a:stretch>
-                  <a:fillRect l="-427" b="-4412"/>
-                </a:stretch>
-              </a:blipFill>
-            </p:spPr>
-            <p:txBody>
-              <a:bodyPr/>
-              <a:lstStyle/>
-              <a:p>
-                <a:r>
-                  <a:rPr lang="en-US">
-                    <a:noFill/>
-                  </a:rPr>
-                  <a:t> </a:t>
-                </a:r>
-              </a:p>
-            </p:txBody>
-          </p:sp>
-        </mc:Fallback>
-      </mc:AlternateContent>
-      <p:sp>
-        <p:nvSpPr>
-          <p:cNvPr id="17" name="Oval 16">
-            <a:extLst>
-              <a:ext uri="{FF2B5EF4-FFF2-40B4-BE49-F238E27FC236}">
-                <a16:creationId xmlns:a16="http://schemas.microsoft.com/office/drawing/2014/main" id="{75A7A4C6-0FD6-F4DA-4408-8E966311FFBE}"/>
-              </a:ext>
-            </a:extLst>
-          </p:cNvPr>
-          <p:cNvSpPr>
-            <a:spLocks noChangeAspect="1"/>
-          </p:cNvSpPr>
-          <p:nvPr/>
-        </p:nvSpPr>
-        <p:spPr>
-          <a:xfrm>
-            <a:off x="2707746" y="3720121"/>
-            <a:ext cx="182880" cy="182880"/>
-          </a:xfrm>
-          <a:prstGeom prst="ellipse">
-            <a:avLst/>
-          </a:prstGeom>
-          <a:solidFill>
-            <a:srgbClr val="0070C0"/>
-          </a:solidFill>
-          <a:ln>
-            <a:noFill/>
-          </a:ln>
-          <a:effectLst>
-            <a:outerShdw dist="23000" sx="1000" sy="1000" rotWithShape="0">
-              <a:srgbClr val="000000"/>
-            </a:outerShdw>
-          </a:effectLst>
-        </p:spPr>
-        <p:style>
-          <a:lnRef idx="1">
-            <a:schemeClr val="accent1"/>
-          </a:lnRef>
-          <a:fillRef idx="3">
-            <a:schemeClr val="accent1"/>
-          </a:fillRef>
-          <a:effectRef idx="2">
-            <a:schemeClr val="accent1"/>
-          </a:effectRef>
-          <a:fontRef idx="minor">
-            <a:schemeClr val="lt1"/>
-          </a:fontRef>
-        </p:style>
-        <p:txBody>
-          <a:bodyPr rtlCol="0" anchor="ctr"/>
-          <a:lstStyle/>
-          <a:p>
-            <a:pPr algn="ctr"/>
-            <a:endParaRPr lang="en-US"/>
-          </a:p>
-        </p:txBody>
-      </p:sp>
-      <p:sp>
-        <p:nvSpPr>
-          <p:cNvPr id="18" name="Oval 17">
-            <a:extLst>
-              <a:ext uri="{FF2B5EF4-FFF2-40B4-BE49-F238E27FC236}">
-                <a16:creationId xmlns:a16="http://schemas.microsoft.com/office/drawing/2014/main" id="{AD65F43B-3D99-C342-BD67-228A36D0C6B1}"/>
-              </a:ext>
-            </a:extLst>
-          </p:cNvPr>
-          <p:cNvSpPr>
-            <a:spLocks noChangeAspect="1"/>
-          </p:cNvSpPr>
-          <p:nvPr/>
-        </p:nvSpPr>
-        <p:spPr>
-          <a:xfrm>
-            <a:off x="7150364" y="3732560"/>
-            <a:ext cx="182880" cy="182880"/>
-          </a:xfrm>
-          <a:prstGeom prst="ellipse">
-            <a:avLst/>
-          </a:prstGeom>
-          <a:solidFill>
-            <a:srgbClr val="0070C0"/>
-          </a:solidFill>
-          <a:ln>
-            <a:noFill/>
-          </a:ln>
-          <a:effectLst>
-            <a:outerShdw dist="23000" sx="1000" sy="1000" rotWithShape="0">
-              <a:srgbClr val="000000"/>
-            </a:outerShdw>
-          </a:effectLst>
-        </p:spPr>
-        <p:style>
-          <a:lnRef idx="1">
-            <a:schemeClr val="accent1"/>
-          </a:lnRef>
-          <a:fillRef idx="3">
-            <a:schemeClr val="accent1"/>
-          </a:fillRef>
-          <a:effectRef idx="2">
-            <a:schemeClr val="accent1"/>
-          </a:effectRef>
-          <a:fontRef idx="minor">
-            <a:schemeClr val="lt1"/>
-          </a:fontRef>
-        </p:style>
-        <p:txBody>
-          <a:bodyPr rtlCol="0" anchor="ctr"/>
-          <a:lstStyle/>
-          <a:p>
-            <a:pPr algn="ctr"/>
-            <a:endParaRPr lang="en-US"/>
-          </a:p>
-        </p:txBody>
-      </p:sp>
-      <p:sp>
-        <p:nvSpPr>
-          <p:cNvPr id="20" name="Oval 19">
-            <a:extLst>
-              <a:ext uri="{FF2B5EF4-FFF2-40B4-BE49-F238E27FC236}">
-                <a16:creationId xmlns:a16="http://schemas.microsoft.com/office/drawing/2014/main" id="{84624762-9CF4-31C0-076F-C489ECCEED49}"/>
-              </a:ext>
-            </a:extLst>
-          </p:cNvPr>
-          <p:cNvSpPr>
-            <a:spLocks noChangeAspect="1"/>
-          </p:cNvSpPr>
-          <p:nvPr/>
-        </p:nvSpPr>
-        <p:spPr>
-          <a:xfrm>
-            <a:off x="4943983" y="2207617"/>
-            <a:ext cx="182880" cy="182880"/>
-          </a:xfrm>
-          <a:prstGeom prst="ellipse">
-            <a:avLst/>
-          </a:prstGeom>
-          <a:solidFill>
-            <a:srgbClr val="0070C0"/>
-          </a:solidFill>
-          <a:ln>
-            <a:noFill/>
-          </a:ln>
-          <a:effectLst>
-            <a:outerShdw dist="23000" sx="1000" sy="1000" rotWithShape="0">
-              <a:srgbClr val="000000"/>
-            </a:outerShdw>
-          </a:effectLst>
-        </p:spPr>
-        <p:style>
-          <a:lnRef idx="1">
-            <a:schemeClr val="accent1"/>
-          </a:lnRef>
-          <a:fillRef idx="3">
-            <a:schemeClr val="accent1"/>
-          </a:fillRef>
-          <a:effectRef idx="2">
-            <a:schemeClr val="accent1"/>
-          </a:effectRef>
-          <a:fontRef idx="minor">
-            <a:schemeClr val="lt1"/>
-          </a:fontRef>
-        </p:style>
-        <p:txBody>
-          <a:bodyPr rtlCol="0" anchor="ctr"/>
-          <a:lstStyle/>
-          <a:p>
-            <a:pPr algn="ctr"/>
-            <a:endParaRPr lang="en-US"/>
-          </a:p>
-        </p:txBody>
-      </p:sp>
-      <p:sp>
-        <p:nvSpPr>
-          <p:cNvPr id="21" name="Oval 20">
-            <a:extLst>
-              <a:ext uri="{FF2B5EF4-FFF2-40B4-BE49-F238E27FC236}">
-                <a16:creationId xmlns:a16="http://schemas.microsoft.com/office/drawing/2014/main" id="{851B711F-A14E-9080-40B8-DBC1DD1671DC}"/>
-              </a:ext>
-            </a:extLst>
-          </p:cNvPr>
-          <p:cNvSpPr>
-            <a:spLocks noChangeAspect="1"/>
-          </p:cNvSpPr>
-          <p:nvPr/>
-        </p:nvSpPr>
-        <p:spPr>
-          <a:xfrm>
-            <a:off x="4938538" y="4990647"/>
-            <a:ext cx="182880" cy="182880"/>
-          </a:xfrm>
-          <a:prstGeom prst="ellipse">
-            <a:avLst/>
-          </a:prstGeom>
-          <a:solidFill>
-            <a:srgbClr val="0070C0"/>
-          </a:solidFill>
-          <a:ln>
-            <a:noFill/>
-          </a:ln>
-          <a:effectLst>
-            <a:outerShdw dist="23000" sx="1000" sy="1000" rotWithShape="0">
-              <a:srgbClr val="000000"/>
-            </a:outerShdw>
-          </a:effectLst>
-        </p:spPr>
-        <p:style>
-          <a:lnRef idx="1">
-            <a:schemeClr val="accent1"/>
-          </a:lnRef>
-          <a:fillRef idx="3">
-            <a:schemeClr val="accent1"/>
-          </a:fillRef>
-          <a:effectRef idx="2">
-            <a:schemeClr val="accent1"/>
-          </a:effectRef>
-          <a:fontRef idx="minor">
-            <a:schemeClr val="lt1"/>
-          </a:fontRef>
-        </p:style>
-        <p:txBody>
-          <a:bodyPr rtlCol="0" anchor="ctr"/>
-          <a:lstStyle/>
-          <a:p>
-            <a:pPr algn="ctr"/>
-            <a:endParaRPr lang="en-US"/>
-          </a:p>
-        </p:txBody>
-      </p:sp>
-      <p:sp>
-        <p:nvSpPr>
-          <p:cNvPr id="22" name="Oval 21">
-            <a:extLst>
-              <a:ext uri="{FF2B5EF4-FFF2-40B4-BE49-F238E27FC236}">
-                <a16:creationId xmlns:a16="http://schemas.microsoft.com/office/drawing/2014/main" id="{78376BDD-7CCF-598C-706E-7EAAE2FA95FD}"/>
-              </a:ext>
-            </a:extLst>
-          </p:cNvPr>
-          <p:cNvSpPr>
-            <a:spLocks noChangeAspect="1"/>
-          </p:cNvSpPr>
-          <p:nvPr/>
-        </p:nvSpPr>
-        <p:spPr>
-          <a:xfrm>
-            <a:off x="2682863" y="2207617"/>
-            <a:ext cx="182880" cy="182880"/>
-          </a:xfrm>
-          <a:prstGeom prst="ellipse">
-            <a:avLst/>
-          </a:prstGeom>
-          <a:solidFill>
-            <a:srgbClr val="0070C0"/>
-          </a:solidFill>
-          <a:ln>
-            <a:noFill/>
-          </a:ln>
-          <a:effectLst>
-            <a:outerShdw dist="23000" sx="1000" sy="1000" rotWithShape="0">
-              <a:srgbClr val="000000"/>
-            </a:outerShdw>
-          </a:effectLst>
-        </p:spPr>
-        <p:style>
-          <a:lnRef idx="1">
-            <a:schemeClr val="accent1"/>
-          </a:lnRef>
-          <a:fillRef idx="3">
-            <a:schemeClr val="accent1"/>
-          </a:fillRef>
-          <a:effectRef idx="2">
-            <a:schemeClr val="accent1"/>
-          </a:effectRef>
-          <a:fontRef idx="minor">
-            <a:schemeClr val="lt1"/>
-          </a:fontRef>
-        </p:style>
-        <p:txBody>
-          <a:bodyPr rtlCol="0" anchor="ctr"/>
-          <a:lstStyle/>
-          <a:p>
-            <a:pPr algn="ctr"/>
-            <a:endParaRPr lang="en-US"/>
-          </a:p>
-        </p:txBody>
-      </p:sp>
-      <p:sp>
-        <p:nvSpPr>
-          <p:cNvPr id="24" name="Oval 23">
-            <a:extLst>
-              <a:ext uri="{FF2B5EF4-FFF2-40B4-BE49-F238E27FC236}">
-                <a16:creationId xmlns:a16="http://schemas.microsoft.com/office/drawing/2014/main" id="{E3CB6199-51D7-3480-FA07-970999439757}"/>
-              </a:ext>
-            </a:extLst>
-          </p:cNvPr>
-          <p:cNvSpPr>
-            <a:spLocks noChangeAspect="1"/>
-          </p:cNvSpPr>
-          <p:nvPr/>
-        </p:nvSpPr>
-        <p:spPr>
-          <a:xfrm>
-            <a:off x="2707746" y="4990647"/>
-            <a:ext cx="182880" cy="182880"/>
-          </a:xfrm>
-          <a:prstGeom prst="ellipse">
-            <a:avLst/>
-          </a:prstGeom>
-          <a:solidFill>
-            <a:srgbClr val="0070C0"/>
-          </a:solidFill>
-          <a:ln>
-            <a:noFill/>
-          </a:ln>
-          <a:effectLst>
-            <a:outerShdw dist="23000" sx="1000" sy="1000" rotWithShape="0">
-              <a:srgbClr val="000000"/>
-            </a:outerShdw>
-          </a:effectLst>
-        </p:spPr>
-        <p:style>
-          <a:lnRef idx="1">
-            <a:schemeClr val="accent1"/>
-          </a:lnRef>
-          <a:fillRef idx="3">
-            <a:schemeClr val="accent1"/>
-          </a:fillRef>
-          <a:effectRef idx="2">
-            <a:schemeClr val="accent1"/>
-          </a:effectRef>
-          <a:fontRef idx="minor">
-            <a:schemeClr val="lt1"/>
-          </a:fontRef>
-        </p:style>
-        <p:txBody>
-          <a:bodyPr rtlCol="0" anchor="ctr"/>
-          <a:lstStyle/>
-          <a:p>
-            <a:pPr algn="ctr"/>
-            <a:endParaRPr lang="en-US"/>
-          </a:p>
-        </p:txBody>
-      </p:sp>
-      <p:sp>
-        <p:nvSpPr>
-          <p:cNvPr id="25" name="Oval 24">
-            <a:extLst>
-              <a:ext uri="{FF2B5EF4-FFF2-40B4-BE49-F238E27FC236}">
-                <a16:creationId xmlns:a16="http://schemas.microsoft.com/office/drawing/2014/main" id="{1D5E1459-28EB-D737-79C7-1551948BE694}"/>
-              </a:ext>
-            </a:extLst>
-          </p:cNvPr>
-          <p:cNvSpPr>
-            <a:spLocks noChangeAspect="1"/>
-          </p:cNvSpPr>
-          <p:nvPr/>
-        </p:nvSpPr>
-        <p:spPr>
-          <a:xfrm>
-            <a:off x="7150364" y="4990647"/>
-            <a:ext cx="182880" cy="182880"/>
-          </a:xfrm>
-          <a:prstGeom prst="ellipse">
-            <a:avLst/>
-          </a:prstGeom>
-          <a:solidFill>
-            <a:srgbClr val="0070C0"/>
-          </a:solidFill>
-          <a:ln>
-            <a:noFill/>
-          </a:ln>
-          <a:effectLst>
-            <a:outerShdw dist="23000" sx="1000" sy="1000" rotWithShape="0">
-              <a:srgbClr val="000000"/>
-            </a:outerShdw>
-          </a:effectLst>
-        </p:spPr>
-        <p:style>
-          <a:lnRef idx="1">
-            <a:schemeClr val="accent1"/>
-          </a:lnRef>
-          <a:fillRef idx="3">
-            <a:schemeClr val="accent1"/>
-          </a:fillRef>
-          <a:effectRef idx="2">
-            <a:schemeClr val="accent1"/>
-          </a:effectRef>
-          <a:fontRef idx="minor">
-            <a:schemeClr val="lt1"/>
-          </a:fontRef>
-        </p:style>
-        <p:txBody>
-          <a:bodyPr rtlCol="0" anchor="ctr"/>
-          <a:lstStyle/>
-          <a:p>
-            <a:pPr algn="ctr"/>
-            <a:endParaRPr lang="en-US"/>
-          </a:p>
-        </p:txBody>
-      </p:sp>
-      <p:sp>
-        <p:nvSpPr>
-          <p:cNvPr id="26" name="Oval 25">
-            <a:extLst>
-              <a:ext uri="{FF2B5EF4-FFF2-40B4-BE49-F238E27FC236}">
-                <a16:creationId xmlns:a16="http://schemas.microsoft.com/office/drawing/2014/main" id="{130EEC66-7D5E-C40A-F5C0-7279FA6E4514}"/>
-              </a:ext>
-            </a:extLst>
-          </p:cNvPr>
-          <p:cNvSpPr>
-            <a:spLocks noChangeAspect="1"/>
-          </p:cNvSpPr>
-          <p:nvPr/>
-        </p:nvSpPr>
-        <p:spPr>
-          <a:xfrm>
-            <a:off x="7113663" y="2207617"/>
-            <a:ext cx="182880" cy="182880"/>
-          </a:xfrm>
-          <a:prstGeom prst="ellipse">
-            <a:avLst/>
-          </a:prstGeom>
-          <a:solidFill>
-            <a:srgbClr val="0070C0"/>
-          </a:solidFill>
-          <a:ln>
-            <a:noFill/>
-          </a:ln>
-          <a:effectLst>
-            <a:outerShdw dist="23000" sx="1000" sy="1000" rotWithShape="0">
-              <a:srgbClr val="000000"/>
-            </a:outerShdw>
-          </a:effectLst>
-        </p:spPr>
-        <p:style>
-          <a:lnRef idx="1">
-            <a:schemeClr val="accent1"/>
-          </a:lnRef>
-          <a:fillRef idx="3">
-            <a:schemeClr val="accent1"/>
-          </a:fillRef>
-          <a:effectRef idx="2">
-            <a:schemeClr val="accent1"/>
-          </a:effectRef>
-          <a:fontRef idx="minor">
-            <a:schemeClr val="lt1"/>
-          </a:fontRef>
-        </p:style>
-        <p:txBody>
-          <a:bodyPr rtlCol="0" anchor="ctr"/>
-          <a:lstStyle/>
-          <a:p>
-            <a:pPr algn="ctr"/>
-            <a:endParaRPr lang="en-US"/>
-          </a:p>
-        </p:txBody>
-      </p:sp>
-      <p:pic>
-        <p:nvPicPr>
-          <p:cNvPr id="2052" name="Picture 4">
-            <a:extLst>
-              <a:ext uri="{FF2B5EF4-FFF2-40B4-BE49-F238E27FC236}">
-                <a16:creationId xmlns:a16="http://schemas.microsoft.com/office/drawing/2014/main" id="{21FD4BE8-20B6-5E5C-38B2-D4B364CE2003}"/>
-              </a:ext>
-            </a:extLst>
-          </p:cNvPr>
-          <p:cNvPicPr>
-            <a:picLocks noChangeAspect="1" noChangeArrowheads="1"/>
-          </p:cNvPicPr>
-          <p:nvPr/>
-        </p:nvPicPr>
-        <p:blipFill>
-          <a:blip r:embed="rId5">
-            <a:extLst>
-              <a:ext uri="{28A0092B-C50C-407E-A947-70E740481C1C}">
-                <a14:useLocalDpi xmlns:a14="http://schemas.microsoft.com/office/drawing/2010/main" val="0"/>
-              </a:ext>
-            </a:extLst>
-          </a:blip>
-          <a:srcRect/>
-          <a:stretch>
-            <a:fillRect/>
-          </a:stretch>
-        </p:blipFill>
-        <p:spPr bwMode="auto">
-          <a:xfrm>
-            <a:off x="5564373" y="3503919"/>
-            <a:ext cx="913808" cy="640080"/>
-          </a:xfrm>
-          <a:prstGeom prst="rect">
-            <a:avLst/>
-          </a:prstGeom>
-          <a:noFill/>
-          <a:extLst>
-            <a:ext uri="{909E8E84-426E-40DD-AFC4-6F175D3DCCD1}">
-              <a14:hiddenFill xmlns:a14="http://schemas.microsoft.com/office/drawing/2010/main">
-                <a:solidFill>
-                  <a:srgbClr val="FFFFFF"/>
-                </a:solidFill>
-              </a14:hiddenFill>
-            </a:ext>
-          </a:extLst>
-        </p:spPr>
-      </p:pic>
-      <p:pic>
-        <p:nvPicPr>
-          <p:cNvPr id="2054" name="Picture 6">
-            <a:extLst>
-              <a:ext uri="{FF2B5EF4-FFF2-40B4-BE49-F238E27FC236}">
-                <a16:creationId xmlns:a16="http://schemas.microsoft.com/office/drawing/2014/main" id="{95084054-856D-841B-6B7D-14FF08240F81}"/>
-              </a:ext>
-            </a:extLst>
-          </p:cNvPr>
-          <p:cNvPicPr>
-            <a:picLocks noChangeAspect="1" noChangeArrowheads="1"/>
-          </p:cNvPicPr>
-          <p:nvPr/>
-        </p:nvPicPr>
-        <p:blipFill>
-          <a:blip r:embed="rId6">
-            <a:extLst>
-              <a:ext uri="{28A0092B-C50C-407E-A947-70E740481C1C}">
-                <a14:useLocalDpi xmlns:a14="http://schemas.microsoft.com/office/drawing/2010/main" val="0"/>
-              </a:ext>
-            </a:extLst>
-          </a:blip>
-          <a:srcRect/>
-          <a:stretch>
-            <a:fillRect/>
-          </a:stretch>
-        </p:blipFill>
-        <p:spPr bwMode="auto">
-          <a:xfrm>
-            <a:off x="3654139" y="3503919"/>
-            <a:ext cx="809639" cy="640080"/>
-          </a:xfrm>
-          <a:prstGeom prst="rect">
-            <a:avLst/>
-          </a:prstGeom>
-          <a:noFill/>
-          <a:extLst>
-            <a:ext uri="{909E8E84-426E-40DD-AFC4-6F175D3DCCD1}">
-              <a14:hiddenFill xmlns:a14="http://schemas.microsoft.com/office/drawing/2010/main">
-                <a:solidFill>
-                  <a:srgbClr val="FFFFFF"/>
-                </a:solidFill>
-              </a14:hiddenFill>
-            </a:ext>
-          </a:extLst>
-        </p:spPr>
-      </p:pic>
-      <p:pic>
-        <p:nvPicPr>
-          <p:cNvPr id="2060" name="Picture 12">
-            <a:extLst>
-              <a:ext uri="{FF2B5EF4-FFF2-40B4-BE49-F238E27FC236}">
-                <a16:creationId xmlns:a16="http://schemas.microsoft.com/office/drawing/2014/main" id="{FCA50144-8E1E-E09C-0785-783A9BE4B545}"/>
-              </a:ext>
-            </a:extLst>
-          </p:cNvPr>
-          <p:cNvPicPr>
-            <a:picLocks noChangeAspect="1" noChangeArrowheads="1"/>
-          </p:cNvPicPr>
-          <p:nvPr/>
-        </p:nvPicPr>
-        <p:blipFill>
-          <a:blip r:embed="rId7">
-            <a:extLst>
-              <a:ext uri="{28A0092B-C50C-407E-A947-70E740481C1C}">
-                <a14:useLocalDpi xmlns:a14="http://schemas.microsoft.com/office/drawing/2010/main" val="0"/>
-              </a:ext>
-            </a:extLst>
-          </a:blip>
-          <a:srcRect/>
-          <a:stretch>
-            <a:fillRect/>
-          </a:stretch>
-        </p:blipFill>
-        <p:spPr bwMode="auto">
-          <a:xfrm>
-            <a:off x="3616695" y="2101334"/>
-            <a:ext cx="884526" cy="640080"/>
-          </a:xfrm>
-          <a:prstGeom prst="rect">
-            <a:avLst/>
-          </a:prstGeom>
-          <a:noFill/>
-          <a:extLst>
-            <a:ext uri="{909E8E84-426E-40DD-AFC4-6F175D3DCCD1}">
-              <a14:hiddenFill xmlns:a14="http://schemas.microsoft.com/office/drawing/2010/main">
-                <a:solidFill>
-                  <a:srgbClr val="FFFFFF"/>
-                </a:solidFill>
-              </a14:hiddenFill>
-            </a:ext>
-          </a:extLst>
-        </p:spPr>
-      </p:pic>
-      <p:pic>
-        <p:nvPicPr>
-          <p:cNvPr id="2" name="Picture 12">
-            <a:extLst>
-              <a:ext uri="{FF2B5EF4-FFF2-40B4-BE49-F238E27FC236}">
-                <a16:creationId xmlns:a16="http://schemas.microsoft.com/office/drawing/2014/main" id="{FE11719E-67DC-AAC6-A1FA-D050E34EEC86}"/>
-              </a:ext>
-            </a:extLst>
-          </p:cNvPr>
-          <p:cNvPicPr>
-            <a:picLocks noChangeAspect="1" noChangeArrowheads="1"/>
-          </p:cNvPicPr>
-          <p:nvPr/>
-        </p:nvPicPr>
-        <p:blipFill>
-          <a:blip r:embed="rId7">
-            <a:extLst>
-              <a:ext uri="{28A0092B-C50C-407E-A947-70E740481C1C}">
-                <a14:useLocalDpi xmlns:a14="http://schemas.microsoft.com/office/drawing/2010/main" val="0"/>
-              </a:ext>
-            </a:extLst>
-          </a:blip>
-          <a:srcRect/>
-          <a:stretch>
-            <a:fillRect/>
-          </a:stretch>
-        </p:blipFill>
-        <p:spPr bwMode="auto">
-          <a:xfrm>
-            <a:off x="3616695" y="4878665"/>
-            <a:ext cx="884526" cy="640080"/>
-          </a:xfrm>
-          <a:prstGeom prst="rect">
-            <a:avLst/>
-          </a:prstGeom>
-          <a:noFill/>
-          <a:extLst>
-            <a:ext uri="{909E8E84-426E-40DD-AFC4-6F175D3DCCD1}">
-              <a14:hiddenFill xmlns:a14="http://schemas.microsoft.com/office/drawing/2010/main">
-                <a:solidFill>
-                  <a:srgbClr val="FFFFFF"/>
-                </a:solidFill>
-              </a14:hiddenFill>
-            </a:ext>
-          </a:extLst>
-        </p:spPr>
-      </p:pic>
-      <p:grpSp>
-        <p:nvGrpSpPr>
-          <p:cNvPr id="9" name="Group 8">
-            <a:extLst>
-              <a:ext uri="{FF2B5EF4-FFF2-40B4-BE49-F238E27FC236}">
-                <a16:creationId xmlns:a16="http://schemas.microsoft.com/office/drawing/2014/main" id="{DD57ED57-0B9B-636C-7FD7-BB07D8502E3D}"/>
-              </a:ext>
-            </a:extLst>
-          </p:cNvPr>
-          <p:cNvGrpSpPr/>
-          <p:nvPr/>
-        </p:nvGrpSpPr>
-        <p:grpSpPr>
-          <a:xfrm>
-            <a:off x="2422647" y="2044480"/>
-            <a:ext cx="890677" cy="3471766"/>
-            <a:chOff x="2366661" y="2044480"/>
-            <a:chExt cx="890677" cy="3471766"/>
-          </a:xfrm>
-        </p:grpSpPr>
-        <p:pic>
-          <p:nvPicPr>
-            <p:cNvPr id="1038" name="Picture 14">
-              <a:extLst>
-                <a:ext uri="{FF2B5EF4-FFF2-40B4-BE49-F238E27FC236}">
-                  <a16:creationId xmlns:a16="http://schemas.microsoft.com/office/drawing/2014/main" id="{52FA87BF-0D33-A05A-6522-02EACF53637D}"/>
-                </a:ext>
-              </a:extLst>
-            </p:cNvPr>
-            <p:cNvPicPr>
-              <a:picLocks noChangeAspect="1" noChangeArrowheads="1"/>
-            </p:cNvPicPr>
-            <p:nvPr/>
-          </p:nvPicPr>
-          <p:blipFill>
-            <a:blip r:embed="rId8">
-              <a:extLst>
-                <a:ext uri="{28A0092B-C50C-407E-A947-70E740481C1C}">
-                  <a14:useLocalDpi xmlns:a14="http://schemas.microsoft.com/office/drawing/2010/main" val="0"/>
-                </a:ext>
-              </a:extLst>
-            </a:blip>
-            <a:srcRect/>
-            <a:stretch>
-              <a:fillRect/>
-            </a:stretch>
-          </p:blipFill>
-          <p:spPr bwMode="auto">
-            <a:xfrm>
-              <a:off x="2372812" y="3503919"/>
-              <a:ext cx="876784" cy="640080"/>
-            </a:xfrm>
-            <a:prstGeom prst="rect">
-              <a:avLst/>
-            </a:prstGeom>
-            <a:noFill/>
-            <a:extLst>
-              <a:ext uri="{909E8E84-426E-40DD-AFC4-6F175D3DCCD1}">
-                <a14:hiddenFill xmlns:a14="http://schemas.microsoft.com/office/drawing/2010/main">
-                  <a:solidFill>
-                    <a:srgbClr val="FFFFFF"/>
-                  </a:solidFill>
-                </a14:hiddenFill>
-              </a:ext>
-            </a:extLst>
-          </p:spPr>
-        </p:pic>
-        <p:pic>
-          <p:nvPicPr>
-            <p:cNvPr id="2058" name="Picture 10">
-              <a:extLst>
-                <a:ext uri="{FF2B5EF4-FFF2-40B4-BE49-F238E27FC236}">
-                  <a16:creationId xmlns:a16="http://schemas.microsoft.com/office/drawing/2014/main" id="{FCE61090-9BD2-F174-AC5E-310665846724}"/>
-                </a:ext>
-              </a:extLst>
-            </p:cNvPr>
-            <p:cNvPicPr>
-              <a:picLocks noChangeAspect="1" noChangeArrowheads="1"/>
-            </p:cNvPicPr>
-            <p:nvPr/>
-          </p:nvPicPr>
-          <p:blipFill>
-            <a:blip r:embed="rId9">
-              <a:extLst>
-                <a:ext uri="{28A0092B-C50C-407E-A947-70E740481C1C}">
-                  <a14:useLocalDpi xmlns:a14="http://schemas.microsoft.com/office/drawing/2010/main" val="0"/>
-                </a:ext>
-              </a:extLst>
-            </a:blip>
-            <a:srcRect/>
-            <a:stretch>
-              <a:fillRect/>
-            </a:stretch>
-          </p:blipFill>
-          <p:spPr bwMode="auto">
-            <a:xfrm>
-              <a:off x="2372812" y="2044480"/>
-              <a:ext cx="884526" cy="640080"/>
-            </a:xfrm>
-            <a:prstGeom prst="rect">
-              <a:avLst/>
-            </a:prstGeom>
-            <a:noFill/>
-            <a:extLst>
-              <a:ext uri="{909E8E84-426E-40DD-AFC4-6F175D3DCCD1}">
-                <a14:hiddenFill xmlns:a14="http://schemas.microsoft.com/office/drawing/2010/main">
-                  <a:solidFill>
-                    <a:srgbClr val="FFFFFF"/>
-                  </a:solidFill>
-                </a14:hiddenFill>
-              </a:ext>
-            </a:extLst>
-          </p:spPr>
-        </p:pic>
-        <p:pic>
-          <p:nvPicPr>
-            <p:cNvPr id="3" name="Picture 10">
-              <a:extLst>
-                <a:ext uri="{FF2B5EF4-FFF2-40B4-BE49-F238E27FC236}">
-                  <a16:creationId xmlns:a16="http://schemas.microsoft.com/office/drawing/2014/main" id="{523D7AF1-06C6-43D1-FF1E-BF6D0D39C192}"/>
-                </a:ext>
-              </a:extLst>
-            </p:cNvPr>
-            <p:cNvPicPr>
-              <a:picLocks noChangeAspect="1" noChangeArrowheads="1"/>
-            </p:cNvPicPr>
-            <p:nvPr/>
-          </p:nvPicPr>
-          <p:blipFill>
-            <a:blip r:embed="rId9">
-              <a:extLst>
-                <a:ext uri="{28A0092B-C50C-407E-A947-70E740481C1C}">
-                  <a14:useLocalDpi xmlns:a14="http://schemas.microsoft.com/office/drawing/2010/main" val="0"/>
-                </a:ext>
-              </a:extLst>
-            </a:blip>
-            <a:srcRect/>
-            <a:stretch>
-              <a:fillRect/>
-            </a:stretch>
-          </p:blipFill>
-          <p:spPr bwMode="auto">
-            <a:xfrm>
-              <a:off x="2366661" y="4876166"/>
-              <a:ext cx="884526" cy="640080"/>
-            </a:xfrm>
-            <a:prstGeom prst="rect">
-              <a:avLst/>
-            </a:prstGeom>
-            <a:noFill/>
-            <a:extLst>
-              <a:ext uri="{909E8E84-426E-40DD-AFC4-6F175D3DCCD1}">
-                <a14:hiddenFill xmlns:a14="http://schemas.microsoft.com/office/drawing/2010/main">
-                  <a:solidFill>
-                    <a:srgbClr val="FFFFFF"/>
-                  </a:solidFill>
-                </a14:hiddenFill>
-              </a:ext>
-            </a:extLst>
-          </p:spPr>
-        </p:pic>
-      </p:grpSp>
-      <p:pic>
-        <p:nvPicPr>
-          <p:cNvPr id="2062" name="Picture 14">
-            <a:extLst>
-              <a:ext uri="{FF2B5EF4-FFF2-40B4-BE49-F238E27FC236}">
-                <a16:creationId xmlns:a16="http://schemas.microsoft.com/office/drawing/2014/main" id="{4E431E12-526A-14C0-48A0-725FD113A838}"/>
-              </a:ext>
-            </a:extLst>
-          </p:cNvPr>
-          <p:cNvPicPr>
-            <a:picLocks noChangeAspect="1" noChangeArrowheads="1"/>
-          </p:cNvPicPr>
-          <p:nvPr/>
-        </p:nvPicPr>
-        <p:blipFill>
-          <a:blip r:embed="rId10">
-            <a:extLst>
-              <a:ext uri="{28A0092B-C50C-407E-A947-70E740481C1C}">
-                <a14:useLocalDpi xmlns:a14="http://schemas.microsoft.com/office/drawing/2010/main" val="0"/>
-              </a:ext>
-            </a:extLst>
-          </a:blip>
-          <a:srcRect/>
-          <a:stretch>
-            <a:fillRect/>
-          </a:stretch>
-        </p:blipFill>
-        <p:spPr bwMode="auto">
-          <a:xfrm>
-            <a:off x="4600580" y="2101334"/>
-            <a:ext cx="925805" cy="640080"/>
-          </a:xfrm>
-          <a:prstGeom prst="rect">
-            <a:avLst/>
-          </a:prstGeom>
-          <a:noFill/>
-          <a:extLst>
-            <a:ext uri="{909E8E84-426E-40DD-AFC4-6F175D3DCCD1}">
-              <a14:hiddenFill xmlns:a14="http://schemas.microsoft.com/office/drawing/2010/main">
-                <a:solidFill>
-                  <a:srgbClr val="FFFFFF"/>
-                </a:solidFill>
-              </a14:hiddenFill>
-            </a:ext>
-          </a:extLst>
-        </p:spPr>
-      </p:pic>
-      <p:pic>
-        <p:nvPicPr>
-          <p:cNvPr id="5" name="Picture 14">
-            <a:extLst>
-              <a:ext uri="{FF2B5EF4-FFF2-40B4-BE49-F238E27FC236}">
-                <a16:creationId xmlns:a16="http://schemas.microsoft.com/office/drawing/2014/main" id="{5B41ADFC-1489-D559-0EFC-5452348DBD7A}"/>
-              </a:ext>
-            </a:extLst>
-          </p:cNvPr>
-          <p:cNvPicPr>
-            <a:picLocks noChangeAspect="1" noChangeArrowheads="1"/>
-          </p:cNvPicPr>
-          <p:nvPr/>
-        </p:nvPicPr>
-        <p:blipFill>
-          <a:blip r:embed="rId10">
-            <a:extLst>
-              <a:ext uri="{28A0092B-C50C-407E-A947-70E740481C1C}">
-                <a14:useLocalDpi xmlns:a14="http://schemas.microsoft.com/office/drawing/2010/main" val="0"/>
-              </a:ext>
-            </a:extLst>
-          </a:blip>
-          <a:srcRect/>
-          <a:stretch>
-            <a:fillRect/>
-          </a:stretch>
-        </p:blipFill>
-        <p:spPr bwMode="auto">
-          <a:xfrm>
-            <a:off x="4600580" y="4876166"/>
-            <a:ext cx="925805" cy="640080"/>
-          </a:xfrm>
-          <a:prstGeom prst="rect">
-            <a:avLst/>
-          </a:prstGeom>
-          <a:noFill/>
-          <a:extLst>
-            <a:ext uri="{909E8E84-426E-40DD-AFC4-6F175D3DCCD1}">
-              <a14:hiddenFill xmlns:a14="http://schemas.microsoft.com/office/drawing/2010/main">
-                <a:solidFill>
-                  <a:srgbClr val="FFFFFF"/>
-                </a:solidFill>
-              </a14:hiddenFill>
-            </a:ext>
-          </a:extLst>
-        </p:spPr>
-      </p:pic>
-      <p:grpSp>
-        <p:nvGrpSpPr>
-          <p:cNvPr id="16" name="Group 15">
-            <a:extLst>
-              <a:ext uri="{FF2B5EF4-FFF2-40B4-BE49-F238E27FC236}">
-                <a16:creationId xmlns:a16="http://schemas.microsoft.com/office/drawing/2014/main" id="{8C5869B0-80F1-3A74-93BD-B9DD17D543D4}"/>
-              </a:ext>
-            </a:extLst>
-          </p:cNvPr>
-          <p:cNvGrpSpPr/>
-          <p:nvPr/>
-        </p:nvGrpSpPr>
-        <p:grpSpPr>
-          <a:xfrm>
-            <a:off x="6845110" y="2073442"/>
-            <a:ext cx="1008868" cy="3420125"/>
-            <a:chOff x="6481212" y="2073442"/>
-            <a:chExt cx="1008868" cy="3420125"/>
-          </a:xfrm>
-        </p:grpSpPr>
-        <p:pic>
-          <p:nvPicPr>
-            <p:cNvPr id="2056" name="Picture 8">
-              <a:extLst>
-                <a:ext uri="{FF2B5EF4-FFF2-40B4-BE49-F238E27FC236}">
-                  <a16:creationId xmlns:a16="http://schemas.microsoft.com/office/drawing/2014/main" id="{8392A360-EAC6-6003-2989-CDB6B6F7A243}"/>
-                </a:ext>
-              </a:extLst>
-            </p:cNvPr>
-            <p:cNvPicPr>
-              <a:picLocks noChangeAspect="1" noChangeArrowheads="1"/>
-            </p:cNvPicPr>
-            <p:nvPr/>
-          </p:nvPicPr>
-          <p:blipFill>
-            <a:blip r:embed="rId11">
-              <a:extLst>
-                <a:ext uri="{28A0092B-C50C-407E-A947-70E740481C1C}">
-                  <a14:useLocalDpi xmlns:a14="http://schemas.microsoft.com/office/drawing/2010/main" val="0"/>
-                </a:ext>
-              </a:extLst>
-            </a:blip>
-            <a:srcRect/>
-            <a:stretch>
-              <a:fillRect/>
-            </a:stretch>
-          </p:blipFill>
-          <p:spPr bwMode="auto">
-            <a:xfrm>
-              <a:off x="6481212" y="3503919"/>
-              <a:ext cx="1008868" cy="640080"/>
-            </a:xfrm>
-            <a:prstGeom prst="rect">
-              <a:avLst/>
-            </a:prstGeom>
-            <a:noFill/>
-            <a:extLst>
-              <a:ext uri="{909E8E84-426E-40DD-AFC4-6F175D3DCCD1}">
-                <a14:hiddenFill xmlns:a14="http://schemas.microsoft.com/office/drawing/2010/main">
-                  <a:solidFill>
-                    <a:srgbClr val="FFFFFF"/>
-                  </a:solidFill>
-                </a14:hiddenFill>
-              </a:ext>
-            </a:extLst>
-          </p:spPr>
-        </p:pic>
-        <p:pic>
-          <p:nvPicPr>
-            <p:cNvPr id="2064" name="Picture 16">
-              <a:extLst>
-                <a:ext uri="{FF2B5EF4-FFF2-40B4-BE49-F238E27FC236}">
-                  <a16:creationId xmlns:a16="http://schemas.microsoft.com/office/drawing/2014/main" id="{6DE73286-B2E0-3F61-3424-C10B6B591C03}"/>
-                </a:ext>
-              </a:extLst>
-            </p:cNvPr>
-            <p:cNvPicPr>
-              <a:picLocks noChangeAspect="1" noChangeArrowheads="1"/>
-            </p:cNvPicPr>
-            <p:nvPr/>
-          </p:nvPicPr>
-          <p:blipFill>
-            <a:blip r:embed="rId12">
-              <a:extLst>
-                <a:ext uri="{28A0092B-C50C-407E-A947-70E740481C1C}">
-                  <a14:useLocalDpi xmlns:a14="http://schemas.microsoft.com/office/drawing/2010/main" val="0"/>
-                </a:ext>
-              </a:extLst>
-            </a:blip>
-            <a:srcRect/>
-            <a:stretch>
-              <a:fillRect/>
-            </a:stretch>
-          </p:blipFill>
-          <p:spPr bwMode="auto">
-            <a:xfrm>
-              <a:off x="6505939" y="2073442"/>
-              <a:ext cx="959414" cy="640080"/>
-            </a:xfrm>
-            <a:prstGeom prst="rect">
-              <a:avLst/>
-            </a:prstGeom>
-            <a:noFill/>
-            <a:extLst>
-              <a:ext uri="{909E8E84-426E-40DD-AFC4-6F175D3DCCD1}">
-                <a14:hiddenFill xmlns:a14="http://schemas.microsoft.com/office/drawing/2010/main">
-                  <a:solidFill>
-                    <a:srgbClr val="FFFFFF"/>
-                  </a:solidFill>
-                </a14:hiddenFill>
-              </a:ext>
-            </a:extLst>
-          </p:spPr>
-        </p:pic>
-        <p:pic>
-          <p:nvPicPr>
-            <p:cNvPr id="8" name="Picture 16">
-              <a:extLst>
-                <a:ext uri="{FF2B5EF4-FFF2-40B4-BE49-F238E27FC236}">
-                  <a16:creationId xmlns:a16="http://schemas.microsoft.com/office/drawing/2014/main" id="{20C60334-0D20-CE6E-629A-6AFEF1A9FEB1}"/>
-                </a:ext>
-              </a:extLst>
-            </p:cNvPr>
-            <p:cNvPicPr>
-              <a:picLocks noChangeAspect="1" noChangeArrowheads="1"/>
-            </p:cNvPicPr>
-            <p:nvPr/>
-          </p:nvPicPr>
-          <p:blipFill>
-            <a:blip r:embed="rId12">
-              <a:extLst>
-                <a:ext uri="{28A0092B-C50C-407E-A947-70E740481C1C}">
-                  <a14:useLocalDpi xmlns:a14="http://schemas.microsoft.com/office/drawing/2010/main" val="0"/>
-                </a:ext>
-              </a:extLst>
-            </a:blip>
-            <a:srcRect/>
-            <a:stretch>
-              <a:fillRect/>
-            </a:stretch>
-          </p:blipFill>
-          <p:spPr bwMode="auto">
-            <a:xfrm>
-              <a:off x="6505939" y="4853487"/>
-              <a:ext cx="959414" cy="640080"/>
-            </a:xfrm>
-            <a:prstGeom prst="rect">
-              <a:avLst/>
-            </a:prstGeom>
-            <a:noFill/>
-            <a:extLst>
-              <a:ext uri="{909E8E84-426E-40DD-AFC4-6F175D3DCCD1}">
-                <a14:hiddenFill xmlns:a14="http://schemas.microsoft.com/office/drawing/2010/main">
-                  <a:solidFill>
-                    <a:srgbClr val="FFFFFF"/>
-                  </a:solidFill>
-                </a14:hiddenFill>
-              </a:ext>
-            </a:extLst>
-          </p:spPr>
-        </p:pic>
-      </p:grpSp>
-      <p:sp>
-        <p:nvSpPr>
-          <p:cNvPr id="12" name="TextBox 11">
-            <a:extLst>
-              <a:ext uri="{FF2B5EF4-FFF2-40B4-BE49-F238E27FC236}">
-                <a16:creationId xmlns:a16="http://schemas.microsoft.com/office/drawing/2014/main" id="{F4B74C4A-6300-5EF6-6034-3D70BCF644F7}"/>
-              </a:ext>
-            </a:extLst>
-          </p:cNvPr>
-          <p:cNvSpPr txBox="1"/>
-          <p:nvPr/>
-        </p:nvSpPr>
-        <p:spPr>
-          <a:xfrm>
-            <a:off x="341771" y="1265469"/>
-            <a:ext cx="3852337" cy="369332"/>
-          </a:xfrm>
-          <a:prstGeom prst="rect">
-            <a:avLst/>
-          </a:prstGeom>
-          <a:noFill/>
-        </p:spPr>
-        <p:txBody>
-          <a:bodyPr wrap="none" rtlCol="0">
-            <a:spAutoFit/>
-          </a:bodyPr>
-          <a:lstStyle/>
-          <a:p>
-            <a:r>
-              <a:rPr lang="en-US" dirty="0"/>
-              <a:t>Plots are centered on </a:t>
-            </a:r>
-            <a:r>
-              <a:rPr lang="en-US" i="1" dirty="0"/>
-              <a:t>p </a:t>
-            </a:r>
-            <a:r>
-              <a:rPr lang="en-US" dirty="0"/>
-              <a:t>in “s-plane”.</a:t>
-            </a:r>
-          </a:p>
-        </p:txBody>
-      </p:sp>
-      <p:grpSp>
-        <p:nvGrpSpPr>
-          <p:cNvPr id="27" name="Group 26">
-            <a:extLst>
-              <a:ext uri="{FF2B5EF4-FFF2-40B4-BE49-F238E27FC236}">
-                <a16:creationId xmlns:a16="http://schemas.microsoft.com/office/drawing/2014/main" id="{B73DB52B-1954-A50D-DC34-11C4C1B08BE9}"/>
-              </a:ext>
-            </a:extLst>
-          </p:cNvPr>
-          <p:cNvGrpSpPr>
-            <a:grpSpLocks noChangeAspect="1"/>
-          </p:cNvGrpSpPr>
-          <p:nvPr/>
-        </p:nvGrpSpPr>
-        <p:grpSpPr>
-          <a:xfrm>
-            <a:off x="5806672" y="349475"/>
-            <a:ext cx="2934153" cy="718504"/>
-            <a:chOff x="2353379" y="1227030"/>
-            <a:chExt cx="3603179" cy="882336"/>
-          </a:xfrm>
-        </p:grpSpPr>
-        <mc:AlternateContent xmlns:mc="http://schemas.openxmlformats.org/markup-compatibility/2006" xmlns:a14="http://schemas.microsoft.com/office/drawing/2010/main">
-          <mc:Choice Requires="a14">
-            <p:sp>
-              <p:nvSpPr>
-                <p:cNvPr id="28" name="Rectangle 27">
-                  <a:extLst>
-                    <a:ext uri="{FF2B5EF4-FFF2-40B4-BE49-F238E27FC236}">
-                      <a16:creationId xmlns:a16="http://schemas.microsoft.com/office/drawing/2014/main" id="{711BF4D6-1AE2-511C-3FEC-404D11292612}"/>
-                    </a:ext>
-                  </a:extLst>
-                </p:cNvPr>
-                <p:cNvSpPr>
-                  <a:spLocks noChangeAspect="1"/>
-                </p:cNvSpPr>
-                <p:nvPr/>
-              </p:nvSpPr>
-              <p:spPr>
-                <a:xfrm>
-                  <a:off x="3666109" y="1474417"/>
-                  <a:ext cx="1095847" cy="634949"/>
-                </a:xfrm>
-                <a:prstGeom prst="rect">
-                  <a:avLst/>
-                </a:prstGeom>
-                <a:solidFill>
-                  <a:srgbClr val="FF0000"/>
-                </a:solidFill>
-                <a:ln>
-                  <a:noFill/>
-                </a:ln>
-              </p:spPr>
-              <p:style>
-                <a:lnRef idx="1">
-                  <a:schemeClr val="accent1"/>
-                </a:lnRef>
-                <a:fillRef idx="3">
-                  <a:schemeClr val="accent1"/>
-                </a:fillRef>
-                <a:effectRef idx="2">
-                  <a:schemeClr val="accent1"/>
-                </a:effectRef>
-                <a:fontRef idx="minor">
-                  <a:schemeClr val="lt1"/>
-                </a:fontRef>
-              </p:style>
-              <p:txBody>
-                <a:bodyPr rtlCol="0" anchor="ctr"/>
-                <a:lstStyle/>
-                <a:p>
-                  <a:pPr algn="ctr"/>
-                  <a14:m>
-                    <m:oMathPara xmlns:m="http://schemas.openxmlformats.org/officeDocument/2006/math">
-                      <m:oMathParaPr>
-                        <m:jc m:val="centerGroup"/>
-                      </m:oMathParaPr>
-                      <m:oMath xmlns:m="http://schemas.openxmlformats.org/officeDocument/2006/math">
-                        <m:r>
-                          <a:rPr lang="en-US" sz="2000" b="0" i="1" smtClean="0">
-                            <a:latin typeface="Cambria Math" panose="02040503050406030204" pitchFamily="18" charset="0"/>
-                          </a:rPr>
-                          <m:t>𝐺</m:t>
-                        </m:r>
-                        <m:d>
-                          <m:dPr>
-                            <m:ctrlPr>
-                              <a:rPr lang="en-US" sz="2000" i="1">
-                                <a:latin typeface="Cambria Math" panose="02040503050406030204" pitchFamily="18" charset="0"/>
-                              </a:rPr>
-                            </m:ctrlPr>
-                          </m:dPr>
-                          <m:e>
-                            <m:r>
-                              <a:rPr lang="en-US" sz="2000" i="1">
-                                <a:latin typeface="Cambria Math" panose="02040503050406030204" pitchFamily="18" charset="0"/>
-                              </a:rPr>
-                              <m:t>𝑠</m:t>
-                            </m:r>
-                          </m:e>
-                        </m:d>
-                      </m:oMath>
-                    </m:oMathPara>
-                  </a14:m>
-                  <a:endParaRPr lang="en-US" sz="2000" dirty="0"/>
-                </a:p>
-              </p:txBody>
-            </p:sp>
-          </mc:Choice>
-          <mc:Fallback xmlns="">
-            <p:sp>
-              <p:nvSpPr>
-                <p:cNvPr id="28" name="Rectangle 27">
-                  <a:extLst>
-                    <a:ext uri="{FF2B5EF4-FFF2-40B4-BE49-F238E27FC236}">
-                      <a16:creationId xmlns:a16="http://schemas.microsoft.com/office/drawing/2014/main" id="{711BF4D6-1AE2-511C-3FEC-404D11292612}"/>
-                    </a:ext>
-                  </a:extLst>
-                </p:cNvPr>
-                <p:cNvSpPr>
-                  <a:spLocks noRot="1" noChangeAspect="1" noMove="1" noResize="1" noEditPoints="1" noAdjustHandles="1" noChangeArrowheads="1" noChangeShapeType="1" noTextEdit="1"/>
-                </p:cNvSpPr>
-                <p:nvPr/>
-              </p:nvSpPr>
-              <p:spPr>
-                <a:xfrm>
-                  <a:off x="3666109" y="1474417"/>
-                  <a:ext cx="1095847" cy="634949"/>
-                </a:xfrm>
-                <a:prstGeom prst="rect">
-                  <a:avLst/>
-                </a:prstGeom>
-                <a:blipFill>
-                  <a:blip r:embed="rId13"/>
-                  <a:stretch>
-                    <a:fillRect/>
-                  </a:stretch>
-                </a:blipFill>
-                <a:ln>
-                  <a:noFill/>
-                </a:ln>
-              </p:spPr>
-              <p:txBody>
-                <a:bodyPr/>
-                <a:lstStyle/>
-                <a:p>
-                  <a:r>
-                    <a:rPr lang="en-US">
-                      <a:noFill/>
-                    </a:rPr>
-                    <a:t> </a:t>
-                  </a:r>
-                </a:p>
-              </p:txBody>
-            </p:sp>
-          </mc:Fallback>
-        </mc:AlternateContent>
-        <p:cxnSp>
-          <p:nvCxnSpPr>
-            <p:cNvPr id="29" name="Straight Arrow Connector 28">
-              <a:extLst>
-                <a:ext uri="{FF2B5EF4-FFF2-40B4-BE49-F238E27FC236}">
-                  <a16:creationId xmlns:a16="http://schemas.microsoft.com/office/drawing/2014/main" id="{7F6F81B6-520A-4E60-0415-2199E5828EBD}"/>
-                </a:ext>
-              </a:extLst>
-            </p:cNvPr>
-            <p:cNvCxnSpPr>
-              <a:cxnSpLocks/>
-              <a:endCxn id="28" idx="1"/>
-            </p:cNvCxnSpPr>
-            <p:nvPr/>
-          </p:nvCxnSpPr>
-          <p:spPr>
-            <a:xfrm>
-              <a:off x="3055250" y="1791893"/>
-              <a:ext cx="610859" cy="0"/>
-            </a:xfrm>
-            <a:prstGeom prst="straightConnector1">
-              <a:avLst/>
-            </a:prstGeom>
-            <a:ln>
-              <a:tailEnd type="triangle" w="lg" len="lg"/>
-            </a:ln>
-            <a:effectLst>
-              <a:outerShdw dist="20000" sx="1000" sy="1000" rotWithShape="0">
-                <a:srgbClr val="000000"/>
-              </a:outerShdw>
-            </a:effectLst>
-          </p:spPr>
-          <p:style>
-            <a:lnRef idx="2">
-              <a:schemeClr val="accent1"/>
-            </a:lnRef>
-            <a:fillRef idx="0">
-              <a:schemeClr val="accent1"/>
-            </a:fillRef>
-            <a:effectRef idx="1">
-              <a:schemeClr val="accent1"/>
-            </a:effectRef>
-            <a:fontRef idx="minor">
-              <a:schemeClr val="tx1"/>
-            </a:fontRef>
-          </p:style>
-        </p:cxnSp>
-        <mc:AlternateContent xmlns:mc="http://schemas.openxmlformats.org/markup-compatibility/2006" xmlns:a14="http://schemas.microsoft.com/office/drawing/2010/main">
-          <mc:Choice Requires="a14">
-            <p:sp>
-              <p:nvSpPr>
-                <p:cNvPr id="30" name="Rectangle 29">
-                  <a:extLst>
-                    <a:ext uri="{FF2B5EF4-FFF2-40B4-BE49-F238E27FC236}">
-                      <a16:creationId xmlns:a16="http://schemas.microsoft.com/office/drawing/2014/main" id="{73DB5AAB-6FC3-FD16-8847-3EE951325773}"/>
-                    </a:ext>
-                  </a:extLst>
-                </p:cNvPr>
-                <p:cNvSpPr/>
-                <p:nvPr/>
-              </p:nvSpPr>
-              <p:spPr>
-                <a:xfrm>
-                  <a:off x="2353379" y="1227066"/>
-                  <a:ext cx="716476" cy="566933"/>
-                </a:xfrm>
-                <a:prstGeom prst="rect">
-                  <a:avLst/>
-                </a:prstGeom>
-              </p:spPr>
-              <p:txBody>
-                <a:bodyPr wrap="square">
-                  <a:spAutoFit/>
-                </a:bodyPr>
-                <a:lstStyle/>
-                <a:p>
-                  <a:pPr/>
-                  <a14:m>
-                    <m:oMathPara xmlns:m="http://schemas.openxmlformats.org/officeDocument/2006/math">
-                      <m:oMathParaPr>
-                        <m:jc m:val="centerGroup"/>
-                      </m:oMathParaPr>
-                      <m:oMath xmlns:m="http://schemas.openxmlformats.org/officeDocument/2006/math">
-                        <m:r>
-                          <a:rPr lang="en-US" sz="2400" b="0" i="1" smtClean="0">
-                            <a:solidFill>
-                              <a:schemeClr val="tx1"/>
-                            </a:solidFill>
-                            <a:latin typeface="Cambria Math" panose="02040503050406030204" pitchFamily="18" charset="0"/>
-                          </a:rPr>
-                          <m:t>𝑈</m:t>
-                        </m:r>
-                        <m:r>
-                          <a:rPr lang="en-US" sz="2400" b="0" i="1" smtClean="0">
-                            <a:solidFill>
-                              <a:schemeClr val="tx1"/>
-                            </a:solidFill>
-                            <a:latin typeface="Cambria Math" panose="02040503050406030204" pitchFamily="18" charset="0"/>
-                          </a:rPr>
-                          <m:t>(</m:t>
-                        </m:r>
-                        <m:r>
-                          <a:rPr lang="en-US" sz="2400" b="0" i="1" smtClean="0">
-                            <a:solidFill>
-                              <a:schemeClr val="tx1"/>
-                            </a:solidFill>
-                            <a:latin typeface="Cambria Math" panose="02040503050406030204" pitchFamily="18" charset="0"/>
-                          </a:rPr>
-                          <m:t>𝑠</m:t>
-                        </m:r>
-                        <m:r>
-                          <a:rPr lang="en-US" sz="2400" b="0" i="1" smtClean="0">
-                            <a:solidFill>
-                              <a:schemeClr val="tx1"/>
-                            </a:solidFill>
-                            <a:latin typeface="Cambria Math" panose="02040503050406030204" pitchFamily="18" charset="0"/>
-                          </a:rPr>
-                          <m:t>)</m:t>
-                        </m:r>
-                      </m:oMath>
-                    </m:oMathPara>
-                  </a14:m>
-                  <a:endParaRPr lang="en-US" sz="2400" dirty="0">
-                    <a:solidFill>
-                      <a:schemeClr val="tx1"/>
-                    </a:solidFill>
-                  </a:endParaRPr>
-                </a:p>
-              </p:txBody>
-            </p:sp>
-          </mc:Choice>
-          <mc:Fallback xmlns="">
-            <p:sp>
-              <p:nvSpPr>
-                <p:cNvPr id="30" name="Rectangle 29">
-                  <a:extLst>
-                    <a:ext uri="{FF2B5EF4-FFF2-40B4-BE49-F238E27FC236}">
-                      <a16:creationId xmlns:a16="http://schemas.microsoft.com/office/drawing/2014/main" id="{73DB5AAB-6FC3-FD16-8847-3EE951325773}"/>
-                    </a:ext>
-                  </a:extLst>
-                </p:cNvPr>
-                <p:cNvSpPr>
-                  <a:spLocks noRot="1" noChangeAspect="1" noMove="1" noResize="1" noEditPoints="1" noAdjustHandles="1" noChangeArrowheads="1" noChangeShapeType="1" noTextEdit="1"/>
-                </p:cNvSpPr>
-                <p:nvPr/>
-              </p:nvSpPr>
-              <p:spPr>
-                <a:xfrm>
-                  <a:off x="2353379" y="1227066"/>
-                  <a:ext cx="716476" cy="566933"/>
-                </a:xfrm>
-                <a:prstGeom prst="rect">
-                  <a:avLst/>
-                </a:prstGeom>
-                <a:blipFill>
-                  <a:blip r:embed="rId14"/>
-                  <a:stretch>
-                    <a:fillRect l="-2128" r="-44681" b="-18919"/>
-                  </a:stretch>
-                </a:blipFill>
-              </p:spPr>
-              <p:txBody>
-                <a:bodyPr/>
-                <a:lstStyle/>
-                <a:p>
-                  <a:r>
-                    <a:rPr lang="en-US">
-                      <a:noFill/>
-                    </a:rPr>
-                    <a:t> </a:t>
-                  </a:r>
-                </a:p>
-              </p:txBody>
-            </p:sp>
-          </mc:Fallback>
-        </mc:AlternateContent>
-        <p:cxnSp>
-          <p:nvCxnSpPr>
-            <p:cNvPr id="31" name="Straight Arrow Connector 30">
-              <a:extLst>
-                <a:ext uri="{FF2B5EF4-FFF2-40B4-BE49-F238E27FC236}">
-                  <a16:creationId xmlns:a16="http://schemas.microsoft.com/office/drawing/2014/main" id="{A2B8C25C-C3C4-CE75-37B1-CF10A6B6221D}"/>
-                </a:ext>
-              </a:extLst>
-            </p:cNvPr>
-            <p:cNvCxnSpPr>
-              <a:cxnSpLocks/>
-              <a:stCxn id="28" idx="3"/>
-            </p:cNvCxnSpPr>
-            <p:nvPr/>
-          </p:nvCxnSpPr>
-          <p:spPr>
-            <a:xfrm>
-              <a:off x="4761956" y="1791893"/>
-              <a:ext cx="642953" cy="0"/>
-            </a:xfrm>
-            <a:prstGeom prst="straightConnector1">
-              <a:avLst/>
-            </a:prstGeom>
-            <a:ln>
-              <a:tailEnd type="triangle" w="lg" len="lg"/>
-            </a:ln>
-            <a:effectLst>
-              <a:outerShdw dist="20000" sx="1000" sy="1000" rotWithShape="0">
-                <a:srgbClr val="000000"/>
-              </a:outerShdw>
-            </a:effectLst>
-          </p:spPr>
-          <p:style>
-            <a:lnRef idx="2">
-              <a:schemeClr val="accent1"/>
-            </a:lnRef>
-            <a:fillRef idx="0">
-              <a:schemeClr val="accent1"/>
-            </a:fillRef>
-            <a:effectRef idx="1">
-              <a:schemeClr val="accent1"/>
-            </a:effectRef>
-            <a:fontRef idx="minor">
-              <a:schemeClr val="tx1"/>
-            </a:fontRef>
-          </p:style>
-        </p:cxnSp>
-        <mc:AlternateContent xmlns:mc="http://schemas.openxmlformats.org/markup-compatibility/2006" xmlns:a14="http://schemas.microsoft.com/office/drawing/2010/main">
-          <mc:Choice Requires="a14">
-            <p:sp>
-              <p:nvSpPr>
-                <p:cNvPr id="32" name="Rectangle 31">
-                  <a:extLst>
-                    <a:ext uri="{FF2B5EF4-FFF2-40B4-BE49-F238E27FC236}">
-                      <a16:creationId xmlns:a16="http://schemas.microsoft.com/office/drawing/2014/main" id="{71296AA0-57D6-9A49-3B5F-AD6137C5C9A1}"/>
-                    </a:ext>
-                  </a:extLst>
-                </p:cNvPr>
-                <p:cNvSpPr/>
-                <p:nvPr/>
-              </p:nvSpPr>
-              <p:spPr>
-                <a:xfrm>
-                  <a:off x="5240079" y="1227030"/>
-                  <a:ext cx="716479" cy="566933"/>
-                </a:xfrm>
-                <a:prstGeom prst="rect">
-                  <a:avLst/>
-                </a:prstGeom>
-              </p:spPr>
-              <p:txBody>
-                <a:bodyPr wrap="square">
-                  <a:spAutoFit/>
-                </a:bodyPr>
-                <a:lstStyle/>
-                <a:p>
-                  <a:pPr/>
-                  <a14:m>
-                    <m:oMathPara xmlns:m="http://schemas.openxmlformats.org/officeDocument/2006/math">
-                      <m:oMathParaPr>
-                        <m:jc m:val="centerGroup"/>
-                      </m:oMathParaPr>
-                      <m:oMath xmlns:m="http://schemas.openxmlformats.org/officeDocument/2006/math">
-                        <m:r>
-                          <a:rPr lang="en-US" sz="2400" b="0" i="1" smtClean="0">
-                            <a:solidFill>
-                              <a:schemeClr val="tx1"/>
-                            </a:solidFill>
-                            <a:latin typeface="Cambria Math" panose="02040503050406030204" pitchFamily="18" charset="0"/>
-                          </a:rPr>
-                          <m:t>𝑌</m:t>
-                        </m:r>
-                        <m:r>
-                          <a:rPr lang="en-US" sz="2400" b="0" i="1" smtClean="0">
-                            <a:solidFill>
-                              <a:schemeClr val="tx1"/>
-                            </a:solidFill>
-                            <a:latin typeface="Cambria Math" panose="02040503050406030204" pitchFamily="18" charset="0"/>
-                          </a:rPr>
-                          <m:t>(</m:t>
-                        </m:r>
-                        <m:r>
-                          <a:rPr lang="en-US" sz="2400" b="0" i="1" smtClean="0">
-                            <a:solidFill>
-                              <a:schemeClr val="tx1"/>
-                            </a:solidFill>
-                            <a:latin typeface="Cambria Math" panose="02040503050406030204" pitchFamily="18" charset="0"/>
-                          </a:rPr>
-                          <m:t>𝑠</m:t>
-                        </m:r>
-                        <m:r>
-                          <a:rPr lang="en-US" sz="2400" b="0" i="1" smtClean="0">
-                            <a:solidFill>
-                              <a:schemeClr val="tx1"/>
-                            </a:solidFill>
-                            <a:latin typeface="Cambria Math" panose="02040503050406030204" pitchFamily="18" charset="0"/>
-                          </a:rPr>
-                          <m:t>)</m:t>
-                        </m:r>
-                      </m:oMath>
-                    </m:oMathPara>
-                  </a14:m>
-                  <a:endParaRPr lang="en-US" sz="2400" dirty="0">
-                    <a:solidFill>
-                      <a:schemeClr val="tx1"/>
-                    </a:solidFill>
-                  </a:endParaRPr>
-                </a:p>
-              </p:txBody>
-            </p:sp>
-          </mc:Choice>
-          <mc:Fallback xmlns="">
-            <p:sp>
-              <p:nvSpPr>
-                <p:cNvPr id="32" name="Rectangle 31">
-                  <a:extLst>
-                    <a:ext uri="{FF2B5EF4-FFF2-40B4-BE49-F238E27FC236}">
-                      <a16:creationId xmlns:a16="http://schemas.microsoft.com/office/drawing/2014/main" id="{71296AA0-57D6-9A49-3B5F-AD6137C5C9A1}"/>
-                    </a:ext>
-                  </a:extLst>
-                </p:cNvPr>
-                <p:cNvSpPr>
-                  <a:spLocks noRot="1" noChangeAspect="1" noMove="1" noResize="1" noEditPoints="1" noAdjustHandles="1" noChangeArrowheads="1" noChangeShapeType="1" noTextEdit="1"/>
-                </p:cNvSpPr>
-                <p:nvPr/>
-              </p:nvSpPr>
-              <p:spPr>
-                <a:xfrm>
-                  <a:off x="5240079" y="1227030"/>
-                  <a:ext cx="716479" cy="566933"/>
-                </a:xfrm>
-                <a:prstGeom prst="rect">
-                  <a:avLst/>
-                </a:prstGeom>
-                <a:blipFill>
-                  <a:blip r:embed="rId15"/>
-                  <a:stretch>
-                    <a:fillRect l="-2128" r="-40426" b="-18919"/>
-                  </a:stretch>
-                </a:blipFill>
-              </p:spPr>
-              <p:txBody>
-                <a:bodyPr/>
-                <a:lstStyle/>
-                <a:p>
-                  <a:r>
-                    <a:rPr lang="en-US">
-                      <a:noFill/>
-                    </a:rPr>
-                    <a:t> </a:t>
-                  </a:r>
-                </a:p>
-              </p:txBody>
-            </p:sp>
-          </mc:Fallback>
-        </mc:AlternateContent>
-      </p:grpSp>
-      <p:sp>
-        <p:nvSpPr>
-          <p:cNvPr id="33" name="TextBox 32">
-            <a:extLst>
-              <a:ext uri="{FF2B5EF4-FFF2-40B4-BE49-F238E27FC236}">
-                <a16:creationId xmlns:a16="http://schemas.microsoft.com/office/drawing/2014/main" id="{9F8AA3A2-68E3-74C8-A5D1-15E790BF1DE9}"/>
-              </a:ext>
-            </a:extLst>
-          </p:cNvPr>
-          <p:cNvSpPr txBox="1"/>
-          <p:nvPr/>
-        </p:nvSpPr>
-        <p:spPr>
-          <a:xfrm>
-            <a:off x="2706924" y="2602914"/>
-            <a:ext cx="474810" cy="276999"/>
-          </a:xfrm>
-          <a:prstGeom prst="rect">
-            <a:avLst/>
-          </a:prstGeom>
-          <a:noFill/>
-        </p:spPr>
-        <p:txBody>
-          <a:bodyPr wrap="none" rtlCol="0">
-            <a:spAutoFit/>
-          </a:bodyPr>
-          <a:lstStyle/>
-          <a:p>
-            <a:r>
-              <a:rPr lang="en-US" sz="1200" dirty="0"/>
-              <a:t>time</a:t>
-            </a:r>
-          </a:p>
-        </p:txBody>
-      </p:sp>
-    </p:spTree>
-    <p:extLst>
-      <p:ext uri="{BB962C8B-B14F-4D97-AF65-F5344CB8AC3E}">
-        <p14:creationId xmlns:p14="http://schemas.microsoft.com/office/powerpoint/2010/main" val="200218549"/>
-      </p:ext>
-    </p:extLst>
-  </p:cSld>
-  <p:clrMapOvr>
-    <a:masterClrMapping/>
-  </p:clrMapOvr>
-</p:sld>
-</file>
-
-<file path=ppt/slides/slide26.xml><?xml version="1.0" encoding="utf-8"?>
-<p:sld xmlns:a="http://schemas.openxmlformats.org/drawingml/2006/main" xmlns:r="http://schemas.openxmlformats.org/officeDocument/2006/relationships" xmlns:p="http://schemas.openxmlformats.org/presentationml/2006/main">
-  <p:cSld>
-    <p:spTree>
-      <p:nvGrpSpPr>
-        <p:cNvPr id="1" name=""/>
-        <p:cNvGrpSpPr/>
-        <p:nvPr/>
-      </p:nvGrpSpPr>
-      <p:grpSpPr>
-        <a:xfrm>
-          <a:off x="0" y="0"/>
-          <a:ext cx="0" cy="0"/>
-          <a:chOff x="0" y="0"/>
-          <a:chExt cx="0" cy="0"/>
-        </a:xfrm>
-      </p:grpSpPr>
-      <p:sp>
-        <p:nvSpPr>
-          <p:cNvPr id="2" name="Title 1">
-            <a:extLst>
-              <a:ext uri="{FF2B5EF4-FFF2-40B4-BE49-F238E27FC236}">
-                <a16:creationId xmlns:a16="http://schemas.microsoft.com/office/drawing/2014/main" id="{D8A63189-6418-D897-49A6-C81FA90583E1}"/>
-              </a:ext>
-            </a:extLst>
-          </p:cNvPr>
-          <p:cNvSpPr>
-            <a:spLocks noGrp="1"/>
-          </p:cNvSpPr>
-          <p:nvPr>
-            <p:ph type="title"/>
-          </p:nvPr>
-        </p:nvSpPr>
-        <p:spPr/>
-        <p:txBody>
-          <a:bodyPr/>
-          <a:lstStyle/>
-          <a:p>
-            <a:r>
-              <a:rPr lang="en-US" dirty="0"/>
-              <a:t>Constructing a “low order” Reaction Network from a Transfer Function</a:t>
-            </a:r>
-          </a:p>
-        </p:txBody>
-      </p:sp>
-      <mc:AlternateContent xmlns:mc="http://schemas.openxmlformats.org/markup-compatibility/2006">
-        <mc:Choice xmlns:a14="http://schemas.microsoft.com/office/drawing/2010/main" Requires="a14">
-          <p:sp>
-            <p:nvSpPr>
-              <p:cNvPr id="4" name="Content Placeholder 3">
-                <a:extLst>
-                  <a:ext uri="{FF2B5EF4-FFF2-40B4-BE49-F238E27FC236}">
-                    <a16:creationId xmlns:a16="http://schemas.microsoft.com/office/drawing/2014/main" id="{211674AD-233E-06E3-60A0-6055E8948AA8}"/>
-                  </a:ext>
-                </a:extLst>
-              </p:cNvPr>
-              <p:cNvSpPr>
-                <a:spLocks noGrp="1"/>
-              </p:cNvSpPr>
-              <p:nvPr>
-                <p:ph idx="1"/>
-              </p:nvPr>
-            </p:nvSpPr>
-            <p:spPr>
-              <a:xfrm>
-                <a:off x="457200" y="1866121"/>
-                <a:ext cx="8229600" cy="4747403"/>
-              </a:xfrm>
-            </p:spPr>
-            <p:txBody>
-              <a:bodyPr/>
-              <a:lstStyle/>
-              <a:p>
-                <a:r>
-                  <a:rPr lang="en-US" sz="2400" dirty="0"/>
-                  <a:t>No zero. Single pole. </a:t>
-                </a:r>
-              </a:p>
-              <a:p>
-                <a:pPr marL="457200" lvl="1" indent="0">
-                  <a:buNone/>
-                </a:pPr>
-                <a14:m>
-                  <m:oMathPara xmlns:m="http://schemas.openxmlformats.org/officeDocument/2006/math">
-                    <m:oMathParaPr>
-                      <m:jc m:val="centerGroup"/>
-                    </m:oMathParaPr>
-                    <m:oMath xmlns:m="http://schemas.openxmlformats.org/officeDocument/2006/math">
-                      <m:sSub>
-                        <m:sSubPr>
-                          <m:ctrlPr>
-                            <a:rPr lang="en-US" sz="2000" b="0" i="1" smtClean="0">
-                              <a:latin typeface="Cambria Math" panose="02040503050406030204" pitchFamily="18" charset="0"/>
-                            </a:rPr>
-                          </m:ctrlPr>
-                        </m:sSubPr>
-                        <m:e>
-                          <m:r>
-                            <a:rPr lang="en-US" sz="2000" b="0" i="1" smtClean="0">
-                              <a:latin typeface="Cambria Math" panose="02040503050406030204" pitchFamily="18" charset="0"/>
-                            </a:rPr>
-                            <m:t>𝑆</m:t>
-                          </m:r>
-                        </m:e>
-                        <m:sub>
-                          <m:r>
-                            <m:rPr>
-                              <m:sty m:val="p"/>
-                            </m:rPr>
-                            <a:rPr lang="en-US" sz="2000" b="0" i="1" smtClean="0">
-                              <a:latin typeface="Cambria Math" panose="02040503050406030204" pitchFamily="18" charset="0"/>
-                            </a:rPr>
-                            <m:t>I</m:t>
-                          </m:r>
-                        </m:sub>
-                      </m:sSub>
-                      <m:r>
-                        <a:rPr lang="en-US" sz="2000" b="0" i="1" smtClean="0">
-                          <a:latin typeface="Cambria Math" panose="02040503050406030204" pitchFamily="18" charset="0"/>
-                        </a:rPr>
-                        <m:t>→</m:t>
-                      </m:r>
-                      <m:sSub>
-                        <m:sSubPr>
-                          <m:ctrlPr>
-                            <a:rPr lang="en-US" sz="2000" b="0" i="1" smtClean="0">
-                              <a:latin typeface="Cambria Math" panose="02040503050406030204" pitchFamily="18" charset="0"/>
-                            </a:rPr>
-                          </m:ctrlPr>
-                        </m:sSubPr>
-                        <m:e>
-                          <m:r>
-                            <a:rPr lang="en-US" sz="2000" b="0" i="1" smtClean="0">
-                              <a:latin typeface="Cambria Math" panose="02040503050406030204" pitchFamily="18" charset="0"/>
-                            </a:rPr>
-                            <m:t>𝑆</m:t>
-                          </m:r>
-                        </m:e>
-                        <m:sub>
-                          <m:r>
-                            <m:rPr>
-                              <m:sty m:val="p"/>
-                            </m:rPr>
-                            <a:rPr lang="en-US" sz="2000" b="0" i="1" smtClean="0">
-                              <a:latin typeface="Cambria Math" panose="02040503050406030204" pitchFamily="18" charset="0"/>
-                            </a:rPr>
-                            <m:t>O</m:t>
-                          </m:r>
-                        </m:sub>
-                      </m:sSub>
-                    </m:oMath>
-                  </m:oMathPara>
-                </a14:m>
-                <a:endParaRPr lang="en-US" sz="2000" b="0" i="1" dirty="0">
-                  <a:latin typeface="Cambria Math" panose="02040503050406030204" pitchFamily="18" charset="0"/>
-                </a:endParaRPr>
-              </a:p>
-              <a:p>
-                <a:pPr marL="457200" lvl="1" indent="0">
-                  <a:buNone/>
-                </a:pPr>
-                <a14:m>
-                  <m:oMathPara xmlns:m="http://schemas.openxmlformats.org/officeDocument/2006/math">
-                    <m:oMathParaPr>
-                      <m:jc m:val="centerGroup"/>
-                    </m:oMathParaPr>
-                    <m:oMath xmlns:m="http://schemas.openxmlformats.org/officeDocument/2006/math">
-                      <m:sSub>
-                        <m:sSubPr>
-                          <m:ctrlPr>
-                            <a:rPr lang="en-US" sz="2000" b="0" i="1" smtClean="0">
-                              <a:latin typeface="Cambria Math" panose="02040503050406030204" pitchFamily="18" charset="0"/>
-                            </a:rPr>
-                          </m:ctrlPr>
-                        </m:sSubPr>
-                        <m:e>
-                          <m:r>
-                            <a:rPr lang="en-US" sz="2000" b="0" i="1" smtClean="0">
-                              <a:latin typeface="Cambria Math" panose="02040503050406030204" pitchFamily="18" charset="0"/>
-                            </a:rPr>
-                            <m:t>𝑆</m:t>
-                          </m:r>
-                        </m:e>
-                        <m:sub>
-                          <m:r>
-                            <a:rPr lang="en-US" sz="2000" b="0" i="1" smtClean="0">
-                              <a:latin typeface="Cambria Math" panose="02040503050406030204" pitchFamily="18" charset="0"/>
-                            </a:rPr>
-                            <m:t>𝑂</m:t>
-                          </m:r>
-                        </m:sub>
-                      </m:sSub>
-                      <m:r>
-                        <a:rPr lang="en-US" sz="2000" i="1">
-                          <a:latin typeface="Cambria Math" panose="02040503050406030204" pitchFamily="18" charset="0"/>
-                        </a:rPr>
-                        <m:t>→∅</m:t>
-                      </m:r>
-                    </m:oMath>
-                  </m:oMathPara>
-                </a14:m>
-                <a:endParaRPr lang="en-US" sz="2000" dirty="0"/>
-              </a:p>
-              <a:p>
-                <a:r>
-                  <a:rPr lang="en-US" sz="2400" dirty="0"/>
-                  <a:t>No zero. Two poles.</a:t>
-                </a:r>
-              </a:p>
-              <a:p>
-                <a:pPr marL="457200" lvl="1" indent="0">
-                  <a:buNone/>
-                </a:pPr>
-                <a14:m>
-                  <m:oMathPara xmlns:m="http://schemas.openxmlformats.org/officeDocument/2006/math">
-                    <m:oMathParaPr>
-                      <m:jc m:val="centerGroup"/>
-                    </m:oMathParaPr>
-                    <m:oMath xmlns:m="http://schemas.openxmlformats.org/officeDocument/2006/math">
-                      <m:sSub>
-                        <m:sSubPr>
-                          <m:ctrlPr>
-                            <a:rPr lang="en-US" sz="2000" i="1">
-                              <a:latin typeface="Cambria Math" panose="02040503050406030204" pitchFamily="18" charset="0"/>
-                            </a:rPr>
-                          </m:ctrlPr>
-                        </m:sSubPr>
-                        <m:e>
-                          <m:r>
-                            <a:rPr lang="en-US" sz="2000" b="0" i="1" smtClean="0">
-                              <a:latin typeface="Cambria Math" panose="02040503050406030204" pitchFamily="18" charset="0"/>
-                            </a:rPr>
-                            <m:t> </m:t>
-                          </m:r>
-                          <m:r>
-                            <a:rPr lang="en-US" sz="2000" i="1">
-                              <a:latin typeface="Cambria Math" panose="02040503050406030204" pitchFamily="18" charset="0"/>
-                            </a:rPr>
-                            <m:t>𝑆</m:t>
-                          </m:r>
-                        </m:e>
-                        <m:sub>
-                          <m:r>
-                            <m:rPr>
-                              <m:sty m:val="p"/>
-                            </m:rPr>
-                            <a:rPr lang="en-US" sz="2000" i="1">
-                              <a:latin typeface="Cambria Math" panose="02040503050406030204" pitchFamily="18" charset="0"/>
-                            </a:rPr>
-                            <m:t>I</m:t>
-                          </m:r>
-                        </m:sub>
-                      </m:sSub>
-                      <m:r>
-                        <a:rPr lang="en-US" sz="2000" i="1">
-                          <a:latin typeface="Cambria Math" panose="02040503050406030204" pitchFamily="18" charset="0"/>
-                        </a:rPr>
-                        <m:t>→</m:t>
-                      </m:r>
-                      <m:sSub>
-                        <m:sSubPr>
-                          <m:ctrlPr>
-                            <a:rPr lang="en-US" sz="2000" i="1">
-                              <a:latin typeface="Cambria Math" panose="02040503050406030204" pitchFamily="18" charset="0"/>
-                            </a:rPr>
-                          </m:ctrlPr>
-                        </m:sSubPr>
-                        <m:e>
-                          <m:r>
-                            <a:rPr lang="en-US" sz="2000" i="1">
-                              <a:latin typeface="Cambria Math" panose="02040503050406030204" pitchFamily="18" charset="0"/>
-                            </a:rPr>
-                            <m:t>𝑆</m:t>
-                          </m:r>
-                        </m:e>
-                        <m:sub>
-                          <m:r>
-                            <a:rPr lang="en-US" sz="2000" b="0" i="1" smtClean="0">
-                              <a:latin typeface="Cambria Math" panose="02040503050406030204" pitchFamily="18" charset="0"/>
-                            </a:rPr>
-                            <m:t>1</m:t>
-                          </m:r>
-                        </m:sub>
-                      </m:sSub>
-                    </m:oMath>
-                  </m:oMathPara>
-                </a14:m>
-                <a:endParaRPr lang="en-US" sz="2000" i="1" dirty="0">
-                  <a:latin typeface="Cambria Math" panose="02040503050406030204" pitchFamily="18" charset="0"/>
-                </a:endParaRPr>
-              </a:p>
-              <a:p>
-                <a:pPr marL="457200" lvl="1" indent="0">
-                  <a:buNone/>
-                </a:pPr>
-                <a14:m>
-                  <m:oMathPara xmlns:m="http://schemas.openxmlformats.org/officeDocument/2006/math">
-                    <m:oMathParaPr>
-                      <m:jc m:val="centerGroup"/>
-                    </m:oMathParaPr>
-                    <m:oMath xmlns:m="http://schemas.openxmlformats.org/officeDocument/2006/math">
-                      <m:sSub>
-                        <m:sSubPr>
-                          <m:ctrlPr>
-                            <a:rPr lang="en-US" sz="2000" b="0" i="1" smtClean="0">
-                              <a:latin typeface="Cambria Math" panose="02040503050406030204" pitchFamily="18" charset="0"/>
-                            </a:rPr>
-                          </m:ctrlPr>
-                        </m:sSubPr>
-                        <m:e>
-                          <m:r>
-                            <a:rPr lang="en-US" sz="2000" b="0" i="1" smtClean="0">
-                              <a:latin typeface="Cambria Math" panose="02040503050406030204" pitchFamily="18" charset="0"/>
-                            </a:rPr>
-                            <m:t>𝑆</m:t>
-                          </m:r>
-                        </m:e>
-                        <m:sub>
-                          <m:r>
-                            <a:rPr lang="en-US" sz="2000" b="0" i="1" smtClean="0">
-                              <a:latin typeface="Cambria Math" panose="02040503050406030204" pitchFamily="18" charset="0"/>
-                            </a:rPr>
-                            <m:t>1</m:t>
-                          </m:r>
-                        </m:sub>
-                      </m:sSub>
-                      <m:r>
-                        <a:rPr lang="en-US" sz="2000" i="1" smtClean="0">
-                          <a:latin typeface="Cambria Math" panose="02040503050406030204" pitchFamily="18" charset="0"/>
-                        </a:rPr>
-                        <m:t>→</m:t>
-                      </m:r>
-                      <m:sSub>
-                        <m:sSubPr>
-                          <m:ctrlPr>
-                            <a:rPr lang="en-US" sz="2000" b="0" i="1" smtClean="0">
-                              <a:latin typeface="Cambria Math" panose="02040503050406030204" pitchFamily="18" charset="0"/>
-                            </a:rPr>
-                          </m:ctrlPr>
-                        </m:sSubPr>
-                        <m:e>
-                          <m:r>
-                            <a:rPr lang="en-US" sz="2000" b="0" i="1" smtClean="0">
-                              <a:latin typeface="Cambria Math" panose="02040503050406030204" pitchFamily="18" charset="0"/>
-                            </a:rPr>
-                            <m:t>𝑆</m:t>
-                          </m:r>
-                        </m:e>
-                        <m:sub>
-                          <m:r>
-                            <m:rPr>
-                              <m:sty m:val="p"/>
-                            </m:rPr>
-                            <a:rPr lang="en-US" sz="2000" b="0" i="1" smtClean="0">
-                              <a:latin typeface="Cambria Math" panose="02040503050406030204" pitchFamily="18" charset="0"/>
-                            </a:rPr>
-                            <m:t>O</m:t>
-                          </m:r>
-                        </m:sub>
-                      </m:sSub>
-                    </m:oMath>
-                  </m:oMathPara>
-                </a14:m>
-                <a:endParaRPr lang="en-US" sz="2000" b="0" i="1" dirty="0">
-                  <a:latin typeface="Cambria Math" panose="02040503050406030204" pitchFamily="18" charset="0"/>
-                </a:endParaRPr>
-              </a:p>
-              <a:p>
-                <a:pPr marL="457200" lvl="1" indent="0">
-                  <a:buNone/>
-                </a:pPr>
-                <a14:m>
-                  <m:oMathPara xmlns:m="http://schemas.openxmlformats.org/officeDocument/2006/math">
-                    <m:oMathParaPr>
-                      <m:jc m:val="centerGroup"/>
-                    </m:oMathParaPr>
-                    <m:oMath xmlns:m="http://schemas.openxmlformats.org/officeDocument/2006/math">
-                      <m:sSub>
-                        <m:sSubPr>
-                          <m:ctrlPr>
-                            <a:rPr lang="en-US" sz="2000" b="0" i="1" smtClean="0">
-                              <a:latin typeface="Cambria Math" panose="02040503050406030204" pitchFamily="18" charset="0"/>
-                            </a:rPr>
-                          </m:ctrlPr>
-                        </m:sSubPr>
-                        <m:e>
-                          <m:r>
-                            <a:rPr lang="en-US" sz="2000" b="0" i="1" smtClean="0">
-                              <a:latin typeface="Cambria Math" panose="02040503050406030204" pitchFamily="18" charset="0"/>
-                            </a:rPr>
-                            <m:t>𝑆</m:t>
-                          </m:r>
-                        </m:e>
-                        <m:sub>
-                          <m:r>
-                            <m:rPr>
-                              <m:sty m:val="p"/>
-                            </m:rPr>
-                            <a:rPr lang="en-US" sz="2000" b="0" i="1" smtClean="0">
-                              <a:latin typeface="Cambria Math" panose="02040503050406030204" pitchFamily="18" charset="0"/>
-                            </a:rPr>
-                            <m:t>O</m:t>
-                          </m:r>
-                        </m:sub>
-                      </m:sSub>
-                      <m:r>
-                        <a:rPr lang="en-US" sz="2000" i="1">
-                          <a:latin typeface="Cambria Math" panose="02040503050406030204" pitchFamily="18" charset="0"/>
-                        </a:rPr>
-                        <m:t>→</m:t>
-                      </m:r>
-                      <m:r>
-                        <a:rPr lang="en-US" sz="2000" b="0" i="1" smtClean="0">
-                          <a:latin typeface="Cambria Math" panose="02040503050406030204" pitchFamily="18" charset="0"/>
-                        </a:rPr>
-                        <m:t>∅</m:t>
-                      </m:r>
-                    </m:oMath>
-                  </m:oMathPara>
-                </a14:m>
-                <a:endParaRPr lang="en-US" sz="2000" dirty="0"/>
-              </a:p>
-              <a:p>
-                <a:r>
-                  <a:rPr lang="en-US" sz="2400" dirty="0"/>
-                  <a:t>One zero. Two poles. </a:t>
-                </a:r>
-              </a:p>
-              <a:p>
-                <a:pPr marL="457200" lvl="1" indent="0">
-                  <a:buNone/>
-                </a:pPr>
-                <a14:m>
-                  <m:oMathPara xmlns:m="http://schemas.openxmlformats.org/officeDocument/2006/math">
-                    <m:oMathParaPr>
-                      <m:jc m:val="centerGroup"/>
-                    </m:oMathParaPr>
-                    <m:oMath xmlns:m="http://schemas.openxmlformats.org/officeDocument/2006/math">
-                      <m:sSub>
-                        <m:sSubPr>
-                          <m:ctrlPr>
-                            <a:rPr lang="en-US" sz="2000" i="1">
-                              <a:latin typeface="Cambria Math" panose="02040503050406030204" pitchFamily="18" charset="0"/>
-                            </a:rPr>
-                          </m:ctrlPr>
-                        </m:sSubPr>
-                        <m:e>
-                          <m:r>
-                            <a:rPr lang="en-US" sz="2000" i="1">
-                              <a:latin typeface="Cambria Math" panose="02040503050406030204" pitchFamily="18" charset="0"/>
-                            </a:rPr>
-                            <m:t> </m:t>
-                          </m:r>
-                          <m:r>
-                            <a:rPr lang="en-US" sz="2000" i="1">
-                              <a:latin typeface="Cambria Math" panose="02040503050406030204" pitchFamily="18" charset="0"/>
-                            </a:rPr>
-                            <m:t>𝑆</m:t>
-                          </m:r>
-                        </m:e>
-                        <m:sub>
-                          <m:r>
-                            <m:rPr>
-                              <m:sty m:val="p"/>
-                            </m:rPr>
-                            <a:rPr lang="en-US" sz="2000" i="1">
-                              <a:latin typeface="Cambria Math" panose="02040503050406030204" pitchFamily="18" charset="0"/>
-                            </a:rPr>
-                            <m:t>I</m:t>
-                          </m:r>
-                        </m:sub>
-                      </m:sSub>
-                      <m:r>
-                        <a:rPr lang="en-US" sz="2000" i="1">
-                          <a:latin typeface="Cambria Math" panose="02040503050406030204" pitchFamily="18" charset="0"/>
-                        </a:rPr>
-                        <m:t>→</m:t>
-                      </m:r>
-                      <m:sSub>
-                        <m:sSubPr>
-                          <m:ctrlPr>
-                            <a:rPr lang="en-US" sz="2000" i="1">
-                              <a:latin typeface="Cambria Math" panose="02040503050406030204" pitchFamily="18" charset="0"/>
-                            </a:rPr>
-                          </m:ctrlPr>
-                        </m:sSubPr>
-                        <m:e>
-                          <m:r>
-                            <a:rPr lang="en-US" sz="2000" i="1">
-                              <a:latin typeface="Cambria Math" panose="02040503050406030204" pitchFamily="18" charset="0"/>
-                            </a:rPr>
-                            <m:t>𝑆</m:t>
-                          </m:r>
-                        </m:e>
-                        <m:sub>
-                          <m:r>
-                            <a:rPr lang="en-US" sz="2000" i="1">
-                              <a:latin typeface="Cambria Math" panose="02040503050406030204" pitchFamily="18" charset="0"/>
-                            </a:rPr>
-                            <m:t>1</m:t>
-                          </m:r>
-                        </m:sub>
-                      </m:sSub>
-                    </m:oMath>
-                  </m:oMathPara>
-                </a14:m>
-                <a:endParaRPr lang="en-US" sz="2000" i="1" dirty="0">
-                  <a:latin typeface="Cambria Math" panose="02040503050406030204" pitchFamily="18" charset="0"/>
-                </a:endParaRPr>
-              </a:p>
-              <a:p>
-                <a:pPr marL="457200" lvl="1" indent="0">
-                  <a:buNone/>
-                </a:pPr>
-                <a14:m>
-                  <m:oMathPara xmlns:m="http://schemas.openxmlformats.org/officeDocument/2006/math">
-                    <m:oMathParaPr>
-                      <m:jc m:val="centerGroup"/>
-                    </m:oMathParaPr>
-                    <m:oMath xmlns:m="http://schemas.openxmlformats.org/officeDocument/2006/math">
-                      <m:sSub>
-                        <m:sSubPr>
-                          <m:ctrlPr>
-                            <a:rPr lang="en-US" sz="2000" i="1">
-                              <a:latin typeface="Cambria Math" panose="02040503050406030204" pitchFamily="18" charset="0"/>
-                            </a:rPr>
-                          </m:ctrlPr>
-                        </m:sSubPr>
-                        <m:e>
-                          <m:r>
-                            <a:rPr lang="en-US" sz="2000" i="1">
-                              <a:latin typeface="Cambria Math" panose="02040503050406030204" pitchFamily="18" charset="0"/>
-                            </a:rPr>
-                            <m:t>𝑆</m:t>
-                          </m:r>
-                        </m:e>
-                        <m:sub>
-                          <m:r>
-                            <a:rPr lang="en-US" sz="2000" i="1">
-                              <a:latin typeface="Cambria Math" panose="02040503050406030204" pitchFamily="18" charset="0"/>
-                            </a:rPr>
-                            <m:t>1</m:t>
-                          </m:r>
-                        </m:sub>
-                      </m:sSub>
-                      <m:r>
-                        <a:rPr lang="en-US" sz="2000" i="1">
-                          <a:latin typeface="Cambria Math" panose="02040503050406030204" pitchFamily="18" charset="0"/>
-                        </a:rPr>
-                        <m:t>→</m:t>
-                      </m:r>
-                      <m:r>
-                        <a:rPr lang="en-US" sz="2000" i="1" smtClean="0">
-                          <a:latin typeface="Cambria Math" panose="02040503050406030204" pitchFamily="18" charset="0"/>
-                        </a:rPr>
-                        <m:t>∅</m:t>
-                      </m:r>
-                    </m:oMath>
-                  </m:oMathPara>
-                </a14:m>
-                <a:endParaRPr lang="en-US" sz="2000" i="1" dirty="0">
-                  <a:latin typeface="Cambria Math" panose="02040503050406030204" pitchFamily="18" charset="0"/>
-                </a:endParaRPr>
-              </a:p>
-              <a:p>
-                <a:pPr marL="457200" lvl="1" indent="0">
-                  <a:buNone/>
-                </a:pPr>
-                <a14:m>
-                  <m:oMathPara xmlns:m="http://schemas.openxmlformats.org/officeDocument/2006/math">
-                    <m:oMathParaPr>
-                      <m:jc m:val="centerGroup"/>
-                    </m:oMathParaPr>
-                    <m:oMath xmlns:m="http://schemas.openxmlformats.org/officeDocument/2006/math">
-                      <m:sSub>
-                        <m:sSubPr>
-                          <m:ctrlPr>
-                            <a:rPr lang="en-US" sz="2000" i="1">
-                              <a:latin typeface="Cambria Math" panose="02040503050406030204" pitchFamily="18" charset="0"/>
-                            </a:rPr>
-                          </m:ctrlPr>
-                        </m:sSubPr>
-                        <m:e>
-                          <m:r>
-                            <a:rPr lang="en-US" sz="2000" i="1">
-                              <a:latin typeface="Cambria Math" panose="02040503050406030204" pitchFamily="18" charset="0"/>
-                            </a:rPr>
-                            <m:t> </m:t>
-                          </m:r>
-                          <m:r>
-                            <a:rPr lang="en-US" sz="2000" i="1">
-                              <a:latin typeface="Cambria Math" panose="02040503050406030204" pitchFamily="18" charset="0"/>
-                            </a:rPr>
-                            <m:t>𝑆</m:t>
-                          </m:r>
-                        </m:e>
-                        <m:sub>
-                          <m:r>
-                            <m:rPr>
-                              <m:sty m:val="p"/>
-                            </m:rPr>
-                            <a:rPr lang="en-US" sz="2000" i="1">
-                              <a:latin typeface="Cambria Math" panose="02040503050406030204" pitchFamily="18" charset="0"/>
-                            </a:rPr>
-                            <m:t>I</m:t>
-                          </m:r>
-                        </m:sub>
-                      </m:sSub>
-                      <m:r>
-                        <a:rPr lang="en-US" sz="2000" i="1">
-                          <a:latin typeface="Cambria Math" panose="02040503050406030204" pitchFamily="18" charset="0"/>
-                        </a:rPr>
-                        <m:t>→</m:t>
-                      </m:r>
-                      <m:sSub>
-                        <m:sSubPr>
-                          <m:ctrlPr>
-                            <a:rPr lang="en-US" sz="2000" i="1">
-                              <a:latin typeface="Cambria Math" panose="02040503050406030204" pitchFamily="18" charset="0"/>
-                            </a:rPr>
-                          </m:ctrlPr>
-                        </m:sSubPr>
-                        <m:e>
-                          <m:r>
-                            <a:rPr lang="en-US" sz="2000" i="1">
-                              <a:latin typeface="Cambria Math" panose="02040503050406030204" pitchFamily="18" charset="0"/>
-                            </a:rPr>
-                            <m:t>𝑆</m:t>
-                          </m:r>
-                        </m:e>
-                        <m:sub>
-                          <m:r>
-                            <a:rPr lang="en-US" sz="2000" b="0" i="1" smtClean="0">
-                              <a:latin typeface="Cambria Math" panose="02040503050406030204" pitchFamily="18" charset="0"/>
-                            </a:rPr>
-                            <m:t>2</m:t>
-                          </m:r>
-                        </m:sub>
-                      </m:sSub>
-                    </m:oMath>
-                  </m:oMathPara>
-                </a14:m>
-                <a:endParaRPr lang="en-US" sz="2000" i="1" dirty="0">
-                  <a:latin typeface="Cambria Math" panose="02040503050406030204" pitchFamily="18" charset="0"/>
-                </a:endParaRPr>
-              </a:p>
-              <a:p>
-                <a:pPr marL="457200" lvl="1" indent="0">
-                  <a:buNone/>
-                </a:pPr>
-                <a14:m>
-                  <m:oMathPara xmlns:m="http://schemas.openxmlformats.org/officeDocument/2006/math">
-                    <m:oMathParaPr>
-                      <m:jc m:val="centerGroup"/>
-                    </m:oMathParaPr>
-                    <m:oMath xmlns:m="http://schemas.openxmlformats.org/officeDocument/2006/math">
-                      <m:sSub>
-                        <m:sSubPr>
-                          <m:ctrlPr>
-                            <a:rPr lang="en-US" sz="2000" i="1">
-                              <a:latin typeface="Cambria Math" panose="02040503050406030204" pitchFamily="18" charset="0"/>
-                            </a:rPr>
-                          </m:ctrlPr>
-                        </m:sSubPr>
-                        <m:e>
-                          <m:r>
-                            <a:rPr lang="en-US" sz="2000" i="1">
-                              <a:latin typeface="Cambria Math" panose="02040503050406030204" pitchFamily="18" charset="0"/>
-                            </a:rPr>
-                            <m:t>𝑆</m:t>
-                          </m:r>
-                        </m:e>
-                        <m:sub>
-                          <m:r>
-                            <a:rPr lang="en-US" sz="2000" b="0" i="1" smtClean="0">
-                              <a:latin typeface="Cambria Math" panose="02040503050406030204" pitchFamily="18" charset="0"/>
-                            </a:rPr>
-                            <m:t>2</m:t>
-                          </m:r>
-                        </m:sub>
-                      </m:sSub>
-                      <m:r>
-                        <a:rPr lang="en-US" sz="2000" i="1">
-                          <a:latin typeface="Cambria Math" panose="02040503050406030204" pitchFamily="18" charset="0"/>
-                        </a:rPr>
-                        <m:t>→</m:t>
-                      </m:r>
-                      <m:r>
-                        <a:rPr lang="en-US" sz="2000" b="0" i="1" smtClean="0">
-                          <a:latin typeface="Cambria Math" panose="02040503050406030204" pitchFamily="18" charset="0"/>
-                        </a:rPr>
-                        <m:t>∅</m:t>
-                      </m:r>
-                    </m:oMath>
-                  </m:oMathPara>
-                </a14:m>
-                <a:endParaRPr lang="en-US" sz="2000" i="1" dirty="0">
-                  <a:latin typeface="Cambria Math" panose="02040503050406030204" pitchFamily="18" charset="0"/>
-                </a:endParaRPr>
-              </a:p>
-              <a:p>
-                <a:pPr marL="457200" lvl="1" indent="0">
-                  <a:buNone/>
-                </a:pPr>
-                <a14:m>
-                  <m:oMathPara xmlns:m="http://schemas.openxmlformats.org/officeDocument/2006/math">
-                    <m:oMathParaPr>
-                      <m:jc m:val="centerGroup"/>
-                    </m:oMathParaPr>
-                    <m:oMath xmlns:m="http://schemas.openxmlformats.org/officeDocument/2006/math">
-                      <m:sSub>
-                        <m:sSubPr>
-                          <m:ctrlPr>
-                            <a:rPr lang="en-US" sz="2000" i="1" smtClean="0">
-                              <a:latin typeface="Cambria Math" panose="02040503050406030204" pitchFamily="18" charset="0"/>
-                            </a:rPr>
-                          </m:ctrlPr>
-                        </m:sSubPr>
-                        <m:e>
-                          <m:r>
-                            <a:rPr lang="en-US" sz="2000" i="1">
-                              <a:latin typeface="Cambria Math" panose="02040503050406030204" pitchFamily="18" charset="0"/>
-                            </a:rPr>
-                            <m:t>𝑆</m:t>
-                          </m:r>
-                        </m:e>
-                        <m:sub>
-                          <m:r>
-                            <m:rPr>
-                              <m:sty m:val="p"/>
-                            </m:rPr>
-                            <a:rPr lang="en-US" sz="2000" i="1">
-                              <a:latin typeface="Cambria Math" panose="02040503050406030204" pitchFamily="18" charset="0"/>
-                            </a:rPr>
-                            <m:t>O</m:t>
-                          </m:r>
-                        </m:sub>
-                      </m:sSub>
-                      <m:r>
-                        <a:rPr lang="en-US" sz="2000" b="0" i="1" smtClean="0">
-                          <a:latin typeface="Cambria Math" panose="02040503050406030204" pitchFamily="18" charset="0"/>
-                        </a:rPr>
-                        <m:t>≔</m:t>
-                      </m:r>
-                      <m:sSub>
-                        <m:sSubPr>
-                          <m:ctrlPr>
-                            <a:rPr lang="en-US" sz="2000" b="0" i="1" smtClean="0">
-                              <a:latin typeface="Cambria Math" panose="02040503050406030204" pitchFamily="18" charset="0"/>
-                            </a:rPr>
-                          </m:ctrlPr>
-                        </m:sSubPr>
-                        <m:e>
-                          <m:r>
-                            <a:rPr lang="en-US" sz="2000" b="0" i="1" smtClean="0">
-                              <a:latin typeface="Cambria Math" panose="02040503050406030204" pitchFamily="18" charset="0"/>
-                            </a:rPr>
-                            <m:t>𝑆</m:t>
-                          </m:r>
-                        </m:e>
-                        <m:sub>
-                          <m:r>
-                            <a:rPr lang="en-US" sz="2000" b="0" i="1" smtClean="0">
-                              <a:latin typeface="Cambria Math" panose="02040503050406030204" pitchFamily="18" charset="0"/>
-                            </a:rPr>
-                            <m:t>1</m:t>
-                          </m:r>
-                        </m:sub>
-                      </m:sSub>
-                      <m:r>
-                        <a:rPr lang="en-US" sz="2000" b="0" i="1" smtClean="0">
-                          <a:latin typeface="Cambria Math" panose="02040503050406030204" pitchFamily="18" charset="0"/>
-                        </a:rPr>
-                        <m:t>+</m:t>
-                      </m:r>
-                      <m:sSub>
-                        <m:sSubPr>
-                          <m:ctrlPr>
-                            <a:rPr lang="en-US" sz="2000" b="0" i="1" smtClean="0">
-                              <a:latin typeface="Cambria Math" panose="02040503050406030204" pitchFamily="18" charset="0"/>
-                            </a:rPr>
-                          </m:ctrlPr>
-                        </m:sSubPr>
-                        <m:e>
-                          <m:r>
-                            <a:rPr lang="en-US" sz="2000" b="0" i="1" smtClean="0">
-                              <a:latin typeface="Cambria Math" panose="02040503050406030204" pitchFamily="18" charset="0"/>
-                            </a:rPr>
-                            <m:t>𝑆</m:t>
-                          </m:r>
-                        </m:e>
-                        <m:sub>
-                          <m:r>
-                            <a:rPr lang="en-US" sz="2000" b="0" i="1" smtClean="0">
-                              <a:latin typeface="Cambria Math" panose="02040503050406030204" pitchFamily="18" charset="0"/>
-                            </a:rPr>
-                            <m:t>2</m:t>
-                          </m:r>
-                        </m:sub>
-                      </m:sSub>
-                    </m:oMath>
-                  </m:oMathPara>
-                </a14:m>
-                <a:endParaRPr lang="en-US" sz="2000" dirty="0"/>
-              </a:p>
-              <a:p>
-                <a:pPr marL="457200" lvl="1" indent="0">
-                  <a:buNone/>
-                </a:pPr>
-                <a:endParaRPr lang="en-US" sz="2000" dirty="0"/>
-              </a:p>
-              <a:p>
-                <a:pPr marL="0" indent="0">
-                  <a:buNone/>
-                </a:pPr>
-                <a:endParaRPr lang="en-US" sz="2400" dirty="0"/>
-              </a:p>
-              <a:p>
-                <a:pPr marL="0" indent="0">
-                  <a:buNone/>
-                </a:pPr>
-                <a:endParaRPr lang="en-US" sz="2400" dirty="0"/>
-              </a:p>
-            </p:txBody>
-          </p:sp>
-        </mc:Choice>
-        <mc:Fallback>
-          <p:sp>
-            <p:nvSpPr>
-              <p:cNvPr id="4" name="Content Placeholder 3">
-                <a:extLst>
-                  <a:ext uri="{FF2B5EF4-FFF2-40B4-BE49-F238E27FC236}">
-                    <a16:creationId xmlns:a16="http://schemas.microsoft.com/office/drawing/2014/main" id="{211674AD-233E-06E3-60A0-6055E8948AA8}"/>
-                  </a:ext>
-                </a:extLst>
-              </p:cNvPr>
-              <p:cNvSpPr>
-                <a:spLocks noGrp="1" noRot="1" noChangeAspect="1" noMove="1" noResize="1" noEditPoints="1" noAdjustHandles="1" noChangeArrowheads="1" noChangeShapeType="1" noTextEdit="1"/>
-              </p:cNvSpPr>
-              <p:nvPr>
-                <p:ph idx="1"/>
-              </p:nvPr>
-            </p:nvSpPr>
-            <p:spPr>
-              <a:xfrm>
-                <a:off x="457200" y="1866121"/>
-                <a:ext cx="8229600" cy="4747403"/>
-              </a:xfrm>
-              <a:blipFill>
-                <a:blip r:embed="rId2"/>
-                <a:stretch>
-                  <a:fillRect l="-1080" t="-800"/>
-                </a:stretch>
-              </a:blipFill>
-            </p:spPr>
-            <p:txBody>
-              <a:bodyPr/>
-              <a:lstStyle/>
-              <a:p>
-                <a:r>
-                  <a:rPr lang="en-US">
-                    <a:noFill/>
-                  </a:rPr>
-                  <a:t> </a:t>
-                </a:r>
-              </a:p>
-            </p:txBody>
-          </p:sp>
-        </mc:Fallback>
-      </mc:AlternateContent>
-      <p:sp>
-        <p:nvSpPr>
-          <p:cNvPr id="3" name="Slide Number Placeholder 2">
-            <a:extLst>
-              <a:ext uri="{FF2B5EF4-FFF2-40B4-BE49-F238E27FC236}">
-                <a16:creationId xmlns:a16="http://schemas.microsoft.com/office/drawing/2014/main" id="{2876C89A-4835-6F98-46A0-3228AE7460F2}"/>
-              </a:ext>
-            </a:extLst>
-          </p:cNvPr>
-          <p:cNvSpPr>
-            <a:spLocks noGrp="1"/>
-          </p:cNvSpPr>
-          <p:nvPr>
-            <p:ph type="sldNum" sz="quarter" idx="11"/>
-          </p:nvPr>
-        </p:nvSpPr>
-        <p:spPr/>
-        <p:txBody>
-          <a:bodyPr/>
-          <a:lstStyle/>
-          <a:p>
-            <a:pPr>
-              <a:defRPr/>
-            </a:pPr>
-            <a:fld id="{2E4304A7-0FB2-4094-BC1E-DB17183AD0C1}" type="slidenum">
-              <a:rPr lang="en-US" altLang="x-none" smtClean="0"/>
-              <a:pPr>
-                <a:defRPr/>
-              </a:pPr>
-              <a:t>26</a:t>
-            </a:fld>
-            <a:endParaRPr lang="en-US" altLang="x-none"/>
-          </a:p>
-        </p:txBody>
-      </p:sp>
-    </p:spTree>
-    <p:extLst>
-      <p:ext uri="{BB962C8B-B14F-4D97-AF65-F5344CB8AC3E}">
-        <p14:creationId xmlns:p14="http://schemas.microsoft.com/office/powerpoint/2010/main" val="2688259913"/>
       </p:ext>
     </p:extLst>
   </p:cSld>
@@ -28535,13 +23283,6 @@
             <a:pPr lvl="1"/>
             <a:r>
               <a:rPr lang="en-US" sz="2000" dirty="0"/>
-              <a:t>Setting times</a:t>
-            </a:r>
-          </a:p>
-          <a:p>
-            <a:pPr lvl="1"/>
-            <a:r>
-              <a:rPr lang="en-US" sz="2000" dirty="0"/>
               <a:t>DC</a:t>
             </a:r>
             <a:r>
@@ -28567,6 +23308,13 @@
             <a:r>
               <a:rPr lang="en-US" sz="2000" dirty="0"/>
               <a:t>)</a:t>
+            </a:r>
+          </a:p>
+          <a:p>
+            <a:pPr lvl="1"/>
+            <a:r>
+              <a:rPr lang="en-US" sz="2000" dirty="0"/>
+              <a:t>Setting times</a:t>
             </a:r>
           </a:p>
           <a:p>
@@ -29469,6 +24217,7 @@
                     </m:r>
                   </m:oMath>
                 </a14:m>
+                <a:endParaRPr lang="en-US" sz="2400" b="1" dirty="0"/>
               </a:p>
               <a:p>
                 <a:r>
@@ -29519,13 +24268,7 @@
                       <a:rPr lang="en-US" sz="2400" b="0" i="1" dirty="0" smtClean="0">
                         <a:latin typeface="Cambria Math" panose="02040503050406030204" pitchFamily="18" charset="0"/>
                       </a:rPr>
-                      <m:t>𝑝</m:t>
-                    </m:r>
-                    <m:r>
-                      <a:rPr lang="en-US" sz="2400" b="0" i="1" dirty="0" smtClean="0">
-                        <a:latin typeface="Cambria Math" panose="02040503050406030204" pitchFamily="18" charset="0"/>
-                      </a:rPr>
-                      <m:t>𝑦</m:t>
+                      <m:t>𝑝𝑦</m:t>
                     </m:r>
                     <m:d>
                       <m:dPr>
@@ -29999,7 +24742,7 @@
                     <m:d>
                       <m:dPr>
                         <m:ctrlPr>
-                          <a:rPr lang="en-US" sz="2400" b="0" i="0" smtClean="0">
+                          <a:rPr lang="en-US" sz="2400" b="0" i="1" smtClean="0">
                             <a:latin typeface="Cambria Math" panose="02040503050406030204" pitchFamily="18" charset="0"/>
                           </a:rPr>
                         </m:ctrlPr>
@@ -30019,50 +24762,50 @@
                       </a:rPr>
                       <m:t>+</m:t>
                     </m:r>
-                    <m:sSub>
-                      <m:sSubPr>
+                    <m:f>
+                      <m:fPr>
                         <m:ctrlPr>
-                          <a:rPr lang="en-US" sz="2400" b="0" i="1" smtClean="0">
+                          <a:rPr lang="en-US" sz="2400" i="1">
                             <a:latin typeface="Cambria Math" panose="02040503050406030204" pitchFamily="18" charset="0"/>
                           </a:rPr>
                         </m:ctrlPr>
-                      </m:sSubPr>
-                      <m:e>
+                      </m:fPr>
+                      <m:num>
+                        <m:sSub>
+                          <m:sSubPr>
+                            <m:ctrlPr>
+                              <a:rPr lang="en-US" sz="2400" i="1">
+                                <a:latin typeface="Cambria Math" panose="02040503050406030204" pitchFamily="18" charset="0"/>
+                              </a:rPr>
+                            </m:ctrlPr>
+                          </m:sSubPr>
+                          <m:e>
+                            <m:r>
+                              <a:rPr lang="en-US" sz="2400" i="1">
+                                <a:latin typeface="Cambria Math" panose="02040503050406030204" pitchFamily="18" charset="0"/>
+                              </a:rPr>
+                              <m:t>𝑢</m:t>
+                            </m:r>
+                          </m:e>
+                          <m:sub>
+                            <m:r>
+                              <a:rPr lang="en-US" sz="2400" i="1">
+                                <a:latin typeface="Cambria Math" panose="02040503050406030204" pitchFamily="18" charset="0"/>
+                              </a:rPr>
+                              <m:t>0</m:t>
+                            </m:r>
+                          </m:sub>
+                        </m:sSub>
+                      </m:num>
+                      <m:den>
                         <m:r>
-                          <a:rPr lang="en-US" sz="2400" b="0" i="1" smtClean="0">
-                            <a:latin typeface="Cambria Math" panose="02040503050406030204" pitchFamily="18" charset="0"/>
-                          </a:rPr>
-                          <m:t>𝑢</m:t>
+                          <a:rPr lang="en-US" sz="2400" i="1">
+                            <a:latin typeface="Cambria Math" panose="02040503050406030204" pitchFamily="18" charset="0"/>
+                          </a:rPr>
+                          <m:t>𝑝</m:t>
                         </m:r>
-                      </m:e>
-                      <m:sub>
-                        <m:r>
-                          <a:rPr lang="en-US" sz="2400" b="0" i="1" smtClean="0">
-                            <a:latin typeface="Cambria Math" panose="02040503050406030204" pitchFamily="18" charset="0"/>
-                          </a:rPr>
-                          <m:t>0</m:t>
-                        </m:r>
-                      </m:sub>
-                    </m:sSub>
-                    <m:r>
-                      <m:rPr>
-                        <m:lit/>
-                      </m:rPr>
-                      <a:rPr lang="en-US" sz="2400" b="0" i="0" smtClean="0">
-                        <a:latin typeface="Cambria Math" panose="02040503050406030204" pitchFamily="18" charset="0"/>
-                      </a:rPr>
-                      <m:t>/</m:t>
-                    </m:r>
-                    <m:r>
-                      <m:rPr>
-                        <m:lit/>
-                        <m:sty m:val="p"/>
-                      </m:rPr>
-                      <a:rPr lang="en-US" sz="2400" b="0" i="1" smtClean="0">
-                        <a:latin typeface="Cambria Math" panose="02040503050406030204" pitchFamily="18" charset="0"/>
-                      </a:rPr>
-                      <m:t>α</m:t>
-                    </m:r>
+                      </m:den>
+                    </m:f>
                     <m:r>
                       <m:rPr>
                         <m:lit/>
@@ -30070,7 +24813,7 @@
                       <a:rPr lang="en-US" sz="2400" b="0" i="1" smtClean="0">
                         <a:latin typeface="Cambria Math" panose="02040503050406030204" pitchFamily="18" charset="0"/>
                       </a:rPr>
-                      <m:t> (</m:t>
+                      <m:t>(</m:t>
                     </m:r>
                     <m:sSup>
                       <m:sSupPr>
@@ -30174,50 +24917,60 @@
                       <m:t>=</m:t>
                     </m:r>
                     <m:r>
-                      <a:rPr lang="en-US" sz="2000" b="0" i="1" smtClean="0">
+                      <a:rPr lang="en-US" sz="2000" i="1">
                         <a:latin typeface="Cambria Math" panose="02040503050406030204" pitchFamily="18" charset="0"/>
                       </a:rPr>
                       <m:t>−</m:t>
                     </m:r>
-                    <m:sSub>
-                      <m:sSubPr>
+                    <m:f>
+                      <m:fPr>
                         <m:ctrlPr>
-                          <a:rPr lang="en-US" sz="2000" i="1">
+                          <a:rPr lang="en-US" sz="2000" i="1" smtClean="0">
                             <a:latin typeface="Cambria Math" panose="02040503050406030204" pitchFamily="18" charset="0"/>
                           </a:rPr>
                         </m:ctrlPr>
-                      </m:sSubPr>
-                      <m:e>
+                      </m:fPr>
+                      <m:num>
+                        <m:sSub>
+                          <m:sSubPr>
+                            <m:ctrlPr>
+                              <a:rPr lang="en-US" sz="2000" i="1">
+                                <a:latin typeface="Cambria Math" panose="02040503050406030204" pitchFamily="18" charset="0"/>
+                              </a:rPr>
+                            </m:ctrlPr>
+                          </m:sSubPr>
+                          <m:e>
+                            <m:r>
+                              <a:rPr lang="en-US" sz="2000" i="1">
+                                <a:latin typeface="Cambria Math" panose="02040503050406030204" pitchFamily="18" charset="0"/>
+                              </a:rPr>
+                              <m:t>𝑢</m:t>
+                            </m:r>
+                          </m:e>
+                          <m:sub>
+                            <m:r>
+                              <a:rPr lang="en-US" sz="2000" i="1">
+                                <a:latin typeface="Cambria Math" panose="02040503050406030204" pitchFamily="18" charset="0"/>
+                              </a:rPr>
+                              <m:t>0</m:t>
+                            </m:r>
+                          </m:sub>
+                        </m:sSub>
+                      </m:num>
+                      <m:den>
                         <m:r>
                           <a:rPr lang="en-US" sz="2000" i="1">
                             <a:latin typeface="Cambria Math" panose="02040503050406030204" pitchFamily="18" charset="0"/>
                           </a:rPr>
-                          <m:t>𝑢</m:t>
+                          <m:t>𝑝</m:t>
                         </m:r>
-                      </m:e>
-                      <m:sub>
-                        <m:r>
-                          <a:rPr lang="en-US" sz="2000" i="1">
-                            <a:latin typeface="Cambria Math" panose="02040503050406030204" pitchFamily="18" charset="0"/>
-                          </a:rPr>
-                          <m:t>0</m:t>
-                        </m:r>
-                      </m:sub>
-                    </m:sSub>
+                      </m:den>
+                    </m:f>
                     <m:r>
-                      <m:rPr>
-                        <m:lit/>
-                      </m:rPr>
-                      <a:rPr lang="en-US" sz="2000">
+                      <a:rPr lang="en-US" sz="2000" b="0" i="1" smtClean="0">
                         <a:latin typeface="Cambria Math" panose="02040503050406030204" pitchFamily="18" charset="0"/>
                       </a:rPr>
-                      <m:t>/</m:t>
-                    </m:r>
-                    <m:r>
-                      <a:rPr lang="en-US" sz="2000" i="1">
-                        <a:latin typeface="Cambria Math" panose="02040503050406030204" pitchFamily="18" charset="0"/>
-                      </a:rPr>
-                      <m:t>𝑝</m:t>
+                      <m:t> </m:t>
                     </m:r>
                   </m:oMath>
                 </a14:m>
@@ -30228,7 +24981,7 @@
                 <a:endParaRPr lang="en-US" sz="2000" dirty="0"/>
               </a:p>
               <a:p>
-                <a14:m/>
+                <a:endParaRPr lang="en-US" sz="2000" dirty="0"/>
               </a:p>
               <a:p>
                 <a:pPr marL="0" indent="0">
@@ -30264,7 +25017,7 @@
               <a:blipFill>
                 <a:blip r:embed="rId2"/>
                 <a:stretch>
-                  <a:fillRect l="-1115" t="-1235" b="-8025"/>
+                  <a:fillRect l="-1115"/>
                 </a:stretch>
               </a:blipFill>
             </p:spPr>
@@ -30348,8 +25101,8 @@
           </a:prstGeom>
         </p:spPr>
       </p:pic>
-      <mc:AlternateContent xmlns:mc="http://schemas.openxmlformats.org/markup-compatibility/2006">
-        <mc:Choice xmlns:a14="http://schemas.microsoft.com/office/drawing/2010/main" Requires="a14">
+      <mc:AlternateContent xmlns:mc="http://schemas.openxmlformats.org/markup-compatibility/2006" xmlns:a14="http://schemas.microsoft.com/office/drawing/2010/main">
+        <mc:Choice Requires="a14">
           <p:sp>
             <p:nvSpPr>
               <p:cNvPr id="16" name="TextBox 15">
@@ -30378,6 +25131,7 @@
               </a:bodyPr>
               <a:lstStyle/>
               <a:p>
+                <a:pPr/>
                 <a14:m>
                   <m:oMathPara xmlns:m="http://schemas.openxmlformats.org/officeDocument/2006/math">
                     <m:oMathParaPr>
@@ -30399,11 +25153,12 @@
                     </m:oMath>
                   </m:oMathPara>
                 </a14:m>
+                <a:endParaRPr/>
               </a:p>
             </p:txBody>
           </p:sp>
         </mc:Choice>
-        <mc:Fallback>
+        <mc:Fallback xmlns="">
           <p:sp>
             <p:nvSpPr>
               <p:cNvPr id="16" name="TextBox 15">
@@ -31110,194 +25865,200 @@
                   <a:buNone/>
                 </a:pPr>
                 <a14:m>
-                  <m:oMath xmlns:m="http://schemas.openxmlformats.org/officeDocument/2006/math">
-                    <m:r>
-                      <a:rPr lang="en-US" sz="2400" i="1">
-                        <a:latin typeface="Cambria Math" panose="02040503050406030204" pitchFamily="18" charset="0"/>
-                      </a:rPr>
-                      <m:t>𝑦</m:t>
-                    </m:r>
-                    <m:d>
-                      <m:dPr>
-                        <m:ctrlPr>
-                          <a:rPr lang="en-US" sz="2400" i="1">
-                            <a:latin typeface="Cambria Math" panose="02040503050406030204" pitchFamily="18" charset="0"/>
-                          </a:rPr>
-                        </m:ctrlPr>
-                      </m:dPr>
-                      <m:e>
-                        <m:r>
-                          <a:rPr lang="en-US" sz="2400" i="1">
-                            <a:latin typeface="Cambria Math" panose="02040503050406030204" pitchFamily="18" charset="0"/>
-                          </a:rPr>
-                          <m:t>𝑡</m:t>
-                        </m:r>
-                      </m:e>
-                    </m:d>
-                    <m:r>
-                      <a:rPr lang="en-US" sz="2400" i="1">
-                        <a:latin typeface="Cambria Math" panose="02040503050406030204" pitchFamily="18" charset="0"/>
-                      </a:rPr>
-                      <m:t>=</m:t>
-                    </m:r>
-                    <m:sSup>
-                      <m:sSupPr>
-                        <m:ctrlPr>
-                          <a:rPr lang="en-US" sz="2400" i="1">
-                            <a:latin typeface="Cambria Math" panose="02040503050406030204" pitchFamily="18" charset="0"/>
-                          </a:rPr>
-                        </m:ctrlPr>
-                      </m:sSupPr>
-                      <m:e>
-                        <m:r>
-                          <a:rPr lang="en-US" sz="2400" i="1">
-                            <a:latin typeface="Cambria Math" panose="02040503050406030204" pitchFamily="18" charset="0"/>
-                          </a:rPr>
-                          <m:t>𝑒</m:t>
-                        </m:r>
-                      </m:e>
-                      <m:sup>
-                        <m:r>
-                          <a:rPr lang="en-US" sz="2400" b="0" i="1" smtClean="0">
-                            <a:latin typeface="Cambria Math" panose="02040503050406030204" pitchFamily="18" charset="0"/>
-                          </a:rPr>
-                          <m:t>𝑝</m:t>
-                        </m:r>
-                        <m:r>
-                          <m:rPr>
-                            <m:sty m:val="p"/>
-                          </m:rPr>
-                          <a:rPr lang="en-US" sz="2400" i="1">
-                            <a:latin typeface="Cambria Math" panose="02040503050406030204" pitchFamily="18" charset="0"/>
-                          </a:rPr>
-                          <m:t>t</m:t>
-                        </m:r>
-                      </m:sup>
-                    </m:sSup>
-                    <m:r>
-                      <a:rPr lang="en-US" sz="2400">
-                        <a:latin typeface="Cambria Math" panose="02040503050406030204" pitchFamily="18" charset="0"/>
-                      </a:rPr>
-                      <m:t>𝑦</m:t>
-                    </m:r>
-                    <m:d>
-                      <m:dPr>
-                        <m:ctrlPr>
-                          <a:rPr lang="en-US" sz="2400" i="1">
-                            <a:latin typeface="Cambria Math" panose="02040503050406030204" pitchFamily="18" charset="0"/>
-                          </a:rPr>
-                        </m:ctrlPr>
-                      </m:dPr>
-                      <m:e>
-                        <m:r>
-                          <a:rPr lang="en-US" sz="2400">
-                            <a:latin typeface="Cambria Math" panose="02040503050406030204" pitchFamily="18" charset="0"/>
-                          </a:rPr>
-                          <m:t>0</m:t>
-                        </m:r>
-                      </m:e>
-                    </m:d>
-                    <m:r>
-                      <a:rPr lang="en-US" sz="2400">
-                        <a:latin typeface="Cambria Math" panose="02040503050406030204" pitchFamily="18" charset="0"/>
-                      </a:rPr>
-                      <m:t>+</m:t>
-                    </m:r>
-                    <m:sSub>
-                      <m:sSubPr>
-                        <m:ctrlPr>
-                          <a:rPr lang="en-US" sz="2400" i="1">
-                            <a:latin typeface="Cambria Math" panose="02040503050406030204" pitchFamily="18" charset="0"/>
-                          </a:rPr>
-                        </m:ctrlPr>
-                      </m:sSubPr>
-                      <m:e>
-                        <m:r>
-                          <a:rPr lang="en-US" sz="2400" i="1">
-                            <a:latin typeface="Cambria Math" panose="02040503050406030204" pitchFamily="18" charset="0"/>
-                          </a:rPr>
-                          <m:t>𝑢</m:t>
-                        </m:r>
-                      </m:e>
-                      <m:sub>
-                        <m:r>
-                          <a:rPr lang="en-US" sz="2400" i="1">
-                            <a:latin typeface="Cambria Math" panose="02040503050406030204" pitchFamily="18" charset="0"/>
-                          </a:rPr>
-                          <m:t>0</m:t>
-                        </m:r>
-                      </m:sub>
-                    </m:sSub>
-                    <m:r>
-                      <m:rPr>
-                        <m:lit/>
-                      </m:rPr>
-                      <a:rPr lang="en-US" sz="2400">
-                        <a:latin typeface="Cambria Math" panose="02040503050406030204" pitchFamily="18" charset="0"/>
-                      </a:rPr>
-                      <m:t>/</m:t>
-                    </m:r>
-                    <m:r>
-                      <m:rPr>
-                        <m:lit/>
-                        <m:sty m:val="p"/>
-                      </m:rPr>
-                      <a:rPr lang="en-US" sz="2400" i="1">
-                        <a:latin typeface="Cambria Math" panose="02040503050406030204" pitchFamily="18" charset="0"/>
-                      </a:rPr>
-                      <m:t>α</m:t>
-                    </m:r>
-                    <m:r>
-                      <m:rPr>
-                        <m:lit/>
-                      </m:rPr>
-                      <a:rPr lang="en-US" sz="2400" i="1">
-                        <a:latin typeface="Cambria Math" panose="02040503050406030204" pitchFamily="18" charset="0"/>
-                      </a:rPr>
-                      <m:t>(</m:t>
-                    </m:r>
-                    <m:sSup>
-                      <m:sSupPr>
-                        <m:ctrlPr>
-                          <a:rPr lang="en-US" sz="2400" i="1">
-                            <a:latin typeface="Cambria Math" panose="02040503050406030204" pitchFamily="18" charset="0"/>
-                          </a:rPr>
-                        </m:ctrlPr>
-                      </m:sSupPr>
-                      <m:e>
-                        <m:r>
-                          <a:rPr lang="en-US" sz="2400" i="1">
-                            <a:latin typeface="Cambria Math" panose="02040503050406030204" pitchFamily="18" charset="0"/>
-                          </a:rPr>
-                          <m:t>𝑒</m:t>
-                        </m:r>
-                      </m:e>
-                      <m:sup>
-                        <m:r>
-                          <a:rPr lang="en-US" sz="2400" b="0" i="1" smtClean="0">
-                            <a:latin typeface="Cambria Math" panose="02040503050406030204" pitchFamily="18" charset="0"/>
-                          </a:rPr>
-                          <m:t>𝑝</m:t>
-                        </m:r>
-                        <m:r>
-                          <m:rPr>
-                            <m:sty m:val="p"/>
-                          </m:rPr>
-                          <a:rPr lang="en-US" sz="2400" i="1">
-                            <a:latin typeface="Cambria Math" panose="02040503050406030204" pitchFamily="18" charset="0"/>
-                          </a:rPr>
-                          <m:t>t</m:t>
-                        </m:r>
-                      </m:sup>
-                    </m:sSup>
-                    <m:r>
-                      <a:rPr lang="en-US" sz="2400" i="1">
-                        <a:latin typeface="Cambria Math" panose="02040503050406030204" pitchFamily="18" charset="0"/>
-                      </a:rPr>
-                      <m:t>−1)</m:t>
-                    </m:r>
-                  </m:oMath>
+                  <m:oMathPara xmlns:m="http://schemas.openxmlformats.org/officeDocument/2006/math">
+                    <m:oMathParaPr>
+                      <m:jc m:val="centerGroup"/>
+                    </m:oMathParaPr>
+                    <m:oMath xmlns:m="http://schemas.openxmlformats.org/officeDocument/2006/math">
+                      <m:r>
+                        <a:rPr lang="en-US" sz="2400" i="1">
+                          <a:latin typeface="Cambria Math" panose="02040503050406030204" pitchFamily="18" charset="0"/>
+                        </a:rPr>
+                        <m:t>𝑦</m:t>
+                      </m:r>
+                      <m:d>
+                        <m:dPr>
+                          <m:ctrlPr>
+                            <a:rPr lang="en-US" sz="2400" i="1">
+                              <a:latin typeface="Cambria Math" panose="02040503050406030204" pitchFamily="18" charset="0"/>
+                            </a:rPr>
+                          </m:ctrlPr>
+                        </m:dPr>
+                        <m:e>
+                          <m:r>
+                            <a:rPr lang="en-US" sz="2400" i="1">
+                              <a:latin typeface="Cambria Math" panose="02040503050406030204" pitchFamily="18" charset="0"/>
+                            </a:rPr>
+                            <m:t>𝑡</m:t>
+                          </m:r>
+                        </m:e>
+                      </m:d>
+                      <m:r>
+                        <a:rPr lang="en-US" sz="2400" i="1">
+                          <a:latin typeface="Cambria Math" panose="02040503050406030204" pitchFamily="18" charset="0"/>
+                        </a:rPr>
+                        <m:t>=</m:t>
+                      </m:r>
+                      <m:sSup>
+                        <m:sSupPr>
+                          <m:ctrlPr>
+                            <a:rPr lang="en-US" sz="2400" i="1">
+                              <a:latin typeface="Cambria Math" panose="02040503050406030204" pitchFamily="18" charset="0"/>
+                            </a:rPr>
+                          </m:ctrlPr>
+                        </m:sSupPr>
+                        <m:e>
+                          <m:r>
+                            <a:rPr lang="en-US" sz="2400" i="1">
+                              <a:latin typeface="Cambria Math" panose="02040503050406030204" pitchFamily="18" charset="0"/>
+                            </a:rPr>
+                            <m:t>𝑒</m:t>
+                          </m:r>
+                        </m:e>
+                        <m:sup>
+                          <m:r>
+                            <a:rPr lang="en-US" sz="2400" i="1">
+                              <a:latin typeface="Cambria Math" panose="02040503050406030204" pitchFamily="18" charset="0"/>
+                            </a:rPr>
+                            <m:t>𝑝</m:t>
+                          </m:r>
+                          <m:r>
+                            <m:rPr>
+                              <m:sty m:val="p"/>
+                            </m:rPr>
+                            <a:rPr lang="en-US" sz="2400" i="1">
+                              <a:latin typeface="Cambria Math" panose="02040503050406030204" pitchFamily="18" charset="0"/>
+                            </a:rPr>
+                            <m:t>t</m:t>
+                          </m:r>
+                        </m:sup>
+                      </m:sSup>
+                      <m:r>
+                        <a:rPr lang="en-US" sz="2400">
+                          <a:latin typeface="Cambria Math" panose="02040503050406030204" pitchFamily="18" charset="0"/>
+                        </a:rPr>
+                        <m:t>𝑦</m:t>
+                      </m:r>
+                      <m:d>
+                        <m:dPr>
+                          <m:ctrlPr>
+                            <a:rPr lang="en-US" sz="2400" i="1">
+                              <a:latin typeface="Cambria Math" panose="02040503050406030204" pitchFamily="18" charset="0"/>
+                            </a:rPr>
+                          </m:ctrlPr>
+                        </m:dPr>
+                        <m:e>
+                          <m:r>
+                            <a:rPr lang="en-US" sz="2400">
+                              <a:latin typeface="Cambria Math" panose="02040503050406030204" pitchFamily="18" charset="0"/>
+                            </a:rPr>
+                            <m:t>0</m:t>
+                          </m:r>
+                        </m:e>
+                      </m:d>
+                      <m:r>
+                        <a:rPr lang="en-US" sz="2400">
+                          <a:latin typeface="Cambria Math" panose="02040503050406030204" pitchFamily="18" charset="0"/>
+                        </a:rPr>
+                        <m:t>+</m:t>
+                      </m:r>
+                      <m:f>
+                        <m:fPr>
+                          <m:ctrlPr>
+                            <a:rPr lang="en-US" sz="2400" i="1">
+                              <a:latin typeface="Cambria Math" panose="02040503050406030204" pitchFamily="18" charset="0"/>
+                            </a:rPr>
+                          </m:ctrlPr>
+                        </m:fPr>
+                        <m:num>
+                          <m:sSub>
+                            <m:sSubPr>
+                              <m:ctrlPr>
+                                <a:rPr lang="en-US" sz="2400" i="1">
+                                  <a:latin typeface="Cambria Math" panose="02040503050406030204" pitchFamily="18" charset="0"/>
+                                </a:rPr>
+                              </m:ctrlPr>
+                            </m:sSubPr>
+                            <m:e>
+                              <m:r>
+                                <a:rPr lang="en-US" sz="2400" i="1">
+                                  <a:latin typeface="Cambria Math" panose="02040503050406030204" pitchFamily="18" charset="0"/>
+                                </a:rPr>
+                                <m:t>𝑢</m:t>
+                              </m:r>
+                            </m:e>
+                            <m:sub>
+                              <m:r>
+                                <a:rPr lang="en-US" sz="2400" i="1">
+                                  <a:latin typeface="Cambria Math" panose="02040503050406030204" pitchFamily="18" charset="0"/>
+                                </a:rPr>
+                                <m:t>0</m:t>
+                              </m:r>
+                            </m:sub>
+                          </m:sSub>
+                        </m:num>
+                        <m:den>
+                          <m:r>
+                            <a:rPr lang="en-US" sz="2400" i="1">
+                              <a:latin typeface="Cambria Math" panose="02040503050406030204" pitchFamily="18" charset="0"/>
+                            </a:rPr>
+                            <m:t>𝑝</m:t>
+                          </m:r>
+                        </m:den>
+                      </m:f>
+                      <m:r>
+                        <m:rPr>
+                          <m:lit/>
+                        </m:rPr>
+                        <a:rPr lang="en-US" sz="2400" i="1">
+                          <a:latin typeface="Cambria Math" panose="02040503050406030204" pitchFamily="18" charset="0"/>
+                        </a:rPr>
+                        <m:t>(</m:t>
+                      </m:r>
+                      <m:sSup>
+                        <m:sSupPr>
+                          <m:ctrlPr>
+                            <a:rPr lang="en-US" sz="2400" i="1">
+                              <a:latin typeface="Cambria Math" panose="02040503050406030204" pitchFamily="18" charset="0"/>
+                            </a:rPr>
+                          </m:ctrlPr>
+                        </m:sSupPr>
+                        <m:e>
+                          <m:r>
+                            <a:rPr lang="en-US" sz="2400" i="1">
+                              <a:latin typeface="Cambria Math" panose="02040503050406030204" pitchFamily="18" charset="0"/>
+                            </a:rPr>
+                            <m:t>𝑒</m:t>
+                          </m:r>
+                        </m:e>
+                        <m:sup>
+                          <m:r>
+                            <a:rPr lang="en-US" sz="2400" i="1">
+                              <a:latin typeface="Cambria Math" panose="02040503050406030204" pitchFamily="18" charset="0"/>
+                            </a:rPr>
+                            <m:t>𝑝</m:t>
+                          </m:r>
+                          <m:r>
+                            <m:rPr>
+                              <m:sty m:val="p"/>
+                            </m:rPr>
+                            <a:rPr lang="en-US" sz="2400" i="1">
+                              <a:latin typeface="Cambria Math" panose="02040503050406030204" pitchFamily="18" charset="0"/>
+                            </a:rPr>
+                            <m:t>t</m:t>
+                          </m:r>
+                        </m:sup>
+                      </m:sSup>
+                      <m:r>
+                        <a:rPr lang="en-US" sz="2400" i="1">
+                          <a:latin typeface="Cambria Math" panose="02040503050406030204" pitchFamily="18" charset="0"/>
+                        </a:rPr>
+                        <m:t>−1)</m:t>
+                      </m:r>
+                    </m:oMath>
+                  </m:oMathPara>
                 </a14:m>
+                <a:endParaRPr lang="en-US" sz="2400" dirty="0"/>
               </a:p>
               <a:p>
                 <a:r>
@@ -31415,7 +26176,7 @@
               <a:blipFill>
                 <a:blip r:embed="rId2"/>
                 <a:stretch>
-                  <a:fillRect l="-1010" t="-3200" b="-12000"/>
+                  <a:fillRect l="-1010" t="-3200" b="-32000"/>
                 </a:stretch>
               </a:blipFill>
             </p:spPr>
@@ -31621,8 +26382,8 @@
           </a:p>
         </p:txBody>
       </p:sp>
-      <mc:AlternateContent xmlns:mc="http://schemas.openxmlformats.org/markup-compatibility/2006">
-        <mc:Choice xmlns:a14="http://schemas.microsoft.com/office/drawing/2010/main" Requires="a14">
+      <mc:AlternateContent xmlns:mc="http://schemas.openxmlformats.org/markup-compatibility/2006" xmlns:a14="http://schemas.microsoft.com/office/drawing/2010/main">
+        <mc:Choice Requires="a14">
           <p:sp>
             <p:nvSpPr>
               <p:cNvPr id="14" name="TextBox 13">
@@ -31673,11 +26434,12 @@
                     </m:oMath>
                   </m:oMathPara>
                 </a14:m>
+                <a:endParaRPr/>
               </a:p>
             </p:txBody>
           </p:sp>
         </mc:Choice>
-        <mc:Fallback>
+        <mc:Fallback xmlns="">
           <p:sp>
             <p:nvSpPr>
               <p:cNvPr id="14" name="TextBox 13">
@@ -31722,8 +26484,8 @@
           </p:sp>
         </mc:Fallback>
       </mc:AlternateContent>
-      <mc:AlternateContent xmlns:mc="http://schemas.openxmlformats.org/markup-compatibility/2006">
-        <mc:Choice xmlns:a14="http://schemas.microsoft.com/office/drawing/2010/main" Requires="a14">
+      <mc:AlternateContent xmlns:mc="http://schemas.openxmlformats.org/markup-compatibility/2006" xmlns:a14="http://schemas.microsoft.com/office/drawing/2010/main">
+        <mc:Choice Requires="a14">
           <p:sp>
             <p:nvSpPr>
               <p:cNvPr id="15" name="TextBox 14">
@@ -31779,7 +26541,7 @@
             </p:txBody>
           </p:sp>
         </mc:Choice>
-        <mc:Fallback>
+        <mc:Fallback xmlns="">
           <p:sp>
             <p:nvSpPr>
               <p:cNvPr id="15" name="TextBox 14">
@@ -31824,8 +26586,8 @@
           </p:sp>
         </mc:Fallback>
       </mc:AlternateContent>
-      <mc:AlternateContent xmlns:mc="http://schemas.openxmlformats.org/markup-compatibility/2006">
-        <mc:Choice xmlns:a14="http://schemas.microsoft.com/office/drawing/2010/main" Requires="a14">
+      <mc:AlternateContent xmlns:mc="http://schemas.openxmlformats.org/markup-compatibility/2006" xmlns:a14="http://schemas.microsoft.com/office/drawing/2010/main">
+        <mc:Choice Requires="a14">
           <p:sp>
             <p:nvSpPr>
               <p:cNvPr id="5" name="TextBox 4">
@@ -31876,11 +26638,12 @@
                     </m:oMath>
                   </m:oMathPara>
                 </a14:m>
+                <a:endParaRPr/>
               </a:p>
             </p:txBody>
           </p:sp>
         </mc:Choice>
-        <mc:Fallback>
+        <mc:Fallback xmlns="">
           <p:sp>
             <p:nvSpPr>
               <p:cNvPr id="5" name="TextBox 4">
@@ -32760,13 +27523,21 @@
                 </a14:m>
                 <a:r>
                   <a:rPr lang="en-US" sz="2000" dirty="0"/>
-                  <a:t> are the poles of this equation</a:t>
+                  <a:t> are the poles of this system</a:t>
                 </a:r>
               </a:p>
               <a:p>
                 <a:r>
                   <a:rPr lang="en-US" sz="2400" dirty="0"/>
-                  <a:t>The largest (dominant) pole, </a:t>
+                  <a:t>The largest (</a:t>
+                </a:r>
+                <a:r>
+                  <a:rPr lang="en-US" sz="2400" b="1" dirty="0"/>
+                  <a:t>dominant</a:t>
+                </a:r>
+                <a:r>
+                  <a:rPr lang="en-US" sz="2400" dirty="0"/>
+                  <a:t>) pole, </a:t>
                 </a:r>
                 <a14:m>
                   <m:oMath xmlns:m="http://schemas.openxmlformats.org/officeDocument/2006/math">
@@ -32791,7 +27562,7 @@
                           <a:rPr lang="en-US" sz="2400" b="0" i="1" smtClean="0">
                             <a:latin typeface="Cambria Math" panose="02040503050406030204" pitchFamily="18" charset="0"/>
                           </a:rPr>
-                          <m:t>*</m:t>
+                          <m:t>∗</m:t>
                         </m:r>
                       </m:sup>
                     </m:sSup>
@@ -33031,7 +27802,7 @@
               <a:blipFill>
                 <a:blip r:embed="rId2"/>
                 <a:stretch>
-                  <a:fillRect l="-1104" b="-641"/>
+                  <a:fillRect l="-1104"/>
                 </a:stretch>
               </a:blipFill>
             </p:spPr>
@@ -33357,7 +28128,7 @@
                                         <p:tgtEl>
                                           <p:spTgt spid="3">
                                             <p:txEl>
-                                              <p:charRg st="224" end="244"/>
+                                              <p:pRg st="4" end="4"/>
                                             </p:txEl>
                                           </p:spTgt>
                                         </p:tgtEl>
@@ -33388,7 +28159,7 @@
                                         <p:tgtEl>
                                           <p:spTgt spid="3">
                                             <p:txEl>
-                                              <p:charRg st="244" end="278"/>
+                                              <p:pRg st="5" end="5"/>
                                             </p:txEl>
                                           </p:spTgt>
                                         </p:tgtEl>
@@ -33419,7 +28190,7 @@
                                         <p:tgtEl>
                                           <p:spTgt spid="3">
                                             <p:txEl>
-                                              <p:charRg st="278" end="319"/>
+                                              <p:pRg st="6" end="6"/>
                                             </p:txEl>
                                           </p:spTgt>
                                         </p:tgtEl>
@@ -33527,7 +28298,7 @@
 </file>
 
 <file path=ppt/slides/slide9.xml><?xml version="1.0" encoding="utf-8"?>
-<p:sld xmlns:a="http://schemas.openxmlformats.org/drawingml/2006/main" xmlns:r="http://schemas.openxmlformats.org/officeDocument/2006/relationships" xmlns:p="http://schemas.openxmlformats.org/presentationml/2006/main">
+<p:sld xmlns:a="http://schemas.openxmlformats.org/drawingml/2006/main" xmlns:r="http://schemas.openxmlformats.org/officeDocument/2006/relationships" xmlns:p="http://schemas.openxmlformats.org/presentationml/2006/main" show="0">
   <p:cSld>
     <p:spTree>
       <p:nvGrpSpPr>
@@ -33577,8 +28348,8 @@
           </a:p>
         </p:txBody>
       </p:sp>
-      <mc:AlternateContent xmlns:mc="http://schemas.openxmlformats.org/markup-compatibility/2006">
-        <mc:Choice xmlns:a14="http://schemas.microsoft.com/office/drawing/2010/main" Requires="a14">
+      <mc:AlternateContent xmlns:mc="http://schemas.openxmlformats.org/markup-compatibility/2006" xmlns:a14="http://schemas.microsoft.com/office/drawing/2010/main">
+        <mc:Choice Requires="a14">
           <p:sp>
             <p:nvSpPr>
               <p:cNvPr id="3" name="Content Placeholder 2">
@@ -33686,13 +28457,7 @@
                       <a:rPr lang="en-US" b="0" i="1" smtClean="0">
                         <a:latin typeface="Cambria Math" panose="02040503050406030204" pitchFamily="18" charset="0"/>
                       </a:rPr>
-                      <m:t>)</m:t>
-                    </m:r>
-                    <m:r>
-                      <a:rPr lang="en-US" b="0" i="1" smtClean="0">
-                        <a:latin typeface="Cambria Math" panose="02040503050406030204" pitchFamily="18" charset="0"/>
-                      </a:rPr>
-                      <m:t>, </m:t>
+                      <m:t>), </m:t>
                     </m:r>
                     <m:r>
                       <a:rPr lang="en-US" b="0" i="1" smtClean="0">
@@ -33735,13 +28500,7 @@
                       <a:rPr lang="en-US" b="0" i="1" smtClean="0">
                         <a:latin typeface="Cambria Math" panose="02040503050406030204" pitchFamily="18" charset="0"/>
                       </a:rPr>
-                      <m:t>)</m:t>
-                    </m:r>
-                    <m:r>
-                      <a:rPr lang="en-US" b="0" i="1" smtClean="0">
-                        <a:latin typeface="Cambria Math" panose="02040503050406030204" pitchFamily="18" charset="0"/>
-                      </a:rPr>
-                      <m:t>)</m:t>
+                      <m:t>))</m:t>
                     </m:r>
                   </m:oMath>
                 </a14:m>
@@ -33756,7 +28515,7 @@
             </p:txBody>
           </p:sp>
         </mc:Choice>
-        <mc:Fallback>
+        <mc:Fallback xmlns="">
           <p:sp>
             <p:nvSpPr>
               <p:cNvPr id="3" name="Content Placeholder 2">
@@ -33835,8 +28594,8 @@
           </a:p>
         </p:txBody>
       </p:sp>
-      <mc:AlternateContent xmlns:mc="http://schemas.openxmlformats.org/markup-compatibility/2006">
-        <mc:Choice xmlns:a14="http://schemas.microsoft.com/office/drawing/2010/main" Requires="a14">
+      <mc:AlternateContent xmlns:mc="http://schemas.openxmlformats.org/markup-compatibility/2006" xmlns:a14="http://schemas.microsoft.com/office/drawing/2010/main">
+        <mc:Choice Requires="a14">
           <p:graphicFrame>
             <p:nvGraphicFramePr>
               <p:cNvPr id="5" name="Table 5">
@@ -34824,7 +29583,7 @@
             </a:graphic>
           </p:graphicFrame>
         </mc:Choice>
-        <mc:Fallback>
+        <mc:Fallback xmlns="">
           <p:graphicFrame>
             <p:nvGraphicFramePr>
               <p:cNvPr id="5" name="Table 5">
@@ -35184,8 +29943,8 @@
           </a:p>
         </p:txBody>
       </p:sp>
-      <mc:AlternateContent xmlns:mc="http://schemas.openxmlformats.org/markup-compatibility/2006">
-        <mc:Choice xmlns:a14="http://schemas.microsoft.com/office/drawing/2010/main" Requires="a14">
+      <mc:AlternateContent xmlns:mc="http://schemas.openxmlformats.org/markup-compatibility/2006" xmlns:a14="http://schemas.microsoft.com/office/drawing/2010/main">
+        <mc:Choice Requires="a14">
           <p:sp>
             <p:nvSpPr>
               <p:cNvPr id="10" name="TextBox 9">
@@ -35423,7 +30182,7 @@
             </p:txBody>
           </p:sp>
         </mc:Choice>
-        <mc:Fallback>
+        <mc:Fallback xmlns="">
           <p:sp>
             <p:nvSpPr>
               <p:cNvPr id="10" name="TextBox 9">
@@ -35468,8 +30227,8 @@
           </p:sp>
         </mc:Fallback>
       </mc:AlternateContent>
-      <mc:AlternateContent xmlns:mc="http://schemas.openxmlformats.org/markup-compatibility/2006">
-        <mc:Choice xmlns:a14="http://schemas.microsoft.com/office/drawing/2010/main" Requires="a14">
+      <mc:AlternateContent xmlns:mc="http://schemas.openxmlformats.org/markup-compatibility/2006" xmlns:a14="http://schemas.microsoft.com/office/drawing/2010/main">
+        <mc:Choice Requires="a14">
           <p:sp>
             <p:nvSpPr>
               <p:cNvPr id="11" name="TextBox 10">
@@ -35498,6 +30257,7 @@
               </a:bodyPr>
               <a:lstStyle/>
               <a:p>
+                <a:pPr/>
                 <a14:m>
                   <m:oMathPara xmlns:m="http://schemas.openxmlformats.org/officeDocument/2006/math">
                     <m:oMathParaPr>
@@ -35537,7 +30297,7 @@
                             <a:rPr lang="en-US" b="0" i="1" smtClean="0">
                               <a:latin typeface="Cambria Math" panose="02040503050406030204" pitchFamily="18" charset="0"/>
                             </a:rPr>
-                            <m:t>*</m:t>
+                            <m:t>∗</m:t>
                           </m:r>
                         </m:sup>
                       </m:sSup>
@@ -35600,7 +30360,7 @@
                             <a:rPr lang="en-US" b="0" i="1" smtClean="0">
                               <a:latin typeface="Cambria Math" panose="02040503050406030204" pitchFamily="18" charset="0"/>
                             </a:rPr>
-                            <m:t>*(</m:t>
+                            <m:t>∗(</m:t>
                           </m:r>
                           <m:r>
                             <a:rPr lang="en-US" b="0" i="1" smtClean="0">
@@ -35632,7 +30392,7 @@
             </p:txBody>
           </p:sp>
         </mc:Choice>
-        <mc:Fallback>
+        <mc:Fallback xmlns="">
           <p:sp>
             <p:nvSpPr>
               <p:cNvPr id="11" name="TextBox 10">

--- a/short_class_lectures/Lecture_4-LTI_Systems/linear_time_invariant_systems.pptx
+++ b/short_class_lectures/Lecture_4-LTI_Systems/linear_time_invariant_systems.pptx
@@ -294,7 +294,7 @@
               <a:pPr>
                 <a:defRPr/>
               </a:pPr>
-              <a:t>1/9/26</a:t>
+              <a:t>1/13/26</a:t>
             </a:fld>
             <a:endParaRPr lang="en-US" altLang="x-none"/>
           </a:p>
@@ -503,7 +503,7 @@
               <a:pPr>
                 <a:defRPr/>
               </a:pPr>
-              <a:t>1/9/26</a:t>
+              <a:t>1/13/26</a:t>
             </a:fld>
             <a:endParaRPr lang="en-US" altLang="x-none"/>
           </a:p>
@@ -9271,8 +9271,8 @@
           </a:p>
         </p:txBody>
       </p:sp>
-      <mc:AlternateContent xmlns:mc="http://schemas.openxmlformats.org/markup-compatibility/2006" xmlns:a14="http://schemas.microsoft.com/office/drawing/2010/main">
-        <mc:Choice Requires="a14">
+      <mc:AlternateContent xmlns:mc="http://schemas.openxmlformats.org/markup-compatibility/2006">
+        <mc:Choice xmlns:a14="http://schemas.microsoft.com/office/drawing/2010/main" Requires="a14">
           <p:sp>
             <p:nvSpPr>
               <p:cNvPr id="3" name="Content Placeholder 2">
@@ -9337,31 +9337,12 @@
                       </a:rPr>
                       <m:t>=5+3</m:t>
                     </m:r>
-                    <m:sSup>
-                      <m:sSupPr>
-                        <m:ctrlPr>
-                          <a:rPr lang="en-US" b="0" i="1" smtClean="0">
-                            <a:latin typeface="Cambria Math" panose="02040503050406030204" pitchFamily="18" charset="0"/>
-                          </a:rPr>
-                        </m:ctrlPr>
-                      </m:sSupPr>
-                      <m:e>
-                        <m:r>
-                          <a:rPr lang="en-US" b="0" i="1" smtClean="0">
-                            <a:latin typeface="Cambria Math" panose="02040503050406030204" pitchFamily="18" charset="0"/>
-                          </a:rPr>
-                          <m:t>𝑡</m:t>
-                        </m:r>
-                      </m:e>
-                      <m:sup>
-                        <m:r>
-                          <a:rPr lang="en-US" b="0" i="1" smtClean="0">
-                            <a:latin typeface="Cambria Math" panose="02040503050406030204" pitchFamily="18" charset="0"/>
-                          </a:rPr>
-                          <m:t>2</m:t>
-                        </m:r>
-                      </m:sup>
-                    </m:sSup>
+                    <m:r>
+                      <a:rPr lang="en-US" b="0" i="1" smtClean="0">
+                        <a:latin typeface="Cambria Math" panose="02040503050406030204" pitchFamily="18" charset="0"/>
+                      </a:rPr>
+                      <m:t>𝑡</m:t>
+                    </m:r>
                     <m:r>
                       <a:rPr lang="en-US" b="0" i="1" smtClean="0">
                         <a:latin typeface="Cambria Math" panose="02040503050406030204" pitchFamily="18" charset="0"/>
@@ -9381,7 +9362,7 @@
             </p:txBody>
           </p:sp>
         </mc:Choice>
-        <mc:Fallback xmlns="">
+        <mc:Fallback>
           <p:sp>
             <p:nvSpPr>
               <p:cNvPr id="3" name="Content Placeholder 2">
@@ -9644,8 +9625,8 @@
           </p:sp>
         </mc:Fallback>
       </mc:AlternateContent>
-      <mc:AlternateContent xmlns:mc="http://schemas.openxmlformats.org/markup-compatibility/2006" xmlns:a14="http://schemas.microsoft.com/office/drawing/2010/main">
-        <mc:Choice Requires="a14">
+      <mc:AlternateContent xmlns:mc="http://schemas.openxmlformats.org/markup-compatibility/2006">
+        <mc:Choice xmlns:a14="http://schemas.microsoft.com/office/drawing/2010/main" Requires="a14">
           <p:sp>
             <p:nvSpPr>
               <p:cNvPr id="9" name="TextBox 8">
@@ -9793,7 +9774,7 @@
                               <a:rPr lang="en-US" sz="2400" b="0" i="1" smtClean="0">
                                 <a:latin typeface="Cambria Math" panose="02040503050406030204" pitchFamily="18" charset="0"/>
                               </a:rPr>
-                              <m:t>3</m:t>
+                              <m:t>2</m:t>
                             </m:r>
                           </m:sup>
                         </m:sSup>
@@ -9812,7 +9793,7 @@
             </p:txBody>
           </p:sp>
         </mc:Choice>
-        <mc:Fallback xmlns="">
+        <mc:Fallback>
           <p:sp>
             <p:nvSpPr>
               <p:cNvPr id="9" name="TextBox 8">
@@ -9857,8 +9838,8 @@
           </p:sp>
         </mc:Fallback>
       </mc:AlternateContent>
-      <mc:AlternateContent xmlns:mc="http://schemas.openxmlformats.org/markup-compatibility/2006" xmlns:a14="http://schemas.microsoft.com/office/drawing/2010/main">
-        <mc:Choice Requires="a14">
+      <mc:AlternateContent xmlns:mc="http://schemas.openxmlformats.org/markup-compatibility/2006">
+        <mc:Choice xmlns:a14="http://schemas.microsoft.com/office/drawing/2010/main" Requires="a14">
           <p:sp>
             <p:nvSpPr>
               <p:cNvPr id="13" name="TextBox 12">
@@ -9874,7 +9855,7 @@
             <p:spPr>
               <a:xfrm>
                 <a:off x="678181" y="3483813"/>
-                <a:ext cx="2431024" cy="636649"/>
+                <a:ext cx="2431024" cy="612796"/>
               </a:xfrm>
               <a:prstGeom prst="rect">
                 <a:avLst/>
@@ -9917,31 +9898,12 @@
                             </a:rPr>
                             <m:t>3</m:t>
                           </m:r>
-                          <m:sSup>
-                            <m:sSupPr>
-                              <m:ctrlPr>
-                                <a:rPr lang="en-US" i="1">
-                                  <a:latin typeface="Cambria Math" panose="02040503050406030204" pitchFamily="18" charset="0"/>
-                                </a:rPr>
-                              </m:ctrlPr>
-                            </m:sSupPr>
-                            <m:e>
-                              <m:r>
-                                <a:rPr lang="en-US" i="1">
-                                  <a:latin typeface="Cambria Math" panose="02040503050406030204" pitchFamily="18" charset="0"/>
-                                </a:rPr>
-                                <m:t>𝑡</m:t>
-                              </m:r>
-                            </m:e>
-                            <m:sup>
-                              <m:r>
-                                <a:rPr lang="en-US" i="1">
-                                  <a:latin typeface="Cambria Math" panose="02040503050406030204" pitchFamily="18" charset="0"/>
-                                </a:rPr>
-                                <m:t>2</m:t>
-                              </m:r>
-                            </m:sup>
-                          </m:sSup>
+                          <m:r>
+                            <a:rPr lang="en-US" i="1">
+                              <a:latin typeface="Cambria Math" panose="02040503050406030204" pitchFamily="18" charset="0"/>
+                            </a:rPr>
+                            <m:t>𝑡</m:t>
+                          </m:r>
                         </m:e>
                       </m:d>
                       <m:r>
@@ -9965,31 +9927,12 @@
                         </a:rPr>
                         <m:t>(</m:t>
                       </m:r>
-                      <m:sSup>
-                        <m:sSupPr>
-                          <m:ctrlPr>
-                            <a:rPr lang="en-US" i="1">
-                              <a:latin typeface="Cambria Math" panose="02040503050406030204" pitchFamily="18" charset="0"/>
-                            </a:rPr>
-                          </m:ctrlPr>
-                        </m:sSupPr>
-                        <m:e>
-                          <m:r>
-                            <a:rPr lang="en-US" i="1">
-                              <a:latin typeface="Cambria Math" panose="02040503050406030204" pitchFamily="18" charset="0"/>
-                            </a:rPr>
-                            <m:t>𝑡</m:t>
-                          </m:r>
-                        </m:e>
-                        <m:sup>
-                          <m:r>
-                            <a:rPr lang="en-US" i="1">
-                              <a:latin typeface="Cambria Math" panose="02040503050406030204" pitchFamily="18" charset="0"/>
-                            </a:rPr>
-                            <m:t>2</m:t>
-                          </m:r>
-                        </m:sup>
-                      </m:sSup>
+                      <m:r>
+                        <a:rPr lang="en-US" i="1">
+                          <a:latin typeface="Cambria Math" panose="02040503050406030204" pitchFamily="18" charset="0"/>
+                        </a:rPr>
+                        <m:t>𝑡</m:t>
+                      </m:r>
                       <m:r>
                         <a:rPr lang="en-US" b="0" i="1" smtClean="0">
                           <a:latin typeface="Cambria Math" panose="02040503050406030204" pitchFamily="18" charset="0"/>
@@ -10046,7 +9989,7 @@
                                   <a:latin typeface="Cambria Math" panose="02040503050406030204" pitchFamily="18" charset="0"/>
                                   <a:ea typeface="Cambria Math" panose="02040503050406030204" pitchFamily="18" charset="0"/>
                                 </a:rPr>
-                                <m:t>3</m:t>
+                                <m:t>2</m:t>
                               </m:r>
                             </m:sup>
                           </m:sSup>
@@ -10060,7 +10003,7 @@
             </p:txBody>
           </p:sp>
         </mc:Choice>
-        <mc:Fallback xmlns="">
+        <mc:Fallback>
           <p:sp>
             <p:nvSpPr>
               <p:cNvPr id="13" name="TextBox 12">
@@ -10078,7 +10021,7 @@
             <p:spPr>
               <a:xfrm>
                 <a:off x="678181" y="3483813"/>
-                <a:ext cx="2431024" cy="636649"/>
+                <a:ext cx="2431024" cy="612796"/>
               </a:xfrm>
               <a:prstGeom prst="rect">
                 <a:avLst/>
@@ -24140,8 +24083,8 @@
           </a:p>
         </p:txBody>
       </p:sp>
-      <mc:AlternateContent xmlns:mc="http://schemas.openxmlformats.org/markup-compatibility/2006">
-        <mc:Choice xmlns:a14="http://schemas.microsoft.com/office/drawing/2010/main" Requires="a14">
+      <mc:AlternateContent xmlns:mc="http://schemas.openxmlformats.org/markup-compatibility/2006" xmlns:a14="http://schemas.microsoft.com/office/drawing/2010/main">
+        <mc:Choice Requires="a14">
           <p:sp>
             <p:nvSpPr>
               <p:cNvPr id="3" name="Content Placeholder 2">
@@ -24992,7 +24935,7 @@
             </p:txBody>
           </p:sp>
         </mc:Choice>
-        <mc:Fallback>
+        <mc:Fallback xmlns="">
           <p:sp>
             <p:nvSpPr>
               <p:cNvPr id="3" name="Content Placeholder 2">
@@ -25819,8 +25762,8 @@
           </a:p>
         </p:txBody>
       </p:sp>
-      <mc:AlternateContent xmlns:mc="http://schemas.openxmlformats.org/markup-compatibility/2006">
-        <mc:Choice xmlns:a14="http://schemas.microsoft.com/office/drawing/2010/main" Requires="a14">
+      <mc:AlternateContent xmlns:mc="http://schemas.openxmlformats.org/markup-compatibility/2006" xmlns:a14="http://schemas.microsoft.com/office/drawing/2010/main">
+        <mc:Choice Requires="a14">
           <p:sp>
             <p:nvSpPr>
               <p:cNvPr id="3" name="Content Placeholder 2">
@@ -26151,7 +26094,7 @@
             </p:txBody>
           </p:sp>
         </mc:Choice>
-        <mc:Fallback>
+        <mc:Fallback xmlns="">
           <p:sp>
             <p:nvSpPr>
               <p:cNvPr id="3" name="Content Placeholder 2">
@@ -27077,7 +27020,7 @@
             <p:spPr>
               <a:xfrm>
                 <a:off x="279917" y="1451727"/>
-                <a:ext cx="8048005" cy="3954545"/>
+                <a:ext cx="5449551" cy="3954545"/>
               </a:xfrm>
             </p:spPr>
             <p:txBody>
@@ -27797,12 +27740,12 @@
             <p:spPr>
               <a:xfrm>
                 <a:off x="279917" y="1451727"/>
-                <a:ext cx="8048005" cy="3954545"/>
+                <a:ext cx="5449551" cy="3954545"/>
               </a:xfrm>
               <a:blipFill>
                 <a:blip r:embed="rId2"/>
                 <a:stretch>
-                  <a:fillRect l="-1104"/>
+                  <a:fillRect l="-1628" r="-930" b="-9295"/>
                 </a:stretch>
               </a:blipFill>
             </p:spPr>
@@ -27886,6 +27829,358 @@
           </a:prstGeom>
         </p:spPr>
       </p:pic>
+      <p:grpSp>
+        <p:nvGrpSpPr>
+          <p:cNvPr id="5" name="Group 4">
+            <a:extLst>
+              <a:ext uri="{FF2B5EF4-FFF2-40B4-BE49-F238E27FC236}">
+                <a16:creationId xmlns:a16="http://schemas.microsoft.com/office/drawing/2014/main" id="{926D571C-9C1B-1114-FC54-416D9B1CF421}"/>
+              </a:ext>
+            </a:extLst>
+          </p:cNvPr>
+          <p:cNvGrpSpPr/>
+          <p:nvPr/>
+        </p:nvGrpSpPr>
+        <p:grpSpPr>
+          <a:xfrm>
+            <a:off x="5841786" y="1419632"/>
+            <a:ext cx="2779772" cy="4547530"/>
+            <a:chOff x="5841786" y="1419632"/>
+            <a:chExt cx="2779772" cy="4547530"/>
+          </a:xfrm>
+        </p:grpSpPr>
+        <p:pic>
+          <p:nvPicPr>
+            <p:cNvPr id="7" name="Picture 6">
+              <a:extLst>
+                <a:ext uri="{FF2B5EF4-FFF2-40B4-BE49-F238E27FC236}">
+                  <a16:creationId xmlns:a16="http://schemas.microsoft.com/office/drawing/2014/main" id="{E4EC2ABC-B330-866C-E40E-425555D8EB66}"/>
+                </a:ext>
+              </a:extLst>
+            </p:cNvPr>
+            <p:cNvPicPr>
+              <a:picLocks noChangeAspect="1"/>
+            </p:cNvPicPr>
+            <p:nvPr/>
+          </p:nvPicPr>
+          <p:blipFill>
+            <a:blip r:embed="rId4"/>
+            <a:stretch>
+              <a:fillRect/>
+            </a:stretch>
+          </p:blipFill>
+          <p:spPr>
+            <a:xfrm>
+              <a:off x="5841786" y="1610061"/>
+              <a:ext cx="2779772" cy="4028173"/>
+            </a:xfrm>
+            <a:prstGeom prst="rect">
+              <a:avLst/>
+            </a:prstGeom>
+          </p:spPr>
+        </p:pic>
+        <p:sp>
+          <p:nvSpPr>
+            <p:cNvPr id="8" name="TextBox 7">
+              <a:extLst>
+                <a:ext uri="{FF2B5EF4-FFF2-40B4-BE49-F238E27FC236}">
+                  <a16:creationId xmlns:a16="http://schemas.microsoft.com/office/drawing/2014/main" id="{CF3F98F0-DB77-F702-F8B2-2224A46E36B4}"/>
+                </a:ext>
+              </a:extLst>
+            </p:cNvPr>
+            <p:cNvSpPr txBox="1"/>
+            <p:nvPr/>
+          </p:nvSpPr>
+          <p:spPr>
+            <a:xfrm>
+              <a:off x="6725764" y="1419632"/>
+              <a:ext cx="1035861" cy="369332"/>
+            </a:xfrm>
+            <a:prstGeom prst="rect">
+              <a:avLst/>
+            </a:prstGeom>
+            <a:solidFill>
+              <a:schemeClr val="bg1"/>
+            </a:solidFill>
+          </p:spPr>
+          <p:txBody>
+            <a:bodyPr wrap="none" rtlCol="0">
+              <a:spAutoFit/>
+            </a:bodyPr>
+            <a:lstStyle/>
+            <a:p>
+              <a:r>
+                <a:rPr lang="en-US" dirty="0"/>
+                <a:t>1</a:t>
+              </a:r>
+              <a:r>
+                <a:rPr lang="en-US" baseline="30000" dirty="0"/>
+                <a:t>st</a:t>
+              </a:r>
+              <a:r>
+                <a:rPr lang="en-US" dirty="0"/>
+                <a:t> order</a:t>
+              </a:r>
+            </a:p>
+          </p:txBody>
+        </p:sp>
+        <p:sp>
+          <p:nvSpPr>
+            <p:cNvPr id="9" name="TextBox 8">
+              <a:extLst>
+                <a:ext uri="{FF2B5EF4-FFF2-40B4-BE49-F238E27FC236}">
+                  <a16:creationId xmlns:a16="http://schemas.microsoft.com/office/drawing/2014/main" id="{3D4CFB1A-6EB0-7E2D-7497-00DD22D0CECF}"/>
+                </a:ext>
+              </a:extLst>
+            </p:cNvPr>
+            <p:cNvSpPr txBox="1"/>
+            <p:nvPr/>
+          </p:nvSpPr>
+          <p:spPr>
+            <a:xfrm>
+              <a:off x="6762664" y="2428683"/>
+              <a:ext cx="1085554" cy="369332"/>
+            </a:xfrm>
+            <a:prstGeom prst="rect">
+              <a:avLst/>
+            </a:prstGeom>
+            <a:solidFill>
+              <a:schemeClr val="bg1"/>
+            </a:solidFill>
+          </p:spPr>
+          <p:txBody>
+            <a:bodyPr wrap="none" rtlCol="0">
+              <a:spAutoFit/>
+            </a:bodyPr>
+            <a:lstStyle/>
+            <a:p>
+              <a:r>
+                <a:rPr lang="en-US" dirty="0"/>
+                <a:t>2</a:t>
+              </a:r>
+              <a:r>
+                <a:rPr lang="en-US" baseline="30000" dirty="0"/>
+                <a:t>nd</a:t>
+              </a:r>
+              <a:r>
+                <a:rPr lang="en-US" dirty="0"/>
+                <a:t> order</a:t>
+              </a:r>
+            </a:p>
+          </p:txBody>
+        </p:sp>
+        <p:sp>
+          <p:nvSpPr>
+            <p:cNvPr id="10" name="TextBox 9">
+              <a:extLst>
+                <a:ext uri="{FF2B5EF4-FFF2-40B4-BE49-F238E27FC236}">
+                  <a16:creationId xmlns:a16="http://schemas.microsoft.com/office/drawing/2014/main" id="{13898198-1BF6-B2AA-D86F-DFE7686A6CBE}"/>
+                </a:ext>
+              </a:extLst>
+            </p:cNvPr>
+            <p:cNvSpPr txBox="1"/>
+            <p:nvPr/>
+          </p:nvSpPr>
+          <p:spPr>
+            <a:xfrm>
+              <a:off x="6799561" y="3428105"/>
+              <a:ext cx="1051891" cy="369332"/>
+            </a:xfrm>
+            <a:prstGeom prst="rect">
+              <a:avLst/>
+            </a:prstGeom>
+            <a:solidFill>
+              <a:schemeClr val="bg1"/>
+            </a:solidFill>
+          </p:spPr>
+          <p:txBody>
+            <a:bodyPr wrap="none" rtlCol="0">
+              <a:spAutoFit/>
+            </a:bodyPr>
+            <a:lstStyle/>
+            <a:p>
+              <a:r>
+                <a:rPr lang="en-US" dirty="0"/>
+                <a:t>3</a:t>
+              </a:r>
+              <a:r>
+                <a:rPr lang="en-US" baseline="30000" dirty="0"/>
+                <a:t>rd</a:t>
+              </a:r>
+              <a:r>
+                <a:rPr lang="en-US" dirty="0"/>
+                <a:t> order</a:t>
+              </a:r>
+            </a:p>
+          </p:txBody>
+        </p:sp>
+        <p:sp>
+          <p:nvSpPr>
+            <p:cNvPr id="11" name="TextBox 10">
+              <a:extLst>
+                <a:ext uri="{FF2B5EF4-FFF2-40B4-BE49-F238E27FC236}">
+                  <a16:creationId xmlns:a16="http://schemas.microsoft.com/office/drawing/2014/main" id="{F494D3AC-6BD2-FBDA-B219-4B9FC2A41356}"/>
+                </a:ext>
+              </a:extLst>
+            </p:cNvPr>
+            <p:cNvSpPr txBox="1"/>
+            <p:nvPr/>
+          </p:nvSpPr>
+          <p:spPr>
+            <a:xfrm>
+              <a:off x="6705875" y="4441018"/>
+              <a:ext cx="1043876" cy="369332"/>
+            </a:xfrm>
+            <a:prstGeom prst="rect">
+              <a:avLst/>
+            </a:prstGeom>
+            <a:solidFill>
+              <a:schemeClr val="bg1"/>
+            </a:solidFill>
+          </p:spPr>
+          <p:txBody>
+            <a:bodyPr wrap="none" rtlCol="0">
+              <a:spAutoFit/>
+            </a:bodyPr>
+            <a:lstStyle/>
+            <a:p>
+              <a:r>
+                <a:rPr lang="en-US" dirty="0"/>
+                <a:t>4</a:t>
+              </a:r>
+              <a:r>
+                <a:rPr lang="en-US" baseline="30000" dirty="0"/>
+                <a:t>th</a:t>
+              </a:r>
+              <a:r>
+                <a:rPr lang="en-US" dirty="0"/>
+                <a:t> order</a:t>
+              </a:r>
+            </a:p>
+          </p:txBody>
+        </p:sp>
+        <mc:AlternateContent xmlns:mc="http://schemas.openxmlformats.org/markup-compatibility/2006" xmlns:a14="http://schemas.microsoft.com/office/drawing/2010/main">
+          <mc:Choice Requires="a14">
+            <p:sp>
+              <p:nvSpPr>
+                <p:cNvPr id="12" name="TextBox 11">
+                  <a:extLst>
+                    <a:ext uri="{FF2B5EF4-FFF2-40B4-BE49-F238E27FC236}">
+                      <a16:creationId xmlns:a16="http://schemas.microsoft.com/office/drawing/2014/main" id="{2A3A7046-19DC-B55A-3AFC-D14289E5BDD9}"/>
+                    </a:ext>
+                  </a:extLst>
+                </p:cNvPr>
+                <p:cNvSpPr txBox="1"/>
+                <p:nvPr/>
+              </p:nvSpPr>
+              <p:spPr>
+                <a:xfrm>
+                  <a:off x="6948730" y="5690163"/>
+                  <a:ext cx="748666" cy="276999"/>
+                </a:xfrm>
+                <a:prstGeom prst="rect">
+                  <a:avLst/>
+                </a:prstGeom>
+                <a:noFill/>
+              </p:spPr>
+              <p:txBody>
+                <a:bodyPr wrap="none" lIns="0" tIns="0" rIns="0" bIns="0" rtlCol="0">
+                  <a:spAutoFit/>
+                </a:bodyPr>
+                <a:lstStyle/>
+                <a:p>
+                  <a:pPr/>
+                  <a14:m>
+                    <m:oMathPara xmlns:m="http://schemas.openxmlformats.org/officeDocument/2006/math">
+                      <m:oMathParaPr>
+                        <m:jc m:val="centerGroup"/>
+                      </m:oMathParaPr>
+                      <m:oMath xmlns:m="http://schemas.openxmlformats.org/officeDocument/2006/math">
+                        <m:sSub>
+                          <m:sSubPr>
+                            <m:ctrlPr>
+                              <a:rPr lang="en-US" b="0" i="1" smtClean="0">
+                                <a:latin typeface="Cambria Math" panose="02040503050406030204" pitchFamily="18" charset="0"/>
+                              </a:rPr>
+                            </m:ctrlPr>
+                          </m:sSubPr>
+                          <m:e>
+                            <m:r>
+                              <a:rPr lang="en-US" b="0" i="1" smtClean="0">
+                                <a:latin typeface="Cambria Math" panose="02040503050406030204" pitchFamily="18" charset="0"/>
+                              </a:rPr>
+                              <m:t>𝛼</m:t>
+                            </m:r>
+                          </m:e>
+                          <m:sub>
+                            <m:r>
+                              <a:rPr lang="en-US" b="0" i="1" smtClean="0">
+                                <a:latin typeface="Cambria Math" panose="02040503050406030204" pitchFamily="18" charset="0"/>
+                              </a:rPr>
+                              <m:t>𝑘</m:t>
+                            </m:r>
+                          </m:sub>
+                        </m:sSub>
+                        <m:r>
+                          <a:rPr lang="en-US" b="0" i="1" smtClean="0">
+                            <a:latin typeface="Cambria Math" panose="02040503050406030204" pitchFamily="18" charset="0"/>
+                          </a:rPr>
+                          <m:t>=1</m:t>
+                        </m:r>
+                      </m:oMath>
+                    </m:oMathPara>
+                  </a14:m>
+                  <a:endParaRPr lang="en-US" dirty="0"/>
+                </a:p>
+              </p:txBody>
+            </p:sp>
+          </mc:Choice>
+          <mc:Fallback xmlns="">
+            <p:sp>
+              <p:nvSpPr>
+                <p:cNvPr id="15" name="TextBox 14">
+                  <a:extLst>
+                    <a:ext uri="{FF2B5EF4-FFF2-40B4-BE49-F238E27FC236}">
+                      <a16:creationId xmlns:a16="http://schemas.microsoft.com/office/drawing/2014/main" id="{94842A5C-6231-96D6-0DB8-F1116D661C4E}"/>
+                    </a:ext>
+                  </a:extLst>
+                </p:cNvPr>
+                <p:cNvSpPr txBox="1">
+                  <a:spLocks noRot="1" noChangeAspect="1" noMove="1" noResize="1" noEditPoints="1" noAdjustHandles="1" noChangeArrowheads="1" noChangeShapeType="1" noTextEdit="1"/>
+                </p:cNvSpPr>
+                <p:nvPr/>
+              </p:nvSpPr>
+              <p:spPr>
+                <a:xfrm>
+                  <a:off x="6948730" y="5690163"/>
+                  <a:ext cx="748666" cy="276999"/>
+                </a:xfrm>
+                <a:prstGeom prst="rect">
+                  <a:avLst/>
+                </a:prstGeom>
+                <a:blipFill>
+                  <a:blip r:embed="rId5"/>
+                  <a:stretch>
+                    <a:fillRect l="-3333" r="-5000" b="-17391"/>
+                  </a:stretch>
+                </a:blipFill>
+              </p:spPr>
+              <p:txBody>
+                <a:bodyPr/>
+                <a:lstStyle/>
+                <a:p>
+                  <a:r>
+                    <a:rPr lang="en-US">
+                      <a:noFill/>
+                    </a:rPr>
+                    <a:t> </a:t>
+                  </a:r>
+                </a:p>
+              </p:txBody>
+            </p:sp>
+          </mc:Fallback>
+        </mc:AlternateContent>
+      </p:grpSp>
     </p:spTree>
     <p:extLst>
       <p:ext uri="{BB962C8B-B14F-4D97-AF65-F5344CB8AC3E}">
@@ -27979,11 +28274,7 @@
                                           </p:stCondLst>
                                         </p:cTn>
                                         <p:tgtEl>
-                                          <p:spTgt spid="3">
-                                            <p:txEl>
-                                              <p:pRg st="1" end="1"/>
-                                            </p:txEl>
-                                          </p:spTgt>
+                                          <p:spTgt spid="5"/>
                                         </p:tgtEl>
                                         <p:attrNameLst>
                                           <p:attrName>style.visibility</p:attrName>
@@ -28030,7 +28321,7 @@
                                         <p:tgtEl>
                                           <p:spTgt spid="3">
                                             <p:txEl>
-                                              <p:pRg st="2" end="2"/>
+                                              <p:pRg st="1" end="1"/>
                                             </p:txEl>
                                           </p:spTgt>
                                         </p:tgtEl>
@@ -28079,7 +28370,7 @@
                                         <p:tgtEl>
                                           <p:spTgt spid="3">
                                             <p:txEl>
-                                              <p:pRg st="3" end="3"/>
+                                              <p:pRg st="2" end="2"/>
                                             </p:txEl>
                                           </p:spTgt>
                                         </p:tgtEl>
@@ -28128,6 +28419,55 @@
                                         <p:tgtEl>
                                           <p:spTgt spid="3">
                                             <p:txEl>
+                                              <p:pRg st="3" end="3"/>
+                                            </p:txEl>
+                                          </p:spTgt>
+                                        </p:tgtEl>
+                                        <p:attrNameLst>
+                                          <p:attrName>style.visibility</p:attrName>
+                                        </p:attrNameLst>
+                                      </p:cBhvr>
+                                      <p:to>
+                                        <p:strVal val="visible"/>
+                                      </p:to>
+                                    </p:set>
+                                  </p:childTnLst>
+                                </p:cTn>
+                              </p:par>
+                            </p:childTnLst>
+                          </p:cTn>
+                        </p:par>
+                      </p:childTnLst>
+                    </p:cTn>
+                  </p:par>
+                  <p:par>
+                    <p:cTn id="23" fill="hold">
+                      <p:stCondLst>
+                        <p:cond delay="indefinite"/>
+                      </p:stCondLst>
+                      <p:childTnLst>
+                        <p:par>
+                          <p:cTn id="24" fill="hold">
+                            <p:stCondLst>
+                              <p:cond delay="0"/>
+                            </p:stCondLst>
+                            <p:childTnLst>
+                              <p:par>
+                                <p:cTn id="25" presetID="1" presetClass="entr" presetSubtype="0" fill="hold" nodeType="clickEffect">
+                                  <p:stCondLst>
+                                    <p:cond delay="0"/>
+                                  </p:stCondLst>
+                                  <p:childTnLst>
+                                    <p:set>
+                                      <p:cBhvr>
+                                        <p:cTn id="26" dur="1" fill="hold">
+                                          <p:stCondLst>
+                                            <p:cond delay="0"/>
+                                          </p:stCondLst>
+                                        </p:cTn>
+                                        <p:tgtEl>
+                                          <p:spTgt spid="3">
+                                            <p:txEl>
                                               <p:pRg st="4" end="4"/>
                                             </p:txEl>
                                           </p:spTgt>
@@ -28144,14 +28484,14 @@
                                 </p:cTn>
                               </p:par>
                               <p:par>
-                                <p:cTn id="23" presetID="1" presetClass="entr" presetSubtype="0" fill="hold" nodeType="withEffect">
+                                <p:cTn id="27" presetID="1" presetClass="entr" presetSubtype="0" fill="hold" nodeType="withEffect">
                                   <p:stCondLst>
                                     <p:cond delay="0"/>
                                   </p:stCondLst>
                                   <p:childTnLst>
                                     <p:set>
                                       <p:cBhvr>
-                                        <p:cTn id="24" dur="1" fill="hold">
+                                        <p:cTn id="28" dur="1" fill="hold">
                                           <p:stCondLst>
                                             <p:cond delay="0"/>
                                           </p:stCondLst>
@@ -28175,14 +28515,14 @@
                                 </p:cTn>
                               </p:par>
                               <p:par>
-                                <p:cTn id="25" presetID="1" presetClass="entr" presetSubtype="0" fill="hold" nodeType="withEffect">
+                                <p:cTn id="29" presetID="1" presetClass="entr" presetSubtype="0" fill="hold" nodeType="withEffect">
                                   <p:stCondLst>
                                     <p:cond delay="0"/>
                                   </p:stCondLst>
                                   <p:childTnLst>
                                     <p:set>
                                       <p:cBhvr>
-                                        <p:cTn id="26" dur="1" fill="hold">
+                                        <p:cTn id="30" dur="1" fill="hold">
                                           <p:stCondLst>
                                             <p:cond delay="0"/>
                                           </p:stCondLst>
@@ -28212,26 +28552,26 @@
                     </p:cTn>
                   </p:par>
                   <p:par>
-                    <p:cTn id="27" fill="hold">
+                    <p:cTn id="31" fill="hold">
                       <p:stCondLst>
                         <p:cond delay="indefinite"/>
                       </p:stCondLst>
                       <p:childTnLst>
                         <p:par>
-                          <p:cTn id="28" fill="hold">
+                          <p:cTn id="32" fill="hold">
                             <p:stCondLst>
                               <p:cond delay="0"/>
                             </p:stCondLst>
                             <p:childTnLst>
                               <p:par>
-                                <p:cTn id="29" presetID="3" presetClass="entr" presetSubtype="10" fill="hold" nodeType="clickEffect">
+                                <p:cTn id="33" presetID="3" presetClass="entr" presetSubtype="10" fill="hold" nodeType="clickEffect">
                                   <p:stCondLst>
                                     <p:cond delay="0"/>
                                   </p:stCondLst>
                                   <p:childTnLst>
                                     <p:set>
                                       <p:cBhvr>
-                                        <p:cTn id="30" dur="1" fill="hold">
+                                        <p:cTn id="34" dur="1" fill="hold">
                                           <p:stCondLst>
                                             <p:cond delay="0"/>
                                           </p:stCondLst>
@@ -28253,7 +28593,7 @@
                                     </p:set>
                                     <p:animEffect transition="in" filter="blinds(horizontal)">
                                       <p:cBhvr>
-                                        <p:cTn id="31" dur="500"/>
+                                        <p:cTn id="35" dur="500"/>
                                         <p:tgtEl>
                                           <p:spTgt spid="3">
                                             <p:txEl>
